--- a/gxls-power-platform-slides.pptx
+++ b/gxls-power-platform-slides.pptx
@@ -5,7 +5,7 @@
     <p:sldMasterId id="2147483648" r:id="rId1"/>
   </p:sldMasterIdLst>
   <p:notesMasterIdLst>
-    <p:notesMasterId r:id="rId25"/>
+    <p:notesMasterId r:id="rId37"/>
   </p:notesMasterIdLst>
   <p:sldIdLst>
     <p:sldId id="256" r:id="rId2"/>
@@ -31,16 +31,28 @@
     <p:sldId id="441" r:id="rId22"/>
     <p:sldId id="453" r:id="rId23"/>
     <p:sldId id="414" r:id="rId24"/>
+    <p:sldId id="459" r:id="rId25"/>
+    <p:sldId id="456" r:id="rId26"/>
+    <p:sldId id="435" r:id="rId27"/>
+    <p:sldId id="457" r:id="rId28"/>
+    <p:sldId id="436" r:id="rId29"/>
+    <p:sldId id="458" r:id="rId30"/>
+    <p:sldId id="465" r:id="rId31"/>
+    <p:sldId id="460" r:id="rId32"/>
+    <p:sldId id="461" r:id="rId33"/>
+    <p:sldId id="462" r:id="rId34"/>
+    <p:sldId id="463" r:id="rId35"/>
+    <p:sldId id="464" r:id="rId36"/>
   </p:sldIdLst>
   <p:sldSz cx="18288000" cy="10287000"/>
   <p:notesSz cx="6858000" cy="9144000"/>
   <p:embeddedFontLst>
     <p:embeddedFont>
       <p:font typeface="Consolas" panose="020B0609020204030204" pitchFamily="49" charset="0"/>
-      <p:regular r:id="rId26"/>
-      <p:bold r:id="rId27"/>
-      <p:italic r:id="rId28"/>
-      <p:boldItalic r:id="rId29"/>
+      <p:regular r:id="rId38"/>
+      <p:bold r:id="rId39"/>
+      <p:italic r:id="rId40"/>
+      <p:boldItalic r:id="rId41"/>
     </p:embeddedFont>
   </p:embeddedFontLst>
   <p:defaultTextStyle>
@@ -178,6 +190,7 @@
 <file path=ppt/revisionInfo.xml><?xml version="1.0" encoding="utf-8"?>
 <p1510:revInfo xmlns:a="http://schemas.openxmlformats.org/drawingml/2006/main" xmlns:r="http://schemas.openxmlformats.org/officeDocument/2006/relationships" xmlns:p1510="http://schemas.microsoft.com/office/powerpoint/2015/10/main">
   <p1510:revLst>
+    <p1510:client id="{FCFE45DF-55D5-405D-A565-885B46CD6B1C}" v="6" dt="2025-10-20T17:08:01.631"/>
     <p1510:client id="{FF0EED0B-C5B4-4142-B053-6337C3D566F0}" v="5" dt="2025-10-20T16:58:00.767"/>
   </p1510:revLst>
 </p1510:revInfo>
@@ -1036,6 +1049,834 @@
 </p:notes>
 </file>
 
+<file path=ppt/notesSlides/notesSlide13.xml><?xml version="1.0" encoding="utf-8"?>
+<p:notes xmlns:a="http://schemas.openxmlformats.org/drawingml/2006/main" xmlns:r="http://schemas.openxmlformats.org/officeDocument/2006/relationships" xmlns:p="http://schemas.openxmlformats.org/presentationml/2006/main">
+  <p:cSld>
+    <p:spTree>
+      <p:nvGrpSpPr>
+        <p:cNvPr id="1" name=""/>
+        <p:cNvGrpSpPr/>
+        <p:nvPr/>
+      </p:nvGrpSpPr>
+      <p:grpSpPr>
+        <a:xfrm>
+          <a:off x="0" y="0"/>
+          <a:ext cx="0" cy="0"/>
+          <a:chOff x="0" y="0"/>
+          <a:chExt cx="0" cy="0"/>
+        </a:xfrm>
+      </p:grpSpPr>
+      <p:sp>
+        <p:nvSpPr>
+          <p:cNvPr id="2" name="Slide Image Placeholder 1"/>
+          <p:cNvSpPr>
+            <a:spLocks noGrp="1" noRot="1" noChangeAspect="1"/>
+          </p:cNvSpPr>
+          <p:nvPr>
+            <p:ph type="sldImg"/>
+          </p:nvPr>
+        </p:nvSpPr>
+        <p:spPr/>
+      </p:sp>
+      <p:sp>
+        <p:nvSpPr>
+          <p:cNvPr id="3" name="Notes Placeholder 2"/>
+          <p:cNvSpPr>
+            <a:spLocks noGrp="1"/>
+          </p:cNvSpPr>
+          <p:nvPr>
+            <p:ph type="body" idx="1"/>
+          </p:nvPr>
+        </p:nvSpPr>
+        <p:spPr/>
+        <p:txBody>
+          <a:bodyPr/>
+          <a:lstStyle/>
+          <a:p>
+            <a:pPr marL="228600" indent="-228600">
+              <a:buAutoNum type="arabicPeriod"/>
+            </a:pPr>
+            <a:r>
+              <a:rPr lang="en-US" dirty="0"/>
+              <a:t>False!</a:t>
+            </a:r>
+          </a:p>
+          <a:p>
+            <a:pPr marL="228600" indent="-228600">
+              <a:buAutoNum type="arabicPeriod"/>
+            </a:pPr>
+            <a:r>
+              <a:rPr lang="en-US" dirty="0"/>
+              <a:t>Function, Formula, Function</a:t>
+            </a:r>
+          </a:p>
+          <a:p>
+            <a:pPr marL="228600" indent="-228600">
+              <a:buAutoNum type="arabicPeriod"/>
+            </a:pPr>
+            <a:r>
+              <a:rPr lang="en-US" dirty="0"/>
+              <a:t>Argument</a:t>
+            </a:r>
+          </a:p>
+        </p:txBody>
+      </p:sp>
+      <p:sp>
+        <p:nvSpPr>
+          <p:cNvPr id="4" name="Slide Number Placeholder 3"/>
+          <p:cNvSpPr>
+            <a:spLocks noGrp="1"/>
+          </p:cNvSpPr>
+          <p:nvPr>
+            <p:ph type="sldNum" sz="quarter" idx="5"/>
+          </p:nvPr>
+        </p:nvSpPr>
+        <p:spPr/>
+        <p:txBody>
+          <a:bodyPr/>
+          <a:lstStyle/>
+          <a:p>
+            <a:fld id="{1300335D-9F13-4B80-ADC5-B0EA3E10FF6B}" type="slidenum">
+              <a:rPr lang="en-US" smtClean="0"/>
+              <a:t>25</a:t>
+            </a:fld>
+            <a:endParaRPr lang="en-US"/>
+          </a:p>
+        </p:txBody>
+      </p:sp>
+    </p:spTree>
+    <p:extLst>
+      <p:ext uri="{BB962C8B-B14F-4D97-AF65-F5344CB8AC3E}">
+        <p14:creationId xmlns:p14="http://schemas.microsoft.com/office/powerpoint/2010/main" val="624549242"/>
+      </p:ext>
+    </p:extLst>
+  </p:cSld>
+  <p:clrMapOvr>
+    <a:masterClrMapping/>
+  </p:clrMapOvr>
+</p:notes>
+</file>
+
+<file path=ppt/notesSlides/notesSlide14.xml><?xml version="1.0" encoding="utf-8"?>
+<p:notes xmlns:a="http://schemas.openxmlformats.org/drawingml/2006/main" xmlns:r="http://schemas.openxmlformats.org/officeDocument/2006/relationships" xmlns:p="http://schemas.openxmlformats.org/presentationml/2006/main">
+  <p:cSld>
+    <p:spTree>
+      <p:nvGrpSpPr>
+        <p:cNvPr id="1" name="">
+          <a:extLst>
+            <a:ext uri="{FF2B5EF4-FFF2-40B4-BE49-F238E27FC236}">
+              <a16:creationId xmlns:a16="http://schemas.microsoft.com/office/drawing/2014/main" id="{4F87FECE-35C8-2280-2CF9-9A5B7ABD94C0}"/>
+            </a:ext>
+          </a:extLst>
+        </p:cNvPr>
+        <p:cNvGrpSpPr/>
+        <p:nvPr/>
+      </p:nvGrpSpPr>
+      <p:grpSpPr>
+        <a:xfrm>
+          <a:off x="0" y="0"/>
+          <a:ext cx="0" cy="0"/>
+          <a:chOff x="0" y="0"/>
+          <a:chExt cx="0" cy="0"/>
+        </a:xfrm>
+      </p:grpSpPr>
+      <p:sp>
+        <p:nvSpPr>
+          <p:cNvPr id="2" name="Slide Image Placeholder 1">
+            <a:extLst>
+              <a:ext uri="{FF2B5EF4-FFF2-40B4-BE49-F238E27FC236}">
+                <a16:creationId xmlns:a16="http://schemas.microsoft.com/office/drawing/2014/main" id="{64FA516F-55A2-FF7F-3973-4C55F68AC6E1}"/>
+              </a:ext>
+            </a:extLst>
+          </p:cNvPr>
+          <p:cNvSpPr>
+            <a:spLocks noGrp="1" noRot="1" noChangeAspect="1"/>
+          </p:cNvSpPr>
+          <p:nvPr>
+            <p:ph type="sldImg"/>
+          </p:nvPr>
+        </p:nvSpPr>
+        <p:spPr/>
+      </p:sp>
+      <p:sp>
+        <p:nvSpPr>
+          <p:cNvPr id="3" name="Notes Placeholder 2">
+            <a:extLst>
+              <a:ext uri="{FF2B5EF4-FFF2-40B4-BE49-F238E27FC236}">
+                <a16:creationId xmlns:a16="http://schemas.microsoft.com/office/drawing/2014/main" id="{41CC3095-AF81-42F2-90C1-47B8D0EC40F7}"/>
+              </a:ext>
+            </a:extLst>
+          </p:cNvPr>
+          <p:cNvSpPr>
+            <a:spLocks noGrp="1"/>
+          </p:cNvSpPr>
+          <p:nvPr>
+            <p:ph type="body" idx="1"/>
+          </p:nvPr>
+        </p:nvSpPr>
+        <p:spPr/>
+        <p:txBody>
+          <a:bodyPr/>
+          <a:lstStyle/>
+          <a:p>
+            <a:pPr marL="228600" indent="-228600">
+              <a:buAutoNum type="arabicPeriod"/>
+            </a:pPr>
+            <a:r>
+              <a:rPr lang="en-US" dirty="0"/>
+              <a:t>False!</a:t>
+            </a:r>
+          </a:p>
+          <a:p>
+            <a:pPr marL="228600" indent="-228600">
+              <a:buAutoNum type="arabicPeriod"/>
+            </a:pPr>
+            <a:r>
+              <a:rPr lang="en-US" dirty="0"/>
+              <a:t>Function, Formula, Function</a:t>
+            </a:r>
+          </a:p>
+          <a:p>
+            <a:pPr marL="228600" indent="-228600">
+              <a:buAutoNum type="arabicPeriod"/>
+            </a:pPr>
+            <a:r>
+              <a:rPr lang="en-US" dirty="0"/>
+              <a:t>Argument</a:t>
+            </a:r>
+          </a:p>
+        </p:txBody>
+      </p:sp>
+      <p:sp>
+        <p:nvSpPr>
+          <p:cNvPr id="4" name="Slide Number Placeholder 3">
+            <a:extLst>
+              <a:ext uri="{FF2B5EF4-FFF2-40B4-BE49-F238E27FC236}">
+                <a16:creationId xmlns:a16="http://schemas.microsoft.com/office/drawing/2014/main" id="{60DBACF5-7DF6-0128-0C59-D49773290437}"/>
+              </a:ext>
+            </a:extLst>
+          </p:cNvPr>
+          <p:cNvSpPr>
+            <a:spLocks noGrp="1"/>
+          </p:cNvSpPr>
+          <p:nvPr>
+            <p:ph type="sldNum" sz="quarter" idx="5"/>
+          </p:nvPr>
+        </p:nvSpPr>
+        <p:spPr/>
+        <p:txBody>
+          <a:bodyPr/>
+          <a:lstStyle/>
+          <a:p>
+            <a:fld id="{1300335D-9F13-4B80-ADC5-B0EA3E10FF6B}" type="slidenum">
+              <a:rPr lang="en-US" smtClean="0"/>
+              <a:t>26</a:t>
+            </a:fld>
+            <a:endParaRPr lang="en-US"/>
+          </a:p>
+        </p:txBody>
+      </p:sp>
+    </p:spTree>
+    <p:extLst>
+      <p:ext uri="{BB962C8B-B14F-4D97-AF65-F5344CB8AC3E}">
+        <p14:creationId xmlns:p14="http://schemas.microsoft.com/office/powerpoint/2010/main" val="38043032"/>
+      </p:ext>
+    </p:extLst>
+  </p:cSld>
+  <p:clrMapOvr>
+    <a:masterClrMapping/>
+  </p:clrMapOvr>
+</p:notes>
+</file>
+
+<file path=ppt/notesSlides/notesSlide15.xml><?xml version="1.0" encoding="utf-8"?>
+<p:notes xmlns:a="http://schemas.openxmlformats.org/drawingml/2006/main" xmlns:r="http://schemas.openxmlformats.org/officeDocument/2006/relationships" xmlns:p="http://schemas.openxmlformats.org/presentationml/2006/main">
+  <p:cSld>
+    <p:spTree>
+      <p:nvGrpSpPr>
+        <p:cNvPr id="1" name=""/>
+        <p:cNvGrpSpPr/>
+        <p:nvPr/>
+      </p:nvGrpSpPr>
+      <p:grpSpPr>
+        <a:xfrm>
+          <a:off x="0" y="0"/>
+          <a:ext cx="0" cy="0"/>
+          <a:chOff x="0" y="0"/>
+          <a:chExt cx="0" cy="0"/>
+        </a:xfrm>
+      </p:grpSpPr>
+      <p:sp>
+        <p:nvSpPr>
+          <p:cNvPr id="2" name="Slide Image Placeholder 1"/>
+          <p:cNvSpPr>
+            <a:spLocks noGrp="1" noRot="1" noChangeAspect="1"/>
+          </p:cNvSpPr>
+          <p:nvPr>
+            <p:ph type="sldImg"/>
+          </p:nvPr>
+        </p:nvSpPr>
+        <p:spPr/>
+      </p:sp>
+      <p:sp>
+        <p:nvSpPr>
+          <p:cNvPr id="3" name="Notes Placeholder 2"/>
+          <p:cNvSpPr>
+            <a:spLocks noGrp="1"/>
+          </p:cNvSpPr>
+          <p:nvPr>
+            <p:ph type="body" idx="1"/>
+          </p:nvPr>
+        </p:nvSpPr>
+        <p:spPr/>
+        <p:txBody>
+          <a:bodyPr/>
+          <a:lstStyle/>
+          <a:p>
+            <a:pPr marL="228600" indent="-228600">
+              <a:buAutoNum type="arabicPeriod"/>
+            </a:pPr>
+            <a:r>
+              <a:rPr lang="en-US" dirty="0"/>
+              <a:t>False!</a:t>
+            </a:r>
+          </a:p>
+          <a:p>
+            <a:pPr marL="228600" indent="-228600">
+              <a:buAutoNum type="arabicPeriod"/>
+            </a:pPr>
+            <a:r>
+              <a:rPr lang="en-US" dirty="0"/>
+              <a:t>Function, Formula, Function</a:t>
+            </a:r>
+          </a:p>
+          <a:p>
+            <a:pPr marL="228600" indent="-228600">
+              <a:buAutoNum type="arabicPeriod"/>
+            </a:pPr>
+            <a:r>
+              <a:rPr lang="en-US" dirty="0"/>
+              <a:t>Argument</a:t>
+            </a:r>
+          </a:p>
+        </p:txBody>
+      </p:sp>
+      <p:sp>
+        <p:nvSpPr>
+          <p:cNvPr id="4" name="Slide Number Placeholder 3"/>
+          <p:cNvSpPr>
+            <a:spLocks noGrp="1"/>
+          </p:cNvSpPr>
+          <p:nvPr>
+            <p:ph type="sldNum" sz="quarter" idx="5"/>
+          </p:nvPr>
+        </p:nvSpPr>
+        <p:spPr/>
+        <p:txBody>
+          <a:bodyPr/>
+          <a:lstStyle/>
+          <a:p>
+            <a:fld id="{1300335D-9F13-4B80-ADC5-B0EA3E10FF6B}" type="slidenum">
+              <a:rPr lang="en-US" smtClean="0"/>
+              <a:t>27</a:t>
+            </a:fld>
+            <a:endParaRPr lang="en-US"/>
+          </a:p>
+        </p:txBody>
+      </p:sp>
+    </p:spTree>
+    <p:extLst>
+      <p:ext uri="{BB962C8B-B14F-4D97-AF65-F5344CB8AC3E}">
+        <p14:creationId xmlns:p14="http://schemas.microsoft.com/office/powerpoint/2010/main" val="3864329887"/>
+      </p:ext>
+    </p:extLst>
+  </p:cSld>
+  <p:clrMapOvr>
+    <a:masterClrMapping/>
+  </p:clrMapOvr>
+</p:notes>
+</file>
+
+<file path=ppt/notesSlides/notesSlide16.xml><?xml version="1.0" encoding="utf-8"?>
+<p:notes xmlns:a="http://schemas.openxmlformats.org/drawingml/2006/main" xmlns:r="http://schemas.openxmlformats.org/officeDocument/2006/relationships" xmlns:p="http://schemas.openxmlformats.org/presentationml/2006/main">
+  <p:cSld>
+    <p:spTree>
+      <p:nvGrpSpPr>
+        <p:cNvPr id="1" name="">
+          <a:extLst>
+            <a:ext uri="{FF2B5EF4-FFF2-40B4-BE49-F238E27FC236}">
+              <a16:creationId xmlns:a16="http://schemas.microsoft.com/office/drawing/2014/main" id="{D1427428-6FC2-A027-32B1-DB84A3E8FC8F}"/>
+            </a:ext>
+          </a:extLst>
+        </p:cNvPr>
+        <p:cNvGrpSpPr/>
+        <p:nvPr/>
+      </p:nvGrpSpPr>
+      <p:grpSpPr>
+        <a:xfrm>
+          <a:off x="0" y="0"/>
+          <a:ext cx="0" cy="0"/>
+          <a:chOff x="0" y="0"/>
+          <a:chExt cx="0" cy="0"/>
+        </a:xfrm>
+      </p:grpSpPr>
+      <p:sp>
+        <p:nvSpPr>
+          <p:cNvPr id="2" name="Slide Image Placeholder 1">
+            <a:extLst>
+              <a:ext uri="{FF2B5EF4-FFF2-40B4-BE49-F238E27FC236}">
+                <a16:creationId xmlns:a16="http://schemas.microsoft.com/office/drawing/2014/main" id="{C44A4E1A-74A6-A7D3-C5A0-389364C0DD5E}"/>
+              </a:ext>
+            </a:extLst>
+          </p:cNvPr>
+          <p:cNvSpPr>
+            <a:spLocks noGrp="1" noRot="1" noChangeAspect="1"/>
+          </p:cNvSpPr>
+          <p:nvPr>
+            <p:ph type="sldImg"/>
+          </p:nvPr>
+        </p:nvSpPr>
+        <p:spPr/>
+      </p:sp>
+      <p:sp>
+        <p:nvSpPr>
+          <p:cNvPr id="3" name="Notes Placeholder 2">
+            <a:extLst>
+              <a:ext uri="{FF2B5EF4-FFF2-40B4-BE49-F238E27FC236}">
+                <a16:creationId xmlns:a16="http://schemas.microsoft.com/office/drawing/2014/main" id="{AD42E65A-B376-8DBB-656F-98973EABEDCB}"/>
+              </a:ext>
+            </a:extLst>
+          </p:cNvPr>
+          <p:cNvSpPr>
+            <a:spLocks noGrp="1"/>
+          </p:cNvSpPr>
+          <p:nvPr>
+            <p:ph type="body" idx="1"/>
+          </p:nvPr>
+        </p:nvSpPr>
+        <p:spPr/>
+        <p:txBody>
+          <a:bodyPr/>
+          <a:lstStyle/>
+          <a:p>
+            <a:pPr marL="228600" indent="-228600">
+              <a:buAutoNum type="arabicPeriod"/>
+            </a:pPr>
+            <a:r>
+              <a:rPr lang="en-US" dirty="0"/>
+              <a:t>False!</a:t>
+            </a:r>
+          </a:p>
+          <a:p>
+            <a:pPr marL="228600" indent="-228600">
+              <a:buAutoNum type="arabicPeriod"/>
+            </a:pPr>
+            <a:r>
+              <a:rPr lang="en-US" dirty="0"/>
+              <a:t>Function, Formula, Function</a:t>
+            </a:r>
+          </a:p>
+          <a:p>
+            <a:pPr marL="228600" indent="-228600">
+              <a:buAutoNum type="arabicPeriod"/>
+            </a:pPr>
+            <a:r>
+              <a:rPr lang="en-US" dirty="0"/>
+              <a:t>Argument</a:t>
+            </a:r>
+          </a:p>
+        </p:txBody>
+      </p:sp>
+      <p:sp>
+        <p:nvSpPr>
+          <p:cNvPr id="4" name="Slide Number Placeholder 3">
+            <a:extLst>
+              <a:ext uri="{FF2B5EF4-FFF2-40B4-BE49-F238E27FC236}">
+                <a16:creationId xmlns:a16="http://schemas.microsoft.com/office/drawing/2014/main" id="{3D590908-5AEE-5D1B-AF9B-6D6186D5DC0F}"/>
+              </a:ext>
+            </a:extLst>
+          </p:cNvPr>
+          <p:cNvSpPr>
+            <a:spLocks noGrp="1"/>
+          </p:cNvSpPr>
+          <p:nvPr>
+            <p:ph type="sldNum" sz="quarter" idx="5"/>
+          </p:nvPr>
+        </p:nvSpPr>
+        <p:spPr/>
+        <p:txBody>
+          <a:bodyPr/>
+          <a:lstStyle/>
+          <a:p>
+            <a:fld id="{1300335D-9F13-4B80-ADC5-B0EA3E10FF6B}" type="slidenum">
+              <a:rPr lang="en-US" smtClean="0"/>
+              <a:t>28</a:t>
+            </a:fld>
+            <a:endParaRPr lang="en-US"/>
+          </a:p>
+        </p:txBody>
+      </p:sp>
+    </p:spTree>
+    <p:extLst>
+      <p:ext uri="{BB962C8B-B14F-4D97-AF65-F5344CB8AC3E}">
+        <p14:creationId xmlns:p14="http://schemas.microsoft.com/office/powerpoint/2010/main" val="3275281226"/>
+      </p:ext>
+    </p:extLst>
+  </p:cSld>
+  <p:clrMapOvr>
+    <a:masterClrMapping/>
+  </p:clrMapOvr>
+</p:notes>
+</file>
+
+<file path=ppt/notesSlides/notesSlide17.xml><?xml version="1.0" encoding="utf-8"?>
+<p:notes xmlns:a="http://schemas.openxmlformats.org/drawingml/2006/main" xmlns:r="http://schemas.openxmlformats.org/officeDocument/2006/relationships" xmlns:p="http://schemas.openxmlformats.org/presentationml/2006/main">
+  <p:cSld>
+    <p:spTree>
+      <p:nvGrpSpPr>
+        <p:cNvPr id="1" name=""/>
+        <p:cNvGrpSpPr/>
+        <p:nvPr/>
+      </p:nvGrpSpPr>
+      <p:grpSpPr>
+        <a:xfrm>
+          <a:off x="0" y="0"/>
+          <a:ext cx="0" cy="0"/>
+          <a:chOff x="0" y="0"/>
+          <a:chExt cx="0" cy="0"/>
+        </a:xfrm>
+      </p:grpSpPr>
+      <p:sp>
+        <p:nvSpPr>
+          <p:cNvPr id="2" name="Slide Image Placeholder 1"/>
+          <p:cNvSpPr>
+            <a:spLocks noGrp="1" noRot="1" noChangeAspect="1"/>
+          </p:cNvSpPr>
+          <p:nvPr>
+            <p:ph type="sldImg"/>
+          </p:nvPr>
+        </p:nvSpPr>
+        <p:spPr/>
+      </p:sp>
+      <p:sp>
+        <p:nvSpPr>
+          <p:cNvPr id="3" name="Notes Placeholder 2"/>
+          <p:cNvSpPr>
+            <a:spLocks noGrp="1"/>
+          </p:cNvSpPr>
+          <p:nvPr>
+            <p:ph type="body" idx="1"/>
+          </p:nvPr>
+        </p:nvSpPr>
+        <p:spPr/>
+        <p:txBody>
+          <a:bodyPr/>
+          <a:lstStyle/>
+          <a:p>
+            <a:pPr marL="228600" indent="-228600">
+              <a:buAutoNum type="arabicPeriod"/>
+            </a:pPr>
+            <a:r>
+              <a:rPr lang="en-US" dirty="0"/>
+              <a:t>False!</a:t>
+            </a:r>
+          </a:p>
+          <a:p>
+            <a:pPr marL="228600" indent="-228600">
+              <a:buAutoNum type="arabicPeriod"/>
+            </a:pPr>
+            <a:r>
+              <a:rPr lang="en-US" dirty="0"/>
+              <a:t>Function, Formula, Function</a:t>
+            </a:r>
+          </a:p>
+          <a:p>
+            <a:pPr marL="228600" indent="-228600">
+              <a:buAutoNum type="arabicPeriod"/>
+            </a:pPr>
+            <a:r>
+              <a:rPr lang="en-US" dirty="0"/>
+              <a:t>Argument</a:t>
+            </a:r>
+          </a:p>
+        </p:txBody>
+      </p:sp>
+      <p:sp>
+        <p:nvSpPr>
+          <p:cNvPr id="4" name="Slide Number Placeholder 3"/>
+          <p:cNvSpPr>
+            <a:spLocks noGrp="1"/>
+          </p:cNvSpPr>
+          <p:nvPr>
+            <p:ph type="sldNum" sz="quarter" idx="5"/>
+          </p:nvPr>
+        </p:nvSpPr>
+        <p:spPr/>
+        <p:txBody>
+          <a:bodyPr/>
+          <a:lstStyle/>
+          <a:p>
+            <a:fld id="{1300335D-9F13-4B80-ADC5-B0EA3E10FF6B}" type="slidenum">
+              <a:rPr lang="en-US" smtClean="0"/>
+              <a:t>31</a:t>
+            </a:fld>
+            <a:endParaRPr lang="en-US"/>
+          </a:p>
+        </p:txBody>
+      </p:sp>
+    </p:spTree>
+    <p:extLst>
+      <p:ext uri="{BB962C8B-B14F-4D97-AF65-F5344CB8AC3E}">
+        <p14:creationId xmlns:p14="http://schemas.microsoft.com/office/powerpoint/2010/main" val="624549242"/>
+      </p:ext>
+    </p:extLst>
+  </p:cSld>
+  <p:clrMapOvr>
+    <a:masterClrMapping/>
+  </p:clrMapOvr>
+</p:notes>
+</file>
+
+<file path=ppt/notesSlides/notesSlide18.xml><?xml version="1.0" encoding="utf-8"?>
+<p:notes xmlns:a="http://schemas.openxmlformats.org/drawingml/2006/main" xmlns:r="http://schemas.openxmlformats.org/officeDocument/2006/relationships" xmlns:p="http://schemas.openxmlformats.org/presentationml/2006/main">
+  <p:cSld>
+    <p:spTree>
+      <p:nvGrpSpPr>
+        <p:cNvPr id="1" name=""/>
+        <p:cNvGrpSpPr/>
+        <p:nvPr/>
+      </p:nvGrpSpPr>
+      <p:grpSpPr>
+        <a:xfrm>
+          <a:off x="0" y="0"/>
+          <a:ext cx="0" cy="0"/>
+          <a:chOff x="0" y="0"/>
+          <a:chExt cx="0" cy="0"/>
+        </a:xfrm>
+      </p:grpSpPr>
+      <p:sp>
+        <p:nvSpPr>
+          <p:cNvPr id="2" name="Slide Image Placeholder 1"/>
+          <p:cNvSpPr>
+            <a:spLocks noGrp="1" noRot="1" noChangeAspect="1"/>
+          </p:cNvSpPr>
+          <p:nvPr>
+            <p:ph type="sldImg"/>
+          </p:nvPr>
+        </p:nvSpPr>
+        <p:spPr/>
+      </p:sp>
+      <p:sp>
+        <p:nvSpPr>
+          <p:cNvPr id="3" name="Notes Placeholder 2"/>
+          <p:cNvSpPr>
+            <a:spLocks noGrp="1"/>
+          </p:cNvSpPr>
+          <p:nvPr>
+            <p:ph type="body" idx="1"/>
+          </p:nvPr>
+        </p:nvSpPr>
+        <p:spPr/>
+        <p:txBody>
+          <a:bodyPr/>
+          <a:lstStyle/>
+          <a:p>
+            <a:pPr marL="228600" indent="-228600">
+              <a:buAutoNum type="arabicPeriod"/>
+            </a:pPr>
+            <a:r>
+              <a:rPr lang="en-US" dirty="0"/>
+              <a:t>False!</a:t>
+            </a:r>
+          </a:p>
+          <a:p>
+            <a:pPr marL="228600" indent="-228600">
+              <a:buAutoNum type="arabicPeriod"/>
+            </a:pPr>
+            <a:r>
+              <a:rPr lang="en-US" dirty="0"/>
+              <a:t>Function, Formula, Function</a:t>
+            </a:r>
+          </a:p>
+          <a:p>
+            <a:pPr marL="228600" indent="-228600">
+              <a:buAutoNum type="arabicPeriod"/>
+            </a:pPr>
+            <a:r>
+              <a:rPr lang="en-US" dirty="0"/>
+              <a:t>Argument</a:t>
+            </a:r>
+          </a:p>
+        </p:txBody>
+      </p:sp>
+      <p:sp>
+        <p:nvSpPr>
+          <p:cNvPr id="4" name="Slide Number Placeholder 3"/>
+          <p:cNvSpPr>
+            <a:spLocks noGrp="1"/>
+          </p:cNvSpPr>
+          <p:nvPr>
+            <p:ph type="sldNum" sz="quarter" idx="5"/>
+          </p:nvPr>
+        </p:nvSpPr>
+        <p:spPr/>
+        <p:txBody>
+          <a:bodyPr/>
+          <a:lstStyle/>
+          <a:p>
+            <a:fld id="{1300335D-9F13-4B80-ADC5-B0EA3E10FF6B}" type="slidenum">
+              <a:rPr lang="en-US" smtClean="0"/>
+              <a:t>32</a:t>
+            </a:fld>
+            <a:endParaRPr lang="en-US"/>
+          </a:p>
+        </p:txBody>
+      </p:sp>
+    </p:spTree>
+    <p:extLst>
+      <p:ext uri="{BB962C8B-B14F-4D97-AF65-F5344CB8AC3E}">
+        <p14:creationId xmlns:p14="http://schemas.microsoft.com/office/powerpoint/2010/main" val="3864329887"/>
+      </p:ext>
+    </p:extLst>
+  </p:cSld>
+  <p:clrMapOvr>
+    <a:masterClrMapping/>
+  </p:clrMapOvr>
+</p:notes>
+</file>
+
+<file path=ppt/notesSlides/notesSlide19.xml><?xml version="1.0" encoding="utf-8"?>
+<p:notes xmlns:a="http://schemas.openxmlformats.org/drawingml/2006/main" xmlns:r="http://schemas.openxmlformats.org/officeDocument/2006/relationships" xmlns:p="http://schemas.openxmlformats.org/presentationml/2006/main">
+  <p:cSld>
+    <p:spTree>
+      <p:nvGrpSpPr>
+        <p:cNvPr id="1" name="">
+          <a:extLst>
+            <a:ext uri="{FF2B5EF4-FFF2-40B4-BE49-F238E27FC236}">
+              <a16:creationId xmlns:a16="http://schemas.microsoft.com/office/drawing/2014/main" id="{4C7D5532-326F-4669-1CB2-DA7AFD783D1B}"/>
+            </a:ext>
+          </a:extLst>
+        </p:cNvPr>
+        <p:cNvGrpSpPr/>
+        <p:nvPr/>
+      </p:nvGrpSpPr>
+      <p:grpSpPr>
+        <a:xfrm>
+          <a:off x="0" y="0"/>
+          <a:ext cx="0" cy="0"/>
+          <a:chOff x="0" y="0"/>
+          <a:chExt cx="0" cy="0"/>
+        </a:xfrm>
+      </p:grpSpPr>
+      <p:sp>
+        <p:nvSpPr>
+          <p:cNvPr id="2" name="Slide Image Placeholder 1">
+            <a:extLst>
+              <a:ext uri="{FF2B5EF4-FFF2-40B4-BE49-F238E27FC236}">
+                <a16:creationId xmlns:a16="http://schemas.microsoft.com/office/drawing/2014/main" id="{F7F669E7-8D85-DEB6-7D4D-FA8E8268D141}"/>
+              </a:ext>
+            </a:extLst>
+          </p:cNvPr>
+          <p:cNvSpPr>
+            <a:spLocks noGrp="1" noRot="1" noChangeAspect="1"/>
+          </p:cNvSpPr>
+          <p:nvPr>
+            <p:ph type="sldImg"/>
+          </p:nvPr>
+        </p:nvSpPr>
+        <p:spPr/>
+      </p:sp>
+      <p:sp>
+        <p:nvSpPr>
+          <p:cNvPr id="3" name="Notes Placeholder 2">
+            <a:extLst>
+              <a:ext uri="{FF2B5EF4-FFF2-40B4-BE49-F238E27FC236}">
+                <a16:creationId xmlns:a16="http://schemas.microsoft.com/office/drawing/2014/main" id="{261F375F-294F-03AB-52EE-36A85AF9FC2A}"/>
+              </a:ext>
+            </a:extLst>
+          </p:cNvPr>
+          <p:cNvSpPr>
+            <a:spLocks noGrp="1"/>
+          </p:cNvSpPr>
+          <p:nvPr>
+            <p:ph type="body" idx="1"/>
+          </p:nvPr>
+        </p:nvSpPr>
+        <p:spPr/>
+        <p:txBody>
+          <a:bodyPr/>
+          <a:lstStyle/>
+          <a:p>
+            <a:pPr marL="228600" indent="-228600">
+              <a:buAutoNum type="arabicPeriod"/>
+            </a:pPr>
+            <a:r>
+              <a:rPr lang="en-US" dirty="0"/>
+              <a:t>False!</a:t>
+            </a:r>
+          </a:p>
+          <a:p>
+            <a:pPr marL="228600" indent="-228600">
+              <a:buAutoNum type="arabicPeriod"/>
+            </a:pPr>
+            <a:r>
+              <a:rPr lang="en-US" dirty="0"/>
+              <a:t>Function, Formula, Function</a:t>
+            </a:r>
+          </a:p>
+          <a:p>
+            <a:pPr marL="228600" indent="-228600">
+              <a:buAutoNum type="arabicPeriod"/>
+            </a:pPr>
+            <a:r>
+              <a:rPr lang="en-US" dirty="0"/>
+              <a:t>Argument</a:t>
+            </a:r>
+          </a:p>
+        </p:txBody>
+      </p:sp>
+      <p:sp>
+        <p:nvSpPr>
+          <p:cNvPr id="4" name="Slide Number Placeholder 3">
+            <a:extLst>
+              <a:ext uri="{FF2B5EF4-FFF2-40B4-BE49-F238E27FC236}">
+                <a16:creationId xmlns:a16="http://schemas.microsoft.com/office/drawing/2014/main" id="{9A17E0FB-DBB2-3D20-1323-ADC2F3DB14CF}"/>
+              </a:ext>
+            </a:extLst>
+          </p:cNvPr>
+          <p:cNvSpPr>
+            <a:spLocks noGrp="1"/>
+          </p:cNvSpPr>
+          <p:nvPr>
+            <p:ph type="sldNum" sz="quarter" idx="5"/>
+          </p:nvPr>
+        </p:nvSpPr>
+        <p:spPr/>
+        <p:txBody>
+          <a:bodyPr/>
+          <a:lstStyle/>
+          <a:p>
+            <a:fld id="{1300335D-9F13-4B80-ADC5-B0EA3E10FF6B}" type="slidenum">
+              <a:rPr lang="en-US" smtClean="0"/>
+              <a:t>33</a:t>
+            </a:fld>
+            <a:endParaRPr lang="en-US"/>
+          </a:p>
+        </p:txBody>
+      </p:sp>
+    </p:spTree>
+    <p:extLst>
+      <p:ext uri="{BB962C8B-B14F-4D97-AF65-F5344CB8AC3E}">
+        <p14:creationId xmlns:p14="http://schemas.microsoft.com/office/powerpoint/2010/main" val="917505817"/>
+      </p:ext>
+    </p:extLst>
+  </p:cSld>
+  <p:clrMapOvr>
+    <a:masterClrMapping/>
+  </p:clrMapOvr>
+</p:notes>
+</file>
+
 <file path=ppt/notesSlides/notesSlide2.xml><?xml version="1.0" encoding="utf-8"?>
 <p:notes xmlns:a="http://schemas.openxmlformats.org/drawingml/2006/main" xmlns:r="http://schemas.openxmlformats.org/officeDocument/2006/relationships" xmlns:p="http://schemas.openxmlformats.org/presentationml/2006/main">
   <p:cSld>
@@ -1135,6 +1976,138 @@
     <p:extLst>
       <p:ext uri="{BB962C8B-B14F-4D97-AF65-F5344CB8AC3E}">
         <p14:creationId xmlns:p14="http://schemas.microsoft.com/office/powerpoint/2010/main" val="3864329887"/>
+      </p:ext>
+    </p:extLst>
+  </p:cSld>
+  <p:clrMapOvr>
+    <a:masterClrMapping/>
+  </p:clrMapOvr>
+</p:notes>
+</file>
+
+<file path=ppt/notesSlides/notesSlide20.xml><?xml version="1.0" encoding="utf-8"?>
+<p:notes xmlns:a="http://schemas.openxmlformats.org/drawingml/2006/main" xmlns:r="http://schemas.openxmlformats.org/officeDocument/2006/relationships" xmlns:p="http://schemas.openxmlformats.org/presentationml/2006/main">
+  <p:cSld>
+    <p:spTree>
+      <p:nvGrpSpPr>
+        <p:cNvPr id="1" name="">
+          <a:extLst>
+            <a:ext uri="{FF2B5EF4-FFF2-40B4-BE49-F238E27FC236}">
+              <a16:creationId xmlns:a16="http://schemas.microsoft.com/office/drawing/2014/main" id="{DB2948FC-8E31-57A5-1572-2BD51435BB38}"/>
+            </a:ext>
+          </a:extLst>
+        </p:cNvPr>
+        <p:cNvGrpSpPr/>
+        <p:nvPr/>
+      </p:nvGrpSpPr>
+      <p:grpSpPr>
+        <a:xfrm>
+          <a:off x="0" y="0"/>
+          <a:ext cx="0" cy="0"/>
+          <a:chOff x="0" y="0"/>
+          <a:chExt cx="0" cy="0"/>
+        </a:xfrm>
+      </p:grpSpPr>
+      <p:sp>
+        <p:nvSpPr>
+          <p:cNvPr id="2" name="Slide Image Placeholder 1">
+            <a:extLst>
+              <a:ext uri="{FF2B5EF4-FFF2-40B4-BE49-F238E27FC236}">
+                <a16:creationId xmlns:a16="http://schemas.microsoft.com/office/drawing/2014/main" id="{AC5FBA2C-8C25-ED84-25F8-72C4EE97404D}"/>
+              </a:ext>
+            </a:extLst>
+          </p:cNvPr>
+          <p:cNvSpPr>
+            <a:spLocks noGrp="1" noRot="1" noChangeAspect="1"/>
+          </p:cNvSpPr>
+          <p:nvPr>
+            <p:ph type="sldImg"/>
+          </p:nvPr>
+        </p:nvSpPr>
+        <p:spPr/>
+      </p:sp>
+      <p:sp>
+        <p:nvSpPr>
+          <p:cNvPr id="3" name="Notes Placeholder 2">
+            <a:extLst>
+              <a:ext uri="{FF2B5EF4-FFF2-40B4-BE49-F238E27FC236}">
+                <a16:creationId xmlns:a16="http://schemas.microsoft.com/office/drawing/2014/main" id="{CE27E3F8-F267-4C16-DA32-D9FBC5B291D6}"/>
+              </a:ext>
+            </a:extLst>
+          </p:cNvPr>
+          <p:cNvSpPr>
+            <a:spLocks noGrp="1"/>
+          </p:cNvSpPr>
+          <p:nvPr>
+            <p:ph type="body" idx="1"/>
+          </p:nvPr>
+        </p:nvSpPr>
+        <p:spPr/>
+        <p:txBody>
+          <a:bodyPr/>
+          <a:lstStyle/>
+          <a:p>
+            <a:pPr marL="228600" indent="-228600">
+              <a:buAutoNum type="arabicPeriod"/>
+            </a:pPr>
+            <a:r>
+              <a:rPr lang="en-US" dirty="0"/>
+              <a:t>False!</a:t>
+            </a:r>
+          </a:p>
+          <a:p>
+            <a:pPr marL="228600" indent="-228600">
+              <a:buAutoNum type="arabicPeriod"/>
+            </a:pPr>
+            <a:r>
+              <a:rPr lang="en-US" dirty="0"/>
+              <a:t>Function, Formula, Function</a:t>
+            </a:r>
+          </a:p>
+          <a:p>
+            <a:pPr marL="228600" indent="-228600">
+              <a:buAutoNum type="arabicPeriod"/>
+            </a:pPr>
+            <a:r>
+              <a:rPr lang="en-US" dirty="0"/>
+              <a:t>Argument</a:t>
+            </a:r>
+          </a:p>
+        </p:txBody>
+      </p:sp>
+      <p:sp>
+        <p:nvSpPr>
+          <p:cNvPr id="4" name="Slide Number Placeholder 3">
+            <a:extLst>
+              <a:ext uri="{FF2B5EF4-FFF2-40B4-BE49-F238E27FC236}">
+                <a16:creationId xmlns:a16="http://schemas.microsoft.com/office/drawing/2014/main" id="{85117B97-59E7-F89F-5A8E-93001789EA4D}"/>
+              </a:ext>
+            </a:extLst>
+          </p:cNvPr>
+          <p:cNvSpPr>
+            <a:spLocks noGrp="1"/>
+          </p:cNvSpPr>
+          <p:nvPr>
+            <p:ph type="sldNum" sz="quarter" idx="5"/>
+          </p:nvPr>
+        </p:nvSpPr>
+        <p:spPr/>
+        <p:txBody>
+          <a:bodyPr/>
+          <a:lstStyle/>
+          <a:p>
+            <a:fld id="{1300335D-9F13-4B80-ADC5-B0EA3E10FF6B}" type="slidenum">
+              <a:rPr lang="en-US" smtClean="0"/>
+              <a:t>34</a:t>
+            </a:fld>
+            <a:endParaRPr lang="en-US"/>
+          </a:p>
+        </p:txBody>
+      </p:sp>
+    </p:spTree>
+    <p:extLst>
+      <p:ext uri="{BB962C8B-B14F-4D97-AF65-F5344CB8AC3E}">
+        <p14:creationId xmlns:p14="http://schemas.microsoft.com/office/powerpoint/2010/main" val="4089629466"/>
       </p:ext>
     </p:extLst>
   </p:cSld>
@@ -9125,6 +10098,1548 @@
 </p:sld>
 </file>
 
+<file path=ppt/slides/slide24.xml><?xml version="1.0" encoding="utf-8"?>
+<p:sld xmlns:a="http://schemas.openxmlformats.org/drawingml/2006/main" xmlns:r="http://schemas.openxmlformats.org/officeDocument/2006/relationships" xmlns:p="http://schemas.openxmlformats.org/presentationml/2006/main">
+  <p:cSld>
+    <p:spTree>
+      <p:nvGrpSpPr>
+        <p:cNvPr id="1" name="">
+          <a:extLst>
+            <a:ext uri="{FF2B5EF4-FFF2-40B4-BE49-F238E27FC236}">
+              <a16:creationId xmlns:a16="http://schemas.microsoft.com/office/drawing/2014/main" id="{A885AF58-B539-6405-F9EB-60E684D8A34C}"/>
+            </a:ext>
+          </a:extLst>
+        </p:cNvPr>
+        <p:cNvGrpSpPr/>
+        <p:nvPr/>
+      </p:nvGrpSpPr>
+      <p:grpSpPr>
+        <a:xfrm>
+          <a:off x="0" y="0"/>
+          <a:ext cx="0" cy="0"/>
+          <a:chOff x="0" y="0"/>
+          <a:chExt cx="0" cy="0"/>
+        </a:xfrm>
+      </p:grpSpPr>
+      <p:sp>
+        <p:nvSpPr>
+          <p:cNvPr id="4" name="Rectangle 3">
+            <a:extLst>
+              <a:ext uri="{FF2B5EF4-FFF2-40B4-BE49-F238E27FC236}">
+                <a16:creationId xmlns:a16="http://schemas.microsoft.com/office/drawing/2014/main" id="{E0D374C8-2CA1-DD4E-76DB-9BFBAD860E88}"/>
+              </a:ext>
+            </a:extLst>
+          </p:cNvPr>
+          <p:cNvSpPr/>
+          <p:nvPr/>
+        </p:nvSpPr>
+        <p:spPr>
+          <a:xfrm>
+            <a:off x="0" y="0"/>
+            <a:ext cx="18288000" cy="10287000"/>
+          </a:xfrm>
+          <a:prstGeom prst="rect">
+            <a:avLst/>
+          </a:prstGeom>
+          <a:solidFill>
+            <a:schemeClr val="bg1">
+              <a:lumMod val="50000"/>
+            </a:schemeClr>
+          </a:solidFill>
+          <a:ln>
+            <a:noFill/>
+          </a:ln>
+        </p:spPr>
+        <p:style>
+          <a:lnRef idx="2">
+            <a:schemeClr val="accent1">
+              <a:shade val="50000"/>
+            </a:schemeClr>
+          </a:lnRef>
+          <a:fillRef idx="1">
+            <a:schemeClr val="accent1"/>
+          </a:fillRef>
+          <a:effectRef idx="0">
+            <a:schemeClr val="accent1"/>
+          </a:effectRef>
+          <a:fontRef idx="minor">
+            <a:schemeClr val="lt1"/>
+          </a:fontRef>
+        </p:style>
+        <p:txBody>
+          <a:bodyPr rtlCol="0" anchor="ctr"/>
+          <a:lstStyle/>
+          <a:p>
+            <a:pPr algn="ctr"/>
+            <a:endParaRPr lang="en-US" sz="2700"/>
+          </a:p>
+        </p:txBody>
+      </p:sp>
+      <p:sp>
+        <p:nvSpPr>
+          <p:cNvPr id="5" name="TextBox 4">
+            <a:extLst>
+              <a:ext uri="{FF2B5EF4-FFF2-40B4-BE49-F238E27FC236}">
+                <a16:creationId xmlns:a16="http://schemas.microsoft.com/office/drawing/2014/main" id="{8C881570-7206-4F33-711D-F5ED9CE73123}"/>
+              </a:ext>
+            </a:extLst>
+          </p:cNvPr>
+          <p:cNvSpPr txBox="1"/>
+          <p:nvPr/>
+        </p:nvSpPr>
+        <p:spPr>
+          <a:xfrm>
+            <a:off x="781292" y="590309"/>
+            <a:ext cx="15486926" cy="3139321"/>
+          </a:xfrm>
+          <a:prstGeom prst="rect">
+            <a:avLst/>
+          </a:prstGeom>
+          <a:noFill/>
+        </p:spPr>
+        <p:txBody>
+          <a:bodyPr wrap="square" rtlCol="0">
+            <a:spAutoFit/>
+          </a:bodyPr>
+          <a:lstStyle/>
+          <a:p>
+            <a:r>
+              <a:rPr lang="en-US" sz="9900" b="1" dirty="0">
+                <a:solidFill>
+                  <a:schemeClr val="bg1"/>
+                </a:solidFill>
+                <a:latin typeface="Normafixed Tryout" panose="00000409000000000000" pitchFamily="49" charset="0"/>
+              </a:rPr>
+              <a:t>Building interactive dashboards with Power BI</a:t>
+            </a:r>
+          </a:p>
+        </p:txBody>
+      </p:sp>
+    </p:spTree>
+    <p:extLst>
+      <p:ext uri="{BB962C8B-B14F-4D97-AF65-F5344CB8AC3E}">
+        <p14:creationId xmlns:p14="http://schemas.microsoft.com/office/powerpoint/2010/main" val="1937802487"/>
+      </p:ext>
+    </p:extLst>
+  </p:cSld>
+  <p:clrMapOvr>
+    <a:masterClrMapping/>
+  </p:clrMapOvr>
+</p:sld>
+</file>
+
+<file path=ppt/slides/slide25.xml><?xml version="1.0" encoding="utf-8"?>
+<p:sld xmlns:a="http://schemas.openxmlformats.org/drawingml/2006/main" xmlns:r="http://schemas.openxmlformats.org/officeDocument/2006/relationships" xmlns:p="http://schemas.openxmlformats.org/presentationml/2006/main">
+  <p:cSld>
+    <p:spTree>
+      <p:nvGrpSpPr>
+        <p:cNvPr id="1" name=""/>
+        <p:cNvGrpSpPr/>
+        <p:nvPr/>
+      </p:nvGrpSpPr>
+      <p:grpSpPr>
+        <a:xfrm>
+          <a:off x="0" y="0"/>
+          <a:ext cx="0" cy="0"/>
+          <a:chOff x="0" y="0"/>
+          <a:chExt cx="0" cy="0"/>
+        </a:xfrm>
+      </p:grpSpPr>
+      <p:sp>
+        <p:nvSpPr>
+          <p:cNvPr id="4" name="Rectangle 3"/>
+          <p:cNvSpPr/>
+          <p:nvPr/>
+        </p:nvSpPr>
+        <p:spPr>
+          <a:xfrm>
+            <a:off x="9861630" y="0"/>
+            <a:ext cx="8426370" cy="10287000"/>
+          </a:xfrm>
+          <a:prstGeom prst="rect">
+            <a:avLst/>
+          </a:prstGeom>
+          <a:solidFill>
+            <a:srgbClr val="CF3338"/>
+          </a:solidFill>
+          <a:ln>
+            <a:noFill/>
+          </a:ln>
+        </p:spPr>
+        <p:style>
+          <a:lnRef idx="2">
+            <a:schemeClr val="accent1">
+              <a:shade val="50000"/>
+            </a:schemeClr>
+          </a:lnRef>
+          <a:fillRef idx="1">
+            <a:schemeClr val="accent1"/>
+          </a:fillRef>
+          <a:effectRef idx="0">
+            <a:schemeClr val="accent1"/>
+          </a:effectRef>
+          <a:fontRef idx="minor">
+            <a:schemeClr val="lt1"/>
+          </a:fontRef>
+        </p:style>
+        <p:txBody>
+          <a:bodyPr rtlCol="0" anchor="ctr"/>
+          <a:lstStyle/>
+          <a:p>
+            <a:pPr algn="ctr"/>
+            <a:endParaRPr lang="en-US" sz="2700"/>
+          </a:p>
+        </p:txBody>
+      </p:sp>
+      <p:pic>
+        <p:nvPicPr>
+          <p:cNvPr id="2" name="Picture 1"/>
+          <p:cNvPicPr>
+            <a:picLocks noChangeAspect="1"/>
+          </p:cNvPicPr>
+          <p:nvPr/>
+        </p:nvPicPr>
+        <p:blipFill rotWithShape="1">
+          <a:blip r:embed="rId3">
+            <a:extLst>
+              <a:ext uri="{28A0092B-C50C-407E-A947-70E740481C1C}">
+                <a14:useLocalDpi xmlns:a14="http://schemas.microsoft.com/office/drawing/2010/main" val="0"/>
+              </a:ext>
+            </a:extLst>
+          </a:blip>
+          <a:srcRect l="69227" t="33418" r="20112" b="50548"/>
+          <a:stretch/>
+        </p:blipFill>
+        <p:spPr>
+          <a:xfrm>
+            <a:off x="15579524" y="7544693"/>
+            <a:ext cx="2708477" cy="2987579"/>
+          </a:xfrm>
+          <a:prstGeom prst="rect">
+            <a:avLst/>
+          </a:prstGeom>
+        </p:spPr>
+      </p:pic>
+      <p:sp>
+        <p:nvSpPr>
+          <p:cNvPr id="3" name="TextBox 2"/>
+          <p:cNvSpPr txBox="1"/>
+          <p:nvPr/>
+        </p:nvSpPr>
+        <p:spPr>
+          <a:xfrm>
+            <a:off x="260431" y="329879"/>
+            <a:ext cx="8906720" cy="6306214"/>
+          </a:xfrm>
+          <a:prstGeom prst="rect">
+            <a:avLst/>
+          </a:prstGeom>
+          <a:noFill/>
+        </p:spPr>
+        <p:txBody>
+          <a:bodyPr wrap="square" rtlCol="0">
+            <a:spAutoFit/>
+          </a:bodyPr>
+          <a:lstStyle/>
+          <a:p>
+            <a:r>
+              <a:rPr lang="en-US" sz="6000" b="1" dirty="0">
+                <a:solidFill>
+                  <a:srgbClr val="CF3338"/>
+                </a:solidFill>
+                <a:latin typeface="Pragmatica" panose="020B0403040502020204" pitchFamily="34" charset="0"/>
+              </a:rPr>
+              <a:t>Loading, profiling and transforming data</a:t>
+            </a:r>
+          </a:p>
+          <a:p>
+            <a:endParaRPr lang="en-US" sz="4200" dirty="0">
+              <a:solidFill>
+                <a:srgbClr val="CF3338"/>
+              </a:solidFill>
+              <a:latin typeface="Pragmatica" panose="020B0403040502020204" pitchFamily="34" charset="0"/>
+            </a:endParaRPr>
+          </a:p>
+          <a:p>
+            <a:r>
+              <a:rPr lang="en-US" sz="4200" dirty="0">
+                <a:solidFill>
+                  <a:srgbClr val="CF3338"/>
+                </a:solidFill>
+                <a:latin typeface="Pragmatica" panose="020B0403040502020204" pitchFamily="34" charset="0"/>
+              </a:rPr>
+              <a:t>Using Power Query in Power BI:</a:t>
+            </a:r>
+          </a:p>
+          <a:p>
+            <a:pPr marL="685800" indent="-542925">
+              <a:lnSpc>
+                <a:spcPct val="115000"/>
+              </a:lnSpc>
+              <a:spcBef>
+                <a:spcPts val="1125"/>
+              </a:spcBef>
+              <a:buClr>
+                <a:srgbClr val="C00000"/>
+              </a:buClr>
+              <a:buSzPts val="2100"/>
+              <a:buFont typeface="Arial"/>
+              <a:buAutoNum type="arabicPeriod"/>
+            </a:pPr>
+            <a:r>
+              <a:rPr lang="en-US" sz="3600" dirty="0">
+                <a:solidFill>
+                  <a:srgbClr val="C00000"/>
+                </a:solidFill>
+                <a:latin typeface="Pragmatica" panose="020B0403040502020204"/>
+                <a:sym typeface="Consolas"/>
+              </a:rPr>
+              <a:t>Read in workbook data</a:t>
+            </a:r>
+          </a:p>
+          <a:p>
+            <a:pPr marL="685800" indent="-542925">
+              <a:lnSpc>
+                <a:spcPct val="115000"/>
+              </a:lnSpc>
+              <a:spcBef>
+                <a:spcPts val="1125"/>
+              </a:spcBef>
+              <a:buClr>
+                <a:srgbClr val="C00000"/>
+              </a:buClr>
+              <a:buSzPts val="2100"/>
+              <a:buFont typeface="Arial"/>
+              <a:buAutoNum type="arabicPeriod"/>
+            </a:pPr>
+            <a:r>
+              <a:rPr lang="en-US" sz="3600" dirty="0">
+                <a:solidFill>
+                  <a:srgbClr val="C00000"/>
+                </a:solidFill>
+                <a:latin typeface="Pragmatica" panose="020B0403040502020204"/>
+                <a:sym typeface="Consolas"/>
+              </a:rPr>
+              <a:t>Profile, explore and transform the data via </a:t>
+            </a:r>
+          </a:p>
+          <a:p>
+            <a:pPr marL="685800" indent="-542925">
+              <a:lnSpc>
+                <a:spcPct val="115000"/>
+              </a:lnSpc>
+              <a:spcBef>
+                <a:spcPts val="1125"/>
+              </a:spcBef>
+              <a:buClr>
+                <a:srgbClr val="C00000"/>
+              </a:buClr>
+              <a:buSzPts val="2100"/>
+              <a:buFont typeface="Arial"/>
+              <a:buAutoNum type="arabicPeriod"/>
+            </a:pPr>
+            <a:endParaRPr lang="en-US" sz="3600" dirty="0">
+              <a:solidFill>
+                <a:srgbClr val="C00000"/>
+              </a:solidFill>
+              <a:latin typeface="Pragmatica" panose="020B0403040502020204"/>
+              <a:sym typeface="Consolas"/>
+            </a:endParaRPr>
+          </a:p>
+          <a:p>
+            <a:pPr marL="142875">
+              <a:lnSpc>
+                <a:spcPct val="115000"/>
+              </a:lnSpc>
+              <a:spcBef>
+                <a:spcPts val="1125"/>
+              </a:spcBef>
+              <a:buClr>
+                <a:srgbClr val="C00000"/>
+              </a:buClr>
+              <a:buSzPts val="2100"/>
+            </a:pPr>
+            <a:r>
+              <a:rPr lang="en-US" sz="3600" dirty="0">
+                <a:solidFill>
+                  <a:srgbClr val="C00000"/>
+                </a:solidFill>
+                <a:latin typeface="Pragmatica" panose="020B0403040502020204"/>
+                <a:sym typeface="Consolas"/>
+              </a:rPr>
+              <a:t>Folder: </a:t>
+            </a:r>
+            <a:r>
+              <a:rPr lang="en-US" sz="3600" dirty="0">
+                <a:solidFill>
+                  <a:srgbClr val="C00000"/>
+                </a:solidFill>
+                <a:latin typeface="Consolas" panose="020B0609020204030204" pitchFamily="49" charset="0"/>
+                <a:sym typeface="Consolas"/>
+              </a:rPr>
+              <a:t>1-load-worksheet-to-power-bi</a:t>
+            </a:r>
+          </a:p>
+        </p:txBody>
+      </p:sp>
+    </p:spTree>
+    <p:extLst>
+      <p:ext uri="{BB962C8B-B14F-4D97-AF65-F5344CB8AC3E}">
+        <p14:creationId xmlns:p14="http://schemas.microsoft.com/office/powerpoint/2010/main" val="3585680488"/>
+      </p:ext>
+    </p:extLst>
+  </p:cSld>
+  <p:clrMapOvr>
+    <a:masterClrMapping/>
+  </p:clrMapOvr>
+</p:sld>
+</file>
+
+<file path=ppt/slides/slide26.xml><?xml version="1.0" encoding="utf-8"?>
+<p:sld xmlns:a="http://schemas.openxmlformats.org/drawingml/2006/main" xmlns:r="http://schemas.openxmlformats.org/officeDocument/2006/relationships" xmlns:p="http://schemas.openxmlformats.org/presentationml/2006/main">
+  <p:cSld>
+    <p:spTree>
+      <p:nvGrpSpPr>
+        <p:cNvPr id="1" name="">
+          <a:extLst>
+            <a:ext uri="{FF2B5EF4-FFF2-40B4-BE49-F238E27FC236}">
+              <a16:creationId xmlns:a16="http://schemas.microsoft.com/office/drawing/2014/main" id="{BBA71254-7D70-0AD5-8345-3A503A3DF9B1}"/>
+            </a:ext>
+          </a:extLst>
+        </p:cNvPr>
+        <p:cNvGrpSpPr/>
+        <p:nvPr/>
+      </p:nvGrpSpPr>
+      <p:grpSpPr>
+        <a:xfrm>
+          <a:off x="0" y="0"/>
+          <a:ext cx="0" cy="0"/>
+          <a:chOff x="0" y="0"/>
+          <a:chExt cx="0" cy="0"/>
+        </a:xfrm>
+      </p:grpSpPr>
+      <p:sp>
+        <p:nvSpPr>
+          <p:cNvPr id="4" name="Rectangle 3">
+            <a:extLst>
+              <a:ext uri="{FF2B5EF4-FFF2-40B4-BE49-F238E27FC236}">
+                <a16:creationId xmlns:a16="http://schemas.microsoft.com/office/drawing/2014/main" id="{175D80F1-9995-A85D-5874-3DFF757AD9C4}"/>
+              </a:ext>
+            </a:extLst>
+          </p:cNvPr>
+          <p:cNvSpPr/>
+          <p:nvPr/>
+        </p:nvSpPr>
+        <p:spPr>
+          <a:xfrm>
+            <a:off x="9861630" y="0"/>
+            <a:ext cx="8426370" cy="10287000"/>
+          </a:xfrm>
+          <a:prstGeom prst="rect">
+            <a:avLst/>
+          </a:prstGeom>
+          <a:solidFill>
+            <a:srgbClr val="CF3338"/>
+          </a:solidFill>
+          <a:ln>
+            <a:noFill/>
+          </a:ln>
+        </p:spPr>
+        <p:style>
+          <a:lnRef idx="2">
+            <a:schemeClr val="accent1">
+              <a:shade val="50000"/>
+            </a:schemeClr>
+          </a:lnRef>
+          <a:fillRef idx="1">
+            <a:schemeClr val="accent1"/>
+          </a:fillRef>
+          <a:effectRef idx="0">
+            <a:schemeClr val="accent1"/>
+          </a:effectRef>
+          <a:fontRef idx="minor">
+            <a:schemeClr val="lt1"/>
+          </a:fontRef>
+        </p:style>
+        <p:txBody>
+          <a:bodyPr rtlCol="0" anchor="ctr"/>
+          <a:lstStyle/>
+          <a:p>
+            <a:pPr algn="ctr"/>
+            <a:endParaRPr lang="en-US" sz="2700"/>
+          </a:p>
+        </p:txBody>
+      </p:sp>
+      <p:pic>
+        <p:nvPicPr>
+          <p:cNvPr id="2" name="Picture 1">
+            <a:extLst>
+              <a:ext uri="{FF2B5EF4-FFF2-40B4-BE49-F238E27FC236}">
+                <a16:creationId xmlns:a16="http://schemas.microsoft.com/office/drawing/2014/main" id="{D178E631-F0B4-0B54-F4C0-AA7525DE6A08}"/>
+              </a:ext>
+            </a:extLst>
+          </p:cNvPr>
+          <p:cNvPicPr>
+            <a:picLocks noChangeAspect="1"/>
+          </p:cNvPicPr>
+          <p:nvPr/>
+        </p:nvPicPr>
+        <p:blipFill rotWithShape="1">
+          <a:blip r:embed="rId3">
+            <a:extLst>
+              <a:ext uri="{28A0092B-C50C-407E-A947-70E740481C1C}">
+                <a14:useLocalDpi xmlns:a14="http://schemas.microsoft.com/office/drawing/2010/main" val="0"/>
+              </a:ext>
+            </a:extLst>
+          </a:blip>
+          <a:srcRect l="69227" t="33418" r="20112" b="50548"/>
+          <a:stretch/>
+        </p:blipFill>
+        <p:spPr>
+          <a:xfrm>
+            <a:off x="15579524" y="7544693"/>
+            <a:ext cx="2708477" cy="2987579"/>
+          </a:xfrm>
+          <a:prstGeom prst="rect">
+            <a:avLst/>
+          </a:prstGeom>
+        </p:spPr>
+      </p:pic>
+      <p:sp>
+        <p:nvSpPr>
+          <p:cNvPr id="3" name="TextBox 2">
+            <a:extLst>
+              <a:ext uri="{FF2B5EF4-FFF2-40B4-BE49-F238E27FC236}">
+                <a16:creationId xmlns:a16="http://schemas.microsoft.com/office/drawing/2014/main" id="{73F503D0-7644-10B8-0502-3703F23BEE6F}"/>
+              </a:ext>
+            </a:extLst>
+          </p:cNvPr>
+          <p:cNvSpPr txBox="1"/>
+          <p:nvPr/>
+        </p:nvSpPr>
+        <p:spPr>
+          <a:xfrm>
+            <a:off x="260431" y="329879"/>
+            <a:ext cx="8906720" cy="7709803"/>
+          </a:xfrm>
+          <a:prstGeom prst="rect">
+            <a:avLst/>
+          </a:prstGeom>
+          <a:noFill/>
+        </p:spPr>
+        <p:txBody>
+          <a:bodyPr wrap="square" rtlCol="0">
+            <a:spAutoFit/>
+          </a:bodyPr>
+          <a:lstStyle/>
+          <a:p>
+            <a:r>
+              <a:rPr lang="en-US" sz="6000" b="1" dirty="0">
+                <a:solidFill>
+                  <a:srgbClr val="CF3338"/>
+                </a:solidFill>
+                <a:latin typeface="Pragmatica" panose="020B0403040502020204" pitchFamily="34" charset="0"/>
+              </a:rPr>
+              <a:t>Load Excel data model to Power BI</a:t>
+            </a:r>
+          </a:p>
+          <a:p>
+            <a:endParaRPr lang="en-US" sz="4200" dirty="0">
+              <a:solidFill>
+                <a:srgbClr val="CF3338"/>
+              </a:solidFill>
+              <a:latin typeface="Pragmatica" panose="020B0403040502020204" pitchFamily="34" charset="0"/>
+            </a:endParaRPr>
+          </a:p>
+          <a:p>
+            <a:pPr marL="685800" indent="-542925">
+              <a:lnSpc>
+                <a:spcPct val="115000"/>
+              </a:lnSpc>
+              <a:spcBef>
+                <a:spcPts val="1125"/>
+              </a:spcBef>
+              <a:buClr>
+                <a:srgbClr val="C00000"/>
+              </a:buClr>
+              <a:buSzPts val="2100"/>
+              <a:buFont typeface="Arial"/>
+              <a:buAutoNum type="arabicPeriod"/>
+            </a:pPr>
+            <a:r>
+              <a:rPr lang="en-US" sz="3600" dirty="0">
+                <a:solidFill>
+                  <a:srgbClr val="C00000"/>
+                </a:solidFill>
+                <a:latin typeface="Pragmatica" panose="020B0403040502020204"/>
+                <a:sym typeface="Consolas"/>
+              </a:rPr>
+              <a:t>Port a Power Pivot data model into Power BI</a:t>
+            </a:r>
+          </a:p>
+          <a:p>
+            <a:pPr marL="685800" indent="-542925">
+              <a:lnSpc>
+                <a:spcPct val="115000"/>
+              </a:lnSpc>
+              <a:spcBef>
+                <a:spcPts val="1125"/>
+              </a:spcBef>
+              <a:buClr>
+                <a:srgbClr val="C00000"/>
+              </a:buClr>
+              <a:buSzPts val="2100"/>
+              <a:buFont typeface="Arial"/>
+              <a:buAutoNum type="arabicPeriod"/>
+            </a:pPr>
+            <a:r>
+              <a:rPr lang="en-US" sz="3600" dirty="0">
+                <a:solidFill>
+                  <a:srgbClr val="C00000"/>
+                </a:solidFill>
+                <a:latin typeface="Pragmatica" panose="020B0403040502020204"/>
+                <a:sym typeface="Consolas"/>
+              </a:rPr>
+              <a:t>Strengths, weaknesses, limitations</a:t>
+            </a:r>
+          </a:p>
+          <a:p>
+            <a:pPr marL="685800" indent="-542925">
+              <a:lnSpc>
+                <a:spcPct val="115000"/>
+              </a:lnSpc>
+              <a:spcBef>
+                <a:spcPts val="1125"/>
+              </a:spcBef>
+              <a:buClr>
+                <a:srgbClr val="C00000"/>
+              </a:buClr>
+              <a:buSzPts val="2100"/>
+              <a:buFont typeface="Arial"/>
+              <a:buAutoNum type="arabicPeriod"/>
+            </a:pPr>
+            <a:endParaRPr lang="en-US" sz="3600" dirty="0">
+              <a:solidFill>
+                <a:srgbClr val="C00000"/>
+              </a:solidFill>
+              <a:latin typeface="Pragmatica" panose="020B0403040502020204"/>
+              <a:sym typeface="Consolas"/>
+            </a:endParaRPr>
+          </a:p>
+          <a:p>
+            <a:pPr marL="142875">
+              <a:lnSpc>
+                <a:spcPct val="115000"/>
+              </a:lnSpc>
+              <a:spcBef>
+                <a:spcPts val="1125"/>
+              </a:spcBef>
+              <a:buClr>
+                <a:srgbClr val="C00000"/>
+              </a:buClr>
+              <a:buSzPts val="2100"/>
+            </a:pPr>
+            <a:r>
+              <a:rPr lang="en-US" sz="3600" dirty="0">
+                <a:solidFill>
+                  <a:srgbClr val="C00000"/>
+                </a:solidFill>
+                <a:latin typeface="Pragmatica" panose="020B0403040502020204"/>
+                <a:sym typeface="Consolas"/>
+              </a:rPr>
+              <a:t>Folder: </a:t>
+            </a:r>
+            <a:r>
+              <a:rPr lang="en-US" sz="3600" dirty="0">
+                <a:solidFill>
+                  <a:srgbClr val="C00000"/>
+                </a:solidFill>
+                <a:latin typeface="Consolas" panose="020B0609020204030204" pitchFamily="49" charset="0"/>
+                <a:sym typeface="Consolas"/>
+              </a:rPr>
+              <a:t>2-load-data-model-to-power-bi</a:t>
+            </a:r>
+          </a:p>
+          <a:p>
+            <a:pPr marL="142875">
+              <a:lnSpc>
+                <a:spcPct val="115000"/>
+              </a:lnSpc>
+              <a:spcBef>
+                <a:spcPts val="1125"/>
+              </a:spcBef>
+              <a:buClr>
+                <a:srgbClr val="C00000"/>
+              </a:buClr>
+              <a:buSzPts val="2100"/>
+            </a:pPr>
+            <a:endParaRPr lang="en-US" sz="3600" dirty="0">
+              <a:solidFill>
+                <a:srgbClr val="C00000"/>
+              </a:solidFill>
+              <a:latin typeface="Consolas" panose="020B0609020204030204" pitchFamily="49" charset="0"/>
+              <a:sym typeface="Consolas"/>
+            </a:endParaRPr>
+          </a:p>
+        </p:txBody>
+      </p:sp>
+    </p:spTree>
+    <p:extLst>
+      <p:ext uri="{BB962C8B-B14F-4D97-AF65-F5344CB8AC3E}">
+        <p14:creationId xmlns:p14="http://schemas.microsoft.com/office/powerpoint/2010/main" val="2322075793"/>
+      </p:ext>
+    </p:extLst>
+  </p:cSld>
+  <p:clrMapOvr>
+    <a:masterClrMapping/>
+  </p:clrMapOvr>
+</p:sld>
+</file>
+
+<file path=ppt/slides/slide27.xml><?xml version="1.0" encoding="utf-8"?>
+<p:sld xmlns:a="http://schemas.openxmlformats.org/drawingml/2006/main" xmlns:r="http://schemas.openxmlformats.org/officeDocument/2006/relationships" xmlns:p="http://schemas.openxmlformats.org/presentationml/2006/main">
+  <p:cSld>
+    <p:spTree>
+      <p:nvGrpSpPr>
+        <p:cNvPr id="1" name=""/>
+        <p:cNvGrpSpPr/>
+        <p:nvPr/>
+      </p:nvGrpSpPr>
+      <p:grpSpPr>
+        <a:xfrm>
+          <a:off x="0" y="0"/>
+          <a:ext cx="0" cy="0"/>
+          <a:chOff x="0" y="0"/>
+          <a:chExt cx="0" cy="0"/>
+        </a:xfrm>
+      </p:grpSpPr>
+      <p:sp>
+        <p:nvSpPr>
+          <p:cNvPr id="4" name="Rectangle 3"/>
+          <p:cNvSpPr/>
+          <p:nvPr/>
+        </p:nvSpPr>
+        <p:spPr>
+          <a:xfrm>
+            <a:off x="9861630" y="0"/>
+            <a:ext cx="8426370" cy="10287000"/>
+          </a:xfrm>
+          <a:prstGeom prst="rect">
+            <a:avLst/>
+          </a:prstGeom>
+          <a:solidFill>
+            <a:srgbClr val="CF3338"/>
+          </a:solidFill>
+          <a:ln>
+            <a:noFill/>
+          </a:ln>
+        </p:spPr>
+        <p:style>
+          <a:lnRef idx="2">
+            <a:schemeClr val="accent1">
+              <a:shade val="50000"/>
+            </a:schemeClr>
+          </a:lnRef>
+          <a:fillRef idx="1">
+            <a:schemeClr val="accent1"/>
+          </a:fillRef>
+          <a:effectRef idx="0">
+            <a:schemeClr val="accent1"/>
+          </a:effectRef>
+          <a:fontRef idx="minor">
+            <a:schemeClr val="lt1"/>
+          </a:fontRef>
+        </p:style>
+        <p:txBody>
+          <a:bodyPr rtlCol="0" anchor="ctr"/>
+          <a:lstStyle/>
+          <a:p>
+            <a:pPr algn="ctr"/>
+            <a:endParaRPr lang="en-US" sz="2700"/>
+          </a:p>
+        </p:txBody>
+      </p:sp>
+      <p:pic>
+        <p:nvPicPr>
+          <p:cNvPr id="2" name="Picture 1"/>
+          <p:cNvPicPr>
+            <a:picLocks noChangeAspect="1"/>
+          </p:cNvPicPr>
+          <p:nvPr/>
+        </p:nvPicPr>
+        <p:blipFill rotWithShape="1">
+          <a:blip r:embed="rId3">
+            <a:extLst>
+              <a:ext uri="{28A0092B-C50C-407E-A947-70E740481C1C}">
+                <a14:useLocalDpi xmlns:a14="http://schemas.microsoft.com/office/drawing/2010/main" val="0"/>
+              </a:ext>
+            </a:extLst>
+          </a:blip>
+          <a:srcRect l="69227" t="33418" r="20112" b="50548"/>
+          <a:stretch/>
+        </p:blipFill>
+        <p:spPr>
+          <a:xfrm>
+            <a:off x="15579524" y="7544693"/>
+            <a:ext cx="2708477" cy="2987579"/>
+          </a:xfrm>
+          <a:prstGeom prst="rect">
+            <a:avLst/>
+          </a:prstGeom>
+        </p:spPr>
+      </p:pic>
+      <p:sp>
+        <p:nvSpPr>
+          <p:cNvPr id="3" name="TextBox 2"/>
+          <p:cNvSpPr txBox="1"/>
+          <p:nvPr/>
+        </p:nvSpPr>
+        <p:spPr>
+          <a:xfrm>
+            <a:off x="260431" y="329879"/>
+            <a:ext cx="8906720" cy="7817525"/>
+          </a:xfrm>
+          <a:prstGeom prst="rect">
+            <a:avLst/>
+          </a:prstGeom>
+          <a:noFill/>
+        </p:spPr>
+        <p:txBody>
+          <a:bodyPr wrap="square" rtlCol="0">
+            <a:spAutoFit/>
+          </a:bodyPr>
+          <a:lstStyle/>
+          <a:p>
+            <a:r>
+              <a:rPr lang="en-US" sz="6000" b="1" dirty="0">
+                <a:solidFill>
+                  <a:srgbClr val="CF3338"/>
+                </a:solidFill>
+                <a:latin typeface="Pragmatica" panose="020B0403040502020204" pitchFamily="34" charset="0"/>
+              </a:rPr>
+              <a:t>Creating interactive dashboards and reports</a:t>
+            </a:r>
+          </a:p>
+          <a:p>
+            <a:endParaRPr lang="en-US" sz="4200" dirty="0">
+              <a:solidFill>
+                <a:srgbClr val="CF3338"/>
+              </a:solidFill>
+              <a:latin typeface="Pragmatica" panose="020B0403040502020204" pitchFamily="34" charset="0"/>
+            </a:endParaRPr>
+          </a:p>
+          <a:p>
+            <a:pPr marL="342900" marR="0" lvl="0" indent="-342900">
+              <a:lnSpc>
+                <a:spcPct val="115000"/>
+              </a:lnSpc>
+              <a:spcBef>
+                <a:spcPts val="0"/>
+              </a:spcBef>
+              <a:spcAft>
+                <a:spcPts val="0"/>
+              </a:spcAft>
+              <a:buFont typeface="+mj-lt"/>
+              <a:buAutoNum type="arabicPeriod"/>
+            </a:pPr>
+            <a:r>
+              <a:rPr lang="en-US" sz="3200" kern="100" dirty="0">
+                <a:solidFill>
+                  <a:srgbClr val="C00000"/>
+                </a:solidFill>
+                <a:effectLst/>
+                <a:latin typeface="Pragmatica" panose="020B0403040502020204"/>
+                <a:ea typeface="Aptos" panose="020B0004020202020204" pitchFamily="34" charset="0"/>
+                <a:cs typeface="Times New Roman" panose="02020603050405020304" pitchFamily="18" charset="0"/>
+              </a:rPr>
+              <a:t>Continue with </a:t>
+            </a:r>
+            <a:r>
+              <a:rPr lang="en-US" sz="3200" kern="100" dirty="0">
+                <a:solidFill>
+                  <a:srgbClr val="C00000"/>
+                </a:solidFill>
+                <a:latin typeface="Pragmatica" panose="020B0403040502020204"/>
+                <a:ea typeface="Aptos" panose="020B0004020202020204" pitchFamily="34" charset="0"/>
+                <a:cs typeface="Times New Roman" panose="02020603050405020304" pitchFamily="18" charset="0"/>
+              </a:rPr>
+              <a:t>penguins dataset</a:t>
+            </a:r>
+            <a:endParaRPr lang="en-US" sz="3200" kern="100" dirty="0">
+              <a:solidFill>
+                <a:srgbClr val="C00000"/>
+              </a:solidFill>
+              <a:effectLst/>
+              <a:latin typeface="Pragmatica" panose="020B0403040502020204"/>
+              <a:ea typeface="Aptos" panose="020B0004020202020204" pitchFamily="34" charset="0"/>
+              <a:cs typeface="Times New Roman" panose="02020603050405020304" pitchFamily="18" charset="0"/>
+            </a:endParaRPr>
+          </a:p>
+          <a:p>
+            <a:pPr marL="342900" marR="0" lvl="0" indent="-342900">
+              <a:lnSpc>
+                <a:spcPct val="115000"/>
+              </a:lnSpc>
+              <a:spcBef>
+                <a:spcPts val="0"/>
+              </a:spcBef>
+              <a:spcAft>
+                <a:spcPts val="0"/>
+              </a:spcAft>
+              <a:buFont typeface="+mj-lt"/>
+              <a:buAutoNum type="arabicPeriod"/>
+            </a:pPr>
+            <a:r>
+              <a:rPr lang="en-US" sz="3200" kern="100" dirty="0">
+                <a:solidFill>
+                  <a:srgbClr val="C00000"/>
+                </a:solidFill>
+                <a:latin typeface="Pragmatica" panose="020B0403040502020204"/>
+                <a:ea typeface="Aptos" panose="020B0004020202020204" pitchFamily="34" charset="0"/>
+                <a:cs typeface="Times New Roman" panose="02020603050405020304" pitchFamily="18" charset="0"/>
+              </a:rPr>
+              <a:t>Creating interactive reports with Power BI</a:t>
+            </a:r>
+          </a:p>
+          <a:p>
+            <a:pPr marL="914400" lvl="1" indent="-457200">
+              <a:lnSpc>
+                <a:spcPct val="115000"/>
+              </a:lnSpc>
+              <a:buFont typeface="Arial" panose="020B0604020202020204" pitchFamily="34" charset="0"/>
+              <a:buChar char="•"/>
+            </a:pPr>
+            <a:r>
+              <a:rPr lang="en-US" sz="3200" kern="100" dirty="0">
+                <a:solidFill>
+                  <a:srgbClr val="C00000"/>
+                </a:solidFill>
+                <a:effectLst/>
+                <a:latin typeface="Pragmatica" panose="020B0403040502020204"/>
+                <a:ea typeface="Aptos" panose="020B0004020202020204" pitchFamily="34" charset="0"/>
+                <a:cs typeface="Times New Roman" panose="02020603050405020304" pitchFamily="18" charset="0"/>
+              </a:rPr>
+              <a:t>Slice</a:t>
+            </a:r>
+            <a:r>
+              <a:rPr lang="en-US" sz="3200" kern="100" dirty="0">
+                <a:solidFill>
+                  <a:srgbClr val="C00000"/>
+                </a:solidFill>
+                <a:latin typeface="Pragmatica" panose="020B0403040502020204"/>
+                <a:ea typeface="Aptos" panose="020B0004020202020204" pitchFamily="34" charset="0"/>
+                <a:cs typeface="Times New Roman" panose="02020603050405020304" pitchFamily="18" charset="0"/>
+              </a:rPr>
+              <a:t>rs/Timelines</a:t>
+            </a:r>
+          </a:p>
+          <a:p>
+            <a:pPr marL="914400" lvl="1" indent="-457200">
+              <a:lnSpc>
+                <a:spcPct val="115000"/>
+              </a:lnSpc>
+              <a:buFont typeface="Arial" panose="020B0604020202020204" pitchFamily="34" charset="0"/>
+              <a:buChar char="•"/>
+            </a:pPr>
+            <a:r>
+              <a:rPr lang="en-US" sz="3200" kern="100" dirty="0">
+                <a:solidFill>
+                  <a:srgbClr val="C00000"/>
+                </a:solidFill>
+                <a:effectLst/>
+                <a:latin typeface="Pragmatica" panose="020B0403040502020204"/>
+                <a:ea typeface="Aptos" panose="020B0004020202020204" pitchFamily="34" charset="0"/>
+                <a:cs typeface="Times New Roman" panose="02020603050405020304" pitchFamily="18" charset="0"/>
+              </a:rPr>
+              <a:t>Cross filter functionality</a:t>
+            </a:r>
+          </a:p>
+          <a:p>
+            <a:pPr marL="914400" lvl="1" indent="-457200">
+              <a:lnSpc>
+                <a:spcPct val="115000"/>
+              </a:lnSpc>
+              <a:buFont typeface="Arial" panose="020B0604020202020204" pitchFamily="34" charset="0"/>
+              <a:buChar char="•"/>
+            </a:pPr>
+            <a:r>
+              <a:rPr lang="en-US" sz="3200" kern="100" dirty="0">
+                <a:solidFill>
+                  <a:srgbClr val="C00000"/>
+                </a:solidFill>
+                <a:effectLst/>
+                <a:latin typeface="Pragmatica" panose="020B0403040502020204"/>
+                <a:ea typeface="Aptos" panose="020B0004020202020204" pitchFamily="34" charset="0"/>
+                <a:cs typeface="Times New Roman" panose="02020603050405020304" pitchFamily="18" charset="0"/>
+              </a:rPr>
+              <a:t>Additional plot functionality vs Excel</a:t>
+            </a:r>
+          </a:p>
+          <a:p>
+            <a:endParaRPr lang="en-US" sz="4200" dirty="0">
+              <a:solidFill>
+                <a:srgbClr val="CF3338"/>
+              </a:solidFill>
+              <a:latin typeface="Pragmatica" panose="020B0403040502020204" pitchFamily="34" charset="0"/>
+            </a:endParaRPr>
+          </a:p>
+          <a:p>
+            <a:r>
+              <a:rPr lang="en-US" sz="3600" kern="100" dirty="0">
+                <a:solidFill>
+                  <a:srgbClr val="C00000"/>
+                </a:solidFill>
+                <a:effectLst/>
+                <a:latin typeface="Pragmatica" panose="020B0403040502020204"/>
+                <a:ea typeface="Aptos" panose="020B0004020202020204" pitchFamily="34" charset="0"/>
+                <a:cs typeface="Times New Roman" panose="02020603050405020304" pitchFamily="18" charset="0"/>
+              </a:rPr>
+              <a:t>Folder: </a:t>
+            </a:r>
+            <a:r>
+              <a:rPr lang="en-US" sz="3600" kern="100" dirty="0">
+                <a:solidFill>
+                  <a:srgbClr val="C00000"/>
+                </a:solidFill>
+                <a:effectLst/>
+                <a:latin typeface="Consolas" panose="020B0609020204030204" pitchFamily="49" charset="0"/>
+                <a:ea typeface="Aptos" panose="020B0004020202020204" pitchFamily="34" charset="0"/>
+                <a:cs typeface="Times New Roman" panose="02020603050405020304" pitchFamily="18" charset="0"/>
+              </a:rPr>
+              <a:t>3-creating-interactive-visuals</a:t>
+            </a:r>
+          </a:p>
+          <a:p>
+            <a:endParaRPr lang="en-US" sz="4200" dirty="0">
+              <a:solidFill>
+                <a:srgbClr val="CF3338"/>
+              </a:solidFill>
+              <a:latin typeface="Pragmatica" panose="020B0403040502020204" pitchFamily="34" charset="0"/>
+            </a:endParaRPr>
+          </a:p>
+        </p:txBody>
+      </p:sp>
+    </p:spTree>
+    <p:extLst>
+      <p:ext uri="{BB962C8B-B14F-4D97-AF65-F5344CB8AC3E}">
+        <p14:creationId xmlns:p14="http://schemas.microsoft.com/office/powerpoint/2010/main" val="554567943"/>
+      </p:ext>
+    </p:extLst>
+  </p:cSld>
+  <p:clrMapOvr>
+    <a:masterClrMapping/>
+  </p:clrMapOvr>
+</p:sld>
+</file>
+
+<file path=ppt/slides/slide28.xml><?xml version="1.0" encoding="utf-8"?>
+<p:sld xmlns:a="http://schemas.openxmlformats.org/drawingml/2006/main" xmlns:r="http://schemas.openxmlformats.org/officeDocument/2006/relationships" xmlns:p="http://schemas.openxmlformats.org/presentationml/2006/main">
+  <p:cSld>
+    <p:spTree>
+      <p:nvGrpSpPr>
+        <p:cNvPr id="1" name="">
+          <a:extLst>
+            <a:ext uri="{FF2B5EF4-FFF2-40B4-BE49-F238E27FC236}">
+              <a16:creationId xmlns:a16="http://schemas.microsoft.com/office/drawing/2014/main" id="{9289DE51-3698-19A7-2410-9FF95955B105}"/>
+            </a:ext>
+          </a:extLst>
+        </p:cNvPr>
+        <p:cNvGrpSpPr/>
+        <p:nvPr/>
+      </p:nvGrpSpPr>
+      <p:grpSpPr>
+        <a:xfrm>
+          <a:off x="0" y="0"/>
+          <a:ext cx="0" cy="0"/>
+          <a:chOff x="0" y="0"/>
+          <a:chExt cx="0" cy="0"/>
+        </a:xfrm>
+      </p:grpSpPr>
+      <p:sp>
+        <p:nvSpPr>
+          <p:cNvPr id="4" name="Rectangle 3">
+            <a:extLst>
+              <a:ext uri="{FF2B5EF4-FFF2-40B4-BE49-F238E27FC236}">
+                <a16:creationId xmlns:a16="http://schemas.microsoft.com/office/drawing/2014/main" id="{A07311E4-483B-E0EC-2A09-57DA32632608}"/>
+              </a:ext>
+            </a:extLst>
+          </p:cNvPr>
+          <p:cNvSpPr/>
+          <p:nvPr/>
+        </p:nvSpPr>
+        <p:spPr>
+          <a:xfrm>
+            <a:off x="14249400" y="0"/>
+            <a:ext cx="4038600" cy="10287000"/>
+          </a:xfrm>
+          <a:prstGeom prst="rect">
+            <a:avLst/>
+          </a:prstGeom>
+          <a:solidFill>
+            <a:srgbClr val="CF3338"/>
+          </a:solidFill>
+          <a:ln>
+            <a:noFill/>
+          </a:ln>
+        </p:spPr>
+        <p:style>
+          <a:lnRef idx="2">
+            <a:schemeClr val="accent1">
+              <a:shade val="50000"/>
+            </a:schemeClr>
+          </a:lnRef>
+          <a:fillRef idx="1">
+            <a:schemeClr val="accent1"/>
+          </a:fillRef>
+          <a:effectRef idx="0">
+            <a:schemeClr val="accent1"/>
+          </a:effectRef>
+          <a:fontRef idx="minor">
+            <a:schemeClr val="lt1"/>
+          </a:fontRef>
+        </p:style>
+        <p:txBody>
+          <a:bodyPr rtlCol="0" anchor="ctr"/>
+          <a:lstStyle/>
+          <a:p>
+            <a:pPr algn="ctr"/>
+            <a:endParaRPr lang="en-US" sz="2700"/>
+          </a:p>
+        </p:txBody>
+      </p:sp>
+      <p:pic>
+        <p:nvPicPr>
+          <p:cNvPr id="2" name="Picture 1">
+            <a:extLst>
+              <a:ext uri="{FF2B5EF4-FFF2-40B4-BE49-F238E27FC236}">
+                <a16:creationId xmlns:a16="http://schemas.microsoft.com/office/drawing/2014/main" id="{C925E978-5853-7382-33B7-E92E58A94E1A}"/>
+              </a:ext>
+            </a:extLst>
+          </p:cNvPr>
+          <p:cNvPicPr>
+            <a:picLocks noChangeAspect="1"/>
+          </p:cNvPicPr>
+          <p:nvPr/>
+        </p:nvPicPr>
+        <p:blipFill rotWithShape="1">
+          <a:blip r:embed="rId3">
+            <a:extLst>
+              <a:ext uri="{28A0092B-C50C-407E-A947-70E740481C1C}">
+                <a14:useLocalDpi xmlns:a14="http://schemas.microsoft.com/office/drawing/2010/main" val="0"/>
+              </a:ext>
+            </a:extLst>
+          </a:blip>
+          <a:srcRect l="69227" t="33418" r="20112" b="50548"/>
+          <a:stretch/>
+        </p:blipFill>
+        <p:spPr>
+          <a:xfrm>
+            <a:off x="15579524" y="7544693"/>
+            <a:ext cx="2708477" cy="2987579"/>
+          </a:xfrm>
+          <a:prstGeom prst="rect">
+            <a:avLst/>
+          </a:prstGeom>
+        </p:spPr>
+      </p:pic>
+      <p:sp>
+        <p:nvSpPr>
+          <p:cNvPr id="3" name="TextBox 2">
+            <a:extLst>
+              <a:ext uri="{FF2B5EF4-FFF2-40B4-BE49-F238E27FC236}">
+                <a16:creationId xmlns:a16="http://schemas.microsoft.com/office/drawing/2014/main" id="{AD1D6570-8423-6016-5997-5C5C44F51FC3}"/>
+              </a:ext>
+            </a:extLst>
+          </p:cNvPr>
+          <p:cNvSpPr txBox="1"/>
+          <p:nvPr/>
+        </p:nvSpPr>
+        <p:spPr>
+          <a:xfrm>
+            <a:off x="260430" y="329879"/>
+            <a:ext cx="13150769" cy="7066550"/>
+          </a:xfrm>
+          <a:prstGeom prst="rect">
+            <a:avLst/>
+          </a:prstGeom>
+          <a:noFill/>
+        </p:spPr>
+        <p:txBody>
+          <a:bodyPr wrap="square" rtlCol="0">
+            <a:spAutoFit/>
+          </a:bodyPr>
+          <a:lstStyle/>
+          <a:p>
+            <a:r>
+              <a:rPr lang="en-US" sz="6000" b="1" dirty="0">
+                <a:solidFill>
+                  <a:srgbClr val="CF3338"/>
+                </a:solidFill>
+                <a:latin typeface="Pragmatica" panose="020B0403040502020204" pitchFamily="34" charset="0"/>
+              </a:rPr>
+              <a:t>Exercises</a:t>
+            </a:r>
+          </a:p>
+          <a:p>
+            <a:endParaRPr lang="en-US" sz="4200" dirty="0">
+              <a:solidFill>
+                <a:srgbClr val="CF3338"/>
+              </a:solidFill>
+              <a:latin typeface="Pragmatica" panose="020B0403040502020204" pitchFamily="34" charset="0"/>
+            </a:endParaRPr>
+          </a:p>
+          <a:p>
+            <a:r>
+              <a:rPr lang="en-US" sz="3600" dirty="0">
+                <a:solidFill>
+                  <a:srgbClr val="CF3338"/>
+                </a:solidFill>
+                <a:latin typeface="Pragmatica" panose="020B0403040502020204" pitchFamily="34" charset="0"/>
+              </a:rPr>
+              <a:t>For all data since 1970: </a:t>
+            </a:r>
+          </a:p>
+          <a:p>
+            <a:endParaRPr lang="en-US" sz="4200" dirty="0">
+              <a:solidFill>
+                <a:srgbClr val="CF3338"/>
+              </a:solidFill>
+              <a:latin typeface="Pragmatica" panose="020B0403040502020204" pitchFamily="34" charset="0"/>
+            </a:endParaRPr>
+          </a:p>
+          <a:p>
+            <a:pPr marL="342900" marR="0" lvl="0" indent="-342900">
+              <a:lnSpc>
+                <a:spcPct val="115000"/>
+              </a:lnSpc>
+              <a:spcBef>
+                <a:spcPts val="0"/>
+              </a:spcBef>
+              <a:spcAft>
+                <a:spcPts val="0"/>
+              </a:spcAft>
+              <a:buFont typeface="+mj-lt"/>
+              <a:buAutoNum type="arabicPeriod"/>
+            </a:pPr>
+            <a:r>
+              <a:rPr lang="en-US" sz="3200" kern="100" dirty="0">
+                <a:solidFill>
+                  <a:srgbClr val="C00000"/>
+                </a:solidFill>
+                <a:effectLst/>
+                <a:latin typeface="Pragmatica" panose="020B0403040502020204"/>
+                <a:ea typeface="Aptos" panose="020B0004020202020204" pitchFamily="34" charset="0"/>
+                <a:cs typeface="Times New Roman" panose="02020603050405020304" pitchFamily="18" charset="0"/>
+              </a:rPr>
+              <a:t>Create stolen base percentage measure: SUM(SB) / (SUM(SB) + SUM(SC))</a:t>
+            </a:r>
+          </a:p>
+          <a:p>
+            <a:pPr marL="342900" marR="0" lvl="0" indent="-342900">
+              <a:lnSpc>
+                <a:spcPct val="115000"/>
+              </a:lnSpc>
+              <a:spcBef>
+                <a:spcPts val="0"/>
+              </a:spcBef>
+              <a:spcAft>
+                <a:spcPts val="0"/>
+              </a:spcAft>
+              <a:buFont typeface="+mj-lt"/>
+              <a:buAutoNum type="arabicPeriod"/>
+            </a:pPr>
+            <a:r>
+              <a:rPr lang="en-US" sz="3200" kern="100" dirty="0">
+                <a:solidFill>
+                  <a:srgbClr val="C00000"/>
+                </a:solidFill>
+                <a:effectLst/>
+                <a:latin typeface="Pragmatica" panose="020B0403040502020204"/>
+                <a:ea typeface="Aptos" panose="020B0004020202020204" pitchFamily="34" charset="0"/>
+                <a:cs typeface="Times New Roman" panose="02020603050405020304" pitchFamily="18" charset="0"/>
+              </a:rPr>
+              <a:t>Compare SBP over time by league</a:t>
+            </a:r>
+          </a:p>
+          <a:p>
+            <a:pPr marL="342900" marR="0" lvl="0" indent="-342900">
+              <a:lnSpc>
+                <a:spcPct val="115000"/>
+              </a:lnSpc>
+              <a:spcBef>
+                <a:spcPts val="0"/>
+              </a:spcBef>
+              <a:spcAft>
+                <a:spcPts val="0"/>
+              </a:spcAft>
+              <a:buFont typeface="+mj-lt"/>
+              <a:buAutoNum type="arabicPeriod"/>
+            </a:pPr>
+            <a:r>
+              <a:rPr lang="en-US" sz="3200" kern="100" dirty="0">
+                <a:solidFill>
+                  <a:srgbClr val="C00000"/>
+                </a:solidFill>
+                <a:latin typeface="Pragmatica" panose="020B0403040502020204"/>
+                <a:ea typeface="Aptos" panose="020B0004020202020204" pitchFamily="34" charset="0"/>
+                <a:cs typeface="Times New Roman" panose="02020603050405020304" pitchFamily="18" charset="0"/>
+              </a:rPr>
+              <a:t>Compare relationship between runs (R) and wins (W)</a:t>
+            </a:r>
+          </a:p>
+          <a:p>
+            <a:pPr marL="342900" marR="0" lvl="0" indent="-342900">
+              <a:lnSpc>
+                <a:spcPct val="115000"/>
+              </a:lnSpc>
+              <a:spcBef>
+                <a:spcPts val="0"/>
+              </a:spcBef>
+              <a:spcAft>
+                <a:spcPts val="0"/>
+              </a:spcAft>
+              <a:buFont typeface="+mj-lt"/>
+              <a:buAutoNum type="arabicPeriod"/>
+            </a:pPr>
+            <a:r>
+              <a:rPr lang="en-US" sz="3200" kern="100" dirty="0">
+                <a:solidFill>
+                  <a:srgbClr val="C00000"/>
+                </a:solidFill>
+                <a:effectLst/>
+                <a:latin typeface="Pragmatica" panose="020B0403040502020204"/>
+                <a:ea typeface="Aptos" panose="020B0004020202020204" pitchFamily="34" charset="0"/>
+                <a:cs typeface="Times New Roman" panose="02020603050405020304" pitchFamily="18" charset="0"/>
+              </a:rPr>
+              <a:t>Add a timeline-based slicer to the report</a:t>
+            </a:r>
+          </a:p>
+          <a:p>
+            <a:endParaRPr lang="en-US" sz="4200" dirty="0">
+              <a:solidFill>
+                <a:srgbClr val="CF3338"/>
+              </a:solidFill>
+              <a:latin typeface="Pragmatica" panose="020B0403040502020204" pitchFamily="34" charset="0"/>
+            </a:endParaRPr>
+          </a:p>
+          <a:p>
+            <a:r>
+              <a:rPr lang="en-US" sz="3600" kern="100" dirty="0">
+                <a:solidFill>
+                  <a:srgbClr val="C00000"/>
+                </a:solidFill>
+                <a:effectLst/>
+                <a:latin typeface="Pragmatica" panose="020B0403040502020204"/>
+                <a:ea typeface="Aptos" panose="020B0004020202020204" pitchFamily="34" charset="0"/>
+                <a:cs typeface="Times New Roman" panose="02020603050405020304" pitchFamily="18" charset="0"/>
+              </a:rPr>
+              <a:t>Folder: </a:t>
+            </a:r>
+            <a:r>
+              <a:rPr lang="en-US" sz="3600" kern="100" dirty="0">
+                <a:solidFill>
+                  <a:srgbClr val="C00000"/>
+                </a:solidFill>
+                <a:latin typeface="Consolas" panose="020B0609020204030204" pitchFamily="49" charset="0"/>
+                <a:ea typeface="Aptos" panose="020B0004020202020204" pitchFamily="34" charset="0"/>
+                <a:cs typeface="Times New Roman" panose="02020603050405020304" pitchFamily="18" charset="0"/>
+              </a:rPr>
+              <a:t>4</a:t>
+            </a:r>
+            <a:r>
+              <a:rPr lang="en-US" sz="3600" kern="100" dirty="0">
+                <a:solidFill>
+                  <a:srgbClr val="C00000"/>
+                </a:solidFill>
+                <a:effectLst/>
+                <a:latin typeface="Consolas" panose="020B0609020204030204" pitchFamily="49" charset="0"/>
+                <a:ea typeface="Aptos" panose="020B0004020202020204" pitchFamily="34" charset="0"/>
+                <a:cs typeface="Times New Roman" panose="02020603050405020304" pitchFamily="18" charset="0"/>
+              </a:rPr>
+              <a:t>-power-bi-challenge</a:t>
+            </a:r>
+          </a:p>
+          <a:p>
+            <a:endParaRPr lang="en-US" sz="4200" dirty="0">
+              <a:solidFill>
+                <a:srgbClr val="CF3338"/>
+              </a:solidFill>
+              <a:latin typeface="Pragmatica" panose="020B0403040502020204" pitchFamily="34" charset="0"/>
+            </a:endParaRPr>
+          </a:p>
+        </p:txBody>
+      </p:sp>
+    </p:spTree>
+    <p:extLst>
+      <p:ext uri="{BB962C8B-B14F-4D97-AF65-F5344CB8AC3E}">
+        <p14:creationId xmlns:p14="http://schemas.microsoft.com/office/powerpoint/2010/main" val="3297408441"/>
+      </p:ext>
+    </p:extLst>
+  </p:cSld>
+  <p:clrMapOvr>
+    <a:masterClrMapping/>
+  </p:clrMapOvr>
+</p:sld>
+</file>
+
+<file path=ppt/slides/slide29.xml><?xml version="1.0" encoding="utf-8"?>
+<p:sld xmlns:a="http://schemas.openxmlformats.org/drawingml/2006/main" xmlns:r="http://schemas.openxmlformats.org/officeDocument/2006/relationships" xmlns:p="http://schemas.openxmlformats.org/presentationml/2006/main">
+  <p:cSld>
+    <p:spTree>
+      <p:nvGrpSpPr>
+        <p:cNvPr id="1" name=""/>
+        <p:cNvGrpSpPr/>
+        <p:nvPr/>
+      </p:nvGrpSpPr>
+      <p:grpSpPr>
+        <a:xfrm>
+          <a:off x="0" y="0"/>
+          <a:ext cx="0" cy="0"/>
+          <a:chOff x="0" y="0"/>
+          <a:chExt cx="0" cy="0"/>
+        </a:xfrm>
+      </p:grpSpPr>
+      <p:pic>
+        <p:nvPicPr>
+          <p:cNvPr id="10" name="Picture 9"/>
+          <p:cNvPicPr>
+            <a:picLocks noChangeAspect="1"/>
+          </p:cNvPicPr>
+          <p:nvPr/>
+        </p:nvPicPr>
+        <p:blipFill rotWithShape="1">
+          <a:blip r:embed="rId2">
+            <a:extLst>
+              <a:ext uri="{28A0092B-C50C-407E-A947-70E740481C1C}">
+                <a14:useLocalDpi xmlns:a14="http://schemas.microsoft.com/office/drawing/2010/main" val="0"/>
+              </a:ext>
+            </a:extLst>
+          </a:blip>
+          <a:srcRect l="50728" t="56371"/>
+          <a:stretch/>
+        </p:blipFill>
+        <p:spPr>
+          <a:xfrm>
+            <a:off x="12204691" y="3316148"/>
+            <a:ext cx="6083309" cy="6970854"/>
+          </a:xfrm>
+          <a:prstGeom prst="rect">
+            <a:avLst/>
+          </a:prstGeom>
+        </p:spPr>
+      </p:pic>
+      <p:pic>
+        <p:nvPicPr>
+          <p:cNvPr id="4" name="Picture 3"/>
+          <p:cNvPicPr>
+            <a:picLocks noChangeAspect="1"/>
+          </p:cNvPicPr>
+          <p:nvPr/>
+        </p:nvPicPr>
+        <p:blipFill>
+          <a:blip r:embed="rId3">
+            <a:extLst>
+              <a:ext uri="{28A0092B-C50C-407E-A947-70E740481C1C}">
+                <a14:useLocalDpi xmlns:a14="http://schemas.microsoft.com/office/drawing/2010/main" val="0"/>
+              </a:ext>
+            </a:extLst>
+          </a:blip>
+          <a:stretch>
+            <a:fillRect/>
+          </a:stretch>
+        </p:blipFill>
+        <p:spPr>
+          <a:xfrm>
+            <a:off x="-807744" y="-3724155"/>
+            <a:ext cx="15257208" cy="11189825"/>
+          </a:xfrm>
+          <a:prstGeom prst="rect">
+            <a:avLst/>
+          </a:prstGeom>
+        </p:spPr>
+      </p:pic>
+      <p:sp>
+        <p:nvSpPr>
+          <p:cNvPr id="11" name="TextBox 10"/>
+          <p:cNvSpPr txBox="1"/>
+          <p:nvPr/>
+        </p:nvSpPr>
+        <p:spPr>
+          <a:xfrm>
+            <a:off x="486137" y="2531318"/>
+            <a:ext cx="11979797" cy="923330"/>
+          </a:xfrm>
+          <a:prstGeom prst="rect">
+            <a:avLst/>
+          </a:prstGeom>
+          <a:noFill/>
+        </p:spPr>
+        <p:txBody>
+          <a:bodyPr wrap="square" rtlCol="0">
+            <a:spAutoFit/>
+          </a:bodyPr>
+          <a:lstStyle/>
+          <a:p>
+            <a:r>
+              <a:rPr lang="en-US" sz="5400" b="1" dirty="0">
+                <a:solidFill>
+                  <a:srgbClr val="CF3338"/>
+                </a:solidFill>
+                <a:latin typeface="Pragmatica" panose="020B0403040502020204" pitchFamily="34" charset="0"/>
+              </a:rPr>
+              <a:t>Questions?</a:t>
+            </a:r>
+          </a:p>
+        </p:txBody>
+      </p:sp>
+      <p:pic>
+        <p:nvPicPr>
+          <p:cNvPr id="5" name="Picture 4">
+            <a:extLst>
+              <a:ext uri="{FF2B5EF4-FFF2-40B4-BE49-F238E27FC236}">
+                <a16:creationId xmlns:a16="http://schemas.microsoft.com/office/drawing/2014/main" id="{54A06221-5316-4BCF-9FDA-BDB95FF4A778}"/>
+              </a:ext>
+            </a:extLst>
+          </p:cNvPr>
+          <p:cNvPicPr>
+            <a:picLocks noChangeAspect="1"/>
+          </p:cNvPicPr>
+          <p:nvPr/>
+        </p:nvPicPr>
+        <p:blipFill>
+          <a:blip r:embed="rId4">
+            <a:extLst>
+              <a:ext uri="{28A0092B-C50C-407E-A947-70E740481C1C}">
+                <a14:useLocalDpi xmlns:a14="http://schemas.microsoft.com/office/drawing/2010/main" val="0"/>
+              </a:ext>
+            </a:extLst>
+          </a:blip>
+          <a:srcRect/>
+          <a:stretch/>
+        </p:blipFill>
+        <p:spPr>
+          <a:xfrm>
+            <a:off x="12204691" y="3317239"/>
+            <a:ext cx="6083309" cy="6968672"/>
+          </a:xfrm>
+          <a:prstGeom prst="rect">
+            <a:avLst/>
+          </a:prstGeom>
+        </p:spPr>
+      </p:pic>
+    </p:spTree>
+    <p:extLst>
+      <p:ext uri="{BB962C8B-B14F-4D97-AF65-F5344CB8AC3E}">
+        <p14:creationId xmlns:p14="http://schemas.microsoft.com/office/powerpoint/2010/main" val="2081473834"/>
+      </p:ext>
+    </p:extLst>
+  </p:cSld>
+  <p:clrMapOvr>
+    <a:masterClrMapping/>
+  </p:clrMapOvr>
+</p:sld>
+</file>
+
 <file path=ppt/slides/slide3.xml><?xml version="1.0" encoding="utf-8"?>
 <p:sld xmlns:a="http://schemas.openxmlformats.org/drawingml/2006/main" xmlns:r="http://schemas.openxmlformats.org/officeDocument/2006/relationships" xmlns:p="http://schemas.openxmlformats.org/presentationml/2006/main">
   <p:cSld>
@@ -9326,6 +11841,1344 @@
     <p:extLst>
       <p:ext uri="{BB962C8B-B14F-4D97-AF65-F5344CB8AC3E}">
         <p14:creationId xmlns:p14="http://schemas.microsoft.com/office/powerpoint/2010/main" val="787076388"/>
+      </p:ext>
+    </p:extLst>
+  </p:cSld>
+  <p:clrMapOvr>
+    <a:masterClrMapping/>
+  </p:clrMapOvr>
+</p:sld>
+</file>
+
+<file path=ppt/slides/slide30.xml><?xml version="1.0" encoding="utf-8"?>
+<p:sld xmlns:a="http://schemas.openxmlformats.org/drawingml/2006/main" xmlns:r="http://schemas.openxmlformats.org/officeDocument/2006/relationships" xmlns:p="http://schemas.openxmlformats.org/presentationml/2006/main">
+  <p:cSld>
+    <p:spTree>
+      <p:nvGrpSpPr>
+        <p:cNvPr id="1" name="">
+          <a:extLst>
+            <a:ext uri="{FF2B5EF4-FFF2-40B4-BE49-F238E27FC236}">
+              <a16:creationId xmlns:a16="http://schemas.microsoft.com/office/drawing/2014/main" id="{782110DC-5945-F67F-552F-6B4AD37258A7}"/>
+            </a:ext>
+          </a:extLst>
+        </p:cNvPr>
+        <p:cNvGrpSpPr/>
+        <p:nvPr/>
+      </p:nvGrpSpPr>
+      <p:grpSpPr>
+        <a:xfrm>
+          <a:off x="0" y="0"/>
+          <a:ext cx="0" cy="0"/>
+          <a:chOff x="0" y="0"/>
+          <a:chExt cx="0" cy="0"/>
+        </a:xfrm>
+      </p:grpSpPr>
+      <p:sp>
+        <p:nvSpPr>
+          <p:cNvPr id="4" name="Rectangle 3">
+            <a:extLst>
+              <a:ext uri="{FF2B5EF4-FFF2-40B4-BE49-F238E27FC236}">
+                <a16:creationId xmlns:a16="http://schemas.microsoft.com/office/drawing/2014/main" id="{B4E7494E-F506-3611-8E16-B310FC07AE4D}"/>
+              </a:ext>
+            </a:extLst>
+          </p:cNvPr>
+          <p:cNvSpPr/>
+          <p:nvPr/>
+        </p:nvSpPr>
+        <p:spPr>
+          <a:xfrm>
+            <a:off x="0" y="0"/>
+            <a:ext cx="18288000" cy="10287000"/>
+          </a:xfrm>
+          <a:prstGeom prst="rect">
+            <a:avLst/>
+          </a:prstGeom>
+          <a:solidFill>
+            <a:schemeClr val="bg1">
+              <a:lumMod val="50000"/>
+            </a:schemeClr>
+          </a:solidFill>
+          <a:ln>
+            <a:noFill/>
+          </a:ln>
+        </p:spPr>
+        <p:style>
+          <a:lnRef idx="2">
+            <a:schemeClr val="accent1">
+              <a:shade val="50000"/>
+            </a:schemeClr>
+          </a:lnRef>
+          <a:fillRef idx="1">
+            <a:schemeClr val="accent1"/>
+          </a:fillRef>
+          <a:effectRef idx="0">
+            <a:schemeClr val="accent1"/>
+          </a:effectRef>
+          <a:fontRef idx="minor">
+            <a:schemeClr val="lt1"/>
+          </a:fontRef>
+        </p:style>
+        <p:txBody>
+          <a:bodyPr rtlCol="0" anchor="ctr"/>
+          <a:lstStyle/>
+          <a:p>
+            <a:pPr algn="ctr"/>
+            <a:endParaRPr lang="en-US" sz="2700"/>
+          </a:p>
+        </p:txBody>
+      </p:sp>
+      <p:sp>
+        <p:nvSpPr>
+          <p:cNvPr id="5" name="TextBox 4">
+            <a:extLst>
+              <a:ext uri="{FF2B5EF4-FFF2-40B4-BE49-F238E27FC236}">
+                <a16:creationId xmlns:a16="http://schemas.microsoft.com/office/drawing/2014/main" id="{8ED115EA-44DB-AAF3-936A-1719A3969B08}"/>
+              </a:ext>
+            </a:extLst>
+          </p:cNvPr>
+          <p:cNvSpPr txBox="1"/>
+          <p:nvPr/>
+        </p:nvSpPr>
+        <p:spPr>
+          <a:xfrm>
+            <a:off x="781292" y="590309"/>
+            <a:ext cx="15486926" cy="3139321"/>
+          </a:xfrm>
+          <a:prstGeom prst="rect">
+            <a:avLst/>
+          </a:prstGeom>
+          <a:noFill/>
+        </p:spPr>
+        <p:txBody>
+          <a:bodyPr wrap="square" rtlCol="0">
+            <a:spAutoFit/>
+          </a:bodyPr>
+          <a:lstStyle/>
+          <a:p>
+            <a:r>
+              <a:rPr lang="en-US" sz="9900" b="1" dirty="0">
+                <a:solidFill>
+                  <a:schemeClr val="bg1"/>
+                </a:solidFill>
+                <a:latin typeface="Normafixed Tryout" panose="00000409000000000000" pitchFamily="49" charset="0"/>
+              </a:rPr>
+              <a:t>Designing simple business apps with Power Apps</a:t>
+            </a:r>
+          </a:p>
+        </p:txBody>
+      </p:sp>
+    </p:spTree>
+    <p:extLst>
+      <p:ext uri="{BB962C8B-B14F-4D97-AF65-F5344CB8AC3E}">
+        <p14:creationId xmlns:p14="http://schemas.microsoft.com/office/powerpoint/2010/main" val="1640392416"/>
+      </p:ext>
+    </p:extLst>
+  </p:cSld>
+  <p:clrMapOvr>
+    <a:masterClrMapping/>
+  </p:clrMapOvr>
+</p:sld>
+</file>
+
+<file path=ppt/slides/slide31.xml><?xml version="1.0" encoding="utf-8"?>
+<p:sld xmlns:a="http://schemas.openxmlformats.org/drawingml/2006/main" xmlns:r="http://schemas.openxmlformats.org/officeDocument/2006/relationships" xmlns:p="http://schemas.openxmlformats.org/presentationml/2006/main">
+  <p:cSld>
+    <p:spTree>
+      <p:nvGrpSpPr>
+        <p:cNvPr id="1" name=""/>
+        <p:cNvGrpSpPr/>
+        <p:nvPr/>
+      </p:nvGrpSpPr>
+      <p:grpSpPr>
+        <a:xfrm>
+          <a:off x="0" y="0"/>
+          <a:ext cx="0" cy="0"/>
+          <a:chOff x="0" y="0"/>
+          <a:chExt cx="0" cy="0"/>
+        </a:xfrm>
+      </p:grpSpPr>
+      <p:sp>
+        <p:nvSpPr>
+          <p:cNvPr id="4" name="Rectangle 3"/>
+          <p:cNvSpPr/>
+          <p:nvPr/>
+        </p:nvSpPr>
+        <p:spPr>
+          <a:xfrm>
+            <a:off x="9861630" y="0"/>
+            <a:ext cx="8426370" cy="10287000"/>
+          </a:xfrm>
+          <a:prstGeom prst="rect">
+            <a:avLst/>
+          </a:prstGeom>
+          <a:solidFill>
+            <a:srgbClr val="CF3338"/>
+          </a:solidFill>
+          <a:ln>
+            <a:noFill/>
+          </a:ln>
+        </p:spPr>
+        <p:style>
+          <a:lnRef idx="2">
+            <a:schemeClr val="accent1">
+              <a:shade val="50000"/>
+            </a:schemeClr>
+          </a:lnRef>
+          <a:fillRef idx="1">
+            <a:schemeClr val="accent1"/>
+          </a:fillRef>
+          <a:effectRef idx="0">
+            <a:schemeClr val="accent1"/>
+          </a:effectRef>
+          <a:fontRef idx="minor">
+            <a:schemeClr val="lt1"/>
+          </a:fontRef>
+        </p:style>
+        <p:txBody>
+          <a:bodyPr rtlCol="0" anchor="ctr"/>
+          <a:lstStyle/>
+          <a:p>
+            <a:pPr algn="ctr"/>
+            <a:endParaRPr lang="en-US" sz="2700"/>
+          </a:p>
+        </p:txBody>
+      </p:sp>
+      <p:pic>
+        <p:nvPicPr>
+          <p:cNvPr id="2" name="Picture 1"/>
+          <p:cNvPicPr>
+            <a:picLocks noChangeAspect="1"/>
+          </p:cNvPicPr>
+          <p:nvPr/>
+        </p:nvPicPr>
+        <p:blipFill rotWithShape="1">
+          <a:blip r:embed="rId3">
+            <a:extLst>
+              <a:ext uri="{28A0092B-C50C-407E-A947-70E740481C1C}">
+                <a14:useLocalDpi xmlns:a14="http://schemas.microsoft.com/office/drawing/2010/main" val="0"/>
+              </a:ext>
+            </a:extLst>
+          </a:blip>
+          <a:srcRect l="69227" t="33418" r="20112" b="50548"/>
+          <a:stretch/>
+        </p:blipFill>
+        <p:spPr>
+          <a:xfrm>
+            <a:off x="15579524" y="7544693"/>
+            <a:ext cx="2708477" cy="2987579"/>
+          </a:xfrm>
+          <a:prstGeom prst="rect">
+            <a:avLst/>
+          </a:prstGeom>
+        </p:spPr>
+      </p:pic>
+      <p:sp>
+        <p:nvSpPr>
+          <p:cNvPr id="3" name="TextBox 2"/>
+          <p:cNvSpPr txBox="1"/>
+          <p:nvPr/>
+        </p:nvSpPr>
+        <p:spPr>
+          <a:xfrm>
+            <a:off x="260431" y="329879"/>
+            <a:ext cx="8906720" cy="6438044"/>
+          </a:xfrm>
+          <a:prstGeom prst="rect">
+            <a:avLst/>
+          </a:prstGeom>
+          <a:noFill/>
+        </p:spPr>
+        <p:txBody>
+          <a:bodyPr wrap="square" rtlCol="0">
+            <a:spAutoFit/>
+          </a:bodyPr>
+          <a:lstStyle/>
+          <a:p>
+            <a:r>
+              <a:rPr lang="en-US" sz="6000" b="1" dirty="0">
+                <a:solidFill>
+                  <a:srgbClr val="CF3338"/>
+                </a:solidFill>
+                <a:latin typeface="Pragmatica" panose="020B0403040502020204" pitchFamily="34" charset="0"/>
+              </a:rPr>
+              <a:t>Creating a Power App from Excel</a:t>
+            </a:r>
+          </a:p>
+          <a:p>
+            <a:endParaRPr lang="en-US" sz="4200" dirty="0">
+              <a:solidFill>
+                <a:srgbClr val="CF3338"/>
+              </a:solidFill>
+              <a:latin typeface="Pragmatica" panose="020B0403040502020204" pitchFamily="34" charset="0"/>
+            </a:endParaRPr>
+          </a:p>
+          <a:p>
+            <a:pPr marL="685800" indent="-542925">
+              <a:lnSpc>
+                <a:spcPct val="115000"/>
+              </a:lnSpc>
+              <a:spcBef>
+                <a:spcPts val="1125"/>
+              </a:spcBef>
+              <a:buClr>
+                <a:srgbClr val="C00000"/>
+              </a:buClr>
+              <a:buSzPts val="2100"/>
+              <a:buFont typeface="Arial"/>
+              <a:buAutoNum type="arabicPeriod"/>
+            </a:pPr>
+            <a:r>
+              <a:rPr lang="en-US" sz="3600" dirty="0">
+                <a:solidFill>
+                  <a:srgbClr val="C00000"/>
+                </a:solidFill>
+                <a:latin typeface="Pragmatica" panose="020B0403040502020204"/>
+                <a:sym typeface="Consolas"/>
+              </a:rPr>
+              <a:t>Upload Excel table to Power Apps</a:t>
+            </a:r>
+          </a:p>
+          <a:p>
+            <a:pPr marL="685800" indent="-542925">
+              <a:lnSpc>
+                <a:spcPct val="115000"/>
+              </a:lnSpc>
+              <a:spcBef>
+                <a:spcPts val="1125"/>
+              </a:spcBef>
+              <a:buClr>
+                <a:srgbClr val="C00000"/>
+              </a:buClr>
+              <a:buSzPts val="2100"/>
+              <a:buFont typeface="Arial"/>
+              <a:buAutoNum type="arabicPeriod"/>
+            </a:pPr>
+            <a:r>
+              <a:rPr lang="en-US" sz="3600" dirty="0">
+                <a:solidFill>
+                  <a:srgbClr val="C00000"/>
+                </a:solidFill>
+                <a:latin typeface="Pragmatica" panose="020B0403040502020204"/>
+                <a:sym typeface="Consolas"/>
+              </a:rPr>
+              <a:t>Create basic three-screen app</a:t>
+            </a:r>
+          </a:p>
+          <a:p>
+            <a:pPr marL="685800" indent="-542925">
+              <a:lnSpc>
+                <a:spcPct val="115000"/>
+              </a:lnSpc>
+              <a:spcBef>
+                <a:spcPts val="1125"/>
+              </a:spcBef>
+              <a:buClr>
+                <a:srgbClr val="C00000"/>
+              </a:buClr>
+              <a:buSzPts val="2100"/>
+              <a:buFont typeface="Arial"/>
+              <a:buAutoNum type="arabicPeriod"/>
+            </a:pPr>
+            <a:r>
+              <a:rPr lang="en-US" sz="3600" dirty="0">
+                <a:solidFill>
+                  <a:srgbClr val="C00000"/>
+                </a:solidFill>
+                <a:latin typeface="Pragmatica" panose="020B0403040502020204"/>
+                <a:sym typeface="Consolas"/>
+              </a:rPr>
+              <a:t>Add and edit records</a:t>
+            </a:r>
+          </a:p>
+          <a:p>
+            <a:pPr marL="685800" indent="-542925">
+              <a:lnSpc>
+                <a:spcPct val="115000"/>
+              </a:lnSpc>
+              <a:spcBef>
+                <a:spcPts val="1125"/>
+              </a:spcBef>
+              <a:buClr>
+                <a:srgbClr val="C00000"/>
+              </a:buClr>
+              <a:buSzPts val="2100"/>
+              <a:buFont typeface="Arial"/>
+              <a:buAutoNum type="arabicPeriod"/>
+            </a:pPr>
+            <a:r>
+              <a:rPr lang="en-US" sz="3600" dirty="0">
+                <a:solidFill>
+                  <a:srgbClr val="C00000"/>
+                </a:solidFill>
+                <a:latin typeface="Pragmatica" panose="020B0403040502020204"/>
+                <a:sym typeface="Consolas"/>
+              </a:rPr>
+              <a:t>Preview app in development</a:t>
+            </a:r>
+          </a:p>
+          <a:p>
+            <a:pPr marL="142875">
+              <a:lnSpc>
+                <a:spcPct val="115000"/>
+              </a:lnSpc>
+              <a:spcBef>
+                <a:spcPts val="1125"/>
+              </a:spcBef>
+              <a:buClr>
+                <a:srgbClr val="C00000"/>
+              </a:buClr>
+              <a:buSzPts val="2100"/>
+            </a:pPr>
+            <a:r>
+              <a:rPr lang="en-US" sz="3600" dirty="0">
+                <a:solidFill>
+                  <a:srgbClr val="C00000"/>
+                </a:solidFill>
+                <a:latin typeface="Pragmatica" panose="020B0403040502020204"/>
+                <a:sym typeface="Consolas"/>
+              </a:rPr>
+              <a:t>File: </a:t>
+            </a:r>
+            <a:r>
+              <a:rPr lang="en-US" sz="3600" dirty="0">
+                <a:solidFill>
+                  <a:srgbClr val="C00000"/>
+                </a:solidFill>
+                <a:latin typeface="Consolas" panose="020B0609020204030204" pitchFamily="49" charset="0"/>
+                <a:sym typeface="Consolas"/>
+              </a:rPr>
+              <a:t>first-power-app.xlsx</a:t>
+            </a:r>
+          </a:p>
+        </p:txBody>
+      </p:sp>
+    </p:spTree>
+    <p:extLst>
+      <p:ext uri="{BB962C8B-B14F-4D97-AF65-F5344CB8AC3E}">
+        <p14:creationId xmlns:p14="http://schemas.microsoft.com/office/powerpoint/2010/main" val="3582154141"/>
+      </p:ext>
+    </p:extLst>
+  </p:cSld>
+  <p:clrMapOvr>
+    <a:masterClrMapping/>
+  </p:clrMapOvr>
+</p:sld>
+</file>
+
+<file path=ppt/slides/slide32.xml><?xml version="1.0" encoding="utf-8"?>
+<p:sld xmlns:a="http://schemas.openxmlformats.org/drawingml/2006/main" xmlns:r="http://schemas.openxmlformats.org/officeDocument/2006/relationships" xmlns:p="http://schemas.openxmlformats.org/presentationml/2006/main">
+  <p:cSld>
+    <p:spTree>
+      <p:nvGrpSpPr>
+        <p:cNvPr id="1" name=""/>
+        <p:cNvGrpSpPr/>
+        <p:nvPr/>
+      </p:nvGrpSpPr>
+      <p:grpSpPr>
+        <a:xfrm>
+          <a:off x="0" y="0"/>
+          <a:ext cx="0" cy="0"/>
+          <a:chOff x="0" y="0"/>
+          <a:chExt cx="0" cy="0"/>
+        </a:xfrm>
+      </p:grpSpPr>
+      <p:sp>
+        <p:nvSpPr>
+          <p:cNvPr id="4" name="Rectangle 3"/>
+          <p:cNvSpPr/>
+          <p:nvPr/>
+        </p:nvSpPr>
+        <p:spPr>
+          <a:xfrm>
+            <a:off x="9861630" y="0"/>
+            <a:ext cx="8426370" cy="10287000"/>
+          </a:xfrm>
+          <a:prstGeom prst="rect">
+            <a:avLst/>
+          </a:prstGeom>
+          <a:solidFill>
+            <a:srgbClr val="CF3338"/>
+          </a:solidFill>
+          <a:ln>
+            <a:noFill/>
+          </a:ln>
+        </p:spPr>
+        <p:style>
+          <a:lnRef idx="2">
+            <a:schemeClr val="accent1">
+              <a:shade val="50000"/>
+            </a:schemeClr>
+          </a:lnRef>
+          <a:fillRef idx="1">
+            <a:schemeClr val="accent1"/>
+          </a:fillRef>
+          <a:effectRef idx="0">
+            <a:schemeClr val="accent1"/>
+          </a:effectRef>
+          <a:fontRef idx="minor">
+            <a:schemeClr val="lt1"/>
+          </a:fontRef>
+        </p:style>
+        <p:txBody>
+          <a:bodyPr rtlCol="0" anchor="ctr"/>
+          <a:lstStyle/>
+          <a:p>
+            <a:pPr algn="ctr"/>
+            <a:endParaRPr lang="en-US" sz="2700"/>
+          </a:p>
+        </p:txBody>
+      </p:sp>
+      <p:pic>
+        <p:nvPicPr>
+          <p:cNvPr id="2" name="Picture 1"/>
+          <p:cNvPicPr>
+            <a:picLocks noChangeAspect="1"/>
+          </p:cNvPicPr>
+          <p:nvPr/>
+        </p:nvPicPr>
+        <p:blipFill rotWithShape="1">
+          <a:blip r:embed="rId3">
+            <a:extLst>
+              <a:ext uri="{28A0092B-C50C-407E-A947-70E740481C1C}">
+                <a14:useLocalDpi xmlns:a14="http://schemas.microsoft.com/office/drawing/2010/main" val="0"/>
+              </a:ext>
+            </a:extLst>
+          </a:blip>
+          <a:srcRect l="69227" t="33418" r="20112" b="50548"/>
+          <a:stretch/>
+        </p:blipFill>
+        <p:spPr>
+          <a:xfrm>
+            <a:off x="15579524" y="7544693"/>
+            <a:ext cx="2708477" cy="2987579"/>
+          </a:xfrm>
+          <a:prstGeom prst="rect">
+            <a:avLst/>
+          </a:prstGeom>
+        </p:spPr>
+      </p:pic>
+      <p:sp>
+        <p:nvSpPr>
+          <p:cNvPr id="3" name="TextBox 2"/>
+          <p:cNvSpPr txBox="1"/>
+          <p:nvPr/>
+        </p:nvSpPr>
+        <p:spPr>
+          <a:xfrm>
+            <a:off x="260431" y="329879"/>
+            <a:ext cx="8906720" cy="5186676"/>
+          </a:xfrm>
+          <a:prstGeom prst="rect">
+            <a:avLst/>
+          </a:prstGeom>
+          <a:noFill/>
+        </p:spPr>
+        <p:txBody>
+          <a:bodyPr wrap="square" rtlCol="0">
+            <a:spAutoFit/>
+          </a:bodyPr>
+          <a:lstStyle/>
+          <a:p>
+            <a:r>
+              <a:rPr lang="en-US" sz="6000" b="1" dirty="0">
+                <a:solidFill>
+                  <a:srgbClr val="CF3338"/>
+                </a:solidFill>
+                <a:latin typeface="Pragmatica" panose="020B0403040502020204" pitchFamily="34" charset="0"/>
+              </a:rPr>
+              <a:t>Modifying your Power App</a:t>
+            </a:r>
+          </a:p>
+          <a:p>
+            <a:endParaRPr lang="en-US" sz="4200" dirty="0">
+              <a:solidFill>
+                <a:srgbClr val="CF3338"/>
+              </a:solidFill>
+              <a:latin typeface="Pragmatica" panose="020B0403040502020204" pitchFamily="34" charset="0"/>
+            </a:endParaRPr>
+          </a:p>
+          <a:p>
+            <a:r>
+              <a:rPr lang="en-US" sz="4200" dirty="0">
+                <a:solidFill>
+                  <a:srgbClr val="CF3338"/>
+                </a:solidFill>
+                <a:latin typeface="Pragmatica" panose="020B0403040502020204" pitchFamily="34" charset="0"/>
+              </a:rPr>
+              <a:t>Continuing with our example:</a:t>
+            </a:r>
+          </a:p>
+          <a:p>
+            <a:endParaRPr lang="en-US" sz="4200" dirty="0">
+              <a:solidFill>
+                <a:srgbClr val="CF3338"/>
+              </a:solidFill>
+              <a:latin typeface="Pragmatica" panose="020B0403040502020204" pitchFamily="34" charset="0"/>
+            </a:endParaRPr>
+          </a:p>
+          <a:p>
+            <a:pPr marL="342900" marR="0" lvl="0" indent="-342900">
+              <a:lnSpc>
+                <a:spcPct val="115000"/>
+              </a:lnSpc>
+              <a:spcBef>
+                <a:spcPts val="0"/>
+              </a:spcBef>
+              <a:spcAft>
+                <a:spcPts val="0"/>
+              </a:spcAft>
+              <a:buFont typeface="+mj-lt"/>
+              <a:buAutoNum type="arabicPeriod"/>
+            </a:pPr>
+            <a:r>
+              <a:rPr lang="en-US" sz="3200" kern="100" dirty="0">
+                <a:solidFill>
+                  <a:srgbClr val="CF3338"/>
+                </a:solidFill>
+                <a:effectLst/>
+                <a:latin typeface="Pragmatica" panose="020B0403040502020204"/>
+                <a:ea typeface="Aptos" panose="020B0004020202020204" pitchFamily="34" charset="0"/>
+                <a:cs typeface="Times New Roman" panose="02020603050405020304" pitchFamily="18" charset="0"/>
+              </a:rPr>
+              <a:t>Adding required fields</a:t>
+            </a:r>
+          </a:p>
+          <a:p>
+            <a:pPr marL="342900" marR="0" lvl="0" indent="-342900">
+              <a:lnSpc>
+                <a:spcPct val="115000"/>
+              </a:lnSpc>
+              <a:spcBef>
+                <a:spcPts val="0"/>
+              </a:spcBef>
+              <a:spcAft>
+                <a:spcPts val="0"/>
+              </a:spcAft>
+              <a:buFont typeface="+mj-lt"/>
+              <a:buAutoNum type="arabicPeriod"/>
+            </a:pPr>
+            <a:r>
+              <a:rPr lang="en-US" sz="3200" kern="100" dirty="0">
+                <a:solidFill>
+                  <a:srgbClr val="CF3338"/>
+                </a:solidFill>
+                <a:latin typeface="Pragmatica" panose="020B0403040502020204"/>
+                <a:ea typeface="Aptos" panose="020B0004020202020204" pitchFamily="34" charset="0"/>
+                <a:cs typeface="Times New Roman" panose="02020603050405020304" pitchFamily="18" charset="0"/>
+              </a:rPr>
+              <a:t>Creating data validation dropdowns</a:t>
+            </a:r>
+          </a:p>
+          <a:p>
+            <a:pPr marL="342900" marR="0" lvl="0" indent="-342900">
+              <a:lnSpc>
+                <a:spcPct val="115000"/>
+              </a:lnSpc>
+              <a:spcBef>
+                <a:spcPts val="0"/>
+              </a:spcBef>
+              <a:spcAft>
+                <a:spcPts val="0"/>
+              </a:spcAft>
+              <a:buFont typeface="+mj-lt"/>
+              <a:buAutoNum type="arabicPeriod"/>
+            </a:pPr>
+            <a:r>
+              <a:rPr lang="en-US" sz="3200" kern="100" dirty="0">
+                <a:solidFill>
+                  <a:srgbClr val="CF3338"/>
+                </a:solidFill>
+                <a:effectLst/>
+                <a:latin typeface="Pragmatica" panose="020B0403040502020204"/>
+                <a:ea typeface="Aptos" panose="020B0004020202020204" pitchFamily="34" charset="0"/>
+                <a:cs typeface="Times New Roman" panose="02020603050405020304" pitchFamily="18" charset="0"/>
+              </a:rPr>
+              <a:t>Creating data validation on date ranges</a:t>
+            </a:r>
+          </a:p>
+          <a:p>
+            <a:pPr marR="0" lvl="0">
+              <a:lnSpc>
+                <a:spcPct val="115000"/>
+              </a:lnSpc>
+              <a:spcBef>
+                <a:spcPts val="0"/>
+              </a:spcBef>
+              <a:spcAft>
+                <a:spcPts val="0"/>
+              </a:spcAft>
+            </a:pPr>
+            <a:endParaRPr lang="en-US" sz="3200" kern="100" dirty="0">
+              <a:solidFill>
+                <a:srgbClr val="CF3338"/>
+              </a:solidFill>
+              <a:effectLst/>
+              <a:latin typeface="Pragmatica" panose="020B0403040502020204"/>
+              <a:ea typeface="Aptos" panose="020B0004020202020204" pitchFamily="34" charset="0"/>
+              <a:cs typeface="Times New Roman" panose="02020603050405020304" pitchFamily="18" charset="0"/>
+            </a:endParaRPr>
+          </a:p>
+        </p:txBody>
+      </p:sp>
+    </p:spTree>
+    <p:extLst>
+      <p:ext uri="{BB962C8B-B14F-4D97-AF65-F5344CB8AC3E}">
+        <p14:creationId xmlns:p14="http://schemas.microsoft.com/office/powerpoint/2010/main" val="3663175356"/>
+      </p:ext>
+    </p:extLst>
+  </p:cSld>
+  <p:clrMapOvr>
+    <a:masterClrMapping/>
+  </p:clrMapOvr>
+</p:sld>
+</file>
+
+<file path=ppt/slides/slide33.xml><?xml version="1.0" encoding="utf-8"?>
+<p:sld xmlns:a="http://schemas.openxmlformats.org/drawingml/2006/main" xmlns:r="http://schemas.openxmlformats.org/officeDocument/2006/relationships" xmlns:p="http://schemas.openxmlformats.org/presentationml/2006/main">
+  <p:cSld>
+    <p:spTree>
+      <p:nvGrpSpPr>
+        <p:cNvPr id="1" name="">
+          <a:extLst>
+            <a:ext uri="{FF2B5EF4-FFF2-40B4-BE49-F238E27FC236}">
+              <a16:creationId xmlns:a16="http://schemas.microsoft.com/office/drawing/2014/main" id="{FC0679BB-E487-A9E3-1278-DBD7FB7F19FE}"/>
+            </a:ext>
+          </a:extLst>
+        </p:cNvPr>
+        <p:cNvGrpSpPr/>
+        <p:nvPr/>
+      </p:nvGrpSpPr>
+      <p:grpSpPr>
+        <a:xfrm>
+          <a:off x="0" y="0"/>
+          <a:ext cx="0" cy="0"/>
+          <a:chOff x="0" y="0"/>
+          <a:chExt cx="0" cy="0"/>
+        </a:xfrm>
+      </p:grpSpPr>
+      <p:sp>
+        <p:nvSpPr>
+          <p:cNvPr id="4" name="Rectangle 3">
+            <a:extLst>
+              <a:ext uri="{FF2B5EF4-FFF2-40B4-BE49-F238E27FC236}">
+                <a16:creationId xmlns:a16="http://schemas.microsoft.com/office/drawing/2014/main" id="{4B8E3D40-A823-8428-6682-B724027EAF41}"/>
+              </a:ext>
+            </a:extLst>
+          </p:cNvPr>
+          <p:cNvSpPr/>
+          <p:nvPr/>
+        </p:nvSpPr>
+        <p:spPr>
+          <a:xfrm>
+            <a:off x="9861630" y="0"/>
+            <a:ext cx="8426370" cy="10287000"/>
+          </a:xfrm>
+          <a:prstGeom prst="rect">
+            <a:avLst/>
+          </a:prstGeom>
+          <a:solidFill>
+            <a:srgbClr val="CF3338"/>
+          </a:solidFill>
+          <a:ln>
+            <a:noFill/>
+          </a:ln>
+        </p:spPr>
+        <p:style>
+          <a:lnRef idx="2">
+            <a:schemeClr val="accent1">
+              <a:shade val="50000"/>
+            </a:schemeClr>
+          </a:lnRef>
+          <a:fillRef idx="1">
+            <a:schemeClr val="accent1"/>
+          </a:fillRef>
+          <a:effectRef idx="0">
+            <a:schemeClr val="accent1"/>
+          </a:effectRef>
+          <a:fontRef idx="minor">
+            <a:schemeClr val="lt1"/>
+          </a:fontRef>
+        </p:style>
+        <p:txBody>
+          <a:bodyPr rtlCol="0" anchor="ctr"/>
+          <a:lstStyle/>
+          <a:p>
+            <a:pPr algn="ctr"/>
+            <a:endParaRPr lang="en-US" sz="2700"/>
+          </a:p>
+        </p:txBody>
+      </p:sp>
+      <p:pic>
+        <p:nvPicPr>
+          <p:cNvPr id="2" name="Picture 1">
+            <a:extLst>
+              <a:ext uri="{FF2B5EF4-FFF2-40B4-BE49-F238E27FC236}">
+                <a16:creationId xmlns:a16="http://schemas.microsoft.com/office/drawing/2014/main" id="{F524E154-15C4-0B23-E9C5-29E2DD497327}"/>
+              </a:ext>
+            </a:extLst>
+          </p:cNvPr>
+          <p:cNvPicPr>
+            <a:picLocks noChangeAspect="1"/>
+          </p:cNvPicPr>
+          <p:nvPr/>
+        </p:nvPicPr>
+        <p:blipFill rotWithShape="1">
+          <a:blip r:embed="rId3">
+            <a:extLst>
+              <a:ext uri="{28A0092B-C50C-407E-A947-70E740481C1C}">
+                <a14:useLocalDpi xmlns:a14="http://schemas.microsoft.com/office/drawing/2010/main" val="0"/>
+              </a:ext>
+            </a:extLst>
+          </a:blip>
+          <a:srcRect l="69227" t="33418" r="20112" b="50548"/>
+          <a:stretch/>
+        </p:blipFill>
+        <p:spPr>
+          <a:xfrm>
+            <a:off x="15579524" y="7544693"/>
+            <a:ext cx="2708477" cy="2987579"/>
+          </a:xfrm>
+          <a:prstGeom prst="rect">
+            <a:avLst/>
+          </a:prstGeom>
+        </p:spPr>
+      </p:pic>
+      <p:sp>
+        <p:nvSpPr>
+          <p:cNvPr id="3" name="TextBox 2">
+            <a:extLst>
+              <a:ext uri="{FF2B5EF4-FFF2-40B4-BE49-F238E27FC236}">
+                <a16:creationId xmlns:a16="http://schemas.microsoft.com/office/drawing/2014/main" id="{E1343823-9545-2632-2777-4994B59C3581}"/>
+              </a:ext>
+            </a:extLst>
+          </p:cNvPr>
+          <p:cNvSpPr txBox="1"/>
+          <p:nvPr/>
+        </p:nvSpPr>
+        <p:spPr>
+          <a:xfrm>
+            <a:off x="260431" y="329879"/>
+            <a:ext cx="8906720" cy="4897366"/>
+          </a:xfrm>
+          <a:prstGeom prst="rect">
+            <a:avLst/>
+          </a:prstGeom>
+          <a:noFill/>
+        </p:spPr>
+        <p:txBody>
+          <a:bodyPr wrap="square" rtlCol="0">
+            <a:spAutoFit/>
+          </a:bodyPr>
+          <a:lstStyle/>
+          <a:p>
+            <a:r>
+              <a:rPr lang="en-US" sz="6000" b="1" dirty="0">
+                <a:solidFill>
+                  <a:srgbClr val="CF3338"/>
+                </a:solidFill>
+                <a:latin typeface="Pragmatica" panose="020B0403040502020204" pitchFamily="34" charset="0"/>
+              </a:rPr>
+              <a:t>Deploying your Power App</a:t>
+            </a:r>
+          </a:p>
+          <a:p>
+            <a:endParaRPr lang="en-US" sz="4200" dirty="0">
+              <a:solidFill>
+                <a:srgbClr val="CF3338"/>
+              </a:solidFill>
+              <a:latin typeface="Pragmatica" panose="020B0403040502020204" pitchFamily="34" charset="0"/>
+            </a:endParaRPr>
+          </a:p>
+          <a:p>
+            <a:r>
+              <a:rPr lang="en-US" sz="4200" dirty="0">
+                <a:solidFill>
+                  <a:srgbClr val="CF3338"/>
+                </a:solidFill>
+                <a:latin typeface="Pragmatica" panose="020B0403040502020204" pitchFamily="34" charset="0"/>
+              </a:rPr>
+              <a:t>Continuing with our example:</a:t>
+            </a:r>
+          </a:p>
+          <a:p>
+            <a:endParaRPr lang="en-US" sz="6000" dirty="0">
+              <a:solidFill>
+                <a:srgbClr val="CF3338"/>
+              </a:solidFill>
+              <a:latin typeface="Pragmatica" panose="020B0403040502020204" pitchFamily="34" charset="0"/>
+            </a:endParaRPr>
+          </a:p>
+          <a:p>
+            <a:pPr marL="342900" marR="0" lvl="0" indent="-342900">
+              <a:lnSpc>
+                <a:spcPct val="115000"/>
+              </a:lnSpc>
+              <a:spcBef>
+                <a:spcPts val="0"/>
+              </a:spcBef>
+              <a:spcAft>
+                <a:spcPts val="0"/>
+              </a:spcAft>
+              <a:buFont typeface="+mj-lt"/>
+              <a:buAutoNum type="arabicPeriod"/>
+            </a:pPr>
+            <a:r>
+              <a:rPr lang="en-US" sz="3200" kern="100" dirty="0">
+                <a:solidFill>
+                  <a:srgbClr val="CF3338"/>
+                </a:solidFill>
+                <a:effectLst/>
+                <a:latin typeface="Pragmatica" panose="020B0403040502020204"/>
+                <a:ea typeface="Aptos" panose="020B0004020202020204" pitchFamily="34" charset="0"/>
+                <a:cs typeface="Times New Roman" panose="02020603050405020304" pitchFamily="18" charset="0"/>
+              </a:rPr>
+              <a:t>Preparing Excel workbook for external use</a:t>
+            </a:r>
+          </a:p>
+          <a:p>
+            <a:pPr marL="342900" marR="0" lvl="0" indent="-342900">
+              <a:lnSpc>
+                <a:spcPct val="115000"/>
+              </a:lnSpc>
+              <a:spcBef>
+                <a:spcPts val="0"/>
+              </a:spcBef>
+              <a:spcAft>
+                <a:spcPts val="0"/>
+              </a:spcAft>
+              <a:buFont typeface="+mj-lt"/>
+              <a:buAutoNum type="arabicPeriod"/>
+            </a:pPr>
+            <a:r>
+              <a:rPr lang="en-US" sz="3200" kern="100" dirty="0">
+                <a:solidFill>
+                  <a:srgbClr val="CF3338"/>
+                </a:solidFill>
+                <a:latin typeface="Pragmatica" panose="020B0403040502020204"/>
+                <a:ea typeface="Aptos" panose="020B0004020202020204" pitchFamily="34" charset="0"/>
+                <a:cs typeface="Times New Roman" panose="02020603050405020304" pitchFamily="18" charset="0"/>
+              </a:rPr>
+              <a:t>Migrating our app from development to production via ZIP folder</a:t>
+            </a:r>
+            <a:endParaRPr lang="en-US" sz="4200" dirty="0">
+              <a:solidFill>
+                <a:srgbClr val="CF3338"/>
+              </a:solidFill>
+              <a:latin typeface="Pragmatica" panose="020B0403040502020204" pitchFamily="34" charset="0"/>
+            </a:endParaRPr>
+          </a:p>
+        </p:txBody>
+      </p:sp>
+    </p:spTree>
+    <p:extLst>
+      <p:ext uri="{BB962C8B-B14F-4D97-AF65-F5344CB8AC3E}">
+        <p14:creationId xmlns:p14="http://schemas.microsoft.com/office/powerpoint/2010/main" val="946079916"/>
+      </p:ext>
+    </p:extLst>
+  </p:cSld>
+  <p:clrMapOvr>
+    <a:masterClrMapping/>
+  </p:clrMapOvr>
+</p:sld>
+</file>
+
+<file path=ppt/slides/slide34.xml><?xml version="1.0" encoding="utf-8"?>
+<p:sld xmlns:a="http://schemas.openxmlformats.org/drawingml/2006/main" xmlns:r="http://schemas.openxmlformats.org/officeDocument/2006/relationships" xmlns:p="http://schemas.openxmlformats.org/presentationml/2006/main">
+  <p:cSld>
+    <p:spTree>
+      <p:nvGrpSpPr>
+        <p:cNvPr id="1" name="">
+          <a:extLst>
+            <a:ext uri="{FF2B5EF4-FFF2-40B4-BE49-F238E27FC236}">
+              <a16:creationId xmlns:a16="http://schemas.microsoft.com/office/drawing/2014/main" id="{F4C0A7D7-7C73-6748-ED7C-823D116B8853}"/>
+            </a:ext>
+          </a:extLst>
+        </p:cNvPr>
+        <p:cNvGrpSpPr/>
+        <p:nvPr/>
+      </p:nvGrpSpPr>
+      <p:grpSpPr>
+        <a:xfrm>
+          <a:off x="0" y="0"/>
+          <a:ext cx="0" cy="0"/>
+          <a:chOff x="0" y="0"/>
+          <a:chExt cx="0" cy="0"/>
+        </a:xfrm>
+      </p:grpSpPr>
+      <p:sp>
+        <p:nvSpPr>
+          <p:cNvPr id="4" name="Rectangle 3">
+            <a:extLst>
+              <a:ext uri="{FF2B5EF4-FFF2-40B4-BE49-F238E27FC236}">
+                <a16:creationId xmlns:a16="http://schemas.microsoft.com/office/drawing/2014/main" id="{9FF099B0-C241-9D8F-6F66-8DF3A6C8C78C}"/>
+              </a:ext>
+            </a:extLst>
+          </p:cNvPr>
+          <p:cNvSpPr/>
+          <p:nvPr/>
+        </p:nvSpPr>
+        <p:spPr>
+          <a:xfrm>
+            <a:off x="9861630" y="0"/>
+            <a:ext cx="8426370" cy="10287000"/>
+          </a:xfrm>
+          <a:prstGeom prst="rect">
+            <a:avLst/>
+          </a:prstGeom>
+          <a:solidFill>
+            <a:srgbClr val="CF3338"/>
+          </a:solidFill>
+          <a:ln>
+            <a:noFill/>
+          </a:ln>
+        </p:spPr>
+        <p:style>
+          <a:lnRef idx="2">
+            <a:schemeClr val="accent1">
+              <a:shade val="50000"/>
+            </a:schemeClr>
+          </a:lnRef>
+          <a:fillRef idx="1">
+            <a:schemeClr val="accent1"/>
+          </a:fillRef>
+          <a:effectRef idx="0">
+            <a:schemeClr val="accent1"/>
+          </a:effectRef>
+          <a:fontRef idx="minor">
+            <a:schemeClr val="lt1"/>
+          </a:fontRef>
+        </p:style>
+        <p:txBody>
+          <a:bodyPr rtlCol="0" anchor="ctr"/>
+          <a:lstStyle/>
+          <a:p>
+            <a:pPr algn="ctr"/>
+            <a:endParaRPr lang="en-US" sz="2700"/>
+          </a:p>
+        </p:txBody>
+      </p:sp>
+      <p:pic>
+        <p:nvPicPr>
+          <p:cNvPr id="2" name="Picture 1">
+            <a:extLst>
+              <a:ext uri="{FF2B5EF4-FFF2-40B4-BE49-F238E27FC236}">
+                <a16:creationId xmlns:a16="http://schemas.microsoft.com/office/drawing/2014/main" id="{37009866-9C2D-166E-C0AF-AFB64B0A7C55}"/>
+              </a:ext>
+            </a:extLst>
+          </p:cNvPr>
+          <p:cNvPicPr>
+            <a:picLocks noChangeAspect="1"/>
+          </p:cNvPicPr>
+          <p:nvPr/>
+        </p:nvPicPr>
+        <p:blipFill rotWithShape="1">
+          <a:blip r:embed="rId3">
+            <a:extLst>
+              <a:ext uri="{28A0092B-C50C-407E-A947-70E740481C1C}">
+                <a14:useLocalDpi xmlns:a14="http://schemas.microsoft.com/office/drawing/2010/main" val="0"/>
+              </a:ext>
+            </a:extLst>
+          </a:blip>
+          <a:srcRect l="69227" t="33418" r="20112" b="50548"/>
+          <a:stretch/>
+        </p:blipFill>
+        <p:spPr>
+          <a:xfrm>
+            <a:off x="15579524" y="7544693"/>
+            <a:ext cx="2708477" cy="2987579"/>
+          </a:xfrm>
+          <a:prstGeom prst="rect">
+            <a:avLst/>
+          </a:prstGeom>
+        </p:spPr>
+      </p:pic>
+      <p:sp>
+        <p:nvSpPr>
+          <p:cNvPr id="3" name="TextBox 2">
+            <a:extLst>
+              <a:ext uri="{FF2B5EF4-FFF2-40B4-BE49-F238E27FC236}">
+                <a16:creationId xmlns:a16="http://schemas.microsoft.com/office/drawing/2014/main" id="{66D3EED5-4019-81EE-EB75-DDA5FF2D412E}"/>
+              </a:ext>
+            </a:extLst>
+          </p:cNvPr>
+          <p:cNvSpPr txBox="1"/>
+          <p:nvPr/>
+        </p:nvSpPr>
+        <p:spPr>
+          <a:xfrm>
+            <a:off x="260431" y="329879"/>
+            <a:ext cx="8906720" cy="4528034"/>
+          </a:xfrm>
+          <a:prstGeom prst="rect">
+            <a:avLst/>
+          </a:prstGeom>
+          <a:noFill/>
+        </p:spPr>
+        <p:txBody>
+          <a:bodyPr wrap="square" rtlCol="0">
+            <a:spAutoFit/>
+          </a:bodyPr>
+          <a:lstStyle/>
+          <a:p>
+            <a:r>
+              <a:rPr lang="en-US" sz="6000" b="1" dirty="0">
+                <a:solidFill>
+                  <a:srgbClr val="CF3338"/>
+                </a:solidFill>
+                <a:latin typeface="Pragmatica" panose="020B0403040502020204" pitchFamily="34" charset="0"/>
+              </a:rPr>
+              <a:t>Creating a Power App with images</a:t>
+            </a:r>
+          </a:p>
+          <a:p>
+            <a:endParaRPr lang="en-US" sz="6000" dirty="0">
+              <a:solidFill>
+                <a:srgbClr val="CF3338"/>
+              </a:solidFill>
+              <a:latin typeface="Pragmatica" panose="020B0403040502020204" pitchFamily="34" charset="0"/>
+            </a:endParaRPr>
+          </a:p>
+          <a:p>
+            <a:pPr marL="342900" marR="0" lvl="0" indent="-342900">
+              <a:lnSpc>
+                <a:spcPct val="115000"/>
+              </a:lnSpc>
+              <a:spcBef>
+                <a:spcPts val="0"/>
+              </a:spcBef>
+              <a:spcAft>
+                <a:spcPts val="0"/>
+              </a:spcAft>
+              <a:buFont typeface="+mj-lt"/>
+              <a:buAutoNum type="arabicPeriod"/>
+            </a:pPr>
+            <a:r>
+              <a:rPr lang="en-US" sz="3200" kern="100" dirty="0">
+                <a:solidFill>
+                  <a:srgbClr val="CF3338"/>
+                </a:solidFill>
+                <a:effectLst/>
+                <a:latin typeface="Pragmatica" panose="020B0403040502020204"/>
+                <a:ea typeface="Aptos" panose="020B0004020202020204" pitchFamily="34" charset="0"/>
+                <a:cs typeface="Times New Roman" panose="02020603050405020304" pitchFamily="18" charset="0"/>
+              </a:rPr>
+              <a:t>File: power-apps-challenge.xlsx</a:t>
+            </a:r>
+          </a:p>
+          <a:p>
+            <a:pPr marL="342900" marR="0" lvl="0" indent="-342900">
+              <a:lnSpc>
+                <a:spcPct val="115000"/>
+              </a:lnSpc>
+              <a:spcBef>
+                <a:spcPts val="0"/>
+              </a:spcBef>
+              <a:spcAft>
+                <a:spcPts val="0"/>
+              </a:spcAft>
+              <a:buFont typeface="+mj-lt"/>
+              <a:buAutoNum type="arabicPeriod"/>
+            </a:pPr>
+            <a:r>
+              <a:rPr lang="en-US" sz="3200" kern="100" dirty="0">
+                <a:solidFill>
+                  <a:srgbClr val="CF3338"/>
+                </a:solidFill>
+                <a:latin typeface="Pragmatica" panose="020B0403040502020204"/>
+                <a:cs typeface="Times New Roman" panose="02020603050405020304" pitchFamily="18" charset="0"/>
+              </a:rPr>
+              <a:t>Turn this into an app with photos!</a:t>
+            </a:r>
+          </a:p>
+          <a:p>
+            <a:pPr marL="342900" marR="0" lvl="0" indent="-342900">
+              <a:lnSpc>
+                <a:spcPct val="115000"/>
+              </a:lnSpc>
+              <a:spcBef>
+                <a:spcPts val="0"/>
+              </a:spcBef>
+              <a:spcAft>
+                <a:spcPts val="0"/>
+              </a:spcAft>
+              <a:buFont typeface="+mj-lt"/>
+              <a:buAutoNum type="arabicPeriod"/>
+            </a:pPr>
+            <a:r>
+              <a:rPr lang="en-US" sz="3200" kern="100" dirty="0">
+                <a:solidFill>
+                  <a:srgbClr val="CF3338"/>
+                </a:solidFill>
+                <a:latin typeface="Pragmatica" panose="020B0403040502020204"/>
+                <a:cs typeface="Times New Roman" panose="02020603050405020304" pitchFamily="18" charset="0"/>
+              </a:rPr>
+              <a:t>Use image URLs to populate values</a:t>
+            </a:r>
+          </a:p>
+        </p:txBody>
+      </p:sp>
+    </p:spTree>
+    <p:extLst>
+      <p:ext uri="{BB962C8B-B14F-4D97-AF65-F5344CB8AC3E}">
+        <p14:creationId xmlns:p14="http://schemas.microsoft.com/office/powerpoint/2010/main" val="2789196719"/>
+      </p:ext>
+    </p:extLst>
+  </p:cSld>
+  <p:clrMapOvr>
+    <a:masterClrMapping/>
+  </p:clrMapOvr>
+</p:sld>
+</file>
+
+<file path=ppt/slides/slide35.xml><?xml version="1.0" encoding="utf-8"?>
+<p:sld xmlns:a="http://schemas.openxmlformats.org/drawingml/2006/main" xmlns:r="http://schemas.openxmlformats.org/officeDocument/2006/relationships" xmlns:p="http://schemas.openxmlformats.org/presentationml/2006/main">
+  <p:cSld>
+    <p:spTree>
+      <p:nvGrpSpPr>
+        <p:cNvPr id="1" name=""/>
+        <p:cNvGrpSpPr/>
+        <p:nvPr/>
+      </p:nvGrpSpPr>
+      <p:grpSpPr>
+        <a:xfrm>
+          <a:off x="0" y="0"/>
+          <a:ext cx="0" cy="0"/>
+          <a:chOff x="0" y="0"/>
+          <a:chExt cx="0" cy="0"/>
+        </a:xfrm>
+      </p:grpSpPr>
+      <p:pic>
+        <p:nvPicPr>
+          <p:cNvPr id="10" name="Picture 9"/>
+          <p:cNvPicPr>
+            <a:picLocks noChangeAspect="1"/>
+          </p:cNvPicPr>
+          <p:nvPr/>
+        </p:nvPicPr>
+        <p:blipFill rotWithShape="1">
+          <a:blip r:embed="rId2">
+            <a:extLst>
+              <a:ext uri="{28A0092B-C50C-407E-A947-70E740481C1C}">
+                <a14:useLocalDpi xmlns:a14="http://schemas.microsoft.com/office/drawing/2010/main" val="0"/>
+              </a:ext>
+            </a:extLst>
+          </a:blip>
+          <a:srcRect l="50728" t="56371"/>
+          <a:stretch/>
+        </p:blipFill>
+        <p:spPr>
+          <a:xfrm>
+            <a:off x="12204691" y="3316148"/>
+            <a:ext cx="6083309" cy="6970854"/>
+          </a:xfrm>
+          <a:prstGeom prst="rect">
+            <a:avLst/>
+          </a:prstGeom>
+        </p:spPr>
+      </p:pic>
+      <p:pic>
+        <p:nvPicPr>
+          <p:cNvPr id="4" name="Picture 3"/>
+          <p:cNvPicPr>
+            <a:picLocks noChangeAspect="1"/>
+          </p:cNvPicPr>
+          <p:nvPr/>
+        </p:nvPicPr>
+        <p:blipFill>
+          <a:blip r:embed="rId3">
+            <a:extLst>
+              <a:ext uri="{28A0092B-C50C-407E-A947-70E740481C1C}">
+                <a14:useLocalDpi xmlns:a14="http://schemas.microsoft.com/office/drawing/2010/main" val="0"/>
+              </a:ext>
+            </a:extLst>
+          </a:blip>
+          <a:stretch>
+            <a:fillRect/>
+          </a:stretch>
+        </p:blipFill>
+        <p:spPr>
+          <a:xfrm>
+            <a:off x="-807744" y="-3724155"/>
+            <a:ext cx="15257208" cy="11189825"/>
+          </a:xfrm>
+          <a:prstGeom prst="rect">
+            <a:avLst/>
+          </a:prstGeom>
+        </p:spPr>
+      </p:pic>
+      <p:sp>
+        <p:nvSpPr>
+          <p:cNvPr id="11" name="TextBox 10"/>
+          <p:cNvSpPr txBox="1"/>
+          <p:nvPr/>
+        </p:nvSpPr>
+        <p:spPr>
+          <a:xfrm>
+            <a:off x="486137" y="2531318"/>
+            <a:ext cx="11979797" cy="923330"/>
+          </a:xfrm>
+          <a:prstGeom prst="rect">
+            <a:avLst/>
+          </a:prstGeom>
+          <a:noFill/>
+        </p:spPr>
+        <p:txBody>
+          <a:bodyPr wrap="square" rtlCol="0">
+            <a:spAutoFit/>
+          </a:bodyPr>
+          <a:lstStyle/>
+          <a:p>
+            <a:r>
+              <a:rPr lang="en-US" sz="5400" b="1" dirty="0">
+                <a:solidFill>
+                  <a:srgbClr val="CF3338"/>
+                </a:solidFill>
+                <a:latin typeface="Pragmatica" panose="020B0403040502020204" pitchFamily="34" charset="0"/>
+              </a:rPr>
+              <a:t>Questions?</a:t>
+            </a:r>
+          </a:p>
+        </p:txBody>
+      </p:sp>
+      <p:pic>
+        <p:nvPicPr>
+          <p:cNvPr id="5" name="Picture 4">
+            <a:extLst>
+              <a:ext uri="{FF2B5EF4-FFF2-40B4-BE49-F238E27FC236}">
+                <a16:creationId xmlns:a16="http://schemas.microsoft.com/office/drawing/2014/main" id="{54A06221-5316-4BCF-9FDA-BDB95FF4A778}"/>
+              </a:ext>
+            </a:extLst>
+          </p:cNvPr>
+          <p:cNvPicPr>
+            <a:picLocks noChangeAspect="1"/>
+          </p:cNvPicPr>
+          <p:nvPr/>
+        </p:nvPicPr>
+        <p:blipFill>
+          <a:blip r:embed="rId4">
+            <a:extLst>
+              <a:ext uri="{28A0092B-C50C-407E-A947-70E740481C1C}">
+                <a14:useLocalDpi xmlns:a14="http://schemas.microsoft.com/office/drawing/2010/main" val="0"/>
+              </a:ext>
+            </a:extLst>
+          </a:blip>
+          <a:srcRect/>
+          <a:stretch/>
+        </p:blipFill>
+        <p:spPr>
+          <a:xfrm>
+            <a:off x="12204691" y="3317239"/>
+            <a:ext cx="6083309" cy="6968672"/>
+          </a:xfrm>
+          <a:prstGeom prst="rect">
+            <a:avLst/>
+          </a:prstGeom>
+        </p:spPr>
+      </p:pic>
+    </p:spTree>
+    <p:extLst>
+      <p:ext uri="{BB962C8B-B14F-4D97-AF65-F5344CB8AC3E}">
+        <p14:creationId xmlns:p14="http://schemas.microsoft.com/office/powerpoint/2010/main" val="2869336279"/>
       </p:ext>
     </p:extLst>
   </p:cSld>
@@ -9413,7 +13266,7 @@
         <p:spPr>
           <a:xfrm>
             <a:off x="520861" y="3191948"/>
-            <a:ext cx="14393120" cy="3323987"/>
+            <a:ext cx="14393120" cy="2585323"/>
           </a:xfrm>
           <a:prstGeom prst="rect">
             <a:avLst/>
@@ -9434,26 +13287,26 @@
               <a:buChar char="•"/>
             </a:pPr>
             <a:r>
-              <a:rPr lang="en-US" sz="4200" dirty="0">
+              <a:rPr lang="en-US" sz="5400" dirty="0">
                 <a:solidFill>
                   <a:srgbClr val="707070"/>
                 </a:solidFill>
                 <a:latin typeface="Pragmatica" panose="020B0403040502020204" pitchFamily="34" charset="0"/>
               </a:rPr>
-              <a:t>Power Apps Developer Plan: </a:t>
-            </a:r>
-            <a:r>
-              <a:rPr lang="en-US" sz="4200" dirty="0">
+              <a:t>Download at </a:t>
+            </a:r>
+            <a:r>
+              <a:rPr lang="en-US" sz="5400" dirty="0">
                 <a:solidFill>
                   <a:srgbClr val="707070"/>
                 </a:solidFill>
                 <a:latin typeface="Pragmatica" panose="020B0403040502020204" pitchFamily="34" charset="0"/>
                 <a:hlinkClick r:id="rId2"/>
               </a:rPr>
-              <a:t>https://www.microsoft.com/en-us/power-platform/products/power-apps/free</a:t>
-            </a:r>
-            <a:r>
-              <a:rPr lang="en-US" sz="4200" dirty="0">
+              <a:t>https://github.com/stringfestdata/gxls-power-platform/archive/refs/heads/main.zip</a:t>
+            </a:r>
+            <a:r>
+              <a:rPr lang="en-US" sz="5400" dirty="0">
                 <a:solidFill>
                   <a:srgbClr val="707070"/>
                 </a:solidFill>
@@ -9461,55 +13314,6 @@
               </a:rPr>
               <a:t> </a:t>
             </a:r>
-          </a:p>
-          <a:p>
-            <a:pPr marL="685800" indent="-685800">
-              <a:buClr>
-                <a:srgbClr val="CF3338"/>
-              </a:buClr>
-              <a:buFont typeface="Arial" panose="020B0604020202020204" pitchFamily="34" charset="0"/>
-              <a:buChar char="•"/>
-            </a:pPr>
-            <a:r>
-              <a:rPr lang="en-US" sz="4200" dirty="0">
-                <a:solidFill>
-                  <a:srgbClr val="707070"/>
-                </a:solidFill>
-                <a:latin typeface="Pragmatica" panose="020B0403040502020204" pitchFamily="34" charset="0"/>
-              </a:rPr>
-              <a:t>Office Scripts: Please see </a:t>
-            </a:r>
-            <a:r>
-              <a:rPr lang="en-US" sz="4200" dirty="0">
-                <a:solidFill>
-                  <a:srgbClr val="707070"/>
-                </a:solidFill>
-                <a:latin typeface="Pragmatica" panose="020B0403040502020204" pitchFamily="34" charset="0"/>
-                <a:hlinkClick r:id="rId3"/>
-              </a:rPr>
-              <a:t>https://learn.microsoft.com/en-us/office/dev/scripts/testing/platform-limits?tabs=business</a:t>
-            </a:r>
-            <a:endParaRPr lang="en-US" sz="4200" dirty="0">
-              <a:solidFill>
-                <a:srgbClr val="707070"/>
-              </a:solidFill>
-              <a:latin typeface="Pragmatica" panose="020B0403040502020204" pitchFamily="34" charset="0"/>
-            </a:endParaRPr>
-          </a:p>
-          <a:p>
-            <a:pPr marL="1143000" lvl="1" indent="-685800">
-              <a:buClr>
-                <a:srgbClr val="CF3338"/>
-              </a:buClr>
-              <a:buFont typeface="Arial" panose="020B0604020202020204" pitchFamily="34" charset="0"/>
-              <a:buChar char="•"/>
-            </a:pPr>
-            <a:endParaRPr lang="en-US" sz="4200" dirty="0">
-              <a:solidFill>
-                <a:srgbClr val="707070"/>
-              </a:solidFill>
-              <a:latin typeface="Pragmatica" panose="020B0403040502020204" pitchFamily="34" charset="0"/>
-            </a:endParaRPr>
           </a:p>
         </p:txBody>
       </p:sp>
@@ -9528,7 +13332,7 @@
           <p:nvPr/>
         </p:nvPicPr>
         <p:blipFill>
-          <a:blip r:embed="rId4">
+          <a:blip r:embed="rId3">
             <a:extLst>
               <a:ext uri="{28A0092B-C50C-407E-A947-70E740481C1C}">
                 <a14:useLocalDpi xmlns:a14="http://schemas.microsoft.com/office/drawing/2010/main" val="0"/>

--- a/gxls-power-platform-slides.pptx
+++ b/gxls-power-platform-slides.pptx
@@ -5,7 +5,7 @@
     <p:sldMasterId id="2147483648" r:id="rId1"/>
   </p:sldMasterIdLst>
   <p:notesMasterIdLst>
-    <p:notesMasterId r:id="rId37"/>
+    <p:notesMasterId r:id="rId41"/>
   </p:notesMasterIdLst>
   <p:sldIdLst>
     <p:sldId id="256" r:id="rId2"/>
@@ -14,45 +14,49 @@
     <p:sldId id="455" r:id="rId5"/>
     <p:sldId id="404" r:id="rId6"/>
     <p:sldId id="454" r:id="rId7"/>
-    <p:sldId id="434" r:id="rId8"/>
-    <p:sldId id="407" r:id="rId9"/>
-    <p:sldId id="428" r:id="rId10"/>
-    <p:sldId id="448" r:id="rId11"/>
-    <p:sldId id="449" r:id="rId12"/>
-    <p:sldId id="415" r:id="rId13"/>
-    <p:sldId id="446" r:id="rId14"/>
-    <p:sldId id="443" r:id="rId15"/>
-    <p:sldId id="450" r:id="rId16"/>
-    <p:sldId id="451" r:id="rId17"/>
-    <p:sldId id="452" r:id="rId18"/>
-    <p:sldId id="445" r:id="rId19"/>
-    <p:sldId id="405" r:id="rId20"/>
-    <p:sldId id="440" r:id="rId21"/>
-    <p:sldId id="441" r:id="rId22"/>
-    <p:sldId id="453" r:id="rId23"/>
-    <p:sldId id="414" r:id="rId24"/>
-    <p:sldId id="459" r:id="rId25"/>
-    <p:sldId id="456" r:id="rId26"/>
-    <p:sldId id="435" r:id="rId27"/>
-    <p:sldId id="457" r:id="rId28"/>
-    <p:sldId id="436" r:id="rId29"/>
-    <p:sldId id="458" r:id="rId30"/>
-    <p:sldId id="465" r:id="rId31"/>
-    <p:sldId id="460" r:id="rId32"/>
-    <p:sldId id="461" r:id="rId33"/>
-    <p:sldId id="462" r:id="rId34"/>
-    <p:sldId id="463" r:id="rId35"/>
-    <p:sldId id="464" r:id="rId36"/>
+    <p:sldId id="407" r:id="rId8"/>
+    <p:sldId id="428" r:id="rId9"/>
+    <p:sldId id="448" r:id="rId10"/>
+    <p:sldId id="449" r:id="rId11"/>
+    <p:sldId id="415" r:id="rId12"/>
+    <p:sldId id="446" r:id="rId13"/>
+    <p:sldId id="443" r:id="rId14"/>
+    <p:sldId id="450" r:id="rId15"/>
+    <p:sldId id="451" r:id="rId16"/>
+    <p:sldId id="452" r:id="rId17"/>
+    <p:sldId id="445" r:id="rId18"/>
+    <p:sldId id="405" r:id="rId19"/>
+    <p:sldId id="440" r:id="rId20"/>
+    <p:sldId id="441" r:id="rId21"/>
+    <p:sldId id="453" r:id="rId22"/>
+    <p:sldId id="414" r:id="rId23"/>
+    <p:sldId id="459" r:id="rId24"/>
+    <p:sldId id="456" r:id="rId25"/>
+    <p:sldId id="435" r:id="rId26"/>
+    <p:sldId id="457" r:id="rId27"/>
+    <p:sldId id="436" r:id="rId28"/>
+    <p:sldId id="458" r:id="rId29"/>
+    <p:sldId id="465" r:id="rId30"/>
+    <p:sldId id="460" r:id="rId31"/>
+    <p:sldId id="461" r:id="rId32"/>
+    <p:sldId id="462" r:id="rId33"/>
+    <p:sldId id="463" r:id="rId34"/>
+    <p:sldId id="464" r:id="rId35"/>
+    <p:sldId id="466" r:id="rId36"/>
+    <p:sldId id="467" r:id="rId37"/>
+    <p:sldId id="468" r:id="rId38"/>
+    <p:sldId id="469" r:id="rId39"/>
+    <p:sldId id="470" r:id="rId40"/>
   </p:sldIdLst>
   <p:sldSz cx="18288000" cy="10287000"/>
   <p:notesSz cx="6858000" cy="9144000"/>
   <p:embeddedFontLst>
     <p:embeddedFont>
       <p:font typeface="Consolas" panose="020B0609020204030204" pitchFamily="49" charset="0"/>
-      <p:regular r:id="rId38"/>
-      <p:bold r:id="rId39"/>
-      <p:italic r:id="rId40"/>
-      <p:boldItalic r:id="rId41"/>
+      <p:regular r:id="rId42"/>
+      <p:bold r:id="rId43"/>
+      <p:italic r:id="rId44"/>
+      <p:boldItalic r:id="rId45"/>
     </p:embeddedFont>
   </p:embeddedFontLst>
   <p:defaultTextStyle>
@@ -190,7 +194,7 @@
 <file path=ppt/revisionInfo.xml><?xml version="1.0" encoding="utf-8"?>
 <p1510:revInfo xmlns:a="http://schemas.openxmlformats.org/drawingml/2006/main" xmlns:r="http://schemas.openxmlformats.org/officeDocument/2006/relationships" xmlns:p1510="http://schemas.microsoft.com/office/powerpoint/2015/10/main">
   <p1510:revLst>
-    <p1510:client id="{FCFE45DF-55D5-405D-A565-885B46CD6B1C}" v="6" dt="2025-10-20T17:08:01.631"/>
+    <p1510:client id="{FCFE45DF-55D5-405D-A565-885B46CD6B1C}" v="18" dt="2025-10-20T17:24:06.950"/>
     <p1510:client id="{FF0EED0B-C5B4-4142-B053-6337C3D566F0}" v="5" dt="2025-10-20T16:58:00.767"/>
   </p1510:revLst>
 </p1510:revInfo>
@@ -634,7 +638,7 @@
           <a:p>
             <a:fld id="{1300335D-9F13-4B80-ADC5-B0EA3E10FF6B}" type="slidenum">
               <a:rPr lang="en-US" smtClean="0"/>
-              <a:t>8</a:t>
+              <a:t>7</a:t>
             </a:fld>
             <a:endParaRPr lang="en-US"/>
           </a:p>
@@ -766,7 +770,7 @@
           <a:p>
             <a:fld id="{1300335D-9F13-4B80-ADC5-B0EA3E10FF6B}" type="slidenum">
               <a:rPr lang="en-US" smtClean="0"/>
-              <a:t>20</a:t>
+              <a:t>19</a:t>
             </a:fld>
             <a:endParaRPr lang="en-US"/>
           </a:p>
@@ -898,7 +902,7 @@
           <a:p>
             <a:fld id="{1300335D-9F13-4B80-ADC5-B0EA3E10FF6B}" type="slidenum">
               <a:rPr lang="en-US" smtClean="0"/>
-              <a:t>21</a:t>
+              <a:t>20</a:t>
             </a:fld>
             <a:endParaRPr lang="en-US"/>
           </a:p>
@@ -1030,7 +1034,7 @@
           <a:p>
             <a:fld id="{1300335D-9F13-4B80-ADC5-B0EA3E10FF6B}" type="slidenum">
               <a:rPr lang="en-US" smtClean="0"/>
-              <a:t>22</a:t>
+              <a:t>21</a:t>
             </a:fld>
             <a:endParaRPr lang="en-US"/>
           </a:p>
@@ -1138,7 +1142,7 @@
           <a:p>
             <a:fld id="{1300335D-9F13-4B80-ADC5-B0EA3E10FF6B}" type="slidenum">
               <a:rPr lang="en-US" smtClean="0"/>
-              <a:t>25</a:t>
+              <a:t>24</a:t>
             </a:fld>
             <a:endParaRPr lang="en-US"/>
           </a:p>
@@ -1270,7 +1274,7 @@
           <a:p>
             <a:fld id="{1300335D-9F13-4B80-ADC5-B0EA3E10FF6B}" type="slidenum">
               <a:rPr lang="en-US" smtClean="0"/>
-              <a:t>26</a:t>
+              <a:t>25</a:t>
             </a:fld>
             <a:endParaRPr lang="en-US"/>
           </a:p>
@@ -1378,7 +1382,7 @@
           <a:p>
             <a:fld id="{1300335D-9F13-4B80-ADC5-B0EA3E10FF6B}" type="slidenum">
               <a:rPr lang="en-US" smtClean="0"/>
-              <a:t>27</a:t>
+              <a:t>26</a:t>
             </a:fld>
             <a:endParaRPr lang="en-US"/>
           </a:p>
@@ -1510,7 +1514,7 @@
           <a:p>
             <a:fld id="{1300335D-9F13-4B80-ADC5-B0EA3E10FF6B}" type="slidenum">
               <a:rPr lang="en-US" smtClean="0"/>
-              <a:t>28</a:t>
+              <a:t>27</a:t>
             </a:fld>
             <a:endParaRPr lang="en-US"/>
           </a:p>
@@ -1618,7 +1622,7 @@
           <a:p>
             <a:fld id="{1300335D-9F13-4B80-ADC5-B0EA3E10FF6B}" type="slidenum">
               <a:rPr lang="en-US" smtClean="0"/>
-              <a:t>31</a:t>
+              <a:t>30</a:t>
             </a:fld>
             <a:endParaRPr lang="en-US"/>
           </a:p>
@@ -1726,7 +1730,7 @@
           <a:p>
             <a:fld id="{1300335D-9F13-4B80-ADC5-B0EA3E10FF6B}" type="slidenum">
               <a:rPr lang="en-US" smtClean="0"/>
-              <a:t>32</a:t>
+              <a:t>31</a:t>
             </a:fld>
             <a:endParaRPr lang="en-US"/>
           </a:p>
@@ -1858,7 +1862,7 @@
           <a:p>
             <a:fld id="{1300335D-9F13-4B80-ADC5-B0EA3E10FF6B}" type="slidenum">
               <a:rPr lang="en-US" smtClean="0"/>
-              <a:t>33</a:t>
+              <a:t>32</a:t>
             </a:fld>
             <a:endParaRPr lang="en-US"/>
           </a:p>
@@ -1966,7 +1970,7 @@
           <a:p>
             <a:fld id="{1300335D-9F13-4B80-ADC5-B0EA3E10FF6B}" type="slidenum">
               <a:rPr lang="en-US" smtClean="0"/>
-              <a:t>9</a:t>
+              <a:t>8</a:t>
             </a:fld>
             <a:endParaRPr lang="en-US"/>
           </a:p>
@@ -2098,7 +2102,7 @@
           <a:p>
             <a:fld id="{1300335D-9F13-4B80-ADC5-B0EA3E10FF6B}" type="slidenum">
               <a:rPr lang="en-US" smtClean="0"/>
-              <a:t>34</a:t>
+              <a:t>33</a:t>
             </a:fld>
             <a:endParaRPr lang="en-US"/>
           </a:p>
@@ -2108,6 +2112,270 @@
     <p:extLst>
       <p:ext uri="{BB962C8B-B14F-4D97-AF65-F5344CB8AC3E}">
         <p14:creationId xmlns:p14="http://schemas.microsoft.com/office/powerpoint/2010/main" val="4089629466"/>
+      </p:ext>
+    </p:extLst>
+  </p:cSld>
+  <p:clrMapOvr>
+    <a:masterClrMapping/>
+  </p:clrMapOvr>
+</p:notes>
+</file>
+
+<file path=ppt/notesSlides/notesSlide21.xml><?xml version="1.0" encoding="utf-8"?>
+<p:notes xmlns:a="http://schemas.openxmlformats.org/drawingml/2006/main" xmlns:r="http://schemas.openxmlformats.org/officeDocument/2006/relationships" xmlns:p="http://schemas.openxmlformats.org/presentationml/2006/main">
+  <p:cSld>
+    <p:spTree>
+      <p:nvGrpSpPr>
+        <p:cNvPr id="1" name="">
+          <a:extLst>
+            <a:ext uri="{FF2B5EF4-FFF2-40B4-BE49-F238E27FC236}">
+              <a16:creationId xmlns:a16="http://schemas.microsoft.com/office/drawing/2014/main" id="{3814B1B5-A60D-967D-49BC-6F3ABD430E95}"/>
+            </a:ext>
+          </a:extLst>
+        </p:cNvPr>
+        <p:cNvGrpSpPr/>
+        <p:nvPr/>
+      </p:nvGrpSpPr>
+      <p:grpSpPr>
+        <a:xfrm>
+          <a:off x="0" y="0"/>
+          <a:ext cx="0" cy="0"/>
+          <a:chOff x="0" y="0"/>
+          <a:chExt cx="0" cy="0"/>
+        </a:xfrm>
+      </p:grpSpPr>
+      <p:sp>
+        <p:nvSpPr>
+          <p:cNvPr id="2" name="Slide Image Placeholder 1">
+            <a:extLst>
+              <a:ext uri="{FF2B5EF4-FFF2-40B4-BE49-F238E27FC236}">
+                <a16:creationId xmlns:a16="http://schemas.microsoft.com/office/drawing/2014/main" id="{8BF92654-5E87-00BA-6746-303D497ED469}"/>
+              </a:ext>
+            </a:extLst>
+          </p:cNvPr>
+          <p:cNvSpPr>
+            <a:spLocks noGrp="1" noRot="1" noChangeAspect="1"/>
+          </p:cNvSpPr>
+          <p:nvPr>
+            <p:ph type="sldImg"/>
+          </p:nvPr>
+        </p:nvSpPr>
+        <p:spPr/>
+      </p:sp>
+      <p:sp>
+        <p:nvSpPr>
+          <p:cNvPr id="3" name="Notes Placeholder 2">
+            <a:extLst>
+              <a:ext uri="{FF2B5EF4-FFF2-40B4-BE49-F238E27FC236}">
+                <a16:creationId xmlns:a16="http://schemas.microsoft.com/office/drawing/2014/main" id="{1EBC1A70-63B8-CA42-42BB-70F21EDD71D7}"/>
+              </a:ext>
+            </a:extLst>
+          </p:cNvPr>
+          <p:cNvSpPr>
+            <a:spLocks noGrp="1"/>
+          </p:cNvSpPr>
+          <p:nvPr>
+            <p:ph type="body" idx="1"/>
+          </p:nvPr>
+        </p:nvSpPr>
+        <p:spPr/>
+        <p:txBody>
+          <a:bodyPr/>
+          <a:lstStyle/>
+          <a:p>
+            <a:pPr marL="228600" indent="-228600">
+              <a:buAutoNum type="arabicPeriod"/>
+            </a:pPr>
+            <a:r>
+              <a:rPr lang="en-US" dirty="0"/>
+              <a:t>False!</a:t>
+            </a:r>
+          </a:p>
+          <a:p>
+            <a:pPr marL="228600" indent="-228600">
+              <a:buAutoNum type="arabicPeriod"/>
+            </a:pPr>
+            <a:r>
+              <a:rPr lang="en-US" dirty="0"/>
+              <a:t>Function, Formula, Function</a:t>
+            </a:r>
+          </a:p>
+          <a:p>
+            <a:pPr marL="228600" indent="-228600">
+              <a:buAutoNum type="arabicPeriod"/>
+            </a:pPr>
+            <a:r>
+              <a:rPr lang="en-US" dirty="0"/>
+              <a:t>Argument</a:t>
+            </a:r>
+          </a:p>
+        </p:txBody>
+      </p:sp>
+      <p:sp>
+        <p:nvSpPr>
+          <p:cNvPr id="4" name="Slide Number Placeholder 3">
+            <a:extLst>
+              <a:ext uri="{FF2B5EF4-FFF2-40B4-BE49-F238E27FC236}">
+                <a16:creationId xmlns:a16="http://schemas.microsoft.com/office/drawing/2014/main" id="{62A5ACB8-FCC1-D3E3-8AE3-DDDF3FBF49DE}"/>
+              </a:ext>
+            </a:extLst>
+          </p:cNvPr>
+          <p:cNvSpPr>
+            <a:spLocks noGrp="1"/>
+          </p:cNvSpPr>
+          <p:nvPr>
+            <p:ph type="sldNum" sz="quarter" idx="5"/>
+          </p:nvPr>
+        </p:nvSpPr>
+        <p:spPr/>
+        <p:txBody>
+          <a:bodyPr/>
+          <a:lstStyle/>
+          <a:p>
+            <a:fld id="{1300335D-9F13-4B80-ADC5-B0EA3E10FF6B}" type="slidenum">
+              <a:rPr lang="en-US" smtClean="0"/>
+              <a:t>36</a:t>
+            </a:fld>
+            <a:endParaRPr lang="en-US"/>
+          </a:p>
+        </p:txBody>
+      </p:sp>
+    </p:spTree>
+    <p:extLst>
+      <p:ext uri="{BB962C8B-B14F-4D97-AF65-F5344CB8AC3E}">
+        <p14:creationId xmlns:p14="http://schemas.microsoft.com/office/powerpoint/2010/main" val="2699619239"/>
+      </p:ext>
+    </p:extLst>
+  </p:cSld>
+  <p:clrMapOvr>
+    <a:masterClrMapping/>
+  </p:clrMapOvr>
+</p:notes>
+</file>
+
+<file path=ppt/notesSlides/notesSlide22.xml><?xml version="1.0" encoding="utf-8"?>
+<p:notes xmlns:a="http://schemas.openxmlformats.org/drawingml/2006/main" xmlns:r="http://schemas.openxmlformats.org/officeDocument/2006/relationships" xmlns:p="http://schemas.openxmlformats.org/presentationml/2006/main">
+  <p:cSld>
+    <p:spTree>
+      <p:nvGrpSpPr>
+        <p:cNvPr id="1" name="">
+          <a:extLst>
+            <a:ext uri="{FF2B5EF4-FFF2-40B4-BE49-F238E27FC236}">
+              <a16:creationId xmlns:a16="http://schemas.microsoft.com/office/drawing/2014/main" id="{7B50922F-4D0C-FB0E-32E5-172A598685BB}"/>
+            </a:ext>
+          </a:extLst>
+        </p:cNvPr>
+        <p:cNvGrpSpPr/>
+        <p:nvPr/>
+      </p:nvGrpSpPr>
+      <p:grpSpPr>
+        <a:xfrm>
+          <a:off x="0" y="0"/>
+          <a:ext cx="0" cy="0"/>
+          <a:chOff x="0" y="0"/>
+          <a:chExt cx="0" cy="0"/>
+        </a:xfrm>
+      </p:grpSpPr>
+      <p:sp>
+        <p:nvSpPr>
+          <p:cNvPr id="2" name="Slide Image Placeholder 1">
+            <a:extLst>
+              <a:ext uri="{FF2B5EF4-FFF2-40B4-BE49-F238E27FC236}">
+                <a16:creationId xmlns:a16="http://schemas.microsoft.com/office/drawing/2014/main" id="{09DB9C3A-8509-54EA-8FA2-BFA67CBA7651}"/>
+              </a:ext>
+            </a:extLst>
+          </p:cNvPr>
+          <p:cNvSpPr>
+            <a:spLocks noGrp="1" noRot="1" noChangeAspect="1"/>
+          </p:cNvSpPr>
+          <p:nvPr>
+            <p:ph type="sldImg"/>
+          </p:nvPr>
+        </p:nvSpPr>
+        <p:spPr/>
+      </p:sp>
+      <p:sp>
+        <p:nvSpPr>
+          <p:cNvPr id="3" name="Notes Placeholder 2">
+            <a:extLst>
+              <a:ext uri="{FF2B5EF4-FFF2-40B4-BE49-F238E27FC236}">
+                <a16:creationId xmlns:a16="http://schemas.microsoft.com/office/drawing/2014/main" id="{EDE329DD-8152-B357-9A41-482E5FC28C71}"/>
+              </a:ext>
+            </a:extLst>
+          </p:cNvPr>
+          <p:cNvSpPr>
+            <a:spLocks noGrp="1"/>
+          </p:cNvSpPr>
+          <p:nvPr>
+            <p:ph type="body" idx="1"/>
+          </p:nvPr>
+        </p:nvSpPr>
+        <p:spPr/>
+        <p:txBody>
+          <a:bodyPr/>
+          <a:lstStyle/>
+          <a:p>
+            <a:pPr marL="228600" indent="-228600">
+              <a:buAutoNum type="arabicPeriod"/>
+            </a:pPr>
+            <a:r>
+              <a:rPr lang="en-US" dirty="0"/>
+              <a:t>False!</a:t>
+            </a:r>
+          </a:p>
+          <a:p>
+            <a:pPr marL="228600" indent="-228600">
+              <a:buAutoNum type="arabicPeriod"/>
+            </a:pPr>
+            <a:r>
+              <a:rPr lang="en-US" dirty="0"/>
+              <a:t>Function, Formula, Function</a:t>
+            </a:r>
+          </a:p>
+          <a:p>
+            <a:pPr marL="228600" indent="-228600">
+              <a:buAutoNum type="arabicPeriod"/>
+            </a:pPr>
+            <a:r>
+              <a:rPr lang="en-US" dirty="0"/>
+              <a:t>Argument</a:t>
+            </a:r>
+          </a:p>
+        </p:txBody>
+      </p:sp>
+      <p:sp>
+        <p:nvSpPr>
+          <p:cNvPr id="4" name="Slide Number Placeholder 3">
+            <a:extLst>
+              <a:ext uri="{FF2B5EF4-FFF2-40B4-BE49-F238E27FC236}">
+                <a16:creationId xmlns:a16="http://schemas.microsoft.com/office/drawing/2014/main" id="{07F02883-B11C-62B3-DBFD-84BF6D74E7EC}"/>
+              </a:ext>
+            </a:extLst>
+          </p:cNvPr>
+          <p:cNvSpPr>
+            <a:spLocks noGrp="1"/>
+          </p:cNvSpPr>
+          <p:nvPr>
+            <p:ph type="sldNum" sz="quarter" idx="5"/>
+          </p:nvPr>
+        </p:nvSpPr>
+        <p:spPr/>
+        <p:txBody>
+          <a:bodyPr/>
+          <a:lstStyle/>
+          <a:p>
+            <a:fld id="{1300335D-9F13-4B80-ADC5-B0EA3E10FF6B}" type="slidenum">
+              <a:rPr lang="en-US" smtClean="0"/>
+              <a:t>37</a:t>
+            </a:fld>
+            <a:endParaRPr lang="en-US"/>
+          </a:p>
+        </p:txBody>
+      </p:sp>
+    </p:spTree>
+    <p:extLst>
+      <p:ext uri="{BB962C8B-B14F-4D97-AF65-F5344CB8AC3E}">
+        <p14:creationId xmlns:p14="http://schemas.microsoft.com/office/powerpoint/2010/main" val="4184537247"/>
       </p:ext>
     </p:extLst>
   </p:cSld>
@@ -2230,7 +2498,7 @@
           <a:p>
             <a:fld id="{1300335D-9F13-4B80-ADC5-B0EA3E10FF6B}" type="slidenum">
               <a:rPr lang="en-US" smtClean="0"/>
-              <a:t>10</a:t>
+              <a:t>9</a:t>
             </a:fld>
             <a:endParaRPr lang="en-US"/>
           </a:p>
@@ -2362,7 +2630,7 @@
           <a:p>
             <a:fld id="{1300335D-9F13-4B80-ADC5-B0EA3E10FF6B}" type="slidenum">
               <a:rPr lang="en-US" smtClean="0"/>
-              <a:t>11</a:t>
+              <a:t>10</a:t>
             </a:fld>
             <a:endParaRPr lang="en-US"/>
           </a:p>
@@ -2494,7 +2762,7 @@
           <a:p>
             <a:fld id="{1300335D-9F13-4B80-ADC5-B0EA3E10FF6B}" type="slidenum">
               <a:rPr lang="en-US" smtClean="0"/>
-              <a:t>14</a:t>
+              <a:t>13</a:t>
             </a:fld>
             <a:endParaRPr lang="en-US"/>
           </a:p>
@@ -2626,7 +2894,7 @@
           <a:p>
             <a:fld id="{1300335D-9F13-4B80-ADC5-B0EA3E10FF6B}" type="slidenum">
               <a:rPr lang="en-US" smtClean="0"/>
-              <a:t>15</a:t>
+              <a:t>14</a:t>
             </a:fld>
             <a:endParaRPr lang="en-US"/>
           </a:p>
@@ -2758,7 +3026,7 @@
           <a:p>
             <a:fld id="{1300335D-9F13-4B80-ADC5-B0EA3E10FF6B}" type="slidenum">
               <a:rPr lang="en-US" smtClean="0"/>
-              <a:t>16</a:t>
+              <a:t>15</a:t>
             </a:fld>
             <a:endParaRPr lang="en-US"/>
           </a:p>
@@ -2890,7 +3158,7 @@
           <a:p>
             <a:fld id="{1300335D-9F13-4B80-ADC5-B0EA3E10FF6B}" type="slidenum">
               <a:rPr lang="en-US" smtClean="0"/>
-              <a:t>17</a:t>
+              <a:t>16</a:t>
             </a:fld>
             <a:endParaRPr lang="en-US"/>
           </a:p>
@@ -3022,7 +3290,7 @@
           <a:p>
             <a:fld id="{1300335D-9F13-4B80-ADC5-B0EA3E10FF6B}" type="slidenum">
               <a:rPr lang="en-US" smtClean="0"/>
-              <a:t>18</a:t>
+              <a:t>17</a:t>
             </a:fld>
             <a:endParaRPr lang="en-US"/>
           </a:p>
@@ -6136,7 +6404,7 @@
         <p:cNvPr id="1" name="">
           <a:extLst>
             <a:ext uri="{FF2B5EF4-FFF2-40B4-BE49-F238E27FC236}">
-              <a16:creationId xmlns:a16="http://schemas.microsoft.com/office/drawing/2014/main" id="{FC0679BB-E487-A9E3-1278-DBD7FB7F19FE}"/>
+              <a16:creationId xmlns:a16="http://schemas.microsoft.com/office/drawing/2014/main" id="{DA9FB3F1-9316-2257-E940-CBECFDC9BB2B}"/>
             </a:ext>
           </a:extLst>
         </p:cNvPr>
@@ -6156,7 +6424,7 @@
           <p:cNvPr id="4" name="Rectangle 3">
             <a:extLst>
               <a:ext uri="{FF2B5EF4-FFF2-40B4-BE49-F238E27FC236}">
-                <a16:creationId xmlns:a16="http://schemas.microsoft.com/office/drawing/2014/main" id="{4B8E3D40-A823-8428-6682-B724027EAF41}"/>
+                <a16:creationId xmlns:a16="http://schemas.microsoft.com/office/drawing/2014/main" id="{E903994C-F67D-0DD9-CFFA-2B29D24922FF}"/>
               </a:ext>
             </a:extLst>
           </p:cNvPr>
@@ -6208,7 +6476,7 @@
           <p:cNvPr id="2" name="Picture 1">
             <a:extLst>
               <a:ext uri="{FF2B5EF4-FFF2-40B4-BE49-F238E27FC236}">
-                <a16:creationId xmlns:a16="http://schemas.microsoft.com/office/drawing/2014/main" id="{F524E154-15C4-0B23-E9C5-29E2DD497327}"/>
+                <a16:creationId xmlns:a16="http://schemas.microsoft.com/office/drawing/2014/main" id="{0B02452F-BF97-A300-6ACF-A7726E5CE129}"/>
               </a:ext>
             </a:extLst>
           </p:cNvPr>
@@ -6243,7 +6511,7 @@
           <p:cNvPr id="3" name="TextBox 2">
             <a:extLst>
               <a:ext uri="{FF2B5EF4-FFF2-40B4-BE49-F238E27FC236}">
-                <a16:creationId xmlns:a16="http://schemas.microsoft.com/office/drawing/2014/main" id="{E1343823-9545-2632-2777-4994B59C3581}"/>
+                <a16:creationId xmlns:a16="http://schemas.microsoft.com/office/drawing/2014/main" id="{237EA42E-C722-4BC7-43F5-90F39EAD6D3B}"/>
               </a:ext>
             </a:extLst>
           </p:cNvPr>
@@ -6253,7 +6521,7 @@
         <p:spPr>
           <a:xfrm>
             <a:off x="260431" y="329879"/>
-            <a:ext cx="8906720" cy="6791154"/>
+            <a:ext cx="8906720" cy="7967309"/>
           </a:xfrm>
           <a:prstGeom prst="rect">
             <a:avLst/>
@@ -6273,7 +6541,7 @@
                 </a:solidFill>
                 <a:latin typeface="Pragmatica" panose="020B0403040502020204" pitchFamily="34" charset="0"/>
               </a:rPr>
-              <a:t>Building flows with Copilot</a:t>
+              <a:t>Exercises</a:t>
             </a:r>
           </a:p>
           <a:p>
@@ -6285,66 +6553,87 @@
             </a:endParaRPr>
           </a:p>
           <a:p>
-            <a:pPr marL="342900" marR="0" lvl="0" indent="-342900">
-              <a:lnSpc>
-                <a:spcPct val="115000"/>
-              </a:lnSpc>
-              <a:spcBef>
-                <a:spcPts val="0"/>
-              </a:spcBef>
-              <a:spcAft>
-                <a:spcPts val="0"/>
-              </a:spcAft>
-              <a:buFont typeface="+mj-lt"/>
-              <a:buAutoNum type="arabicPeriod"/>
-            </a:pPr>
-            <a:r>
-              <a:rPr lang="en-US" sz="3400" kern="100" dirty="0">
+            <a:pPr marL="457200" indent="-457200">
+              <a:buFont typeface="Arial" panose="020B0604020202020204" pitchFamily="34" charset="0"/>
+              <a:buChar char="•"/>
+            </a:pPr>
+            <a:r>
+              <a:rPr lang="en-US" sz="3200" dirty="0">
                 <a:solidFill>
                   <a:srgbClr val="CF3338"/>
                 </a:solidFill>
-                <a:effectLst/>
-                <a:latin typeface="Pragmatica" panose="020B0403040502020204"/>
-                <a:ea typeface="Aptos" panose="020B0004020202020204" pitchFamily="34" charset="0"/>
-                <a:cs typeface="Times New Roman" panose="02020603050405020304" pitchFamily="18" charset="0"/>
-              </a:rPr>
-              <a:t>Get AI assistance to build a flow</a:t>
-            </a:r>
-          </a:p>
-          <a:p>
-            <a:pPr marL="342900" marR="0" lvl="0" indent="-342900">
-              <a:lnSpc>
-                <a:spcPct val="115000"/>
-              </a:lnSpc>
-              <a:spcBef>
-                <a:spcPts val="0"/>
-              </a:spcBef>
-              <a:spcAft>
-                <a:spcPts val="0"/>
-              </a:spcAft>
-              <a:buFont typeface="+mj-lt"/>
-              <a:buAutoNum type="arabicPeriod"/>
-            </a:pPr>
-            <a:r>
-              <a:rPr lang="en-US" sz="3400" kern="100" dirty="0">
-                <a:solidFill>
-                  <a:srgbClr val="CF3338"/>
-                </a:solidFill>
-                <a:latin typeface="Pragmatica" panose="020B0403040502020204"/>
-                <a:ea typeface="Aptos" panose="020B0004020202020204" pitchFamily="34" charset="0"/>
-                <a:cs typeface="Times New Roman" panose="02020603050405020304" pitchFamily="18" charset="0"/>
-              </a:rPr>
-              <a:t>Create a monthly email/post to Teams based on data in a workbook</a:t>
-            </a:r>
-            <a:endParaRPr lang="en-US" sz="3400" kern="100" dirty="0">
+                <a:latin typeface="Pragmatica" panose="020B0403040502020204" pitchFamily="34" charset="0"/>
+              </a:rPr>
+              <a:t>Build on the clock in/clock out workflow</a:t>
+            </a:r>
+          </a:p>
+          <a:p>
+            <a:endParaRPr lang="en-US" sz="3200" dirty="0">
               <a:solidFill>
                 <a:srgbClr val="CF3338"/>
               </a:solidFill>
-              <a:effectLst/>
-              <a:latin typeface="Pragmatica" panose="020B0403040502020204"/>
-              <a:ea typeface="Aptos" panose="020B0004020202020204" pitchFamily="34" charset="0"/>
-              <a:cs typeface="Times New Roman" panose="02020603050405020304" pitchFamily="18" charset="0"/>
+              <a:latin typeface="Pragmatica" panose="020B0403040502020204" pitchFamily="34" charset="0"/>
             </a:endParaRPr>
+          </a:p>
+          <a:p>
+            <a:pPr marL="457200" indent="-457200">
+              <a:buFont typeface="Arial" panose="020B0604020202020204" pitchFamily="34" charset="0"/>
+              <a:buChar char="•"/>
+            </a:pPr>
+            <a:r>
+              <a:rPr lang="en-US" sz="3200" dirty="0">
+                <a:solidFill>
+                  <a:srgbClr val="CF3338"/>
+                </a:solidFill>
+                <a:latin typeface="Pragmatica" panose="020B0403040502020204" pitchFamily="34" charset="0"/>
+              </a:rPr>
+              <a:t>Task: Modify the flow to prompt users for comments when clocking in or out</a:t>
+            </a:r>
+          </a:p>
+          <a:p>
+            <a:pPr marL="914400" lvl="1" indent="-457200">
+              <a:buFont typeface="Arial" panose="020B0604020202020204" pitchFamily="34" charset="0"/>
+              <a:buChar char="•"/>
+            </a:pPr>
+            <a:r>
+              <a:rPr lang="en-US" sz="3200" dirty="0">
+                <a:solidFill>
+                  <a:srgbClr val="CF3338"/>
+                </a:solidFill>
+                <a:latin typeface="Pragmatica" panose="020B0403040502020204" pitchFamily="34" charset="0"/>
+              </a:rPr>
+              <a:t>Add the comment prompt where the in/out criteria is built with a yes/no checkbox</a:t>
+            </a:r>
+          </a:p>
+          <a:p>
+            <a:pPr marL="914400" lvl="1" indent="-457200">
+              <a:buFont typeface="Arial" panose="020B0604020202020204" pitchFamily="34" charset="0"/>
+              <a:buChar char="•"/>
+            </a:pPr>
+            <a:r>
+              <a:rPr lang="en-US" sz="3200" dirty="0">
+                <a:solidFill>
+                  <a:srgbClr val="CF3338"/>
+                </a:solidFill>
+                <a:latin typeface="Pragmatica" panose="020B0403040502020204" pitchFamily="34" charset="0"/>
+              </a:rPr>
+              <a:t>Save the clock in/out data, including comments, to the worksheet</a:t>
+            </a:r>
+          </a:p>
+          <a:p>
+            <a:pPr marL="914400" lvl="1" indent="-457200">
+              <a:buFont typeface="Arial" panose="020B0604020202020204" pitchFamily="34" charset="0"/>
+              <a:buChar char="•"/>
+            </a:pPr>
+            <a:r>
+              <a:rPr lang="en-US" sz="3200" dirty="0">
+                <a:solidFill>
+                  <a:srgbClr val="CF3338"/>
+                </a:solidFill>
+                <a:latin typeface="Pragmatica" panose="020B0403040502020204" pitchFamily="34" charset="0"/>
+              </a:rPr>
+              <a:t>Post an update to Teams with details (who clocked in/out, time, and comments)</a:t>
+            </a:r>
           </a:p>
           <a:p>
             <a:pPr marL="142875">
@@ -6359,26 +6648,13 @@
               </a:buClr>
               <a:buSzPts val="2100"/>
             </a:pPr>
-            <a:r>
-              <a:rPr lang="en-US" sz="3400" dirty="0">
-                <a:solidFill>
-                  <a:srgbClr val="C00000"/>
-                </a:solidFill>
-                <a:latin typeface="Pragmatica" panose="020B0403040502020204"/>
-                <a:sym typeface="Consolas"/>
-              </a:rPr>
-              <a:t>File: </a:t>
-            </a:r>
-            <a:r>
-              <a:rPr lang="en-US" sz="3400" dirty="0">
-                <a:solidFill>
-                  <a:srgbClr val="C00000"/>
-                </a:solidFill>
-                <a:latin typeface="Consolas" panose="020B0609020204030204" pitchFamily="49" charset="0"/>
-                <a:sym typeface="Consolas"/>
-              </a:rPr>
-              <a:t>power-automate-copilot.xlsx</a:t>
-            </a:r>
+            <a:endParaRPr lang="en-US" sz="3200" dirty="0">
+              <a:solidFill>
+                <a:srgbClr val="C00000"/>
+              </a:solidFill>
+              <a:latin typeface="Pragmatica" panose="020B0403040502020204"/>
+              <a:sym typeface="Consolas"/>
+            </a:endParaRPr>
           </a:p>
           <a:p>
             <a:pPr marL="142875">
@@ -6394,28 +6670,32 @@
               <a:buSzPts val="2100"/>
             </a:pPr>
             <a:r>
-              <a:rPr lang="en-US" sz="3400" dirty="0">
+              <a:rPr lang="en-US" sz="3200" dirty="0">
                 <a:solidFill>
                   <a:srgbClr val="C00000"/>
                 </a:solidFill>
                 <a:latin typeface="Pragmatica" panose="020B0403040502020204"/>
                 <a:sym typeface="Consolas"/>
               </a:rPr>
-              <a:t>Resource: https://stringfestanalytics.com/power-automate-for-excel-how-to-build-flows-with-copilot/</a:t>
-            </a:r>
-            <a:endParaRPr lang="en-US" sz="3400" dirty="0">
-              <a:solidFill>
-                <a:srgbClr val="CF3338"/>
-              </a:solidFill>
-              <a:latin typeface="Pragmatica" panose="020B0403040502020204"/>
-            </a:endParaRPr>
+              <a:t>File: </a:t>
+            </a:r>
+            <a:r>
+              <a:rPr lang="en-US" sz="3200" dirty="0">
+                <a:solidFill>
+                  <a:srgbClr val="C00000"/>
+                </a:solidFill>
+                <a:latin typeface="Consolas" panose="020B0609020204030204" pitchFamily="49" charset="0"/>
+                <a:sym typeface="Consolas"/>
+              </a:rPr>
+              <a:t>first-steps-exercises.xlsx</a:t>
+            </a:r>
           </a:p>
         </p:txBody>
       </p:sp>
     </p:spTree>
     <p:extLst>
       <p:ext uri="{BB962C8B-B14F-4D97-AF65-F5344CB8AC3E}">
-        <p14:creationId xmlns:p14="http://schemas.microsoft.com/office/powerpoint/2010/main" val="445953425"/>
+        <p14:creationId xmlns:p14="http://schemas.microsoft.com/office/powerpoint/2010/main" val="2556979038"/>
       </p:ext>
     </p:extLst>
   </p:cSld>
@@ -6430,10 +6710,168 @@
   <p:cSld>
     <p:spTree>
       <p:nvGrpSpPr>
+        <p:cNvPr id="1" name=""/>
+        <p:cNvGrpSpPr/>
+        <p:nvPr/>
+      </p:nvGrpSpPr>
+      <p:grpSpPr>
+        <a:xfrm>
+          <a:off x="0" y="0"/>
+          <a:ext cx="0" cy="0"/>
+          <a:chOff x="0" y="0"/>
+          <a:chExt cx="0" cy="0"/>
+        </a:xfrm>
+      </p:grpSpPr>
+      <p:pic>
+        <p:nvPicPr>
+          <p:cNvPr id="10" name="Picture 9"/>
+          <p:cNvPicPr>
+            <a:picLocks noChangeAspect="1"/>
+          </p:cNvPicPr>
+          <p:nvPr/>
+        </p:nvPicPr>
+        <p:blipFill rotWithShape="1">
+          <a:blip r:embed="rId2">
+            <a:extLst>
+              <a:ext uri="{28A0092B-C50C-407E-A947-70E740481C1C}">
+                <a14:useLocalDpi xmlns:a14="http://schemas.microsoft.com/office/drawing/2010/main" val="0"/>
+              </a:ext>
+            </a:extLst>
+          </a:blip>
+          <a:srcRect l="50728" t="56371"/>
+          <a:stretch/>
+        </p:blipFill>
+        <p:spPr>
+          <a:xfrm>
+            <a:off x="12204691" y="3316148"/>
+            <a:ext cx="6083309" cy="6970854"/>
+          </a:xfrm>
+          <a:prstGeom prst="rect">
+            <a:avLst/>
+          </a:prstGeom>
+        </p:spPr>
+      </p:pic>
+      <p:pic>
+        <p:nvPicPr>
+          <p:cNvPr id="4" name="Picture 3"/>
+          <p:cNvPicPr>
+            <a:picLocks noChangeAspect="1"/>
+          </p:cNvPicPr>
+          <p:nvPr/>
+        </p:nvPicPr>
+        <p:blipFill>
+          <a:blip r:embed="rId3">
+            <a:extLst>
+              <a:ext uri="{28A0092B-C50C-407E-A947-70E740481C1C}">
+                <a14:useLocalDpi xmlns:a14="http://schemas.microsoft.com/office/drawing/2010/main" val="0"/>
+              </a:ext>
+            </a:extLst>
+          </a:blip>
+          <a:stretch>
+            <a:fillRect/>
+          </a:stretch>
+        </p:blipFill>
+        <p:spPr>
+          <a:xfrm>
+            <a:off x="-807744" y="-3724155"/>
+            <a:ext cx="15257208" cy="11189825"/>
+          </a:xfrm>
+          <a:prstGeom prst="rect">
+            <a:avLst/>
+          </a:prstGeom>
+        </p:spPr>
+      </p:pic>
+      <p:sp>
+        <p:nvSpPr>
+          <p:cNvPr id="11" name="TextBox 10"/>
+          <p:cNvSpPr txBox="1"/>
+          <p:nvPr/>
+        </p:nvSpPr>
+        <p:spPr>
+          <a:xfrm>
+            <a:off x="486137" y="2531318"/>
+            <a:ext cx="11979797" cy="923330"/>
+          </a:xfrm>
+          <a:prstGeom prst="rect">
+            <a:avLst/>
+          </a:prstGeom>
+          <a:noFill/>
+        </p:spPr>
+        <p:txBody>
+          <a:bodyPr wrap="square" rtlCol="0">
+            <a:spAutoFit/>
+          </a:bodyPr>
+          <a:lstStyle/>
+          <a:p>
+            <a:r>
+              <a:rPr lang="en-US" sz="5400" b="1" dirty="0">
+                <a:solidFill>
+                  <a:srgbClr val="CF3338"/>
+                </a:solidFill>
+                <a:latin typeface="Pragmatica" panose="020B0403040502020204" pitchFamily="34" charset="0"/>
+              </a:rPr>
+              <a:t>Questions?</a:t>
+            </a:r>
+          </a:p>
+        </p:txBody>
+      </p:sp>
+      <p:pic>
+        <p:nvPicPr>
+          <p:cNvPr id="5" name="Picture 4">
+            <a:extLst>
+              <a:ext uri="{FF2B5EF4-FFF2-40B4-BE49-F238E27FC236}">
+                <a16:creationId xmlns:a16="http://schemas.microsoft.com/office/drawing/2014/main" id="{54A06221-5316-4BCF-9FDA-BDB95FF4A778}"/>
+              </a:ext>
+            </a:extLst>
+          </p:cNvPr>
+          <p:cNvPicPr>
+            <a:picLocks noChangeAspect="1"/>
+          </p:cNvPicPr>
+          <p:nvPr/>
+        </p:nvPicPr>
+        <p:blipFill>
+          <a:blip r:embed="rId4">
+            <a:extLst>
+              <a:ext uri="{28A0092B-C50C-407E-A947-70E740481C1C}">
+                <a14:useLocalDpi xmlns:a14="http://schemas.microsoft.com/office/drawing/2010/main" val="0"/>
+              </a:ext>
+            </a:extLst>
+          </a:blip>
+          <a:srcRect/>
+          <a:stretch/>
+        </p:blipFill>
+        <p:spPr>
+          <a:xfrm>
+            <a:off x="12204691" y="3317239"/>
+            <a:ext cx="6083309" cy="6968672"/>
+          </a:xfrm>
+          <a:prstGeom prst="rect">
+            <a:avLst/>
+          </a:prstGeom>
+        </p:spPr>
+      </p:pic>
+    </p:spTree>
+    <p:extLst>
+      <p:ext uri="{BB962C8B-B14F-4D97-AF65-F5344CB8AC3E}">
+        <p14:creationId xmlns:p14="http://schemas.microsoft.com/office/powerpoint/2010/main" val="1689860732"/>
+      </p:ext>
+    </p:extLst>
+  </p:cSld>
+  <p:clrMapOvr>
+    <a:masterClrMapping/>
+  </p:clrMapOvr>
+</p:sld>
+</file>
+
+<file path=ppt/slides/slide12.xml><?xml version="1.0" encoding="utf-8"?>
+<p:sld xmlns:a="http://schemas.openxmlformats.org/drawingml/2006/main" xmlns:r="http://schemas.openxmlformats.org/officeDocument/2006/relationships" xmlns:p="http://schemas.openxmlformats.org/presentationml/2006/main">
+  <p:cSld>
+    <p:spTree>
+      <p:nvGrpSpPr>
         <p:cNvPr id="1" name="">
           <a:extLst>
             <a:ext uri="{FF2B5EF4-FFF2-40B4-BE49-F238E27FC236}">
-              <a16:creationId xmlns:a16="http://schemas.microsoft.com/office/drawing/2014/main" id="{DA9FB3F1-9316-2257-E940-CBECFDC9BB2B}"/>
+              <a16:creationId xmlns:a16="http://schemas.microsoft.com/office/drawing/2014/main" id="{87AD1E89-DF85-2717-CB7C-611205BA0CE5}"/>
             </a:ext>
           </a:extLst>
         </p:cNvPr>
@@ -6453,7 +6891,135 @@
           <p:cNvPr id="4" name="Rectangle 3">
             <a:extLst>
               <a:ext uri="{FF2B5EF4-FFF2-40B4-BE49-F238E27FC236}">
-                <a16:creationId xmlns:a16="http://schemas.microsoft.com/office/drawing/2014/main" id="{E903994C-F67D-0DD9-CFFA-2B29D24922FF}"/>
+                <a16:creationId xmlns:a16="http://schemas.microsoft.com/office/drawing/2014/main" id="{7AAE8890-A125-C1F7-E345-728BA6EE9AB2}"/>
+              </a:ext>
+            </a:extLst>
+          </p:cNvPr>
+          <p:cNvSpPr/>
+          <p:nvPr/>
+        </p:nvSpPr>
+        <p:spPr>
+          <a:xfrm>
+            <a:off x="0" y="0"/>
+            <a:ext cx="18288000" cy="10287000"/>
+          </a:xfrm>
+          <a:prstGeom prst="rect">
+            <a:avLst/>
+          </a:prstGeom>
+          <a:solidFill>
+            <a:srgbClr val="CF3338"/>
+          </a:solidFill>
+          <a:ln>
+            <a:noFill/>
+          </a:ln>
+        </p:spPr>
+        <p:style>
+          <a:lnRef idx="2">
+            <a:schemeClr val="accent1">
+              <a:shade val="50000"/>
+            </a:schemeClr>
+          </a:lnRef>
+          <a:fillRef idx="1">
+            <a:schemeClr val="accent1"/>
+          </a:fillRef>
+          <a:effectRef idx="0">
+            <a:schemeClr val="accent1"/>
+          </a:effectRef>
+          <a:fontRef idx="minor">
+            <a:schemeClr val="lt1"/>
+          </a:fontRef>
+        </p:style>
+        <p:txBody>
+          <a:bodyPr rtlCol="0" anchor="ctr"/>
+          <a:lstStyle/>
+          <a:p>
+            <a:pPr algn="ctr"/>
+            <a:endParaRPr lang="en-US" sz="2700"/>
+          </a:p>
+        </p:txBody>
+      </p:sp>
+      <p:sp>
+        <p:nvSpPr>
+          <p:cNvPr id="5" name="TextBox 4">
+            <a:extLst>
+              <a:ext uri="{FF2B5EF4-FFF2-40B4-BE49-F238E27FC236}">
+                <a16:creationId xmlns:a16="http://schemas.microsoft.com/office/drawing/2014/main" id="{D7E7C76E-07A8-E205-B090-2AB80EB3A153}"/>
+              </a:ext>
+            </a:extLst>
+          </p:cNvPr>
+          <p:cNvSpPr txBox="1"/>
+          <p:nvPr/>
+        </p:nvSpPr>
+        <p:spPr>
+          <a:xfrm>
+            <a:off x="781292" y="590309"/>
+            <a:ext cx="15486926" cy="3139321"/>
+          </a:xfrm>
+          <a:prstGeom prst="rect">
+            <a:avLst/>
+          </a:prstGeom>
+          <a:noFill/>
+        </p:spPr>
+        <p:txBody>
+          <a:bodyPr wrap="square" rtlCol="0">
+            <a:spAutoFit/>
+          </a:bodyPr>
+          <a:lstStyle/>
+          <a:p>
+            <a:r>
+              <a:rPr lang="en-US" sz="9900" b="1" dirty="0">
+                <a:solidFill>
+                  <a:schemeClr val="bg1"/>
+                </a:solidFill>
+                <a:latin typeface="Normafixed Tryout" panose="00000409000000000000" pitchFamily="49" charset="0"/>
+              </a:rPr>
+              <a:t>Building and managing Excel-related flows</a:t>
+            </a:r>
+          </a:p>
+        </p:txBody>
+      </p:sp>
+    </p:spTree>
+    <p:extLst>
+      <p:ext uri="{BB962C8B-B14F-4D97-AF65-F5344CB8AC3E}">
+        <p14:creationId xmlns:p14="http://schemas.microsoft.com/office/powerpoint/2010/main" val="3139197292"/>
+      </p:ext>
+    </p:extLst>
+  </p:cSld>
+  <p:clrMapOvr>
+    <a:masterClrMapping/>
+  </p:clrMapOvr>
+</p:sld>
+</file>
+
+<file path=ppt/slides/slide13.xml><?xml version="1.0" encoding="utf-8"?>
+<p:sld xmlns:a="http://schemas.openxmlformats.org/drawingml/2006/main" xmlns:r="http://schemas.openxmlformats.org/officeDocument/2006/relationships" xmlns:p="http://schemas.openxmlformats.org/presentationml/2006/main">
+  <p:cSld>
+    <p:spTree>
+      <p:nvGrpSpPr>
+        <p:cNvPr id="1" name="">
+          <a:extLst>
+            <a:ext uri="{FF2B5EF4-FFF2-40B4-BE49-F238E27FC236}">
+              <a16:creationId xmlns:a16="http://schemas.microsoft.com/office/drawing/2014/main" id="{CB78EB55-91D6-C27F-AAC1-D5B7022AE891}"/>
+            </a:ext>
+          </a:extLst>
+        </p:cNvPr>
+        <p:cNvGrpSpPr/>
+        <p:nvPr/>
+      </p:nvGrpSpPr>
+      <p:grpSpPr>
+        <a:xfrm>
+          <a:off x="0" y="0"/>
+          <a:ext cx="0" cy="0"/>
+          <a:chOff x="0" y="0"/>
+          <a:chExt cx="0" cy="0"/>
+        </a:xfrm>
+      </p:grpSpPr>
+      <p:sp>
+        <p:nvSpPr>
+          <p:cNvPr id="4" name="Rectangle 3">
+            <a:extLst>
+              <a:ext uri="{FF2B5EF4-FFF2-40B4-BE49-F238E27FC236}">
+                <a16:creationId xmlns:a16="http://schemas.microsoft.com/office/drawing/2014/main" id="{788F5155-AC67-B1E7-07B3-815AE617ACA4}"/>
               </a:ext>
             </a:extLst>
           </p:cNvPr>
@@ -6505,7 +7071,7 @@
           <p:cNvPr id="2" name="Picture 1">
             <a:extLst>
               <a:ext uri="{FF2B5EF4-FFF2-40B4-BE49-F238E27FC236}">
-                <a16:creationId xmlns:a16="http://schemas.microsoft.com/office/drawing/2014/main" id="{0B02452F-BF97-A300-6ACF-A7726E5CE129}"/>
+                <a16:creationId xmlns:a16="http://schemas.microsoft.com/office/drawing/2014/main" id="{A626B147-5BD3-802B-DA2F-1AAEA90042A4}"/>
               </a:ext>
             </a:extLst>
           </p:cNvPr>
@@ -6540,7 +7106,7 @@
           <p:cNvPr id="3" name="TextBox 2">
             <a:extLst>
               <a:ext uri="{FF2B5EF4-FFF2-40B4-BE49-F238E27FC236}">
-                <a16:creationId xmlns:a16="http://schemas.microsoft.com/office/drawing/2014/main" id="{237EA42E-C722-4BC7-43F5-90F39EAD6D3B}"/>
+                <a16:creationId xmlns:a16="http://schemas.microsoft.com/office/drawing/2014/main" id="{82986F1D-83FB-8CDB-184F-AB36F8D41632}"/>
               </a:ext>
             </a:extLst>
           </p:cNvPr>
@@ -6550,7 +7116,7 @@
         <p:spPr>
           <a:xfrm>
             <a:off x="260431" y="329879"/>
-            <a:ext cx="8906720" cy="7967309"/>
+            <a:ext cx="8906720" cy="7668831"/>
           </a:xfrm>
           <a:prstGeom prst="rect">
             <a:avLst/>
@@ -6570,98 +7136,7 @@
                 </a:solidFill>
                 <a:latin typeface="Pragmatica" panose="020B0403040502020204" pitchFamily="34" charset="0"/>
               </a:rPr>
-              <a:t>Exercises</a:t>
-            </a:r>
-          </a:p>
-          <a:p>
-            <a:endParaRPr lang="en-US" sz="4200" dirty="0">
-              <a:solidFill>
-                <a:srgbClr val="CF3338"/>
-              </a:solidFill>
-              <a:latin typeface="Pragmatica" panose="020B0403040502020204" pitchFamily="34" charset="0"/>
-            </a:endParaRPr>
-          </a:p>
-          <a:p>
-            <a:pPr marL="457200" indent="-457200">
-              <a:buFont typeface="Arial" panose="020B0604020202020204" pitchFamily="34" charset="0"/>
-              <a:buChar char="•"/>
-            </a:pPr>
-            <a:r>
-              <a:rPr lang="en-US" sz="3200" dirty="0">
-                <a:solidFill>
-                  <a:srgbClr val="CF3338"/>
-                </a:solidFill>
-                <a:latin typeface="Pragmatica" panose="020B0403040502020204" pitchFamily="34" charset="0"/>
-              </a:rPr>
-              <a:t>Build on the clock in/clock out workflow</a:t>
-            </a:r>
-          </a:p>
-          <a:p>
-            <a:endParaRPr lang="en-US" sz="3200" dirty="0">
-              <a:solidFill>
-                <a:srgbClr val="CF3338"/>
-              </a:solidFill>
-              <a:latin typeface="Pragmatica" panose="020B0403040502020204" pitchFamily="34" charset="0"/>
-            </a:endParaRPr>
-          </a:p>
-          <a:p>
-            <a:pPr marL="457200" indent="-457200">
-              <a:buFont typeface="Arial" panose="020B0604020202020204" pitchFamily="34" charset="0"/>
-              <a:buChar char="•"/>
-            </a:pPr>
-            <a:r>
-              <a:rPr lang="en-US" sz="3200" dirty="0">
-                <a:solidFill>
-                  <a:srgbClr val="CF3338"/>
-                </a:solidFill>
-                <a:latin typeface="Pragmatica" panose="020B0403040502020204" pitchFamily="34" charset="0"/>
-              </a:rPr>
-              <a:t>Task: Modify the flow to prompt users for comments when clocking in or out</a:t>
-            </a:r>
-          </a:p>
-          <a:p>
-            <a:pPr marL="914400" lvl="1" indent="-457200">
-              <a:buFont typeface="Arial" panose="020B0604020202020204" pitchFamily="34" charset="0"/>
-              <a:buChar char="•"/>
-            </a:pPr>
-            <a:r>
-              <a:rPr lang="en-US" sz="3200" dirty="0">
-                <a:solidFill>
-                  <a:srgbClr val="CF3338"/>
-                </a:solidFill>
-                <a:latin typeface="Pragmatica" panose="020B0403040502020204" pitchFamily="34" charset="0"/>
-              </a:rPr>
-              <a:t>Add the comment prompt where the in/out criteria is built with a yes/no checkbox</a:t>
-            </a:r>
-          </a:p>
-          <a:p>
-            <a:pPr marL="914400" lvl="1" indent="-457200">
-              <a:buFont typeface="Arial" panose="020B0604020202020204" pitchFamily="34" charset="0"/>
-              <a:buChar char="•"/>
-            </a:pPr>
-            <a:r>
-              <a:rPr lang="en-US" sz="3200" dirty="0">
-                <a:solidFill>
-                  <a:srgbClr val="CF3338"/>
-                </a:solidFill>
-                <a:latin typeface="Pragmatica" panose="020B0403040502020204" pitchFamily="34" charset="0"/>
-              </a:rPr>
-              <a:t>Save the clock in/out data, including comments, to the worksheet</a:t>
-            </a:r>
-          </a:p>
-          <a:p>
-            <a:pPr marL="914400" lvl="1" indent="-457200">
-              <a:buFont typeface="Arial" panose="020B0604020202020204" pitchFamily="34" charset="0"/>
-              <a:buChar char="•"/>
-            </a:pPr>
-            <a:r>
-              <a:rPr lang="en-US" sz="3200" dirty="0">
-                <a:solidFill>
-                  <a:srgbClr val="CF3338"/>
-                </a:solidFill>
-                <a:latin typeface="Pragmatica" panose="020B0403040502020204" pitchFamily="34" charset="0"/>
-              </a:rPr>
-              <a:t>Post an update to Teams with details (who clocked in/out, time, and comments)</a:t>
+              <a:t>Automating Excel entry with Power Automate</a:t>
             </a:r>
           </a:p>
           <a:p>
@@ -6677,13 +7152,280 @@
               </a:buClr>
               <a:buSzPts val="2100"/>
             </a:pPr>
-            <a:endParaRPr lang="en-US" sz="3200" dirty="0">
+            <a:endParaRPr lang="en-US" sz="4200" dirty="0">
               <a:solidFill>
-                <a:srgbClr val="C00000"/>
+                <a:srgbClr val="CF3338"/>
               </a:solidFill>
-              <a:latin typeface="Pragmatica" panose="020B0403040502020204"/>
+              <a:latin typeface="Pragmatica" panose="020B0403040502020204" pitchFamily="34" charset="0"/>
               <a:sym typeface="Consolas"/>
             </a:endParaRPr>
+          </a:p>
+          <a:p>
+            <a:pPr marL="714375" indent="-571500">
+              <a:lnSpc>
+                <a:spcPct val="115000"/>
+              </a:lnSpc>
+              <a:spcBef>
+                <a:spcPts val="1125"/>
+              </a:spcBef>
+              <a:buClr>
+                <a:srgbClr val="C00000"/>
+              </a:buClr>
+              <a:buSzPts val="2100"/>
+              <a:buFont typeface="Arial" panose="020B0604020202020204" pitchFamily="34" charset="0"/>
+              <a:buChar char="•"/>
+            </a:pPr>
+            <a:r>
+              <a:rPr lang="en-US" sz="3600" dirty="0">
+                <a:solidFill>
+                  <a:srgbClr val="C00000"/>
+                </a:solidFill>
+                <a:latin typeface="Pragmatica" panose="020B0403040502020204"/>
+                <a:sym typeface="Consolas"/>
+              </a:rPr>
+              <a:t>Add summary of all incoming manager’s emails into a workbook</a:t>
+            </a:r>
+          </a:p>
+          <a:p>
+            <a:pPr marL="714375" indent="-571500">
+              <a:lnSpc>
+                <a:spcPct val="115000"/>
+              </a:lnSpc>
+              <a:spcBef>
+                <a:spcPts val="1125"/>
+              </a:spcBef>
+              <a:buClr>
+                <a:srgbClr val="C00000"/>
+              </a:buClr>
+              <a:buSzPts val="2100"/>
+              <a:buFont typeface="Arial" panose="020B0604020202020204" pitchFamily="34" charset="0"/>
+              <a:buChar char="•"/>
+            </a:pPr>
+            <a:r>
+              <a:rPr lang="en-US" sz="3600" dirty="0">
+                <a:solidFill>
+                  <a:srgbClr val="C00000"/>
+                </a:solidFill>
+                <a:latin typeface="Pragmatica" panose="020B0403040502020204"/>
+                <a:sym typeface="Consolas"/>
+              </a:rPr>
+              <a:t>File: </a:t>
+            </a:r>
+            <a:r>
+              <a:rPr lang="en-US" sz="3600" dirty="0">
+                <a:solidFill>
+                  <a:srgbClr val="C00000"/>
+                </a:solidFill>
+                <a:latin typeface="Consolas" panose="020B0609020204030204" pitchFamily="49" charset="0"/>
+                <a:sym typeface="Consolas"/>
+              </a:rPr>
+              <a:t>automate-excel-entry.xlsx</a:t>
+            </a:r>
+          </a:p>
+          <a:p>
+            <a:pPr marL="714375" indent="-571500">
+              <a:lnSpc>
+                <a:spcPct val="115000"/>
+              </a:lnSpc>
+              <a:spcBef>
+                <a:spcPts val="1125"/>
+              </a:spcBef>
+              <a:buClr>
+                <a:srgbClr val="C00000"/>
+              </a:buClr>
+              <a:buSzPts val="2100"/>
+              <a:buFont typeface="Arial" panose="020B0604020202020204" pitchFamily="34" charset="0"/>
+              <a:buChar char="•"/>
+            </a:pPr>
+            <a:r>
+              <a:rPr lang="en-US" sz="3600" dirty="0">
+                <a:solidFill>
+                  <a:srgbClr val="C00000"/>
+                </a:solidFill>
+                <a:latin typeface="Pragmatica" panose="020B0403040502020204"/>
+                <a:sym typeface="Consolas"/>
+              </a:rPr>
+              <a:t>Resource: </a:t>
+            </a:r>
+            <a:r>
+              <a:rPr lang="en-US" sz="3600" dirty="0">
+                <a:solidFill>
+                  <a:srgbClr val="CF3338"/>
+                </a:solidFill>
+                <a:latin typeface="Pragmatica" panose="020B0403040502020204"/>
+                <a:sym typeface="Consolas"/>
+              </a:rPr>
+              <a:t>https://stringfestanalytics.com/how-to-track-incoming-emails-in-excel-with-power-automate/</a:t>
+            </a:r>
+            <a:endParaRPr lang="en-US" sz="6000" dirty="0">
+              <a:solidFill>
+                <a:srgbClr val="CF3338"/>
+              </a:solidFill>
+              <a:latin typeface="Pragmatica" panose="020B0403040502020204" pitchFamily="34" charset="0"/>
+            </a:endParaRPr>
+          </a:p>
+        </p:txBody>
+      </p:sp>
+    </p:spTree>
+    <p:extLst>
+      <p:ext uri="{BB962C8B-B14F-4D97-AF65-F5344CB8AC3E}">
+        <p14:creationId xmlns:p14="http://schemas.microsoft.com/office/powerpoint/2010/main" val="2443074309"/>
+      </p:ext>
+    </p:extLst>
+  </p:cSld>
+  <p:clrMapOvr>
+    <a:masterClrMapping/>
+  </p:clrMapOvr>
+</p:sld>
+</file>
+
+<file path=ppt/slides/slide14.xml><?xml version="1.0" encoding="utf-8"?>
+<p:sld xmlns:a="http://schemas.openxmlformats.org/drawingml/2006/main" xmlns:r="http://schemas.openxmlformats.org/officeDocument/2006/relationships" xmlns:p="http://schemas.openxmlformats.org/presentationml/2006/main">
+  <p:cSld>
+    <p:spTree>
+      <p:nvGrpSpPr>
+        <p:cNvPr id="1" name="">
+          <a:extLst>
+            <a:ext uri="{FF2B5EF4-FFF2-40B4-BE49-F238E27FC236}">
+              <a16:creationId xmlns:a16="http://schemas.microsoft.com/office/drawing/2014/main" id="{1AAE25C6-D9BE-ACB3-A9D8-1E3F5AED9538}"/>
+            </a:ext>
+          </a:extLst>
+        </p:cNvPr>
+        <p:cNvGrpSpPr/>
+        <p:nvPr/>
+      </p:nvGrpSpPr>
+      <p:grpSpPr>
+        <a:xfrm>
+          <a:off x="0" y="0"/>
+          <a:ext cx="0" cy="0"/>
+          <a:chOff x="0" y="0"/>
+          <a:chExt cx="0" cy="0"/>
+        </a:xfrm>
+      </p:grpSpPr>
+      <p:sp>
+        <p:nvSpPr>
+          <p:cNvPr id="4" name="Rectangle 3">
+            <a:extLst>
+              <a:ext uri="{FF2B5EF4-FFF2-40B4-BE49-F238E27FC236}">
+                <a16:creationId xmlns:a16="http://schemas.microsoft.com/office/drawing/2014/main" id="{EBB2C0CB-609C-3DDF-0D6F-F0676C71A082}"/>
+              </a:ext>
+            </a:extLst>
+          </p:cNvPr>
+          <p:cNvSpPr/>
+          <p:nvPr/>
+        </p:nvSpPr>
+        <p:spPr>
+          <a:xfrm>
+            <a:off x="9861630" y="0"/>
+            <a:ext cx="8426370" cy="10287000"/>
+          </a:xfrm>
+          <a:prstGeom prst="rect">
+            <a:avLst/>
+          </a:prstGeom>
+          <a:solidFill>
+            <a:srgbClr val="CF3338"/>
+          </a:solidFill>
+          <a:ln>
+            <a:noFill/>
+          </a:ln>
+        </p:spPr>
+        <p:style>
+          <a:lnRef idx="2">
+            <a:schemeClr val="accent1">
+              <a:shade val="50000"/>
+            </a:schemeClr>
+          </a:lnRef>
+          <a:fillRef idx="1">
+            <a:schemeClr val="accent1"/>
+          </a:fillRef>
+          <a:effectRef idx="0">
+            <a:schemeClr val="accent1"/>
+          </a:effectRef>
+          <a:fontRef idx="minor">
+            <a:schemeClr val="lt1"/>
+          </a:fontRef>
+        </p:style>
+        <p:txBody>
+          <a:bodyPr rtlCol="0" anchor="ctr"/>
+          <a:lstStyle/>
+          <a:p>
+            <a:pPr algn="ctr"/>
+            <a:endParaRPr lang="en-US" sz="2700"/>
+          </a:p>
+        </p:txBody>
+      </p:sp>
+      <p:pic>
+        <p:nvPicPr>
+          <p:cNvPr id="2" name="Picture 1">
+            <a:extLst>
+              <a:ext uri="{FF2B5EF4-FFF2-40B4-BE49-F238E27FC236}">
+                <a16:creationId xmlns:a16="http://schemas.microsoft.com/office/drawing/2014/main" id="{364709B4-D842-0E90-CD06-E3ECC159C08A}"/>
+              </a:ext>
+            </a:extLst>
+          </p:cNvPr>
+          <p:cNvPicPr>
+            <a:picLocks noChangeAspect="1"/>
+          </p:cNvPicPr>
+          <p:nvPr/>
+        </p:nvPicPr>
+        <p:blipFill rotWithShape="1">
+          <a:blip r:embed="rId3">
+            <a:extLst>
+              <a:ext uri="{28A0092B-C50C-407E-A947-70E740481C1C}">
+                <a14:useLocalDpi xmlns:a14="http://schemas.microsoft.com/office/drawing/2010/main" val="0"/>
+              </a:ext>
+            </a:extLst>
+          </a:blip>
+          <a:srcRect l="69227" t="33418" r="20112" b="50548"/>
+          <a:stretch/>
+        </p:blipFill>
+        <p:spPr>
+          <a:xfrm>
+            <a:off x="15579524" y="7544693"/>
+            <a:ext cx="2708477" cy="2987579"/>
+          </a:xfrm>
+          <a:prstGeom prst="rect">
+            <a:avLst/>
+          </a:prstGeom>
+        </p:spPr>
+      </p:pic>
+      <p:sp>
+        <p:nvSpPr>
+          <p:cNvPr id="3" name="TextBox 2">
+            <a:extLst>
+              <a:ext uri="{FF2B5EF4-FFF2-40B4-BE49-F238E27FC236}">
+                <a16:creationId xmlns:a16="http://schemas.microsoft.com/office/drawing/2014/main" id="{16B1D88B-224C-9AE6-5C78-176FD3CF957A}"/>
+              </a:ext>
+            </a:extLst>
+          </p:cNvPr>
+          <p:cNvSpPr txBox="1"/>
+          <p:nvPr/>
+        </p:nvSpPr>
+        <p:spPr>
+          <a:xfrm>
+            <a:off x="260431" y="329879"/>
+            <a:ext cx="8906720" cy="6886565"/>
+          </a:xfrm>
+          <a:prstGeom prst="rect">
+            <a:avLst/>
+          </a:prstGeom>
+          <a:noFill/>
+        </p:spPr>
+        <p:txBody>
+          <a:bodyPr wrap="square" rtlCol="0">
+            <a:spAutoFit/>
+          </a:bodyPr>
+          <a:lstStyle/>
+          <a:p>
+            <a:r>
+              <a:rPr lang="en-US" sz="6000" b="1" dirty="0">
+                <a:solidFill>
+                  <a:srgbClr val="CF3338"/>
+                </a:solidFill>
+                <a:latin typeface="Pragmatica" panose="020B0403040502020204" pitchFamily="34" charset="0"/>
+              </a:rPr>
+              <a:t>Creating conditional flows</a:t>
+            </a:r>
           </a:p>
           <a:p>
             <a:pPr marL="142875">
@@ -6698,33 +7440,170 @@
               </a:buClr>
               <a:buSzPts val="2100"/>
             </a:pPr>
-            <a:r>
-              <a:rPr lang="en-US" sz="3200" dirty="0">
+            <a:endParaRPr lang="en-US" sz="4200" dirty="0">
+              <a:solidFill>
+                <a:srgbClr val="CF3338"/>
+              </a:solidFill>
+              <a:latin typeface="Pragmatica" panose="020B0403040502020204" pitchFamily="34" charset="0"/>
+              <a:sym typeface="Consolas"/>
+            </a:endParaRPr>
+          </a:p>
+          <a:p>
+            <a:pPr marL="714375" indent="-571500">
+              <a:lnSpc>
+                <a:spcPct val="115000"/>
+              </a:lnSpc>
+              <a:spcBef>
+                <a:spcPts val="1125"/>
+              </a:spcBef>
+              <a:buClr>
+                <a:srgbClr val="C00000"/>
+              </a:buClr>
+              <a:buSzPts val="2100"/>
+              <a:buFont typeface="Arial" panose="020B0604020202020204" pitchFamily="34" charset="0"/>
+              <a:buChar char="•"/>
+            </a:pPr>
+            <a:r>
+              <a:rPr lang="en-US" sz="3600" dirty="0">
                 <a:solidFill>
                   <a:srgbClr val="C00000"/>
                 </a:solidFill>
                 <a:latin typeface="Pragmatica" panose="020B0403040502020204"/>
                 <a:sym typeface="Consolas"/>
               </a:rPr>
+              <a:t>Create emails </a:t>
+            </a:r>
+            <a:r>
+              <a:rPr lang="en-US" sz="3600" i="1" dirty="0">
+                <a:solidFill>
+                  <a:srgbClr val="C00000"/>
+                </a:solidFill>
+                <a:latin typeface="Pragmatica" panose="020B0403040502020204"/>
+                <a:sym typeface="Consolas"/>
+              </a:rPr>
+              <a:t>only </a:t>
+            </a:r>
+            <a:r>
+              <a:rPr lang="en-US" sz="3600" dirty="0">
+                <a:solidFill>
+                  <a:srgbClr val="C00000"/>
+                </a:solidFill>
+                <a:latin typeface="Pragmatica" panose="020B0403040502020204"/>
+                <a:sym typeface="Consolas"/>
+              </a:rPr>
+              <a:t>when project is delayed</a:t>
+            </a:r>
+          </a:p>
+          <a:p>
+            <a:pPr marL="714375" indent="-571500">
+              <a:lnSpc>
+                <a:spcPct val="115000"/>
+              </a:lnSpc>
+              <a:spcBef>
+                <a:spcPts val="1125"/>
+              </a:spcBef>
+              <a:buClr>
+                <a:srgbClr val="C00000"/>
+              </a:buClr>
+              <a:buSzPts val="2100"/>
+              <a:buFont typeface="Arial" panose="020B0604020202020204" pitchFamily="34" charset="0"/>
+              <a:buChar char="•"/>
+            </a:pPr>
+            <a:r>
+              <a:rPr lang="en-US" sz="3600" dirty="0">
+                <a:solidFill>
+                  <a:srgbClr val="C00000"/>
+                </a:solidFill>
+                <a:latin typeface="Pragmatica" panose="020B0403040502020204"/>
+                <a:sym typeface="Consolas"/>
+              </a:rPr>
+              <a:t>Test flow and put on schedule</a:t>
+            </a:r>
+          </a:p>
+          <a:p>
+            <a:pPr marL="714375" indent="-571500">
+              <a:lnSpc>
+                <a:spcPct val="115000"/>
+              </a:lnSpc>
+              <a:spcBef>
+                <a:spcPts val="1125"/>
+              </a:spcBef>
+              <a:buClr>
+                <a:srgbClr val="C00000"/>
+              </a:buClr>
+              <a:buSzPts val="2100"/>
+              <a:buFont typeface="Arial" panose="020B0604020202020204" pitchFamily="34" charset="0"/>
+              <a:buChar char="•"/>
+            </a:pPr>
+            <a:r>
+              <a:rPr lang="en-US" sz="3600" dirty="0">
+                <a:solidFill>
+                  <a:srgbClr val="C00000"/>
+                </a:solidFill>
+                <a:latin typeface="Pragmatica" panose="020B0403040502020204"/>
+                <a:sym typeface="Consolas"/>
+              </a:rPr>
               <a:t>File: </a:t>
             </a:r>
             <a:r>
-              <a:rPr lang="en-US" sz="3200" dirty="0">
+              <a:rPr lang="en-US" sz="3600" dirty="0">
                 <a:solidFill>
                   <a:srgbClr val="C00000"/>
                 </a:solidFill>
                 <a:latin typeface="Consolas" panose="020B0609020204030204" pitchFamily="49" charset="0"/>
                 <a:sym typeface="Consolas"/>
               </a:rPr>
-              <a:t>first-steps-exercises.xlsx</a:t>
-            </a:r>
+              <a:t>conditional-logic.xlsx</a:t>
+            </a:r>
+          </a:p>
+          <a:p>
+            <a:pPr marL="714375" indent="-571500">
+              <a:lnSpc>
+                <a:spcPct val="115000"/>
+              </a:lnSpc>
+              <a:spcBef>
+                <a:spcPts val="1125"/>
+              </a:spcBef>
+              <a:buClr>
+                <a:srgbClr val="C00000"/>
+              </a:buClr>
+              <a:buSzPts val="2100"/>
+              <a:buFont typeface="Arial" panose="020B0604020202020204" pitchFamily="34" charset="0"/>
+              <a:buChar char="•"/>
+            </a:pPr>
+            <a:r>
+              <a:rPr lang="en-US" sz="3600" dirty="0">
+                <a:solidFill>
+                  <a:srgbClr val="C00000"/>
+                </a:solidFill>
+                <a:latin typeface="Pragmatica" panose="020B0403040502020204"/>
+                <a:sym typeface="Consolas"/>
+              </a:rPr>
+              <a:t>Resource: </a:t>
+            </a:r>
+            <a:r>
+              <a:rPr lang="en-US" sz="3600" dirty="0">
+                <a:solidFill>
+                  <a:srgbClr val="CF3338"/>
+                </a:solidFill>
+                <a:latin typeface="Pragmatica" panose="020B0403040502020204"/>
+                <a:sym typeface="Consolas"/>
+              </a:rPr>
+              <a:t>https://stringfestanalytics.com/power-automate-for-excel-how-to-understand-conditional-flows/</a:t>
+            </a:r>
+            <a:endParaRPr lang="en-US" sz="6000" dirty="0">
+              <a:solidFill>
+                <a:srgbClr val="CF3338"/>
+              </a:solidFill>
+              <a:latin typeface="Pragmatica" panose="020B0403040502020204" pitchFamily="34" charset="0"/>
+            </a:endParaRPr>
           </a:p>
         </p:txBody>
       </p:sp>
     </p:spTree>
     <p:extLst>
       <p:ext uri="{BB962C8B-B14F-4D97-AF65-F5344CB8AC3E}">
-        <p14:creationId xmlns:p14="http://schemas.microsoft.com/office/powerpoint/2010/main" val="2556979038"/>
+        <p14:creationId xmlns:p14="http://schemas.microsoft.com/office/powerpoint/2010/main" val="840009297"/>
       </p:ext>
     </p:extLst>
   </p:cSld>
@@ -6734,7 +7613,979 @@
 </p:sld>
 </file>
 
-<file path=ppt/slides/slide12.xml><?xml version="1.0" encoding="utf-8"?>
+<file path=ppt/slides/slide15.xml><?xml version="1.0" encoding="utf-8"?>
+<p:sld xmlns:a="http://schemas.openxmlformats.org/drawingml/2006/main" xmlns:r="http://schemas.openxmlformats.org/officeDocument/2006/relationships" xmlns:p="http://schemas.openxmlformats.org/presentationml/2006/main">
+  <p:cSld>
+    <p:spTree>
+      <p:nvGrpSpPr>
+        <p:cNvPr id="1" name="">
+          <a:extLst>
+            <a:ext uri="{FF2B5EF4-FFF2-40B4-BE49-F238E27FC236}">
+              <a16:creationId xmlns:a16="http://schemas.microsoft.com/office/drawing/2014/main" id="{B245543C-FC2F-706C-0319-AF2E02C1797B}"/>
+            </a:ext>
+          </a:extLst>
+        </p:cNvPr>
+        <p:cNvGrpSpPr/>
+        <p:nvPr/>
+      </p:nvGrpSpPr>
+      <p:grpSpPr>
+        <a:xfrm>
+          <a:off x="0" y="0"/>
+          <a:ext cx="0" cy="0"/>
+          <a:chOff x="0" y="0"/>
+          <a:chExt cx="0" cy="0"/>
+        </a:xfrm>
+      </p:grpSpPr>
+      <p:sp>
+        <p:nvSpPr>
+          <p:cNvPr id="4" name="Rectangle 3">
+            <a:extLst>
+              <a:ext uri="{FF2B5EF4-FFF2-40B4-BE49-F238E27FC236}">
+                <a16:creationId xmlns:a16="http://schemas.microsoft.com/office/drawing/2014/main" id="{490E9BB0-DF62-7CD8-AD9E-9B07D47A3EA3}"/>
+              </a:ext>
+            </a:extLst>
+          </p:cNvPr>
+          <p:cNvSpPr/>
+          <p:nvPr/>
+        </p:nvSpPr>
+        <p:spPr>
+          <a:xfrm>
+            <a:off x="9861630" y="0"/>
+            <a:ext cx="8426370" cy="10287000"/>
+          </a:xfrm>
+          <a:prstGeom prst="rect">
+            <a:avLst/>
+          </a:prstGeom>
+          <a:solidFill>
+            <a:srgbClr val="CF3338"/>
+          </a:solidFill>
+          <a:ln>
+            <a:noFill/>
+          </a:ln>
+        </p:spPr>
+        <p:style>
+          <a:lnRef idx="2">
+            <a:schemeClr val="accent1">
+              <a:shade val="50000"/>
+            </a:schemeClr>
+          </a:lnRef>
+          <a:fillRef idx="1">
+            <a:schemeClr val="accent1"/>
+          </a:fillRef>
+          <a:effectRef idx="0">
+            <a:schemeClr val="accent1"/>
+          </a:effectRef>
+          <a:fontRef idx="minor">
+            <a:schemeClr val="lt1"/>
+          </a:fontRef>
+        </p:style>
+        <p:txBody>
+          <a:bodyPr rtlCol="0" anchor="ctr"/>
+          <a:lstStyle/>
+          <a:p>
+            <a:pPr algn="ctr"/>
+            <a:endParaRPr lang="en-US" sz="2700"/>
+          </a:p>
+        </p:txBody>
+      </p:sp>
+      <p:pic>
+        <p:nvPicPr>
+          <p:cNvPr id="2" name="Picture 1">
+            <a:extLst>
+              <a:ext uri="{FF2B5EF4-FFF2-40B4-BE49-F238E27FC236}">
+                <a16:creationId xmlns:a16="http://schemas.microsoft.com/office/drawing/2014/main" id="{75EAA4D7-8279-B257-6D3E-F96D3198579A}"/>
+              </a:ext>
+            </a:extLst>
+          </p:cNvPr>
+          <p:cNvPicPr>
+            <a:picLocks noChangeAspect="1"/>
+          </p:cNvPicPr>
+          <p:nvPr/>
+        </p:nvPicPr>
+        <p:blipFill rotWithShape="1">
+          <a:blip r:embed="rId3">
+            <a:extLst>
+              <a:ext uri="{28A0092B-C50C-407E-A947-70E740481C1C}">
+                <a14:useLocalDpi xmlns:a14="http://schemas.microsoft.com/office/drawing/2010/main" val="0"/>
+              </a:ext>
+            </a:extLst>
+          </a:blip>
+          <a:srcRect l="69227" t="33418" r="20112" b="50548"/>
+          <a:stretch/>
+        </p:blipFill>
+        <p:spPr>
+          <a:xfrm>
+            <a:off x="15579524" y="7544693"/>
+            <a:ext cx="2708477" cy="2987579"/>
+          </a:xfrm>
+          <a:prstGeom prst="rect">
+            <a:avLst/>
+          </a:prstGeom>
+        </p:spPr>
+      </p:pic>
+      <p:sp>
+        <p:nvSpPr>
+          <p:cNvPr id="3" name="TextBox 2">
+            <a:extLst>
+              <a:ext uri="{FF2B5EF4-FFF2-40B4-BE49-F238E27FC236}">
+                <a16:creationId xmlns:a16="http://schemas.microsoft.com/office/drawing/2014/main" id="{74B1D248-3DA4-EF63-972E-3DC8117D97E9}"/>
+              </a:ext>
+            </a:extLst>
+          </p:cNvPr>
+          <p:cNvSpPr txBox="1"/>
+          <p:nvPr/>
+        </p:nvSpPr>
+        <p:spPr>
+          <a:xfrm>
+            <a:off x="260431" y="329879"/>
+            <a:ext cx="8906720" cy="7668831"/>
+          </a:xfrm>
+          <a:prstGeom prst="rect">
+            <a:avLst/>
+          </a:prstGeom>
+          <a:noFill/>
+        </p:spPr>
+        <p:txBody>
+          <a:bodyPr wrap="square" rtlCol="0">
+            <a:spAutoFit/>
+          </a:bodyPr>
+          <a:lstStyle/>
+          <a:p>
+            <a:r>
+              <a:rPr lang="en-US" sz="6000" b="1" dirty="0">
+                <a:solidFill>
+                  <a:srgbClr val="CF3338"/>
+                </a:solidFill>
+                <a:latin typeface="Pragmatica" panose="020B0403040502020204" pitchFamily="34" charset="0"/>
+              </a:rPr>
+              <a:t>Office Scripts + Power Automate, part 1</a:t>
+            </a:r>
+          </a:p>
+          <a:p>
+            <a:pPr marL="142875">
+              <a:lnSpc>
+                <a:spcPct val="115000"/>
+              </a:lnSpc>
+              <a:spcBef>
+                <a:spcPts val="1125"/>
+              </a:spcBef>
+              <a:buClr>
+                <a:srgbClr val="C00000"/>
+              </a:buClr>
+              <a:buSzPts val="2100"/>
+            </a:pPr>
+            <a:endParaRPr lang="en-US" sz="4200" dirty="0">
+              <a:solidFill>
+                <a:srgbClr val="CF3338"/>
+              </a:solidFill>
+              <a:latin typeface="Pragmatica" panose="020B0403040502020204" pitchFamily="34" charset="0"/>
+              <a:sym typeface="Consolas"/>
+            </a:endParaRPr>
+          </a:p>
+          <a:p>
+            <a:pPr marL="714375" indent="-571500">
+              <a:lnSpc>
+                <a:spcPct val="115000"/>
+              </a:lnSpc>
+              <a:spcBef>
+                <a:spcPts val="1125"/>
+              </a:spcBef>
+              <a:buClr>
+                <a:srgbClr val="C00000"/>
+              </a:buClr>
+              <a:buSzPts val="2100"/>
+              <a:buFont typeface="Arial" panose="020B0604020202020204" pitchFamily="34" charset="0"/>
+              <a:buChar char="•"/>
+            </a:pPr>
+            <a:r>
+              <a:rPr lang="en-US" sz="3600" dirty="0">
+                <a:solidFill>
+                  <a:srgbClr val="C00000"/>
+                </a:solidFill>
+                <a:latin typeface="Pragmatica" panose="020B0403040502020204"/>
+                <a:sym typeface="Consolas"/>
+              </a:rPr>
+              <a:t>Run a TOC updater script on schedule</a:t>
+            </a:r>
+          </a:p>
+          <a:p>
+            <a:pPr marL="714375" indent="-571500">
+              <a:lnSpc>
+                <a:spcPct val="115000"/>
+              </a:lnSpc>
+              <a:spcBef>
+                <a:spcPts val="1125"/>
+              </a:spcBef>
+              <a:buClr>
+                <a:srgbClr val="C00000"/>
+              </a:buClr>
+              <a:buSzPts val="2100"/>
+              <a:buFont typeface="Arial" panose="020B0604020202020204" pitchFamily="34" charset="0"/>
+              <a:buChar char="•"/>
+            </a:pPr>
+            <a:r>
+              <a:rPr lang="en-US" sz="3600" dirty="0">
+                <a:solidFill>
+                  <a:srgbClr val="C00000"/>
+                </a:solidFill>
+                <a:latin typeface="Pragmatica" panose="020B0403040502020204"/>
+                <a:sym typeface="Consolas"/>
+              </a:rPr>
+              <a:t>Files: </a:t>
+            </a:r>
+            <a:r>
+              <a:rPr lang="en-US" sz="3600" dirty="0">
+                <a:solidFill>
+                  <a:srgbClr val="C00000"/>
+                </a:solidFill>
+                <a:latin typeface="Consolas" panose="020B0609020204030204" pitchFamily="49" charset="0"/>
+                <a:sym typeface="Consolas"/>
+              </a:rPr>
+              <a:t>power-automate-office-scripts.xlsx</a:t>
+            </a:r>
+            <a:r>
+              <a:rPr lang="en-US" sz="3600" dirty="0">
+                <a:solidFill>
+                  <a:srgbClr val="C00000"/>
+                </a:solidFill>
+                <a:latin typeface="Pragmatica" panose="020B0403040502020204"/>
+                <a:sym typeface="Consolas"/>
+              </a:rPr>
+              <a:t>, </a:t>
+            </a:r>
+            <a:r>
+              <a:rPr lang="en-US" sz="3600" dirty="0">
+                <a:solidFill>
+                  <a:srgbClr val="C00000"/>
+                </a:solidFill>
+                <a:latin typeface="Consolas" panose="020B0609020204030204" pitchFamily="49" charset="0"/>
+                <a:sym typeface="Consolas"/>
+              </a:rPr>
+              <a:t>add-toc.txt</a:t>
+            </a:r>
+          </a:p>
+          <a:p>
+            <a:pPr marL="714375" indent="-571500">
+              <a:lnSpc>
+                <a:spcPct val="115000"/>
+              </a:lnSpc>
+              <a:spcBef>
+                <a:spcPts val="1125"/>
+              </a:spcBef>
+              <a:buClr>
+                <a:srgbClr val="C00000"/>
+              </a:buClr>
+              <a:buSzPts val="2100"/>
+              <a:buFont typeface="Arial" panose="020B0604020202020204" pitchFamily="34" charset="0"/>
+              <a:buChar char="•"/>
+            </a:pPr>
+            <a:r>
+              <a:rPr lang="en-US" sz="3600" dirty="0">
+                <a:solidFill>
+                  <a:srgbClr val="C00000"/>
+                </a:solidFill>
+                <a:latin typeface="Pragmatica" panose="020B0403040502020204"/>
+                <a:sym typeface="Consolas"/>
+              </a:rPr>
+              <a:t>Resource: </a:t>
+            </a:r>
+            <a:r>
+              <a:rPr lang="en-US" sz="3600" dirty="0">
+                <a:solidFill>
+                  <a:srgbClr val="CF3338"/>
+                </a:solidFill>
+                <a:latin typeface="Pragmatica" panose="020B0403040502020204"/>
+                <a:sym typeface="Consolas"/>
+              </a:rPr>
+              <a:t>https://stringfestanalytics.com/how-to-get-started-with-power-automate-for-excel/</a:t>
+            </a:r>
+            <a:endParaRPr lang="en-US" sz="6000" dirty="0">
+              <a:solidFill>
+                <a:srgbClr val="CF3338"/>
+              </a:solidFill>
+              <a:latin typeface="Pragmatica" panose="020B0403040502020204" pitchFamily="34" charset="0"/>
+            </a:endParaRPr>
+          </a:p>
+        </p:txBody>
+      </p:sp>
+    </p:spTree>
+    <p:extLst>
+      <p:ext uri="{BB962C8B-B14F-4D97-AF65-F5344CB8AC3E}">
+        <p14:creationId xmlns:p14="http://schemas.microsoft.com/office/powerpoint/2010/main" val="2210277007"/>
+      </p:ext>
+    </p:extLst>
+  </p:cSld>
+  <p:clrMapOvr>
+    <a:masterClrMapping/>
+  </p:clrMapOvr>
+</p:sld>
+</file>
+
+<file path=ppt/slides/slide16.xml><?xml version="1.0" encoding="utf-8"?>
+<p:sld xmlns:a="http://schemas.openxmlformats.org/drawingml/2006/main" xmlns:r="http://schemas.openxmlformats.org/officeDocument/2006/relationships" xmlns:p="http://schemas.openxmlformats.org/presentationml/2006/main">
+  <p:cSld>
+    <p:spTree>
+      <p:nvGrpSpPr>
+        <p:cNvPr id="1" name="">
+          <a:extLst>
+            <a:ext uri="{FF2B5EF4-FFF2-40B4-BE49-F238E27FC236}">
+              <a16:creationId xmlns:a16="http://schemas.microsoft.com/office/drawing/2014/main" id="{764F59BA-0C2F-2749-8CB4-7E6DE8743692}"/>
+            </a:ext>
+          </a:extLst>
+        </p:cNvPr>
+        <p:cNvGrpSpPr/>
+        <p:nvPr/>
+      </p:nvGrpSpPr>
+      <p:grpSpPr>
+        <a:xfrm>
+          <a:off x="0" y="0"/>
+          <a:ext cx="0" cy="0"/>
+          <a:chOff x="0" y="0"/>
+          <a:chExt cx="0" cy="0"/>
+        </a:xfrm>
+      </p:grpSpPr>
+      <p:sp>
+        <p:nvSpPr>
+          <p:cNvPr id="4" name="Rectangle 3">
+            <a:extLst>
+              <a:ext uri="{FF2B5EF4-FFF2-40B4-BE49-F238E27FC236}">
+                <a16:creationId xmlns:a16="http://schemas.microsoft.com/office/drawing/2014/main" id="{B454C4F1-8816-5B7C-5A36-487DF1D2DC2B}"/>
+              </a:ext>
+            </a:extLst>
+          </p:cNvPr>
+          <p:cNvSpPr/>
+          <p:nvPr/>
+        </p:nvSpPr>
+        <p:spPr>
+          <a:xfrm>
+            <a:off x="9861630" y="0"/>
+            <a:ext cx="8426370" cy="10287000"/>
+          </a:xfrm>
+          <a:prstGeom prst="rect">
+            <a:avLst/>
+          </a:prstGeom>
+          <a:solidFill>
+            <a:srgbClr val="CF3338"/>
+          </a:solidFill>
+          <a:ln>
+            <a:noFill/>
+          </a:ln>
+        </p:spPr>
+        <p:style>
+          <a:lnRef idx="2">
+            <a:schemeClr val="accent1">
+              <a:shade val="50000"/>
+            </a:schemeClr>
+          </a:lnRef>
+          <a:fillRef idx="1">
+            <a:schemeClr val="accent1"/>
+          </a:fillRef>
+          <a:effectRef idx="0">
+            <a:schemeClr val="accent1"/>
+          </a:effectRef>
+          <a:fontRef idx="minor">
+            <a:schemeClr val="lt1"/>
+          </a:fontRef>
+        </p:style>
+        <p:txBody>
+          <a:bodyPr rtlCol="0" anchor="ctr"/>
+          <a:lstStyle/>
+          <a:p>
+            <a:pPr algn="ctr"/>
+            <a:endParaRPr lang="en-US" sz="2700"/>
+          </a:p>
+        </p:txBody>
+      </p:sp>
+      <p:pic>
+        <p:nvPicPr>
+          <p:cNvPr id="2" name="Picture 1">
+            <a:extLst>
+              <a:ext uri="{FF2B5EF4-FFF2-40B4-BE49-F238E27FC236}">
+                <a16:creationId xmlns:a16="http://schemas.microsoft.com/office/drawing/2014/main" id="{8FD33BFB-92A5-B8BE-BE2A-90100EC88BE0}"/>
+              </a:ext>
+            </a:extLst>
+          </p:cNvPr>
+          <p:cNvPicPr>
+            <a:picLocks noChangeAspect="1"/>
+          </p:cNvPicPr>
+          <p:nvPr/>
+        </p:nvPicPr>
+        <p:blipFill rotWithShape="1">
+          <a:blip r:embed="rId3">
+            <a:extLst>
+              <a:ext uri="{28A0092B-C50C-407E-A947-70E740481C1C}">
+                <a14:useLocalDpi xmlns:a14="http://schemas.microsoft.com/office/drawing/2010/main" val="0"/>
+              </a:ext>
+            </a:extLst>
+          </a:blip>
+          <a:srcRect l="69227" t="33418" r="20112" b="50548"/>
+          <a:stretch/>
+        </p:blipFill>
+        <p:spPr>
+          <a:xfrm>
+            <a:off x="15579524" y="7544693"/>
+            <a:ext cx="2708477" cy="2987579"/>
+          </a:xfrm>
+          <a:prstGeom prst="rect">
+            <a:avLst/>
+          </a:prstGeom>
+        </p:spPr>
+      </p:pic>
+      <p:sp>
+        <p:nvSpPr>
+          <p:cNvPr id="3" name="TextBox 2">
+            <a:extLst>
+              <a:ext uri="{FF2B5EF4-FFF2-40B4-BE49-F238E27FC236}">
+                <a16:creationId xmlns:a16="http://schemas.microsoft.com/office/drawing/2014/main" id="{DB60F8A7-E120-24F7-0163-56AAE5565745}"/>
+              </a:ext>
+            </a:extLst>
+          </p:cNvPr>
+          <p:cNvSpPr txBox="1"/>
+          <p:nvPr/>
+        </p:nvSpPr>
+        <p:spPr>
+          <a:xfrm>
+            <a:off x="260431" y="329879"/>
+            <a:ext cx="8906720" cy="9084090"/>
+          </a:xfrm>
+          <a:prstGeom prst="rect">
+            <a:avLst/>
+          </a:prstGeom>
+          <a:noFill/>
+        </p:spPr>
+        <p:txBody>
+          <a:bodyPr wrap="square" rtlCol="0">
+            <a:spAutoFit/>
+          </a:bodyPr>
+          <a:lstStyle/>
+          <a:p>
+            <a:r>
+              <a:rPr lang="en-US" sz="6000" b="1" dirty="0">
+                <a:solidFill>
+                  <a:srgbClr val="CF3338"/>
+                </a:solidFill>
+                <a:latin typeface="Pragmatica" panose="020B0403040502020204" pitchFamily="34" charset="0"/>
+              </a:rPr>
+              <a:t>Office Scripts + Power Automate, part 2</a:t>
+            </a:r>
+          </a:p>
+          <a:p>
+            <a:pPr marL="142875">
+              <a:lnSpc>
+                <a:spcPct val="115000"/>
+              </a:lnSpc>
+              <a:spcBef>
+                <a:spcPts val="1125"/>
+              </a:spcBef>
+              <a:buClr>
+                <a:srgbClr val="C00000"/>
+              </a:buClr>
+              <a:buSzPts val="2100"/>
+            </a:pPr>
+            <a:endParaRPr lang="en-US" sz="4200" dirty="0">
+              <a:solidFill>
+                <a:srgbClr val="CF3338"/>
+              </a:solidFill>
+              <a:latin typeface="Pragmatica" panose="020B0403040502020204" pitchFamily="34" charset="0"/>
+              <a:sym typeface="Consolas"/>
+            </a:endParaRPr>
+          </a:p>
+          <a:p>
+            <a:pPr marL="714375" indent="-571500">
+              <a:lnSpc>
+                <a:spcPct val="115000"/>
+              </a:lnSpc>
+              <a:spcBef>
+                <a:spcPts val="1125"/>
+              </a:spcBef>
+              <a:buClr>
+                <a:srgbClr val="C00000"/>
+              </a:buClr>
+              <a:buSzPts val="2100"/>
+              <a:buFont typeface="Arial" panose="020B0604020202020204" pitchFamily="34" charset="0"/>
+              <a:buChar char="•"/>
+            </a:pPr>
+            <a:r>
+              <a:rPr lang="en-US" sz="3600" dirty="0">
+                <a:solidFill>
+                  <a:srgbClr val="C00000"/>
+                </a:solidFill>
+                <a:latin typeface="Pragmatica" panose="020B0403040502020204"/>
+                <a:sym typeface="Consolas"/>
+              </a:rPr>
+              <a:t>How can we apply the same script to multiple workbooks? </a:t>
+            </a:r>
+          </a:p>
+          <a:p>
+            <a:pPr marL="714375" indent="-571500">
+              <a:lnSpc>
+                <a:spcPct val="115000"/>
+              </a:lnSpc>
+              <a:spcBef>
+                <a:spcPts val="1125"/>
+              </a:spcBef>
+              <a:buClr>
+                <a:srgbClr val="C00000"/>
+              </a:buClr>
+              <a:buSzPts val="2100"/>
+              <a:buFont typeface="Arial" panose="020B0604020202020204" pitchFamily="34" charset="0"/>
+              <a:buChar char="•"/>
+            </a:pPr>
+            <a:r>
+              <a:rPr lang="en-US" sz="3600" dirty="0">
+                <a:solidFill>
+                  <a:srgbClr val="C00000"/>
+                </a:solidFill>
+                <a:latin typeface="Pragmatica" panose="020B0403040502020204"/>
+                <a:sym typeface="Consolas"/>
+              </a:rPr>
+              <a:t>Use conditional logic to validate filetype</a:t>
+            </a:r>
+          </a:p>
+          <a:p>
+            <a:pPr marL="714375" indent="-571500">
+              <a:lnSpc>
+                <a:spcPct val="115000"/>
+              </a:lnSpc>
+              <a:spcBef>
+                <a:spcPts val="1125"/>
+              </a:spcBef>
+              <a:buClr>
+                <a:srgbClr val="C00000"/>
+              </a:buClr>
+              <a:buSzPts val="2100"/>
+              <a:buFont typeface="Arial" panose="020B0604020202020204" pitchFamily="34" charset="0"/>
+              <a:buChar char="•"/>
+            </a:pPr>
+            <a:r>
+              <a:rPr lang="en-US" sz="3600" dirty="0">
+                <a:solidFill>
+                  <a:srgbClr val="C00000"/>
+                </a:solidFill>
+                <a:latin typeface="Pragmatica" panose="020B0403040502020204"/>
+                <a:sym typeface="Consolas"/>
+              </a:rPr>
+              <a:t>Folder: </a:t>
+            </a:r>
+            <a:r>
+              <a:rPr lang="en-US" sz="3600" dirty="0">
+                <a:solidFill>
+                  <a:srgbClr val="C00000"/>
+                </a:solidFill>
+                <a:latin typeface="Consolas" panose="020B0609020204030204" pitchFamily="49" charset="0"/>
+                <a:sym typeface="Consolas"/>
+              </a:rPr>
+              <a:t>multiple-workbooks</a:t>
+            </a:r>
+          </a:p>
+          <a:p>
+            <a:pPr marL="714375" indent="-571500">
+              <a:lnSpc>
+                <a:spcPct val="115000"/>
+              </a:lnSpc>
+              <a:spcBef>
+                <a:spcPts val="1125"/>
+              </a:spcBef>
+              <a:buClr>
+                <a:srgbClr val="C00000"/>
+              </a:buClr>
+              <a:buSzPts val="2100"/>
+              <a:buFont typeface="Arial" panose="020B0604020202020204" pitchFamily="34" charset="0"/>
+              <a:buChar char="•"/>
+            </a:pPr>
+            <a:r>
+              <a:rPr lang="en-US" sz="3600" dirty="0">
+                <a:solidFill>
+                  <a:srgbClr val="C00000"/>
+                </a:solidFill>
+                <a:latin typeface="Pragmatica" panose="020B0403040502020204"/>
+                <a:sym typeface="Consolas"/>
+              </a:rPr>
+              <a:t>Resource: </a:t>
+            </a:r>
+            <a:r>
+              <a:rPr lang="en-US" sz="3600" dirty="0">
+                <a:solidFill>
+                  <a:srgbClr val="CF3338"/>
+                </a:solidFill>
+                <a:latin typeface="Pragmatica" panose="020B0403040502020204"/>
+                <a:sym typeface="Consolas"/>
+              </a:rPr>
+              <a:t>https://stringfestanalytics.com/how-to-run-an-office-script-on-all-excel-workbooks-in-a-folder-with-power-automate/</a:t>
+            </a:r>
+            <a:endParaRPr lang="en-US" sz="6000" dirty="0">
+              <a:solidFill>
+                <a:srgbClr val="CF3338"/>
+              </a:solidFill>
+              <a:latin typeface="Pragmatica" panose="020B0403040502020204" pitchFamily="34" charset="0"/>
+            </a:endParaRPr>
+          </a:p>
+        </p:txBody>
+      </p:sp>
+    </p:spTree>
+    <p:extLst>
+      <p:ext uri="{BB962C8B-B14F-4D97-AF65-F5344CB8AC3E}">
+        <p14:creationId xmlns:p14="http://schemas.microsoft.com/office/powerpoint/2010/main" val="1406664540"/>
+      </p:ext>
+    </p:extLst>
+  </p:cSld>
+  <p:clrMapOvr>
+    <a:masterClrMapping/>
+  </p:clrMapOvr>
+</p:sld>
+</file>
+
+<file path=ppt/slides/slide17.xml><?xml version="1.0" encoding="utf-8"?>
+<p:sld xmlns:a="http://schemas.openxmlformats.org/drawingml/2006/main" xmlns:r="http://schemas.openxmlformats.org/officeDocument/2006/relationships" xmlns:p="http://schemas.openxmlformats.org/presentationml/2006/main">
+  <p:cSld>
+    <p:spTree>
+      <p:nvGrpSpPr>
+        <p:cNvPr id="1" name="">
+          <a:extLst>
+            <a:ext uri="{FF2B5EF4-FFF2-40B4-BE49-F238E27FC236}">
+              <a16:creationId xmlns:a16="http://schemas.microsoft.com/office/drawing/2014/main" id="{2DCE2D92-E493-1DD9-72E6-ACC94BA7AFC9}"/>
+            </a:ext>
+          </a:extLst>
+        </p:cNvPr>
+        <p:cNvGrpSpPr/>
+        <p:nvPr/>
+      </p:nvGrpSpPr>
+      <p:grpSpPr>
+        <a:xfrm>
+          <a:off x="0" y="0"/>
+          <a:ext cx="0" cy="0"/>
+          <a:chOff x="0" y="0"/>
+          <a:chExt cx="0" cy="0"/>
+        </a:xfrm>
+      </p:grpSpPr>
+      <p:sp>
+        <p:nvSpPr>
+          <p:cNvPr id="4" name="Rectangle 3">
+            <a:extLst>
+              <a:ext uri="{FF2B5EF4-FFF2-40B4-BE49-F238E27FC236}">
+                <a16:creationId xmlns:a16="http://schemas.microsoft.com/office/drawing/2014/main" id="{E06F4AE9-80A1-26DB-FCA0-2CF02A251A93}"/>
+              </a:ext>
+            </a:extLst>
+          </p:cNvPr>
+          <p:cNvSpPr/>
+          <p:nvPr/>
+        </p:nvSpPr>
+        <p:spPr>
+          <a:xfrm>
+            <a:off x="12954000" y="0"/>
+            <a:ext cx="5334000" cy="10287000"/>
+          </a:xfrm>
+          <a:prstGeom prst="rect">
+            <a:avLst/>
+          </a:prstGeom>
+          <a:solidFill>
+            <a:srgbClr val="CF3338"/>
+          </a:solidFill>
+          <a:ln>
+            <a:noFill/>
+          </a:ln>
+        </p:spPr>
+        <p:style>
+          <a:lnRef idx="2">
+            <a:schemeClr val="accent1">
+              <a:shade val="50000"/>
+            </a:schemeClr>
+          </a:lnRef>
+          <a:fillRef idx="1">
+            <a:schemeClr val="accent1"/>
+          </a:fillRef>
+          <a:effectRef idx="0">
+            <a:schemeClr val="accent1"/>
+          </a:effectRef>
+          <a:fontRef idx="minor">
+            <a:schemeClr val="lt1"/>
+          </a:fontRef>
+        </p:style>
+        <p:txBody>
+          <a:bodyPr rtlCol="0" anchor="ctr"/>
+          <a:lstStyle/>
+          <a:p>
+            <a:pPr algn="ctr"/>
+            <a:endParaRPr lang="en-US" sz="2700"/>
+          </a:p>
+        </p:txBody>
+      </p:sp>
+      <p:pic>
+        <p:nvPicPr>
+          <p:cNvPr id="2" name="Picture 1">
+            <a:extLst>
+              <a:ext uri="{FF2B5EF4-FFF2-40B4-BE49-F238E27FC236}">
+                <a16:creationId xmlns:a16="http://schemas.microsoft.com/office/drawing/2014/main" id="{DD359C3C-F6DC-89F1-C2E6-400CCA8A1637}"/>
+              </a:ext>
+            </a:extLst>
+          </p:cNvPr>
+          <p:cNvPicPr>
+            <a:picLocks noChangeAspect="1"/>
+          </p:cNvPicPr>
+          <p:nvPr/>
+        </p:nvPicPr>
+        <p:blipFill rotWithShape="1">
+          <a:blip r:embed="rId3">
+            <a:extLst>
+              <a:ext uri="{28A0092B-C50C-407E-A947-70E740481C1C}">
+                <a14:useLocalDpi xmlns:a14="http://schemas.microsoft.com/office/drawing/2010/main" val="0"/>
+              </a:ext>
+            </a:extLst>
+          </a:blip>
+          <a:srcRect l="69227" t="33418" r="20112" b="50548"/>
+          <a:stretch/>
+        </p:blipFill>
+        <p:spPr>
+          <a:xfrm>
+            <a:off x="15579524" y="7544693"/>
+            <a:ext cx="2708477" cy="2987579"/>
+          </a:xfrm>
+          <a:prstGeom prst="rect">
+            <a:avLst/>
+          </a:prstGeom>
+        </p:spPr>
+      </p:pic>
+      <p:sp>
+        <p:nvSpPr>
+          <p:cNvPr id="3" name="TextBox 2">
+            <a:extLst>
+              <a:ext uri="{FF2B5EF4-FFF2-40B4-BE49-F238E27FC236}">
+                <a16:creationId xmlns:a16="http://schemas.microsoft.com/office/drawing/2014/main" id="{D5B0DBF2-77D4-A760-CF57-E60E6CB7A501}"/>
+              </a:ext>
+            </a:extLst>
+          </p:cNvPr>
+          <p:cNvSpPr txBox="1"/>
+          <p:nvPr/>
+        </p:nvSpPr>
+        <p:spPr>
+          <a:xfrm>
+            <a:off x="260430" y="329879"/>
+            <a:ext cx="12464969" cy="5505482"/>
+          </a:xfrm>
+          <a:prstGeom prst="rect">
+            <a:avLst/>
+          </a:prstGeom>
+          <a:noFill/>
+        </p:spPr>
+        <p:txBody>
+          <a:bodyPr wrap="square" rtlCol="0">
+            <a:spAutoFit/>
+          </a:bodyPr>
+          <a:lstStyle/>
+          <a:p>
+            <a:r>
+              <a:rPr lang="en-US" sz="6000" b="1" dirty="0">
+                <a:solidFill>
+                  <a:srgbClr val="CF3338"/>
+                </a:solidFill>
+                <a:latin typeface="Pragmatica" panose="020B0403040502020204" pitchFamily="34" charset="0"/>
+              </a:rPr>
+              <a:t>Exercises</a:t>
+            </a:r>
+          </a:p>
+          <a:p>
+            <a:pPr marL="714375" indent="-571500">
+              <a:lnSpc>
+                <a:spcPct val="115000"/>
+              </a:lnSpc>
+              <a:spcBef>
+                <a:spcPts val="1125"/>
+              </a:spcBef>
+              <a:buClr>
+                <a:srgbClr val="C00000"/>
+              </a:buClr>
+              <a:buSzPts val="2100"/>
+              <a:buFont typeface="Arial" panose="020B0604020202020204" pitchFamily="34" charset="0"/>
+              <a:buChar char="•"/>
+            </a:pPr>
+            <a:r>
+              <a:rPr lang="en-US" sz="3600" dirty="0">
+                <a:solidFill>
+                  <a:srgbClr val="C00000"/>
+                </a:solidFill>
+                <a:latin typeface="Pragmatica" panose="020B0403040502020204"/>
+                <a:sym typeface="Consolas"/>
+              </a:rPr>
+              <a:t>Folder: </a:t>
+            </a:r>
+            <a:r>
+              <a:rPr lang="en-US" sz="3600" dirty="0">
+                <a:solidFill>
+                  <a:srgbClr val="C00000"/>
+                </a:solidFill>
+                <a:latin typeface="Consolas" panose="020B0609020204030204" pitchFamily="49" charset="0"/>
+                <a:sym typeface="Consolas"/>
+              </a:rPr>
+              <a:t>pa-challenge</a:t>
+            </a:r>
+          </a:p>
+          <a:p>
+            <a:pPr marL="714375" indent="-571500">
+              <a:lnSpc>
+                <a:spcPct val="115000"/>
+              </a:lnSpc>
+              <a:spcBef>
+                <a:spcPts val="1125"/>
+              </a:spcBef>
+              <a:buClr>
+                <a:srgbClr val="C00000"/>
+              </a:buClr>
+              <a:buSzPts val="2100"/>
+              <a:buFont typeface="Arial" panose="020B0604020202020204" pitchFamily="34" charset="0"/>
+              <a:buChar char="•"/>
+            </a:pPr>
+            <a:r>
+              <a:rPr lang="en-US" sz="3600" dirty="0">
+                <a:solidFill>
+                  <a:srgbClr val="C00000"/>
+                </a:solidFill>
+                <a:latin typeface="Pragmatica" panose="020B0403040502020204"/>
+                <a:sym typeface="Consolas"/>
+              </a:rPr>
+              <a:t>Task: Create a log in </a:t>
+            </a:r>
+            <a:r>
+              <a:rPr lang="en-US" sz="3600" dirty="0">
+                <a:solidFill>
+                  <a:srgbClr val="C00000"/>
+                </a:solidFill>
+                <a:latin typeface="Consolas" panose="020B0609020204030204" pitchFamily="49" charset="0"/>
+                <a:sym typeface="Consolas"/>
+              </a:rPr>
+              <a:t>file-log.xlsx</a:t>
+            </a:r>
+            <a:r>
+              <a:rPr lang="en-US" sz="3600" dirty="0">
+                <a:solidFill>
+                  <a:srgbClr val="C00000"/>
+                </a:solidFill>
+                <a:latin typeface="Pragmatica" panose="020B0403040502020204"/>
+                <a:sym typeface="Consolas"/>
+              </a:rPr>
+              <a:t> every time a workbook is uploaded to incoming-files folder</a:t>
+            </a:r>
+          </a:p>
+          <a:p>
+            <a:pPr marL="1171575" lvl="1" indent="-571500">
+              <a:lnSpc>
+                <a:spcPct val="115000"/>
+              </a:lnSpc>
+              <a:spcBef>
+                <a:spcPts val="1125"/>
+              </a:spcBef>
+              <a:buClr>
+                <a:srgbClr val="C00000"/>
+              </a:buClr>
+              <a:buSzPts val="2100"/>
+              <a:buFont typeface="Arial" panose="020B0604020202020204" pitchFamily="34" charset="0"/>
+              <a:buChar char="•"/>
+            </a:pPr>
+            <a:r>
+              <a:rPr lang="en-US" sz="3600" dirty="0">
+                <a:solidFill>
+                  <a:srgbClr val="C00000"/>
+                </a:solidFill>
+                <a:latin typeface="Pragmatica" panose="020B0403040502020204"/>
+                <a:sym typeface="Consolas"/>
+              </a:rPr>
+              <a:t>Trigger: When a file is created (properties only)</a:t>
+            </a:r>
+          </a:p>
+          <a:p>
+            <a:pPr marL="1171575" lvl="1" indent="-571500">
+              <a:lnSpc>
+                <a:spcPct val="115000"/>
+              </a:lnSpc>
+              <a:spcBef>
+                <a:spcPts val="1125"/>
+              </a:spcBef>
+              <a:buClr>
+                <a:srgbClr val="C00000"/>
+              </a:buClr>
+              <a:buSzPts val="2100"/>
+              <a:buFont typeface="Arial" panose="020B0604020202020204" pitchFamily="34" charset="0"/>
+              <a:buChar char="•"/>
+            </a:pPr>
+            <a:r>
+              <a:rPr lang="en-US" sz="3600" dirty="0">
+                <a:solidFill>
+                  <a:srgbClr val="C00000"/>
+                </a:solidFill>
+                <a:latin typeface="Pragmatica" panose="020B0403040502020204"/>
+                <a:sym typeface="Consolas"/>
+              </a:rPr>
+              <a:t>Use conditional logic for file type</a:t>
+            </a:r>
+          </a:p>
+          <a:p>
+            <a:pPr marL="1171575" lvl="1" indent="-571500">
+              <a:lnSpc>
+                <a:spcPct val="115000"/>
+              </a:lnSpc>
+              <a:spcBef>
+                <a:spcPts val="1125"/>
+              </a:spcBef>
+              <a:buClr>
+                <a:srgbClr val="C00000"/>
+              </a:buClr>
+              <a:buSzPts val="2100"/>
+              <a:buFont typeface="Arial" panose="020B0604020202020204" pitchFamily="34" charset="0"/>
+              <a:buChar char="•"/>
+            </a:pPr>
+            <a:r>
+              <a:rPr lang="en-US" sz="3600" dirty="0">
+                <a:solidFill>
+                  <a:srgbClr val="C00000"/>
+                </a:solidFill>
+                <a:latin typeface="Pragmatica" panose="020B0403040502020204"/>
+                <a:sym typeface="Consolas"/>
+              </a:rPr>
+              <a:t>Consider using Power </a:t>
+            </a:r>
+            <a:r>
+              <a:rPr lang="en-US" sz="3600" dirty="0" err="1">
+                <a:solidFill>
+                  <a:srgbClr val="C00000"/>
+                </a:solidFill>
+                <a:latin typeface="Pragmatica" panose="020B0403040502020204"/>
+                <a:sym typeface="Consolas"/>
+              </a:rPr>
+              <a:t>Fx</a:t>
+            </a:r>
+            <a:r>
+              <a:rPr lang="en-US" sz="3600" dirty="0">
+                <a:solidFill>
+                  <a:srgbClr val="C00000"/>
+                </a:solidFill>
+                <a:latin typeface="Pragmatica" panose="020B0403040502020204"/>
+                <a:sym typeface="Consolas"/>
+              </a:rPr>
+              <a:t> to format upload date</a:t>
+            </a:r>
+            <a:endParaRPr lang="en-US" sz="3600" dirty="0">
+              <a:solidFill>
+                <a:srgbClr val="C00000"/>
+              </a:solidFill>
+              <a:latin typeface="Consolas" panose="020B0609020204030204" pitchFamily="49" charset="0"/>
+              <a:sym typeface="Consolas"/>
+            </a:endParaRPr>
+          </a:p>
+        </p:txBody>
+      </p:sp>
+    </p:spTree>
+    <p:extLst>
+      <p:ext uri="{BB962C8B-B14F-4D97-AF65-F5344CB8AC3E}">
+        <p14:creationId xmlns:p14="http://schemas.microsoft.com/office/powerpoint/2010/main" val="3469289285"/>
+      </p:ext>
+    </p:extLst>
+  </p:cSld>
+  <p:clrMapOvr>
+    <a:masterClrMapping/>
+  </p:clrMapOvr>
+</p:sld>
+</file>
+
+<file path=ppt/slides/slide18.xml><?xml version="1.0" encoding="utf-8"?>
 <p:sld xmlns:a="http://schemas.openxmlformats.org/drawingml/2006/main" xmlns:r="http://schemas.openxmlformats.org/officeDocument/2006/relationships" xmlns:p="http://schemas.openxmlformats.org/presentationml/2006/main">
   <p:cSld>
     <p:spTree>
@@ -6751,179 +8602,9 @@
           <a:chExt cx="0" cy="0"/>
         </a:xfrm>
       </p:grpSpPr>
-      <p:pic>
-        <p:nvPicPr>
-          <p:cNvPr id="10" name="Picture 9"/>
-          <p:cNvPicPr>
-            <a:picLocks noChangeAspect="1"/>
-          </p:cNvPicPr>
-          <p:nvPr/>
-        </p:nvPicPr>
-        <p:blipFill rotWithShape="1">
-          <a:blip r:embed="rId2">
-            <a:extLst>
-              <a:ext uri="{28A0092B-C50C-407E-A947-70E740481C1C}">
-                <a14:useLocalDpi xmlns:a14="http://schemas.microsoft.com/office/drawing/2010/main" val="0"/>
-              </a:ext>
-            </a:extLst>
-          </a:blip>
-          <a:srcRect l="50728" t="56371"/>
-          <a:stretch/>
-        </p:blipFill>
-        <p:spPr>
-          <a:xfrm>
-            <a:off x="12204691" y="3316148"/>
-            <a:ext cx="6083309" cy="6970854"/>
-          </a:xfrm>
-          <a:prstGeom prst="rect">
-            <a:avLst/>
-          </a:prstGeom>
-        </p:spPr>
-      </p:pic>
-      <p:pic>
-        <p:nvPicPr>
-          <p:cNvPr id="4" name="Picture 3"/>
-          <p:cNvPicPr>
-            <a:picLocks noChangeAspect="1"/>
-          </p:cNvPicPr>
-          <p:nvPr/>
-        </p:nvPicPr>
-        <p:blipFill>
-          <a:blip r:embed="rId3">
-            <a:extLst>
-              <a:ext uri="{28A0092B-C50C-407E-A947-70E740481C1C}">
-                <a14:useLocalDpi xmlns:a14="http://schemas.microsoft.com/office/drawing/2010/main" val="0"/>
-              </a:ext>
-            </a:extLst>
-          </a:blip>
-          <a:stretch>
-            <a:fillRect/>
-          </a:stretch>
-        </p:blipFill>
-        <p:spPr>
-          <a:xfrm>
-            <a:off x="-807744" y="-3724155"/>
-            <a:ext cx="15257208" cy="11189825"/>
-          </a:xfrm>
-          <a:prstGeom prst="rect">
-            <a:avLst/>
-          </a:prstGeom>
-        </p:spPr>
-      </p:pic>
-      <p:sp>
-        <p:nvSpPr>
-          <p:cNvPr id="11" name="TextBox 10"/>
-          <p:cNvSpPr txBox="1"/>
-          <p:nvPr/>
-        </p:nvSpPr>
-        <p:spPr>
-          <a:xfrm>
-            <a:off x="486137" y="2531318"/>
-            <a:ext cx="11979797" cy="923330"/>
-          </a:xfrm>
-          <a:prstGeom prst="rect">
-            <a:avLst/>
-          </a:prstGeom>
-          <a:noFill/>
-        </p:spPr>
-        <p:txBody>
-          <a:bodyPr wrap="square" rtlCol="0">
-            <a:spAutoFit/>
-          </a:bodyPr>
-          <a:lstStyle/>
-          <a:p>
-            <a:r>
-              <a:rPr lang="en-US" sz="5400" b="1" dirty="0">
-                <a:solidFill>
-                  <a:srgbClr val="CF3338"/>
-                </a:solidFill>
-                <a:latin typeface="Pragmatica" panose="020B0403040502020204" pitchFamily="34" charset="0"/>
-              </a:rPr>
-              <a:t>Questions?</a:t>
-            </a:r>
-          </a:p>
-        </p:txBody>
-      </p:sp>
-      <p:pic>
-        <p:nvPicPr>
-          <p:cNvPr id="5" name="Picture 4">
-            <a:extLst>
-              <a:ext uri="{FF2B5EF4-FFF2-40B4-BE49-F238E27FC236}">
-                <a16:creationId xmlns:a16="http://schemas.microsoft.com/office/drawing/2014/main" id="{54A06221-5316-4BCF-9FDA-BDB95FF4A778}"/>
-              </a:ext>
-            </a:extLst>
-          </p:cNvPr>
-          <p:cNvPicPr>
-            <a:picLocks noChangeAspect="1"/>
-          </p:cNvPicPr>
-          <p:nvPr/>
-        </p:nvPicPr>
-        <p:blipFill>
-          <a:blip r:embed="rId4">
-            <a:extLst>
-              <a:ext uri="{28A0092B-C50C-407E-A947-70E740481C1C}">
-                <a14:useLocalDpi xmlns:a14="http://schemas.microsoft.com/office/drawing/2010/main" val="0"/>
-              </a:ext>
-            </a:extLst>
-          </a:blip>
-          <a:srcRect/>
-          <a:stretch/>
-        </p:blipFill>
-        <p:spPr>
-          <a:xfrm>
-            <a:off x="12204691" y="3317239"/>
-            <a:ext cx="6083309" cy="6968672"/>
-          </a:xfrm>
-          <a:prstGeom prst="rect">
-            <a:avLst/>
-          </a:prstGeom>
-        </p:spPr>
-      </p:pic>
-    </p:spTree>
-    <p:extLst>
-      <p:ext uri="{BB962C8B-B14F-4D97-AF65-F5344CB8AC3E}">
-        <p14:creationId xmlns:p14="http://schemas.microsoft.com/office/powerpoint/2010/main" val="1689860732"/>
-      </p:ext>
-    </p:extLst>
-  </p:cSld>
-  <p:clrMapOvr>
-    <a:masterClrMapping/>
-  </p:clrMapOvr>
-</p:sld>
-</file>
-
-<file path=ppt/slides/slide13.xml><?xml version="1.0" encoding="utf-8"?>
-<p:sld xmlns:a="http://schemas.openxmlformats.org/drawingml/2006/main" xmlns:r="http://schemas.openxmlformats.org/officeDocument/2006/relationships" xmlns:p="http://schemas.openxmlformats.org/presentationml/2006/main">
-  <p:cSld>
-    <p:spTree>
-      <p:nvGrpSpPr>
-        <p:cNvPr id="1" name="">
-          <a:extLst>
-            <a:ext uri="{FF2B5EF4-FFF2-40B4-BE49-F238E27FC236}">
-              <a16:creationId xmlns:a16="http://schemas.microsoft.com/office/drawing/2014/main" id="{87AD1E89-DF85-2717-CB7C-611205BA0CE5}"/>
-            </a:ext>
-          </a:extLst>
-        </p:cNvPr>
-        <p:cNvGrpSpPr/>
-        <p:nvPr/>
-      </p:nvGrpSpPr>
-      <p:grpSpPr>
-        <a:xfrm>
-          <a:off x="0" y="0"/>
-          <a:ext cx="0" cy="0"/>
-          <a:chOff x="0" y="0"/>
-          <a:chExt cx="0" cy="0"/>
-        </a:xfrm>
-      </p:grpSpPr>
-      <p:sp>
-        <p:nvSpPr>
-          <p:cNvPr id="4" name="Rectangle 3">
-            <a:extLst>
-              <a:ext uri="{FF2B5EF4-FFF2-40B4-BE49-F238E27FC236}">
-                <a16:creationId xmlns:a16="http://schemas.microsoft.com/office/drawing/2014/main" id="{7AAE8890-A125-C1F7-E345-728BA6EE9AB2}"/>
-              </a:ext>
-            </a:extLst>
-          </p:cNvPr>
+      <p:sp>
+        <p:nvSpPr>
+          <p:cNvPr id="4" name="Rectangle 3"/>
           <p:cNvSpPr/>
           <p:nvPr/>
         </p:nvSpPr>
@@ -6969,13 +8650,7 @@
       </p:sp>
       <p:sp>
         <p:nvSpPr>
-          <p:cNvPr id="5" name="TextBox 4">
-            <a:extLst>
-              <a:ext uri="{FF2B5EF4-FFF2-40B4-BE49-F238E27FC236}">
-                <a16:creationId xmlns:a16="http://schemas.microsoft.com/office/drawing/2014/main" id="{D7E7C76E-07A8-E205-B090-2AB80EB3A153}"/>
-              </a:ext>
-            </a:extLst>
-          </p:cNvPr>
+          <p:cNvPr id="5" name="TextBox 4"/>
           <p:cNvSpPr txBox="1"/>
           <p:nvPr/>
         </p:nvSpPr>
@@ -7002,7 +8677,7 @@
                 </a:solidFill>
                 <a:latin typeface="Normafixed Tryout" panose="00000409000000000000" pitchFamily="49" charset="0"/>
               </a:rPr>
-              <a:t>Building and managing Excel-related flows</a:t>
+              <a:t>Advanced Flow Configuration</a:t>
             </a:r>
           </a:p>
         </p:txBody>
@@ -7010,7 +8685,7 @@
     </p:spTree>
     <p:extLst>
       <p:ext uri="{BB962C8B-B14F-4D97-AF65-F5344CB8AC3E}">
-        <p14:creationId xmlns:p14="http://schemas.microsoft.com/office/powerpoint/2010/main" val="3139197292"/>
+        <p14:creationId xmlns:p14="http://schemas.microsoft.com/office/powerpoint/2010/main" val="2491588467"/>
       </p:ext>
     </p:extLst>
   </p:cSld>
@@ -7020,7 +8695,7 @@
 </p:sld>
 </file>
 
-<file path=ppt/slides/slide14.xml><?xml version="1.0" encoding="utf-8"?>
+<file path=ppt/slides/slide19.xml><?xml version="1.0" encoding="utf-8"?>
 <p:sld xmlns:a="http://schemas.openxmlformats.org/drawingml/2006/main" xmlns:r="http://schemas.openxmlformats.org/officeDocument/2006/relationships" xmlns:p="http://schemas.openxmlformats.org/presentationml/2006/main">
   <p:cSld>
     <p:spTree>
@@ -7028,7 +8703,7 @@
         <p:cNvPr id="1" name="">
           <a:extLst>
             <a:ext uri="{FF2B5EF4-FFF2-40B4-BE49-F238E27FC236}">
-              <a16:creationId xmlns:a16="http://schemas.microsoft.com/office/drawing/2014/main" id="{CB78EB55-91D6-C27F-AAC1-D5B7022AE891}"/>
+              <a16:creationId xmlns:a16="http://schemas.microsoft.com/office/drawing/2014/main" id="{4DB200E3-03FF-C33B-37A3-157DBBE5A7C2}"/>
             </a:ext>
           </a:extLst>
         </p:cNvPr>
@@ -7048,7 +8723,7 @@
           <p:cNvPr id="4" name="Rectangle 3">
             <a:extLst>
               <a:ext uri="{FF2B5EF4-FFF2-40B4-BE49-F238E27FC236}">
-                <a16:creationId xmlns:a16="http://schemas.microsoft.com/office/drawing/2014/main" id="{788F5155-AC67-B1E7-07B3-815AE617ACA4}"/>
+                <a16:creationId xmlns:a16="http://schemas.microsoft.com/office/drawing/2014/main" id="{66F9AABC-14AB-F52B-9781-1CFAB616CFD1}"/>
               </a:ext>
             </a:extLst>
           </p:cNvPr>
@@ -7100,7 +8775,7 @@
           <p:cNvPr id="2" name="Picture 1">
             <a:extLst>
               <a:ext uri="{FF2B5EF4-FFF2-40B4-BE49-F238E27FC236}">
-                <a16:creationId xmlns:a16="http://schemas.microsoft.com/office/drawing/2014/main" id="{A626B147-5BD3-802B-DA2F-1AAEA90042A4}"/>
+                <a16:creationId xmlns:a16="http://schemas.microsoft.com/office/drawing/2014/main" id="{2C962416-2C62-6592-096F-3F56A39891C3}"/>
               </a:ext>
             </a:extLst>
           </p:cNvPr>
@@ -7135,7 +8810,7 @@
           <p:cNvPr id="3" name="TextBox 2">
             <a:extLst>
               <a:ext uri="{FF2B5EF4-FFF2-40B4-BE49-F238E27FC236}">
-                <a16:creationId xmlns:a16="http://schemas.microsoft.com/office/drawing/2014/main" id="{82986F1D-83FB-8CDB-184F-AB36F8D41632}"/>
+                <a16:creationId xmlns:a16="http://schemas.microsoft.com/office/drawing/2014/main" id="{13856ACB-80E4-14D1-6F51-6DD5B1BFA4EB}"/>
               </a:ext>
             </a:extLst>
           </p:cNvPr>
@@ -7145,7 +8820,7 @@
         <p:spPr>
           <a:xfrm>
             <a:off x="260431" y="329879"/>
-            <a:ext cx="8906720" cy="7668831"/>
+            <a:ext cx="8906720" cy="7430817"/>
           </a:xfrm>
           <a:prstGeom prst="rect">
             <a:avLst/>
@@ -7165,28 +8840,15 @@
                 </a:solidFill>
                 <a:latin typeface="Pragmatica" panose="020B0403040502020204" pitchFamily="34" charset="0"/>
               </a:rPr>
-              <a:t>Automating Excel entry with Power Automate</a:t>
-            </a:r>
-          </a:p>
-          <a:p>
-            <a:pPr marL="142875">
-              <a:lnSpc>
-                <a:spcPct val="115000"/>
-              </a:lnSpc>
-              <a:spcBef>
-                <a:spcPts val="1125"/>
-              </a:spcBef>
-              <a:buClr>
-                <a:srgbClr val="C00000"/>
-              </a:buClr>
-              <a:buSzPts val="2100"/>
-            </a:pPr>
+              <a:t>Creating an expense approval process</a:t>
+            </a:r>
+          </a:p>
+          <a:p>
             <a:endParaRPr lang="en-US" sz="4200" dirty="0">
               <a:solidFill>
                 <a:srgbClr val="CF3338"/>
               </a:solidFill>
               <a:latin typeface="Pragmatica" panose="020B0403040502020204" pitchFamily="34" charset="0"/>
-              <a:sym typeface="Consolas"/>
             </a:endParaRPr>
           </a:p>
           <a:p>
@@ -7212,7 +8874,7 @@
                 <a:latin typeface="Pragmatica" panose="020B0403040502020204"/>
                 <a:sym typeface="Consolas"/>
               </a:rPr>
-              <a:t>Add summary of all incoming manager’s emails into a workbook</a:t>
+              <a:t>Create and track expense approval process using Forms, Excel and Power Automate</a:t>
             </a:r>
           </a:p>
           <a:p>
@@ -7248,7 +8910,7 @@
                 <a:latin typeface="Consolas" panose="020B0609020204030204" pitchFamily="49" charset="0"/>
                 <a:sym typeface="Consolas"/>
               </a:rPr>
-              <a:t>automate-excel-entry.xlsx</a:t>
+              <a:t>expense-approval.xlsx</a:t>
             </a:r>
           </a:p>
           <a:p>
@@ -7269,36 +8931,20 @@
             <a:r>
               <a:rPr lang="en-US" sz="3600" dirty="0">
                 <a:solidFill>
-                  <a:srgbClr val="C00000"/>
+                  <a:srgbClr val="CF3338"/>
                 </a:solidFill>
                 <a:latin typeface="Pragmatica" panose="020B0403040502020204"/>
                 <a:sym typeface="Consolas"/>
               </a:rPr>
-              <a:t>Resource: </a:t>
-            </a:r>
-            <a:r>
-              <a:rPr lang="en-US" sz="3600" dirty="0">
-                <a:solidFill>
-                  <a:srgbClr val="CF3338"/>
-                </a:solidFill>
-                <a:latin typeface="Pragmatica" panose="020B0403040502020204"/>
-                <a:sym typeface="Consolas"/>
-              </a:rPr>
-              <a:t>https://stringfestanalytics.com/how-to-track-incoming-emails-in-excel-with-power-automate/</a:t>
-            </a:r>
-            <a:endParaRPr lang="en-US" sz="6000" dirty="0">
-              <a:solidFill>
-                <a:srgbClr val="CF3338"/>
-              </a:solidFill>
-              <a:latin typeface="Pragmatica" panose="020B0403040502020204" pitchFamily="34" charset="0"/>
-            </a:endParaRPr>
+              <a:t>Resource: https://stringfestanalytics.com/power-automate-for-excel-how-to-create-an-approval-process-with-microsoft-forms/</a:t>
+            </a:r>
           </a:p>
         </p:txBody>
       </p:sp>
     </p:spTree>
     <p:extLst>
       <p:ext uri="{BB962C8B-B14F-4D97-AF65-F5344CB8AC3E}">
-        <p14:creationId xmlns:p14="http://schemas.microsoft.com/office/powerpoint/2010/main" val="2443074309"/>
+        <p14:creationId xmlns:p14="http://schemas.microsoft.com/office/powerpoint/2010/main" val="2378610790"/>
       </p:ext>
     </p:extLst>
   </p:cSld>
@@ -7308,7 +8954,341 @@
 </p:sld>
 </file>
 
-<file path=ppt/slides/slide15.xml><?xml version="1.0" encoding="utf-8"?>
+<file path=ppt/slides/slide2.xml><?xml version="1.0" encoding="utf-8"?>
+<p:sld xmlns:a="http://schemas.openxmlformats.org/drawingml/2006/main" xmlns:r="http://schemas.openxmlformats.org/officeDocument/2006/relationships" xmlns:p="http://schemas.openxmlformats.org/presentationml/2006/main">
+  <p:cSld>
+    <p:spTree>
+      <p:nvGrpSpPr>
+        <p:cNvPr id="1" name=""/>
+        <p:cNvGrpSpPr/>
+        <p:nvPr/>
+      </p:nvGrpSpPr>
+      <p:grpSpPr>
+        <a:xfrm>
+          <a:off x="0" y="0"/>
+          <a:ext cx="0" cy="0"/>
+          <a:chOff x="0" y="0"/>
+          <a:chExt cx="0" cy="0"/>
+        </a:xfrm>
+      </p:grpSpPr>
+      <p:sp>
+        <p:nvSpPr>
+          <p:cNvPr id="4" name="Rectangle 3"/>
+          <p:cNvSpPr/>
+          <p:nvPr/>
+        </p:nvSpPr>
+        <p:spPr>
+          <a:xfrm>
+            <a:off x="0" y="0"/>
+            <a:ext cx="18288000" cy="10287000"/>
+          </a:xfrm>
+          <a:prstGeom prst="rect">
+            <a:avLst/>
+          </a:prstGeom>
+          <a:solidFill>
+            <a:srgbClr val="CF3338"/>
+          </a:solidFill>
+          <a:ln>
+            <a:noFill/>
+          </a:ln>
+        </p:spPr>
+        <p:style>
+          <a:lnRef idx="2">
+            <a:schemeClr val="accent1">
+              <a:shade val="50000"/>
+            </a:schemeClr>
+          </a:lnRef>
+          <a:fillRef idx="1">
+            <a:schemeClr val="accent1"/>
+          </a:fillRef>
+          <a:effectRef idx="0">
+            <a:schemeClr val="accent1"/>
+          </a:effectRef>
+          <a:fontRef idx="minor">
+            <a:schemeClr val="lt1"/>
+          </a:fontRef>
+        </p:style>
+        <p:txBody>
+          <a:bodyPr rtlCol="0" anchor="ctr"/>
+          <a:lstStyle/>
+          <a:p>
+            <a:pPr algn="ctr"/>
+            <a:endParaRPr lang="en-US" sz="2700"/>
+          </a:p>
+        </p:txBody>
+      </p:sp>
+      <p:sp>
+        <p:nvSpPr>
+          <p:cNvPr id="5" name="TextBox 4"/>
+          <p:cNvSpPr txBox="1"/>
+          <p:nvPr/>
+        </p:nvSpPr>
+        <p:spPr>
+          <a:xfrm>
+            <a:off x="781292" y="590309"/>
+            <a:ext cx="15486926" cy="1615827"/>
+          </a:xfrm>
+          <a:prstGeom prst="rect">
+            <a:avLst/>
+          </a:prstGeom>
+          <a:noFill/>
+        </p:spPr>
+        <p:txBody>
+          <a:bodyPr wrap="square" rtlCol="0">
+            <a:spAutoFit/>
+          </a:bodyPr>
+          <a:lstStyle/>
+          <a:p>
+            <a:r>
+              <a:rPr lang="en-US" sz="9900" b="1" dirty="0">
+                <a:solidFill>
+                  <a:schemeClr val="bg1"/>
+                </a:solidFill>
+                <a:latin typeface="Normafixed Tryout" panose="00000409000000000000" pitchFamily="49" charset="0"/>
+              </a:rPr>
+              <a:t>Hi, I’m George</a:t>
+            </a:r>
+          </a:p>
+        </p:txBody>
+      </p:sp>
+      <p:pic>
+        <p:nvPicPr>
+          <p:cNvPr id="3" name="Picture 4" descr="Advancing into Analytics Cover Image">
+            <a:extLst>
+              <a:ext uri="{FF2B5EF4-FFF2-40B4-BE49-F238E27FC236}">
+                <a16:creationId xmlns:a16="http://schemas.microsoft.com/office/drawing/2014/main" id="{588F684B-18EF-D76C-5F7B-15E4BAD60643}"/>
+              </a:ext>
+            </a:extLst>
+          </p:cNvPr>
+          <p:cNvPicPr>
+            <a:picLocks noChangeAspect="1" noChangeArrowheads="1"/>
+          </p:cNvPicPr>
+          <p:nvPr/>
+        </p:nvPicPr>
+        <p:blipFill>
+          <a:blip r:embed="rId2" cstate="print">
+            <a:extLst>
+              <a:ext uri="{28A0092B-C50C-407E-A947-70E740481C1C}">
+                <a14:useLocalDpi xmlns:a14="http://schemas.microsoft.com/office/drawing/2010/main" val="0"/>
+              </a:ext>
+            </a:extLst>
+          </a:blip>
+          <a:srcRect/>
+          <a:stretch>
+            <a:fillRect/>
+          </a:stretch>
+        </p:blipFill>
+        <p:spPr bwMode="auto">
+          <a:xfrm>
+            <a:off x="14077075" y="195640"/>
+            <a:ext cx="3130385" cy="4088666"/>
+          </a:xfrm>
+          <a:prstGeom prst="rect">
+            <a:avLst/>
+          </a:prstGeom>
+          <a:noFill/>
+          <a:extLst>
+            <a:ext uri="{909E8E84-426E-40DD-AFC4-6F175D3DCCD1}">
+              <a14:hiddenFill xmlns:a14="http://schemas.microsoft.com/office/drawing/2010/main">
+                <a:solidFill>
+                  <a:srgbClr val="FFFFFF"/>
+                </a:solidFill>
+              </a14:hiddenFill>
+            </a:ext>
+          </a:extLst>
+        </p:spPr>
+      </p:pic>
+      <p:pic>
+        <p:nvPicPr>
+          <p:cNvPr id="6" name="Picture 6" descr="Free photos of Cleveland">
+            <a:extLst>
+              <a:ext uri="{FF2B5EF4-FFF2-40B4-BE49-F238E27FC236}">
+                <a16:creationId xmlns:a16="http://schemas.microsoft.com/office/drawing/2014/main" id="{CBA53EEE-E3E1-D99E-A4DC-1C4DD2E6CE4A}"/>
+              </a:ext>
+            </a:extLst>
+          </p:cNvPr>
+          <p:cNvPicPr>
+            <a:picLocks noChangeAspect="1" noChangeArrowheads="1"/>
+          </p:cNvPicPr>
+          <p:nvPr/>
+        </p:nvPicPr>
+        <p:blipFill>
+          <a:blip r:embed="rId3" cstate="print">
+            <a:extLst>
+              <a:ext uri="{28A0092B-C50C-407E-A947-70E740481C1C}">
+                <a14:useLocalDpi xmlns:a14="http://schemas.microsoft.com/office/drawing/2010/main" val="0"/>
+              </a:ext>
+            </a:extLst>
+          </a:blip>
+          <a:srcRect/>
+          <a:stretch>
+            <a:fillRect/>
+          </a:stretch>
+        </p:blipFill>
+        <p:spPr bwMode="auto">
+          <a:xfrm>
+            <a:off x="1695692" y="2968810"/>
+            <a:ext cx="5535359" cy="3684473"/>
+          </a:xfrm>
+          <a:prstGeom prst="rect">
+            <a:avLst/>
+          </a:prstGeom>
+          <a:noFill/>
+          <a:extLst>
+            <a:ext uri="{909E8E84-426E-40DD-AFC4-6F175D3DCCD1}">
+              <a14:hiddenFill xmlns:a14="http://schemas.microsoft.com/office/drawing/2010/main">
+                <a:solidFill>
+                  <a:srgbClr val="FFFFFF"/>
+                </a:solidFill>
+              </a14:hiddenFill>
+            </a:ext>
+          </a:extLst>
+        </p:spPr>
+      </p:pic>
+      <p:pic>
+        <p:nvPicPr>
+          <p:cNvPr id="8" name="Picture 7" descr="Logo&#10;&#10;Description automatically generated">
+            <a:extLst>
+              <a:ext uri="{FF2B5EF4-FFF2-40B4-BE49-F238E27FC236}">
+                <a16:creationId xmlns:a16="http://schemas.microsoft.com/office/drawing/2014/main" id="{97E0F267-87DF-961E-1FAA-47FD4F27A5C6}"/>
+              </a:ext>
+            </a:extLst>
+          </p:cNvPr>
+          <p:cNvPicPr>
+            <a:picLocks noChangeAspect="1"/>
+          </p:cNvPicPr>
+          <p:nvPr/>
+        </p:nvPicPr>
+        <p:blipFill>
+          <a:blip r:embed="rId4" cstate="print">
+            <a:extLst>
+              <a:ext uri="{28A0092B-C50C-407E-A947-70E740481C1C}">
+                <a14:useLocalDpi xmlns:a14="http://schemas.microsoft.com/office/drawing/2010/main" val="0"/>
+              </a:ext>
+            </a:extLst>
+          </a:blip>
+          <a:stretch>
+            <a:fillRect/>
+          </a:stretch>
+        </p:blipFill>
+        <p:spPr>
+          <a:xfrm>
+            <a:off x="7683691" y="6002696"/>
+            <a:ext cx="7448309" cy="5462681"/>
+          </a:xfrm>
+          <a:prstGeom prst="rect">
+            <a:avLst/>
+          </a:prstGeom>
+        </p:spPr>
+      </p:pic>
+      <p:pic>
+        <p:nvPicPr>
+          <p:cNvPr id="1026" name="Picture 2" descr="Modern data analytics in Excel book cover">
+            <a:extLst>
+              <a:ext uri="{FF2B5EF4-FFF2-40B4-BE49-F238E27FC236}">
+                <a16:creationId xmlns:a16="http://schemas.microsoft.com/office/drawing/2014/main" id="{874ADA5E-A7A7-1D02-C728-513187DE1EF9}"/>
+              </a:ext>
+            </a:extLst>
+          </p:cNvPr>
+          <p:cNvPicPr>
+            <a:picLocks noChangeAspect="1" noChangeArrowheads="1"/>
+          </p:cNvPicPr>
+          <p:nvPr/>
+        </p:nvPicPr>
+        <p:blipFill>
+          <a:blip r:embed="rId5">
+            <a:extLst>
+              <a:ext uri="{28A0092B-C50C-407E-A947-70E740481C1C}">
+                <a14:useLocalDpi xmlns:a14="http://schemas.microsoft.com/office/drawing/2010/main" val="0"/>
+              </a:ext>
+            </a:extLst>
+          </a:blip>
+          <a:srcRect/>
+          <a:stretch>
+            <a:fillRect/>
+          </a:stretch>
+        </p:blipFill>
+        <p:spPr bwMode="auto">
+          <a:xfrm>
+            <a:off x="10321136" y="2210054"/>
+            <a:ext cx="3437261" cy="4507995"/>
+          </a:xfrm>
+          <a:prstGeom prst="rect">
+            <a:avLst/>
+          </a:prstGeom>
+          <a:noFill/>
+          <a:extLst>
+            <a:ext uri="{909E8E84-426E-40DD-AFC4-6F175D3DCCD1}">
+              <a14:hiddenFill xmlns:a14="http://schemas.microsoft.com/office/drawing/2010/main">
+                <a:solidFill>
+                  <a:srgbClr val="FFFFFF"/>
+                </a:solidFill>
+              </a14:hiddenFill>
+            </a:ext>
+          </a:extLst>
+        </p:spPr>
+      </p:pic>
+      <p:pic>
+        <p:nvPicPr>
+          <p:cNvPr id="2050" name="Picture 2" descr="Microsoft Most Valuable Professional - Wikipedia">
+            <a:extLst>
+              <a:ext uri="{FF2B5EF4-FFF2-40B4-BE49-F238E27FC236}">
+                <a16:creationId xmlns:a16="http://schemas.microsoft.com/office/drawing/2014/main" id="{36C71929-5967-B93D-05FE-E330D621C593}"/>
+              </a:ext>
+            </a:extLst>
+          </p:cNvPr>
+          <p:cNvPicPr>
+            <a:picLocks noChangeAspect="1" noChangeArrowheads="1"/>
+          </p:cNvPicPr>
+          <p:nvPr/>
+        </p:nvPicPr>
+        <p:blipFill>
+          <a:blip r:embed="rId6">
+            <a:extLst>
+              <a:ext uri="{28A0092B-C50C-407E-A947-70E740481C1C}">
+                <a14:useLocalDpi xmlns:a14="http://schemas.microsoft.com/office/drawing/2010/main" val="0"/>
+              </a:ext>
+            </a:extLst>
+          </a:blip>
+          <a:srcRect/>
+          <a:stretch>
+            <a:fillRect/>
+          </a:stretch>
+        </p:blipFill>
+        <p:spPr bwMode="auto">
+          <a:xfrm>
+            <a:off x="384642" y="7832951"/>
+            <a:ext cx="5057775" cy="2028825"/>
+          </a:xfrm>
+          <a:prstGeom prst="rect">
+            <a:avLst/>
+          </a:prstGeom>
+          <a:noFill/>
+          <a:extLst>
+            <a:ext uri="{909E8E84-426E-40DD-AFC4-6F175D3DCCD1}">
+              <a14:hiddenFill xmlns:a14="http://schemas.microsoft.com/office/drawing/2010/main">
+                <a:solidFill>
+                  <a:srgbClr val="FFFFFF"/>
+                </a:solidFill>
+              </a14:hiddenFill>
+            </a:ext>
+          </a:extLst>
+        </p:spPr>
+      </p:pic>
+    </p:spTree>
+    <p:extLst>
+      <p:ext uri="{BB962C8B-B14F-4D97-AF65-F5344CB8AC3E}">
+        <p14:creationId xmlns:p14="http://schemas.microsoft.com/office/powerpoint/2010/main" val="1872901171"/>
+      </p:ext>
+    </p:extLst>
+  </p:cSld>
+  <p:clrMapOvr>
+    <a:masterClrMapping/>
+  </p:clrMapOvr>
+</p:sld>
+</file>
+
+<file path=ppt/slides/slide20.xml><?xml version="1.0" encoding="utf-8"?>
 <p:sld xmlns:a="http://schemas.openxmlformats.org/drawingml/2006/main" xmlns:r="http://schemas.openxmlformats.org/officeDocument/2006/relationships" xmlns:p="http://schemas.openxmlformats.org/presentationml/2006/main">
   <p:cSld>
     <p:spTree>
@@ -7316,7 +9296,7 @@
         <p:cNvPr id="1" name="">
           <a:extLst>
             <a:ext uri="{FF2B5EF4-FFF2-40B4-BE49-F238E27FC236}">
-              <a16:creationId xmlns:a16="http://schemas.microsoft.com/office/drawing/2014/main" id="{1AAE25C6-D9BE-ACB3-A9D8-1E3F5AED9538}"/>
+              <a16:creationId xmlns:a16="http://schemas.microsoft.com/office/drawing/2014/main" id="{30B0421F-C5E1-ADD5-ECE4-6375F4060D94}"/>
             </a:ext>
           </a:extLst>
         </p:cNvPr>
@@ -7336,7 +9316,7 @@
           <p:cNvPr id="4" name="Rectangle 3">
             <a:extLst>
               <a:ext uri="{FF2B5EF4-FFF2-40B4-BE49-F238E27FC236}">
-                <a16:creationId xmlns:a16="http://schemas.microsoft.com/office/drawing/2014/main" id="{EBB2C0CB-609C-3DDF-0D6F-F0676C71A082}"/>
+                <a16:creationId xmlns:a16="http://schemas.microsoft.com/office/drawing/2014/main" id="{53DC417D-3C2B-9646-8064-7207B5E8C158}"/>
               </a:ext>
             </a:extLst>
           </p:cNvPr>
@@ -7388,7 +9368,7 @@
           <p:cNvPr id="2" name="Picture 1">
             <a:extLst>
               <a:ext uri="{FF2B5EF4-FFF2-40B4-BE49-F238E27FC236}">
-                <a16:creationId xmlns:a16="http://schemas.microsoft.com/office/drawing/2014/main" id="{364709B4-D842-0E90-CD06-E3ECC159C08A}"/>
+                <a16:creationId xmlns:a16="http://schemas.microsoft.com/office/drawing/2014/main" id="{15E6A925-96D6-30E2-A5B5-35BD6D37A76D}"/>
               </a:ext>
             </a:extLst>
           </p:cNvPr>
@@ -7423,7 +9403,7 @@
           <p:cNvPr id="3" name="TextBox 2">
             <a:extLst>
               <a:ext uri="{FF2B5EF4-FFF2-40B4-BE49-F238E27FC236}">
-                <a16:creationId xmlns:a16="http://schemas.microsoft.com/office/drawing/2014/main" id="{16B1D88B-224C-9AE6-5C78-176FD3CF957A}"/>
+                <a16:creationId xmlns:a16="http://schemas.microsoft.com/office/drawing/2014/main" id="{FC39674B-DCCF-96D6-E9FB-01B7CBAB50AF}"/>
               </a:ext>
             </a:extLst>
           </p:cNvPr>
@@ -7433,7 +9413,7 @@
         <p:spPr>
           <a:xfrm>
             <a:off x="260431" y="329879"/>
-            <a:ext cx="8906720" cy="6886565"/>
+            <a:ext cx="8906720" cy="8846076"/>
           </a:xfrm>
           <a:prstGeom prst="rect">
             <a:avLst/>
@@ -7453,28 +9433,15 @@
                 </a:solidFill>
                 <a:latin typeface="Pragmatica" panose="020B0403040502020204" pitchFamily="34" charset="0"/>
               </a:rPr>
-              <a:t>Creating conditional flows</a:t>
-            </a:r>
-          </a:p>
-          <a:p>
-            <a:pPr marL="142875">
-              <a:lnSpc>
-                <a:spcPct val="115000"/>
-              </a:lnSpc>
-              <a:spcBef>
-                <a:spcPts val="1125"/>
-              </a:spcBef>
-              <a:buClr>
-                <a:srgbClr val="C00000"/>
-              </a:buClr>
-              <a:buSzPts val="2100"/>
-            </a:pPr>
+              <a:t>Retrieving data from external sources</a:t>
+            </a:r>
+          </a:p>
+          <a:p>
             <a:endParaRPr lang="en-US" sz="4200" dirty="0">
               <a:solidFill>
                 <a:srgbClr val="CF3338"/>
               </a:solidFill>
               <a:latin typeface="Pragmatica" panose="020B0403040502020204" pitchFamily="34" charset="0"/>
-              <a:sym typeface="Consolas"/>
             </a:endParaRPr>
           </a:p>
           <a:p>
@@ -7500,27 +9467,7 @@
                 <a:latin typeface="Pragmatica" panose="020B0403040502020204"/>
                 <a:sym typeface="Consolas"/>
               </a:rPr>
-              <a:t>Create emails </a:t>
-            </a:r>
-            <a:r>
-              <a:rPr lang="en-US" sz="3600" i="1" dirty="0">
-                <a:solidFill>
-                  <a:srgbClr val="C00000"/>
-                </a:solidFill>
-                <a:latin typeface="Pragmatica" panose="020B0403040502020204"/>
-                <a:sym typeface="Consolas"/>
-              </a:rPr>
-              <a:t>only </a:t>
-            </a:r>
-            <a:r>
-              <a:rPr lang="en-US" sz="3600" dirty="0">
-                <a:solidFill>
-                  <a:srgbClr val="C00000"/>
-                </a:solidFill>
-                <a:latin typeface="Pragmatica" panose="020B0403040502020204"/>
-                <a:sym typeface="Consolas"/>
-              </a:rPr>
-              <a:t>when project is delayed</a:t>
+              <a:t>How can we check and collect data from outside sources, e.g. RSS feeds?</a:t>
             </a:r>
           </a:p>
           <a:p>
@@ -7546,7 +9493,7 @@
                 <a:latin typeface="Pragmatica" panose="020B0403040502020204"/>
                 <a:sym typeface="Consolas"/>
               </a:rPr>
-              <a:t>Test flow and put on schedule</a:t>
+              <a:t>Power Automate vs Power Query for data collection</a:t>
             </a:r>
           </a:p>
           <a:p>
@@ -7572,7 +9519,7 @@
                 <a:latin typeface="Pragmatica" panose="020B0403040502020204"/>
                 <a:sym typeface="Consolas"/>
               </a:rPr>
-              <a:t>File: </a:t>
+              <a:t>Fils: </a:t>
             </a:r>
             <a:r>
               <a:rPr lang="en-US" sz="3600" dirty="0">
@@ -7582,7 +9529,27 @@
                 <a:latin typeface="Consolas" panose="020B0609020204030204" pitchFamily="49" charset="0"/>
                 <a:sym typeface="Consolas"/>
               </a:rPr>
-              <a:t>conditional-logic.xlsx</a:t>
+              <a:t>get-rss.xlsx</a:t>
+            </a:r>
+            <a:r>
+              <a:rPr lang="en-US" sz="3600" dirty="0">
+                <a:solidFill>
+                  <a:srgbClr val="C00000"/>
+                </a:solidFill>
+                <a:latin typeface="Pragmatica" panose="020B0403040502020204"/>
+                <a:sym typeface="Consolas"/>
+              </a:rPr>
+              <a:t>, </a:t>
+            </a:r>
+            <a:r>
+              <a:rPr lang="en-US" sz="3600" dirty="0">
+                <a:solidFill>
+                  <a:srgbClr val="C00000"/>
+                </a:solidFill>
+                <a:latin typeface="Consolas" panose="020B0609020204030204" pitchFamily="49" charset="0"/>
+                <a:sym typeface="Consolas"/>
+              </a:rPr>
+              <a:t>bbc-rss.txt</a:t>
             </a:r>
           </a:p>
           <a:p>
@@ -7603,2012 +9570,6 @@
             <a:r>
               <a:rPr lang="en-US" sz="3600" dirty="0">
                 <a:solidFill>
-                  <a:srgbClr val="C00000"/>
-                </a:solidFill>
-                <a:latin typeface="Pragmatica" panose="020B0403040502020204"/>
-                <a:sym typeface="Consolas"/>
-              </a:rPr>
-              <a:t>Resource: </a:t>
-            </a:r>
-            <a:r>
-              <a:rPr lang="en-US" sz="3600" dirty="0">
-                <a:solidFill>
-                  <a:srgbClr val="CF3338"/>
-                </a:solidFill>
-                <a:latin typeface="Pragmatica" panose="020B0403040502020204"/>
-                <a:sym typeface="Consolas"/>
-              </a:rPr>
-              <a:t>https://stringfestanalytics.com/power-automate-for-excel-how-to-understand-conditional-flows/</a:t>
-            </a:r>
-            <a:endParaRPr lang="en-US" sz="6000" dirty="0">
-              <a:solidFill>
-                <a:srgbClr val="CF3338"/>
-              </a:solidFill>
-              <a:latin typeface="Pragmatica" panose="020B0403040502020204" pitchFamily="34" charset="0"/>
-            </a:endParaRPr>
-          </a:p>
-        </p:txBody>
-      </p:sp>
-    </p:spTree>
-    <p:extLst>
-      <p:ext uri="{BB962C8B-B14F-4D97-AF65-F5344CB8AC3E}">
-        <p14:creationId xmlns:p14="http://schemas.microsoft.com/office/powerpoint/2010/main" val="840009297"/>
-      </p:ext>
-    </p:extLst>
-  </p:cSld>
-  <p:clrMapOvr>
-    <a:masterClrMapping/>
-  </p:clrMapOvr>
-</p:sld>
-</file>
-
-<file path=ppt/slides/slide16.xml><?xml version="1.0" encoding="utf-8"?>
-<p:sld xmlns:a="http://schemas.openxmlformats.org/drawingml/2006/main" xmlns:r="http://schemas.openxmlformats.org/officeDocument/2006/relationships" xmlns:p="http://schemas.openxmlformats.org/presentationml/2006/main">
-  <p:cSld>
-    <p:spTree>
-      <p:nvGrpSpPr>
-        <p:cNvPr id="1" name="">
-          <a:extLst>
-            <a:ext uri="{FF2B5EF4-FFF2-40B4-BE49-F238E27FC236}">
-              <a16:creationId xmlns:a16="http://schemas.microsoft.com/office/drawing/2014/main" id="{B245543C-FC2F-706C-0319-AF2E02C1797B}"/>
-            </a:ext>
-          </a:extLst>
-        </p:cNvPr>
-        <p:cNvGrpSpPr/>
-        <p:nvPr/>
-      </p:nvGrpSpPr>
-      <p:grpSpPr>
-        <a:xfrm>
-          <a:off x="0" y="0"/>
-          <a:ext cx="0" cy="0"/>
-          <a:chOff x="0" y="0"/>
-          <a:chExt cx="0" cy="0"/>
-        </a:xfrm>
-      </p:grpSpPr>
-      <p:sp>
-        <p:nvSpPr>
-          <p:cNvPr id="4" name="Rectangle 3">
-            <a:extLst>
-              <a:ext uri="{FF2B5EF4-FFF2-40B4-BE49-F238E27FC236}">
-                <a16:creationId xmlns:a16="http://schemas.microsoft.com/office/drawing/2014/main" id="{490E9BB0-DF62-7CD8-AD9E-9B07D47A3EA3}"/>
-              </a:ext>
-            </a:extLst>
-          </p:cNvPr>
-          <p:cNvSpPr/>
-          <p:nvPr/>
-        </p:nvSpPr>
-        <p:spPr>
-          <a:xfrm>
-            <a:off x="9861630" y="0"/>
-            <a:ext cx="8426370" cy="10287000"/>
-          </a:xfrm>
-          <a:prstGeom prst="rect">
-            <a:avLst/>
-          </a:prstGeom>
-          <a:solidFill>
-            <a:srgbClr val="CF3338"/>
-          </a:solidFill>
-          <a:ln>
-            <a:noFill/>
-          </a:ln>
-        </p:spPr>
-        <p:style>
-          <a:lnRef idx="2">
-            <a:schemeClr val="accent1">
-              <a:shade val="50000"/>
-            </a:schemeClr>
-          </a:lnRef>
-          <a:fillRef idx="1">
-            <a:schemeClr val="accent1"/>
-          </a:fillRef>
-          <a:effectRef idx="0">
-            <a:schemeClr val="accent1"/>
-          </a:effectRef>
-          <a:fontRef idx="minor">
-            <a:schemeClr val="lt1"/>
-          </a:fontRef>
-        </p:style>
-        <p:txBody>
-          <a:bodyPr rtlCol="0" anchor="ctr"/>
-          <a:lstStyle/>
-          <a:p>
-            <a:pPr algn="ctr"/>
-            <a:endParaRPr lang="en-US" sz="2700"/>
-          </a:p>
-        </p:txBody>
-      </p:sp>
-      <p:pic>
-        <p:nvPicPr>
-          <p:cNvPr id="2" name="Picture 1">
-            <a:extLst>
-              <a:ext uri="{FF2B5EF4-FFF2-40B4-BE49-F238E27FC236}">
-                <a16:creationId xmlns:a16="http://schemas.microsoft.com/office/drawing/2014/main" id="{75EAA4D7-8279-B257-6D3E-F96D3198579A}"/>
-              </a:ext>
-            </a:extLst>
-          </p:cNvPr>
-          <p:cNvPicPr>
-            <a:picLocks noChangeAspect="1"/>
-          </p:cNvPicPr>
-          <p:nvPr/>
-        </p:nvPicPr>
-        <p:blipFill rotWithShape="1">
-          <a:blip r:embed="rId3">
-            <a:extLst>
-              <a:ext uri="{28A0092B-C50C-407E-A947-70E740481C1C}">
-                <a14:useLocalDpi xmlns:a14="http://schemas.microsoft.com/office/drawing/2010/main" val="0"/>
-              </a:ext>
-            </a:extLst>
-          </a:blip>
-          <a:srcRect l="69227" t="33418" r="20112" b="50548"/>
-          <a:stretch/>
-        </p:blipFill>
-        <p:spPr>
-          <a:xfrm>
-            <a:off x="15579524" y="7544693"/>
-            <a:ext cx="2708477" cy="2987579"/>
-          </a:xfrm>
-          <a:prstGeom prst="rect">
-            <a:avLst/>
-          </a:prstGeom>
-        </p:spPr>
-      </p:pic>
-      <p:sp>
-        <p:nvSpPr>
-          <p:cNvPr id="3" name="TextBox 2">
-            <a:extLst>
-              <a:ext uri="{FF2B5EF4-FFF2-40B4-BE49-F238E27FC236}">
-                <a16:creationId xmlns:a16="http://schemas.microsoft.com/office/drawing/2014/main" id="{74B1D248-3DA4-EF63-972E-3DC8117D97E9}"/>
-              </a:ext>
-            </a:extLst>
-          </p:cNvPr>
-          <p:cNvSpPr txBox="1"/>
-          <p:nvPr/>
-        </p:nvSpPr>
-        <p:spPr>
-          <a:xfrm>
-            <a:off x="260431" y="329879"/>
-            <a:ext cx="8906720" cy="7668831"/>
-          </a:xfrm>
-          <a:prstGeom prst="rect">
-            <a:avLst/>
-          </a:prstGeom>
-          <a:noFill/>
-        </p:spPr>
-        <p:txBody>
-          <a:bodyPr wrap="square" rtlCol="0">
-            <a:spAutoFit/>
-          </a:bodyPr>
-          <a:lstStyle/>
-          <a:p>
-            <a:r>
-              <a:rPr lang="en-US" sz="6000" b="1" dirty="0">
-                <a:solidFill>
-                  <a:srgbClr val="CF3338"/>
-                </a:solidFill>
-                <a:latin typeface="Pragmatica" panose="020B0403040502020204" pitchFamily="34" charset="0"/>
-              </a:rPr>
-              <a:t>Office Scripts + Power Automate, part 1</a:t>
-            </a:r>
-          </a:p>
-          <a:p>
-            <a:pPr marL="142875">
-              <a:lnSpc>
-                <a:spcPct val="115000"/>
-              </a:lnSpc>
-              <a:spcBef>
-                <a:spcPts val="1125"/>
-              </a:spcBef>
-              <a:buClr>
-                <a:srgbClr val="C00000"/>
-              </a:buClr>
-              <a:buSzPts val="2100"/>
-            </a:pPr>
-            <a:endParaRPr lang="en-US" sz="4200" dirty="0">
-              <a:solidFill>
-                <a:srgbClr val="CF3338"/>
-              </a:solidFill>
-              <a:latin typeface="Pragmatica" panose="020B0403040502020204" pitchFamily="34" charset="0"/>
-              <a:sym typeface="Consolas"/>
-            </a:endParaRPr>
-          </a:p>
-          <a:p>
-            <a:pPr marL="714375" indent="-571500">
-              <a:lnSpc>
-                <a:spcPct val="115000"/>
-              </a:lnSpc>
-              <a:spcBef>
-                <a:spcPts val="1125"/>
-              </a:spcBef>
-              <a:buClr>
-                <a:srgbClr val="C00000"/>
-              </a:buClr>
-              <a:buSzPts val="2100"/>
-              <a:buFont typeface="Arial" panose="020B0604020202020204" pitchFamily="34" charset="0"/>
-              <a:buChar char="•"/>
-            </a:pPr>
-            <a:r>
-              <a:rPr lang="en-US" sz="3600" dirty="0">
-                <a:solidFill>
-                  <a:srgbClr val="C00000"/>
-                </a:solidFill>
-                <a:latin typeface="Pragmatica" panose="020B0403040502020204"/>
-                <a:sym typeface="Consolas"/>
-              </a:rPr>
-              <a:t>Run a TOC updater script on schedule</a:t>
-            </a:r>
-          </a:p>
-          <a:p>
-            <a:pPr marL="714375" indent="-571500">
-              <a:lnSpc>
-                <a:spcPct val="115000"/>
-              </a:lnSpc>
-              <a:spcBef>
-                <a:spcPts val="1125"/>
-              </a:spcBef>
-              <a:buClr>
-                <a:srgbClr val="C00000"/>
-              </a:buClr>
-              <a:buSzPts val="2100"/>
-              <a:buFont typeface="Arial" panose="020B0604020202020204" pitchFamily="34" charset="0"/>
-              <a:buChar char="•"/>
-            </a:pPr>
-            <a:r>
-              <a:rPr lang="en-US" sz="3600" dirty="0">
-                <a:solidFill>
-                  <a:srgbClr val="C00000"/>
-                </a:solidFill>
-                <a:latin typeface="Pragmatica" panose="020B0403040502020204"/>
-                <a:sym typeface="Consolas"/>
-              </a:rPr>
-              <a:t>Files: </a:t>
-            </a:r>
-            <a:r>
-              <a:rPr lang="en-US" sz="3600" dirty="0">
-                <a:solidFill>
-                  <a:srgbClr val="C00000"/>
-                </a:solidFill>
-                <a:latin typeface="Consolas" panose="020B0609020204030204" pitchFamily="49" charset="0"/>
-                <a:sym typeface="Consolas"/>
-              </a:rPr>
-              <a:t>power-automate-office-scripts.xlsx</a:t>
-            </a:r>
-            <a:r>
-              <a:rPr lang="en-US" sz="3600" dirty="0">
-                <a:solidFill>
-                  <a:srgbClr val="C00000"/>
-                </a:solidFill>
-                <a:latin typeface="Pragmatica" panose="020B0403040502020204"/>
-                <a:sym typeface="Consolas"/>
-              </a:rPr>
-              <a:t>, </a:t>
-            </a:r>
-            <a:r>
-              <a:rPr lang="en-US" sz="3600" dirty="0">
-                <a:solidFill>
-                  <a:srgbClr val="C00000"/>
-                </a:solidFill>
-                <a:latin typeface="Consolas" panose="020B0609020204030204" pitchFamily="49" charset="0"/>
-                <a:sym typeface="Consolas"/>
-              </a:rPr>
-              <a:t>add-toc.txt</a:t>
-            </a:r>
-          </a:p>
-          <a:p>
-            <a:pPr marL="714375" indent="-571500">
-              <a:lnSpc>
-                <a:spcPct val="115000"/>
-              </a:lnSpc>
-              <a:spcBef>
-                <a:spcPts val="1125"/>
-              </a:spcBef>
-              <a:buClr>
-                <a:srgbClr val="C00000"/>
-              </a:buClr>
-              <a:buSzPts val="2100"/>
-              <a:buFont typeface="Arial" panose="020B0604020202020204" pitchFamily="34" charset="0"/>
-              <a:buChar char="•"/>
-            </a:pPr>
-            <a:r>
-              <a:rPr lang="en-US" sz="3600" dirty="0">
-                <a:solidFill>
-                  <a:srgbClr val="C00000"/>
-                </a:solidFill>
-                <a:latin typeface="Pragmatica" panose="020B0403040502020204"/>
-                <a:sym typeface="Consolas"/>
-              </a:rPr>
-              <a:t>Resource: </a:t>
-            </a:r>
-            <a:r>
-              <a:rPr lang="en-US" sz="3600" dirty="0">
-                <a:solidFill>
-                  <a:srgbClr val="CF3338"/>
-                </a:solidFill>
-                <a:latin typeface="Pragmatica" panose="020B0403040502020204"/>
-                <a:sym typeface="Consolas"/>
-              </a:rPr>
-              <a:t>https://stringfestanalytics.com/how-to-get-started-with-power-automate-for-excel/</a:t>
-            </a:r>
-            <a:endParaRPr lang="en-US" sz="6000" dirty="0">
-              <a:solidFill>
-                <a:srgbClr val="CF3338"/>
-              </a:solidFill>
-              <a:latin typeface="Pragmatica" panose="020B0403040502020204" pitchFamily="34" charset="0"/>
-            </a:endParaRPr>
-          </a:p>
-        </p:txBody>
-      </p:sp>
-    </p:spTree>
-    <p:extLst>
-      <p:ext uri="{BB962C8B-B14F-4D97-AF65-F5344CB8AC3E}">
-        <p14:creationId xmlns:p14="http://schemas.microsoft.com/office/powerpoint/2010/main" val="2210277007"/>
-      </p:ext>
-    </p:extLst>
-  </p:cSld>
-  <p:clrMapOvr>
-    <a:masterClrMapping/>
-  </p:clrMapOvr>
-</p:sld>
-</file>
-
-<file path=ppt/slides/slide17.xml><?xml version="1.0" encoding="utf-8"?>
-<p:sld xmlns:a="http://schemas.openxmlformats.org/drawingml/2006/main" xmlns:r="http://schemas.openxmlformats.org/officeDocument/2006/relationships" xmlns:p="http://schemas.openxmlformats.org/presentationml/2006/main">
-  <p:cSld>
-    <p:spTree>
-      <p:nvGrpSpPr>
-        <p:cNvPr id="1" name="">
-          <a:extLst>
-            <a:ext uri="{FF2B5EF4-FFF2-40B4-BE49-F238E27FC236}">
-              <a16:creationId xmlns:a16="http://schemas.microsoft.com/office/drawing/2014/main" id="{764F59BA-0C2F-2749-8CB4-7E6DE8743692}"/>
-            </a:ext>
-          </a:extLst>
-        </p:cNvPr>
-        <p:cNvGrpSpPr/>
-        <p:nvPr/>
-      </p:nvGrpSpPr>
-      <p:grpSpPr>
-        <a:xfrm>
-          <a:off x="0" y="0"/>
-          <a:ext cx="0" cy="0"/>
-          <a:chOff x="0" y="0"/>
-          <a:chExt cx="0" cy="0"/>
-        </a:xfrm>
-      </p:grpSpPr>
-      <p:sp>
-        <p:nvSpPr>
-          <p:cNvPr id="4" name="Rectangle 3">
-            <a:extLst>
-              <a:ext uri="{FF2B5EF4-FFF2-40B4-BE49-F238E27FC236}">
-                <a16:creationId xmlns:a16="http://schemas.microsoft.com/office/drawing/2014/main" id="{B454C4F1-8816-5B7C-5A36-487DF1D2DC2B}"/>
-              </a:ext>
-            </a:extLst>
-          </p:cNvPr>
-          <p:cNvSpPr/>
-          <p:nvPr/>
-        </p:nvSpPr>
-        <p:spPr>
-          <a:xfrm>
-            <a:off x="9861630" y="0"/>
-            <a:ext cx="8426370" cy="10287000"/>
-          </a:xfrm>
-          <a:prstGeom prst="rect">
-            <a:avLst/>
-          </a:prstGeom>
-          <a:solidFill>
-            <a:srgbClr val="CF3338"/>
-          </a:solidFill>
-          <a:ln>
-            <a:noFill/>
-          </a:ln>
-        </p:spPr>
-        <p:style>
-          <a:lnRef idx="2">
-            <a:schemeClr val="accent1">
-              <a:shade val="50000"/>
-            </a:schemeClr>
-          </a:lnRef>
-          <a:fillRef idx="1">
-            <a:schemeClr val="accent1"/>
-          </a:fillRef>
-          <a:effectRef idx="0">
-            <a:schemeClr val="accent1"/>
-          </a:effectRef>
-          <a:fontRef idx="minor">
-            <a:schemeClr val="lt1"/>
-          </a:fontRef>
-        </p:style>
-        <p:txBody>
-          <a:bodyPr rtlCol="0" anchor="ctr"/>
-          <a:lstStyle/>
-          <a:p>
-            <a:pPr algn="ctr"/>
-            <a:endParaRPr lang="en-US" sz="2700"/>
-          </a:p>
-        </p:txBody>
-      </p:sp>
-      <p:pic>
-        <p:nvPicPr>
-          <p:cNvPr id="2" name="Picture 1">
-            <a:extLst>
-              <a:ext uri="{FF2B5EF4-FFF2-40B4-BE49-F238E27FC236}">
-                <a16:creationId xmlns:a16="http://schemas.microsoft.com/office/drawing/2014/main" id="{8FD33BFB-92A5-B8BE-BE2A-90100EC88BE0}"/>
-              </a:ext>
-            </a:extLst>
-          </p:cNvPr>
-          <p:cNvPicPr>
-            <a:picLocks noChangeAspect="1"/>
-          </p:cNvPicPr>
-          <p:nvPr/>
-        </p:nvPicPr>
-        <p:blipFill rotWithShape="1">
-          <a:blip r:embed="rId3">
-            <a:extLst>
-              <a:ext uri="{28A0092B-C50C-407E-A947-70E740481C1C}">
-                <a14:useLocalDpi xmlns:a14="http://schemas.microsoft.com/office/drawing/2010/main" val="0"/>
-              </a:ext>
-            </a:extLst>
-          </a:blip>
-          <a:srcRect l="69227" t="33418" r="20112" b="50548"/>
-          <a:stretch/>
-        </p:blipFill>
-        <p:spPr>
-          <a:xfrm>
-            <a:off x="15579524" y="7544693"/>
-            <a:ext cx="2708477" cy="2987579"/>
-          </a:xfrm>
-          <a:prstGeom prst="rect">
-            <a:avLst/>
-          </a:prstGeom>
-        </p:spPr>
-      </p:pic>
-      <p:sp>
-        <p:nvSpPr>
-          <p:cNvPr id="3" name="TextBox 2">
-            <a:extLst>
-              <a:ext uri="{FF2B5EF4-FFF2-40B4-BE49-F238E27FC236}">
-                <a16:creationId xmlns:a16="http://schemas.microsoft.com/office/drawing/2014/main" id="{DB60F8A7-E120-24F7-0163-56AAE5565745}"/>
-              </a:ext>
-            </a:extLst>
-          </p:cNvPr>
-          <p:cNvSpPr txBox="1"/>
-          <p:nvPr/>
-        </p:nvSpPr>
-        <p:spPr>
-          <a:xfrm>
-            <a:off x="260431" y="329879"/>
-            <a:ext cx="8906720" cy="9084090"/>
-          </a:xfrm>
-          <a:prstGeom prst="rect">
-            <a:avLst/>
-          </a:prstGeom>
-          <a:noFill/>
-        </p:spPr>
-        <p:txBody>
-          <a:bodyPr wrap="square" rtlCol="0">
-            <a:spAutoFit/>
-          </a:bodyPr>
-          <a:lstStyle/>
-          <a:p>
-            <a:r>
-              <a:rPr lang="en-US" sz="6000" b="1" dirty="0">
-                <a:solidFill>
-                  <a:srgbClr val="CF3338"/>
-                </a:solidFill>
-                <a:latin typeface="Pragmatica" panose="020B0403040502020204" pitchFamily="34" charset="0"/>
-              </a:rPr>
-              <a:t>Office Scripts + Power Automate, part 2</a:t>
-            </a:r>
-          </a:p>
-          <a:p>
-            <a:pPr marL="142875">
-              <a:lnSpc>
-                <a:spcPct val="115000"/>
-              </a:lnSpc>
-              <a:spcBef>
-                <a:spcPts val="1125"/>
-              </a:spcBef>
-              <a:buClr>
-                <a:srgbClr val="C00000"/>
-              </a:buClr>
-              <a:buSzPts val="2100"/>
-            </a:pPr>
-            <a:endParaRPr lang="en-US" sz="4200" dirty="0">
-              <a:solidFill>
-                <a:srgbClr val="CF3338"/>
-              </a:solidFill>
-              <a:latin typeface="Pragmatica" panose="020B0403040502020204" pitchFamily="34" charset="0"/>
-              <a:sym typeface="Consolas"/>
-            </a:endParaRPr>
-          </a:p>
-          <a:p>
-            <a:pPr marL="714375" indent="-571500">
-              <a:lnSpc>
-                <a:spcPct val="115000"/>
-              </a:lnSpc>
-              <a:spcBef>
-                <a:spcPts val="1125"/>
-              </a:spcBef>
-              <a:buClr>
-                <a:srgbClr val="C00000"/>
-              </a:buClr>
-              <a:buSzPts val="2100"/>
-              <a:buFont typeface="Arial" panose="020B0604020202020204" pitchFamily="34" charset="0"/>
-              <a:buChar char="•"/>
-            </a:pPr>
-            <a:r>
-              <a:rPr lang="en-US" sz="3600" dirty="0">
-                <a:solidFill>
-                  <a:srgbClr val="C00000"/>
-                </a:solidFill>
-                <a:latin typeface="Pragmatica" panose="020B0403040502020204"/>
-                <a:sym typeface="Consolas"/>
-              </a:rPr>
-              <a:t>How can we apply the same script to multiple workbooks? </a:t>
-            </a:r>
-          </a:p>
-          <a:p>
-            <a:pPr marL="714375" indent="-571500">
-              <a:lnSpc>
-                <a:spcPct val="115000"/>
-              </a:lnSpc>
-              <a:spcBef>
-                <a:spcPts val="1125"/>
-              </a:spcBef>
-              <a:buClr>
-                <a:srgbClr val="C00000"/>
-              </a:buClr>
-              <a:buSzPts val="2100"/>
-              <a:buFont typeface="Arial" panose="020B0604020202020204" pitchFamily="34" charset="0"/>
-              <a:buChar char="•"/>
-            </a:pPr>
-            <a:r>
-              <a:rPr lang="en-US" sz="3600" dirty="0">
-                <a:solidFill>
-                  <a:srgbClr val="C00000"/>
-                </a:solidFill>
-                <a:latin typeface="Pragmatica" panose="020B0403040502020204"/>
-                <a:sym typeface="Consolas"/>
-              </a:rPr>
-              <a:t>Use conditional logic to validate filetype</a:t>
-            </a:r>
-          </a:p>
-          <a:p>
-            <a:pPr marL="714375" indent="-571500">
-              <a:lnSpc>
-                <a:spcPct val="115000"/>
-              </a:lnSpc>
-              <a:spcBef>
-                <a:spcPts val="1125"/>
-              </a:spcBef>
-              <a:buClr>
-                <a:srgbClr val="C00000"/>
-              </a:buClr>
-              <a:buSzPts val="2100"/>
-              <a:buFont typeface="Arial" panose="020B0604020202020204" pitchFamily="34" charset="0"/>
-              <a:buChar char="•"/>
-            </a:pPr>
-            <a:r>
-              <a:rPr lang="en-US" sz="3600" dirty="0">
-                <a:solidFill>
-                  <a:srgbClr val="C00000"/>
-                </a:solidFill>
-                <a:latin typeface="Pragmatica" panose="020B0403040502020204"/>
-                <a:sym typeface="Consolas"/>
-              </a:rPr>
-              <a:t>Folder: </a:t>
-            </a:r>
-            <a:r>
-              <a:rPr lang="en-US" sz="3600" dirty="0">
-                <a:solidFill>
-                  <a:srgbClr val="C00000"/>
-                </a:solidFill>
-                <a:latin typeface="Consolas" panose="020B0609020204030204" pitchFamily="49" charset="0"/>
-                <a:sym typeface="Consolas"/>
-              </a:rPr>
-              <a:t>multiple-workbooks</a:t>
-            </a:r>
-          </a:p>
-          <a:p>
-            <a:pPr marL="714375" indent="-571500">
-              <a:lnSpc>
-                <a:spcPct val="115000"/>
-              </a:lnSpc>
-              <a:spcBef>
-                <a:spcPts val="1125"/>
-              </a:spcBef>
-              <a:buClr>
-                <a:srgbClr val="C00000"/>
-              </a:buClr>
-              <a:buSzPts val="2100"/>
-              <a:buFont typeface="Arial" panose="020B0604020202020204" pitchFamily="34" charset="0"/>
-              <a:buChar char="•"/>
-            </a:pPr>
-            <a:r>
-              <a:rPr lang="en-US" sz="3600" dirty="0">
-                <a:solidFill>
-                  <a:srgbClr val="C00000"/>
-                </a:solidFill>
-                <a:latin typeface="Pragmatica" panose="020B0403040502020204"/>
-                <a:sym typeface="Consolas"/>
-              </a:rPr>
-              <a:t>Resource: </a:t>
-            </a:r>
-            <a:r>
-              <a:rPr lang="en-US" sz="3600" dirty="0">
-                <a:solidFill>
-                  <a:srgbClr val="CF3338"/>
-                </a:solidFill>
-                <a:latin typeface="Pragmatica" panose="020B0403040502020204"/>
-                <a:sym typeface="Consolas"/>
-              </a:rPr>
-              <a:t>https://stringfestanalytics.com/how-to-run-an-office-script-on-all-excel-workbooks-in-a-folder-with-power-automate/</a:t>
-            </a:r>
-            <a:endParaRPr lang="en-US" sz="6000" dirty="0">
-              <a:solidFill>
-                <a:srgbClr val="CF3338"/>
-              </a:solidFill>
-              <a:latin typeface="Pragmatica" panose="020B0403040502020204" pitchFamily="34" charset="0"/>
-            </a:endParaRPr>
-          </a:p>
-        </p:txBody>
-      </p:sp>
-    </p:spTree>
-    <p:extLst>
-      <p:ext uri="{BB962C8B-B14F-4D97-AF65-F5344CB8AC3E}">
-        <p14:creationId xmlns:p14="http://schemas.microsoft.com/office/powerpoint/2010/main" val="1406664540"/>
-      </p:ext>
-    </p:extLst>
-  </p:cSld>
-  <p:clrMapOvr>
-    <a:masterClrMapping/>
-  </p:clrMapOvr>
-</p:sld>
-</file>
-
-<file path=ppt/slides/slide18.xml><?xml version="1.0" encoding="utf-8"?>
-<p:sld xmlns:a="http://schemas.openxmlformats.org/drawingml/2006/main" xmlns:r="http://schemas.openxmlformats.org/officeDocument/2006/relationships" xmlns:p="http://schemas.openxmlformats.org/presentationml/2006/main">
-  <p:cSld>
-    <p:spTree>
-      <p:nvGrpSpPr>
-        <p:cNvPr id="1" name="">
-          <a:extLst>
-            <a:ext uri="{FF2B5EF4-FFF2-40B4-BE49-F238E27FC236}">
-              <a16:creationId xmlns:a16="http://schemas.microsoft.com/office/drawing/2014/main" id="{2DCE2D92-E493-1DD9-72E6-ACC94BA7AFC9}"/>
-            </a:ext>
-          </a:extLst>
-        </p:cNvPr>
-        <p:cNvGrpSpPr/>
-        <p:nvPr/>
-      </p:nvGrpSpPr>
-      <p:grpSpPr>
-        <a:xfrm>
-          <a:off x="0" y="0"/>
-          <a:ext cx="0" cy="0"/>
-          <a:chOff x="0" y="0"/>
-          <a:chExt cx="0" cy="0"/>
-        </a:xfrm>
-      </p:grpSpPr>
-      <p:sp>
-        <p:nvSpPr>
-          <p:cNvPr id="4" name="Rectangle 3">
-            <a:extLst>
-              <a:ext uri="{FF2B5EF4-FFF2-40B4-BE49-F238E27FC236}">
-                <a16:creationId xmlns:a16="http://schemas.microsoft.com/office/drawing/2014/main" id="{E06F4AE9-80A1-26DB-FCA0-2CF02A251A93}"/>
-              </a:ext>
-            </a:extLst>
-          </p:cNvPr>
-          <p:cNvSpPr/>
-          <p:nvPr/>
-        </p:nvSpPr>
-        <p:spPr>
-          <a:xfrm>
-            <a:off x="12954000" y="0"/>
-            <a:ext cx="5334000" cy="10287000"/>
-          </a:xfrm>
-          <a:prstGeom prst="rect">
-            <a:avLst/>
-          </a:prstGeom>
-          <a:solidFill>
-            <a:srgbClr val="CF3338"/>
-          </a:solidFill>
-          <a:ln>
-            <a:noFill/>
-          </a:ln>
-        </p:spPr>
-        <p:style>
-          <a:lnRef idx="2">
-            <a:schemeClr val="accent1">
-              <a:shade val="50000"/>
-            </a:schemeClr>
-          </a:lnRef>
-          <a:fillRef idx="1">
-            <a:schemeClr val="accent1"/>
-          </a:fillRef>
-          <a:effectRef idx="0">
-            <a:schemeClr val="accent1"/>
-          </a:effectRef>
-          <a:fontRef idx="minor">
-            <a:schemeClr val="lt1"/>
-          </a:fontRef>
-        </p:style>
-        <p:txBody>
-          <a:bodyPr rtlCol="0" anchor="ctr"/>
-          <a:lstStyle/>
-          <a:p>
-            <a:pPr algn="ctr"/>
-            <a:endParaRPr lang="en-US" sz="2700"/>
-          </a:p>
-        </p:txBody>
-      </p:sp>
-      <p:pic>
-        <p:nvPicPr>
-          <p:cNvPr id="2" name="Picture 1">
-            <a:extLst>
-              <a:ext uri="{FF2B5EF4-FFF2-40B4-BE49-F238E27FC236}">
-                <a16:creationId xmlns:a16="http://schemas.microsoft.com/office/drawing/2014/main" id="{DD359C3C-F6DC-89F1-C2E6-400CCA8A1637}"/>
-              </a:ext>
-            </a:extLst>
-          </p:cNvPr>
-          <p:cNvPicPr>
-            <a:picLocks noChangeAspect="1"/>
-          </p:cNvPicPr>
-          <p:nvPr/>
-        </p:nvPicPr>
-        <p:blipFill rotWithShape="1">
-          <a:blip r:embed="rId3">
-            <a:extLst>
-              <a:ext uri="{28A0092B-C50C-407E-A947-70E740481C1C}">
-                <a14:useLocalDpi xmlns:a14="http://schemas.microsoft.com/office/drawing/2010/main" val="0"/>
-              </a:ext>
-            </a:extLst>
-          </a:blip>
-          <a:srcRect l="69227" t="33418" r="20112" b="50548"/>
-          <a:stretch/>
-        </p:blipFill>
-        <p:spPr>
-          <a:xfrm>
-            <a:off x="15579524" y="7544693"/>
-            <a:ext cx="2708477" cy="2987579"/>
-          </a:xfrm>
-          <a:prstGeom prst="rect">
-            <a:avLst/>
-          </a:prstGeom>
-        </p:spPr>
-      </p:pic>
-      <p:sp>
-        <p:nvSpPr>
-          <p:cNvPr id="3" name="TextBox 2">
-            <a:extLst>
-              <a:ext uri="{FF2B5EF4-FFF2-40B4-BE49-F238E27FC236}">
-                <a16:creationId xmlns:a16="http://schemas.microsoft.com/office/drawing/2014/main" id="{D5B0DBF2-77D4-A760-CF57-E60E6CB7A501}"/>
-              </a:ext>
-            </a:extLst>
-          </p:cNvPr>
-          <p:cNvSpPr txBox="1"/>
-          <p:nvPr/>
-        </p:nvSpPr>
-        <p:spPr>
-          <a:xfrm>
-            <a:off x="260430" y="329879"/>
-            <a:ext cx="12464969" cy="5505482"/>
-          </a:xfrm>
-          <a:prstGeom prst="rect">
-            <a:avLst/>
-          </a:prstGeom>
-          <a:noFill/>
-        </p:spPr>
-        <p:txBody>
-          <a:bodyPr wrap="square" rtlCol="0">
-            <a:spAutoFit/>
-          </a:bodyPr>
-          <a:lstStyle/>
-          <a:p>
-            <a:r>
-              <a:rPr lang="en-US" sz="6000" b="1" dirty="0">
-                <a:solidFill>
-                  <a:srgbClr val="CF3338"/>
-                </a:solidFill>
-                <a:latin typeface="Pragmatica" panose="020B0403040502020204" pitchFamily="34" charset="0"/>
-              </a:rPr>
-              <a:t>Exercises</a:t>
-            </a:r>
-          </a:p>
-          <a:p>
-            <a:pPr marL="714375" indent="-571500">
-              <a:lnSpc>
-                <a:spcPct val="115000"/>
-              </a:lnSpc>
-              <a:spcBef>
-                <a:spcPts val="1125"/>
-              </a:spcBef>
-              <a:buClr>
-                <a:srgbClr val="C00000"/>
-              </a:buClr>
-              <a:buSzPts val="2100"/>
-              <a:buFont typeface="Arial" panose="020B0604020202020204" pitchFamily="34" charset="0"/>
-              <a:buChar char="•"/>
-            </a:pPr>
-            <a:r>
-              <a:rPr lang="en-US" sz="3600" dirty="0">
-                <a:solidFill>
-                  <a:srgbClr val="C00000"/>
-                </a:solidFill>
-                <a:latin typeface="Pragmatica" panose="020B0403040502020204"/>
-                <a:sym typeface="Consolas"/>
-              </a:rPr>
-              <a:t>Folder: </a:t>
-            </a:r>
-            <a:r>
-              <a:rPr lang="en-US" sz="3600" dirty="0">
-                <a:solidFill>
-                  <a:srgbClr val="C00000"/>
-                </a:solidFill>
-                <a:latin typeface="Consolas" panose="020B0609020204030204" pitchFamily="49" charset="0"/>
-                <a:sym typeface="Consolas"/>
-              </a:rPr>
-              <a:t>02-challenge</a:t>
-            </a:r>
-          </a:p>
-          <a:p>
-            <a:pPr marL="714375" indent="-571500">
-              <a:lnSpc>
-                <a:spcPct val="115000"/>
-              </a:lnSpc>
-              <a:spcBef>
-                <a:spcPts val="1125"/>
-              </a:spcBef>
-              <a:buClr>
-                <a:srgbClr val="C00000"/>
-              </a:buClr>
-              <a:buSzPts val="2100"/>
-              <a:buFont typeface="Arial" panose="020B0604020202020204" pitchFamily="34" charset="0"/>
-              <a:buChar char="•"/>
-            </a:pPr>
-            <a:r>
-              <a:rPr lang="en-US" sz="3600" dirty="0">
-                <a:solidFill>
-                  <a:srgbClr val="C00000"/>
-                </a:solidFill>
-                <a:latin typeface="Pragmatica" panose="020B0403040502020204"/>
-                <a:sym typeface="Consolas"/>
-              </a:rPr>
-              <a:t>Task: Create a log in </a:t>
-            </a:r>
-            <a:r>
-              <a:rPr lang="en-US" sz="3600" dirty="0">
-                <a:solidFill>
-                  <a:srgbClr val="C00000"/>
-                </a:solidFill>
-                <a:latin typeface="Consolas" panose="020B0609020204030204" pitchFamily="49" charset="0"/>
-                <a:sym typeface="Consolas"/>
-              </a:rPr>
-              <a:t>file-log.xlsx</a:t>
-            </a:r>
-            <a:r>
-              <a:rPr lang="en-US" sz="3600" dirty="0">
-                <a:solidFill>
-                  <a:srgbClr val="C00000"/>
-                </a:solidFill>
-                <a:latin typeface="Pragmatica" panose="020B0403040502020204"/>
-                <a:sym typeface="Consolas"/>
-              </a:rPr>
-              <a:t> every time a workbook is uploaded to incoming-files folder</a:t>
-            </a:r>
-          </a:p>
-          <a:p>
-            <a:pPr marL="1171575" lvl="1" indent="-571500">
-              <a:lnSpc>
-                <a:spcPct val="115000"/>
-              </a:lnSpc>
-              <a:spcBef>
-                <a:spcPts val="1125"/>
-              </a:spcBef>
-              <a:buClr>
-                <a:srgbClr val="C00000"/>
-              </a:buClr>
-              <a:buSzPts val="2100"/>
-              <a:buFont typeface="Arial" panose="020B0604020202020204" pitchFamily="34" charset="0"/>
-              <a:buChar char="•"/>
-            </a:pPr>
-            <a:r>
-              <a:rPr lang="en-US" sz="3600" dirty="0">
-                <a:solidFill>
-                  <a:srgbClr val="C00000"/>
-                </a:solidFill>
-                <a:latin typeface="Pragmatica" panose="020B0403040502020204"/>
-                <a:sym typeface="Consolas"/>
-              </a:rPr>
-              <a:t>Trigger: When a file is created (properties only)</a:t>
-            </a:r>
-          </a:p>
-          <a:p>
-            <a:pPr marL="1171575" lvl="1" indent="-571500">
-              <a:lnSpc>
-                <a:spcPct val="115000"/>
-              </a:lnSpc>
-              <a:spcBef>
-                <a:spcPts val="1125"/>
-              </a:spcBef>
-              <a:buClr>
-                <a:srgbClr val="C00000"/>
-              </a:buClr>
-              <a:buSzPts val="2100"/>
-              <a:buFont typeface="Arial" panose="020B0604020202020204" pitchFamily="34" charset="0"/>
-              <a:buChar char="•"/>
-            </a:pPr>
-            <a:r>
-              <a:rPr lang="en-US" sz="3600" dirty="0">
-                <a:solidFill>
-                  <a:srgbClr val="C00000"/>
-                </a:solidFill>
-                <a:latin typeface="Pragmatica" panose="020B0403040502020204"/>
-                <a:sym typeface="Consolas"/>
-              </a:rPr>
-              <a:t>Use conditional logic for file type</a:t>
-            </a:r>
-          </a:p>
-          <a:p>
-            <a:pPr marL="1171575" lvl="1" indent="-571500">
-              <a:lnSpc>
-                <a:spcPct val="115000"/>
-              </a:lnSpc>
-              <a:spcBef>
-                <a:spcPts val="1125"/>
-              </a:spcBef>
-              <a:buClr>
-                <a:srgbClr val="C00000"/>
-              </a:buClr>
-              <a:buSzPts val="2100"/>
-              <a:buFont typeface="Arial" panose="020B0604020202020204" pitchFamily="34" charset="0"/>
-              <a:buChar char="•"/>
-            </a:pPr>
-            <a:r>
-              <a:rPr lang="en-US" sz="3600" dirty="0">
-                <a:solidFill>
-                  <a:srgbClr val="C00000"/>
-                </a:solidFill>
-                <a:latin typeface="Pragmatica" panose="020B0403040502020204"/>
-                <a:sym typeface="Consolas"/>
-              </a:rPr>
-              <a:t>Consider using Power </a:t>
-            </a:r>
-            <a:r>
-              <a:rPr lang="en-US" sz="3600" dirty="0" err="1">
-                <a:solidFill>
-                  <a:srgbClr val="C00000"/>
-                </a:solidFill>
-                <a:latin typeface="Pragmatica" panose="020B0403040502020204"/>
-                <a:sym typeface="Consolas"/>
-              </a:rPr>
-              <a:t>Fx</a:t>
-            </a:r>
-            <a:r>
-              <a:rPr lang="en-US" sz="3600" dirty="0">
-                <a:solidFill>
-                  <a:srgbClr val="C00000"/>
-                </a:solidFill>
-                <a:latin typeface="Pragmatica" panose="020B0403040502020204"/>
-                <a:sym typeface="Consolas"/>
-              </a:rPr>
-              <a:t> to format </a:t>
-            </a:r>
-            <a:r>
-              <a:rPr lang="en-US" sz="3600">
-                <a:solidFill>
-                  <a:srgbClr val="C00000"/>
-                </a:solidFill>
-                <a:latin typeface="Pragmatica" panose="020B0403040502020204"/>
-                <a:sym typeface="Consolas"/>
-              </a:rPr>
-              <a:t>upload date</a:t>
-            </a:r>
-            <a:endParaRPr lang="en-US" sz="3600" dirty="0">
-              <a:solidFill>
-                <a:srgbClr val="C00000"/>
-              </a:solidFill>
-              <a:latin typeface="Consolas" panose="020B0609020204030204" pitchFamily="49" charset="0"/>
-              <a:sym typeface="Consolas"/>
-            </a:endParaRPr>
-          </a:p>
-        </p:txBody>
-      </p:sp>
-    </p:spTree>
-    <p:extLst>
-      <p:ext uri="{BB962C8B-B14F-4D97-AF65-F5344CB8AC3E}">
-        <p14:creationId xmlns:p14="http://schemas.microsoft.com/office/powerpoint/2010/main" val="3469289285"/>
-      </p:ext>
-    </p:extLst>
-  </p:cSld>
-  <p:clrMapOvr>
-    <a:masterClrMapping/>
-  </p:clrMapOvr>
-</p:sld>
-</file>
-
-<file path=ppt/slides/slide19.xml><?xml version="1.0" encoding="utf-8"?>
-<p:sld xmlns:a="http://schemas.openxmlformats.org/drawingml/2006/main" xmlns:r="http://schemas.openxmlformats.org/officeDocument/2006/relationships" xmlns:p="http://schemas.openxmlformats.org/presentationml/2006/main">
-  <p:cSld>
-    <p:spTree>
-      <p:nvGrpSpPr>
-        <p:cNvPr id="1" name=""/>
-        <p:cNvGrpSpPr/>
-        <p:nvPr/>
-      </p:nvGrpSpPr>
-      <p:grpSpPr>
-        <a:xfrm>
-          <a:off x="0" y="0"/>
-          <a:ext cx="0" cy="0"/>
-          <a:chOff x="0" y="0"/>
-          <a:chExt cx="0" cy="0"/>
-        </a:xfrm>
-      </p:grpSpPr>
-      <p:sp>
-        <p:nvSpPr>
-          <p:cNvPr id="4" name="Rectangle 3"/>
-          <p:cNvSpPr/>
-          <p:nvPr/>
-        </p:nvSpPr>
-        <p:spPr>
-          <a:xfrm>
-            <a:off x="0" y="0"/>
-            <a:ext cx="18288000" cy="10287000"/>
-          </a:xfrm>
-          <a:prstGeom prst="rect">
-            <a:avLst/>
-          </a:prstGeom>
-          <a:solidFill>
-            <a:srgbClr val="CF3338"/>
-          </a:solidFill>
-          <a:ln>
-            <a:noFill/>
-          </a:ln>
-        </p:spPr>
-        <p:style>
-          <a:lnRef idx="2">
-            <a:schemeClr val="accent1">
-              <a:shade val="50000"/>
-            </a:schemeClr>
-          </a:lnRef>
-          <a:fillRef idx="1">
-            <a:schemeClr val="accent1"/>
-          </a:fillRef>
-          <a:effectRef idx="0">
-            <a:schemeClr val="accent1"/>
-          </a:effectRef>
-          <a:fontRef idx="minor">
-            <a:schemeClr val="lt1"/>
-          </a:fontRef>
-        </p:style>
-        <p:txBody>
-          <a:bodyPr rtlCol="0" anchor="ctr"/>
-          <a:lstStyle/>
-          <a:p>
-            <a:pPr algn="ctr"/>
-            <a:endParaRPr lang="en-US" sz="2700"/>
-          </a:p>
-        </p:txBody>
-      </p:sp>
-      <p:sp>
-        <p:nvSpPr>
-          <p:cNvPr id="5" name="TextBox 4"/>
-          <p:cNvSpPr txBox="1"/>
-          <p:nvPr/>
-        </p:nvSpPr>
-        <p:spPr>
-          <a:xfrm>
-            <a:off x="781292" y="590309"/>
-            <a:ext cx="15486926" cy="3139321"/>
-          </a:xfrm>
-          <a:prstGeom prst="rect">
-            <a:avLst/>
-          </a:prstGeom>
-          <a:noFill/>
-        </p:spPr>
-        <p:txBody>
-          <a:bodyPr wrap="square" rtlCol="0">
-            <a:spAutoFit/>
-          </a:bodyPr>
-          <a:lstStyle/>
-          <a:p>
-            <a:r>
-              <a:rPr lang="en-US" sz="9900" b="1" dirty="0">
-                <a:solidFill>
-                  <a:schemeClr val="bg1"/>
-                </a:solidFill>
-                <a:latin typeface="Normafixed Tryout" panose="00000409000000000000" pitchFamily="49" charset="0"/>
-              </a:rPr>
-              <a:t>Advanced Flow Configuration</a:t>
-            </a:r>
-          </a:p>
-        </p:txBody>
-      </p:sp>
-    </p:spTree>
-    <p:extLst>
-      <p:ext uri="{BB962C8B-B14F-4D97-AF65-F5344CB8AC3E}">
-        <p14:creationId xmlns:p14="http://schemas.microsoft.com/office/powerpoint/2010/main" val="2491588467"/>
-      </p:ext>
-    </p:extLst>
-  </p:cSld>
-  <p:clrMapOvr>
-    <a:masterClrMapping/>
-  </p:clrMapOvr>
-</p:sld>
-</file>
-
-<file path=ppt/slides/slide2.xml><?xml version="1.0" encoding="utf-8"?>
-<p:sld xmlns:a="http://schemas.openxmlformats.org/drawingml/2006/main" xmlns:r="http://schemas.openxmlformats.org/officeDocument/2006/relationships" xmlns:p="http://schemas.openxmlformats.org/presentationml/2006/main">
-  <p:cSld>
-    <p:spTree>
-      <p:nvGrpSpPr>
-        <p:cNvPr id="1" name=""/>
-        <p:cNvGrpSpPr/>
-        <p:nvPr/>
-      </p:nvGrpSpPr>
-      <p:grpSpPr>
-        <a:xfrm>
-          <a:off x="0" y="0"/>
-          <a:ext cx="0" cy="0"/>
-          <a:chOff x="0" y="0"/>
-          <a:chExt cx="0" cy="0"/>
-        </a:xfrm>
-      </p:grpSpPr>
-      <p:sp>
-        <p:nvSpPr>
-          <p:cNvPr id="4" name="Rectangle 3"/>
-          <p:cNvSpPr/>
-          <p:nvPr/>
-        </p:nvSpPr>
-        <p:spPr>
-          <a:xfrm>
-            <a:off x="0" y="0"/>
-            <a:ext cx="18288000" cy="10287000"/>
-          </a:xfrm>
-          <a:prstGeom prst="rect">
-            <a:avLst/>
-          </a:prstGeom>
-          <a:solidFill>
-            <a:srgbClr val="CF3338"/>
-          </a:solidFill>
-          <a:ln>
-            <a:noFill/>
-          </a:ln>
-        </p:spPr>
-        <p:style>
-          <a:lnRef idx="2">
-            <a:schemeClr val="accent1">
-              <a:shade val="50000"/>
-            </a:schemeClr>
-          </a:lnRef>
-          <a:fillRef idx="1">
-            <a:schemeClr val="accent1"/>
-          </a:fillRef>
-          <a:effectRef idx="0">
-            <a:schemeClr val="accent1"/>
-          </a:effectRef>
-          <a:fontRef idx="minor">
-            <a:schemeClr val="lt1"/>
-          </a:fontRef>
-        </p:style>
-        <p:txBody>
-          <a:bodyPr rtlCol="0" anchor="ctr"/>
-          <a:lstStyle/>
-          <a:p>
-            <a:pPr algn="ctr"/>
-            <a:endParaRPr lang="en-US" sz="2700"/>
-          </a:p>
-        </p:txBody>
-      </p:sp>
-      <p:sp>
-        <p:nvSpPr>
-          <p:cNvPr id="5" name="TextBox 4"/>
-          <p:cNvSpPr txBox="1"/>
-          <p:nvPr/>
-        </p:nvSpPr>
-        <p:spPr>
-          <a:xfrm>
-            <a:off x="781292" y="590309"/>
-            <a:ext cx="15486926" cy="1615827"/>
-          </a:xfrm>
-          <a:prstGeom prst="rect">
-            <a:avLst/>
-          </a:prstGeom>
-          <a:noFill/>
-        </p:spPr>
-        <p:txBody>
-          <a:bodyPr wrap="square" rtlCol="0">
-            <a:spAutoFit/>
-          </a:bodyPr>
-          <a:lstStyle/>
-          <a:p>
-            <a:r>
-              <a:rPr lang="en-US" sz="9900" b="1" dirty="0">
-                <a:solidFill>
-                  <a:schemeClr val="bg1"/>
-                </a:solidFill>
-                <a:latin typeface="Normafixed Tryout" panose="00000409000000000000" pitchFamily="49" charset="0"/>
-              </a:rPr>
-              <a:t>Hi, I’m George</a:t>
-            </a:r>
-          </a:p>
-        </p:txBody>
-      </p:sp>
-      <p:pic>
-        <p:nvPicPr>
-          <p:cNvPr id="3" name="Picture 4" descr="Advancing into Analytics Cover Image">
-            <a:extLst>
-              <a:ext uri="{FF2B5EF4-FFF2-40B4-BE49-F238E27FC236}">
-                <a16:creationId xmlns:a16="http://schemas.microsoft.com/office/drawing/2014/main" id="{588F684B-18EF-D76C-5F7B-15E4BAD60643}"/>
-              </a:ext>
-            </a:extLst>
-          </p:cNvPr>
-          <p:cNvPicPr>
-            <a:picLocks noChangeAspect="1" noChangeArrowheads="1"/>
-          </p:cNvPicPr>
-          <p:nvPr/>
-        </p:nvPicPr>
-        <p:blipFill>
-          <a:blip r:embed="rId2" cstate="print">
-            <a:extLst>
-              <a:ext uri="{28A0092B-C50C-407E-A947-70E740481C1C}">
-                <a14:useLocalDpi xmlns:a14="http://schemas.microsoft.com/office/drawing/2010/main" val="0"/>
-              </a:ext>
-            </a:extLst>
-          </a:blip>
-          <a:srcRect/>
-          <a:stretch>
-            <a:fillRect/>
-          </a:stretch>
-        </p:blipFill>
-        <p:spPr bwMode="auto">
-          <a:xfrm>
-            <a:off x="14077075" y="195640"/>
-            <a:ext cx="3130385" cy="4088666"/>
-          </a:xfrm>
-          <a:prstGeom prst="rect">
-            <a:avLst/>
-          </a:prstGeom>
-          <a:noFill/>
-          <a:extLst>
-            <a:ext uri="{909E8E84-426E-40DD-AFC4-6F175D3DCCD1}">
-              <a14:hiddenFill xmlns:a14="http://schemas.microsoft.com/office/drawing/2010/main">
-                <a:solidFill>
-                  <a:srgbClr val="FFFFFF"/>
-                </a:solidFill>
-              </a14:hiddenFill>
-            </a:ext>
-          </a:extLst>
-        </p:spPr>
-      </p:pic>
-      <p:pic>
-        <p:nvPicPr>
-          <p:cNvPr id="6" name="Picture 6" descr="Free photos of Cleveland">
-            <a:extLst>
-              <a:ext uri="{FF2B5EF4-FFF2-40B4-BE49-F238E27FC236}">
-                <a16:creationId xmlns:a16="http://schemas.microsoft.com/office/drawing/2014/main" id="{CBA53EEE-E3E1-D99E-A4DC-1C4DD2E6CE4A}"/>
-              </a:ext>
-            </a:extLst>
-          </p:cNvPr>
-          <p:cNvPicPr>
-            <a:picLocks noChangeAspect="1" noChangeArrowheads="1"/>
-          </p:cNvPicPr>
-          <p:nvPr/>
-        </p:nvPicPr>
-        <p:blipFill>
-          <a:blip r:embed="rId3" cstate="print">
-            <a:extLst>
-              <a:ext uri="{28A0092B-C50C-407E-A947-70E740481C1C}">
-                <a14:useLocalDpi xmlns:a14="http://schemas.microsoft.com/office/drawing/2010/main" val="0"/>
-              </a:ext>
-            </a:extLst>
-          </a:blip>
-          <a:srcRect/>
-          <a:stretch>
-            <a:fillRect/>
-          </a:stretch>
-        </p:blipFill>
-        <p:spPr bwMode="auto">
-          <a:xfrm>
-            <a:off x="1695692" y="2968810"/>
-            <a:ext cx="5535359" cy="3684473"/>
-          </a:xfrm>
-          <a:prstGeom prst="rect">
-            <a:avLst/>
-          </a:prstGeom>
-          <a:noFill/>
-          <a:extLst>
-            <a:ext uri="{909E8E84-426E-40DD-AFC4-6F175D3DCCD1}">
-              <a14:hiddenFill xmlns:a14="http://schemas.microsoft.com/office/drawing/2010/main">
-                <a:solidFill>
-                  <a:srgbClr val="FFFFFF"/>
-                </a:solidFill>
-              </a14:hiddenFill>
-            </a:ext>
-          </a:extLst>
-        </p:spPr>
-      </p:pic>
-      <p:pic>
-        <p:nvPicPr>
-          <p:cNvPr id="8" name="Picture 7" descr="Logo&#10;&#10;Description automatically generated">
-            <a:extLst>
-              <a:ext uri="{FF2B5EF4-FFF2-40B4-BE49-F238E27FC236}">
-                <a16:creationId xmlns:a16="http://schemas.microsoft.com/office/drawing/2014/main" id="{97E0F267-87DF-961E-1FAA-47FD4F27A5C6}"/>
-              </a:ext>
-            </a:extLst>
-          </p:cNvPr>
-          <p:cNvPicPr>
-            <a:picLocks noChangeAspect="1"/>
-          </p:cNvPicPr>
-          <p:nvPr/>
-        </p:nvPicPr>
-        <p:blipFill>
-          <a:blip r:embed="rId4" cstate="print">
-            <a:extLst>
-              <a:ext uri="{28A0092B-C50C-407E-A947-70E740481C1C}">
-                <a14:useLocalDpi xmlns:a14="http://schemas.microsoft.com/office/drawing/2010/main" val="0"/>
-              </a:ext>
-            </a:extLst>
-          </a:blip>
-          <a:stretch>
-            <a:fillRect/>
-          </a:stretch>
-        </p:blipFill>
-        <p:spPr>
-          <a:xfrm>
-            <a:off x="7683691" y="6002696"/>
-            <a:ext cx="7448309" cy="5462681"/>
-          </a:xfrm>
-          <a:prstGeom prst="rect">
-            <a:avLst/>
-          </a:prstGeom>
-        </p:spPr>
-      </p:pic>
-      <p:pic>
-        <p:nvPicPr>
-          <p:cNvPr id="1026" name="Picture 2" descr="Modern data analytics in Excel book cover">
-            <a:extLst>
-              <a:ext uri="{FF2B5EF4-FFF2-40B4-BE49-F238E27FC236}">
-                <a16:creationId xmlns:a16="http://schemas.microsoft.com/office/drawing/2014/main" id="{874ADA5E-A7A7-1D02-C728-513187DE1EF9}"/>
-              </a:ext>
-            </a:extLst>
-          </p:cNvPr>
-          <p:cNvPicPr>
-            <a:picLocks noChangeAspect="1" noChangeArrowheads="1"/>
-          </p:cNvPicPr>
-          <p:nvPr/>
-        </p:nvPicPr>
-        <p:blipFill>
-          <a:blip r:embed="rId5">
-            <a:extLst>
-              <a:ext uri="{28A0092B-C50C-407E-A947-70E740481C1C}">
-                <a14:useLocalDpi xmlns:a14="http://schemas.microsoft.com/office/drawing/2010/main" val="0"/>
-              </a:ext>
-            </a:extLst>
-          </a:blip>
-          <a:srcRect/>
-          <a:stretch>
-            <a:fillRect/>
-          </a:stretch>
-        </p:blipFill>
-        <p:spPr bwMode="auto">
-          <a:xfrm>
-            <a:off x="10321136" y="2210054"/>
-            <a:ext cx="3437261" cy="4507995"/>
-          </a:xfrm>
-          <a:prstGeom prst="rect">
-            <a:avLst/>
-          </a:prstGeom>
-          <a:noFill/>
-          <a:extLst>
-            <a:ext uri="{909E8E84-426E-40DD-AFC4-6F175D3DCCD1}">
-              <a14:hiddenFill xmlns:a14="http://schemas.microsoft.com/office/drawing/2010/main">
-                <a:solidFill>
-                  <a:srgbClr val="FFFFFF"/>
-                </a:solidFill>
-              </a14:hiddenFill>
-            </a:ext>
-          </a:extLst>
-        </p:spPr>
-      </p:pic>
-      <p:pic>
-        <p:nvPicPr>
-          <p:cNvPr id="2050" name="Picture 2" descr="Microsoft Most Valuable Professional - Wikipedia">
-            <a:extLst>
-              <a:ext uri="{FF2B5EF4-FFF2-40B4-BE49-F238E27FC236}">
-                <a16:creationId xmlns:a16="http://schemas.microsoft.com/office/drawing/2014/main" id="{36C71929-5967-B93D-05FE-E330D621C593}"/>
-              </a:ext>
-            </a:extLst>
-          </p:cNvPr>
-          <p:cNvPicPr>
-            <a:picLocks noChangeAspect="1" noChangeArrowheads="1"/>
-          </p:cNvPicPr>
-          <p:nvPr/>
-        </p:nvPicPr>
-        <p:blipFill>
-          <a:blip r:embed="rId6">
-            <a:extLst>
-              <a:ext uri="{28A0092B-C50C-407E-A947-70E740481C1C}">
-                <a14:useLocalDpi xmlns:a14="http://schemas.microsoft.com/office/drawing/2010/main" val="0"/>
-              </a:ext>
-            </a:extLst>
-          </a:blip>
-          <a:srcRect/>
-          <a:stretch>
-            <a:fillRect/>
-          </a:stretch>
-        </p:blipFill>
-        <p:spPr bwMode="auto">
-          <a:xfrm>
-            <a:off x="384642" y="7832951"/>
-            <a:ext cx="5057775" cy="2028825"/>
-          </a:xfrm>
-          <a:prstGeom prst="rect">
-            <a:avLst/>
-          </a:prstGeom>
-          <a:noFill/>
-          <a:extLst>
-            <a:ext uri="{909E8E84-426E-40DD-AFC4-6F175D3DCCD1}">
-              <a14:hiddenFill xmlns:a14="http://schemas.microsoft.com/office/drawing/2010/main">
-                <a:solidFill>
-                  <a:srgbClr val="FFFFFF"/>
-                </a:solidFill>
-              </a14:hiddenFill>
-            </a:ext>
-          </a:extLst>
-        </p:spPr>
-      </p:pic>
-    </p:spTree>
-    <p:extLst>
-      <p:ext uri="{BB962C8B-B14F-4D97-AF65-F5344CB8AC3E}">
-        <p14:creationId xmlns:p14="http://schemas.microsoft.com/office/powerpoint/2010/main" val="1872901171"/>
-      </p:ext>
-    </p:extLst>
-  </p:cSld>
-  <p:clrMapOvr>
-    <a:masterClrMapping/>
-  </p:clrMapOvr>
-</p:sld>
-</file>
-
-<file path=ppt/slides/slide20.xml><?xml version="1.0" encoding="utf-8"?>
-<p:sld xmlns:a="http://schemas.openxmlformats.org/drawingml/2006/main" xmlns:r="http://schemas.openxmlformats.org/officeDocument/2006/relationships" xmlns:p="http://schemas.openxmlformats.org/presentationml/2006/main">
-  <p:cSld>
-    <p:spTree>
-      <p:nvGrpSpPr>
-        <p:cNvPr id="1" name="">
-          <a:extLst>
-            <a:ext uri="{FF2B5EF4-FFF2-40B4-BE49-F238E27FC236}">
-              <a16:creationId xmlns:a16="http://schemas.microsoft.com/office/drawing/2014/main" id="{4DB200E3-03FF-C33B-37A3-157DBBE5A7C2}"/>
-            </a:ext>
-          </a:extLst>
-        </p:cNvPr>
-        <p:cNvGrpSpPr/>
-        <p:nvPr/>
-      </p:nvGrpSpPr>
-      <p:grpSpPr>
-        <a:xfrm>
-          <a:off x="0" y="0"/>
-          <a:ext cx="0" cy="0"/>
-          <a:chOff x="0" y="0"/>
-          <a:chExt cx="0" cy="0"/>
-        </a:xfrm>
-      </p:grpSpPr>
-      <p:sp>
-        <p:nvSpPr>
-          <p:cNvPr id="4" name="Rectangle 3">
-            <a:extLst>
-              <a:ext uri="{FF2B5EF4-FFF2-40B4-BE49-F238E27FC236}">
-                <a16:creationId xmlns:a16="http://schemas.microsoft.com/office/drawing/2014/main" id="{66F9AABC-14AB-F52B-9781-1CFAB616CFD1}"/>
-              </a:ext>
-            </a:extLst>
-          </p:cNvPr>
-          <p:cNvSpPr/>
-          <p:nvPr/>
-        </p:nvSpPr>
-        <p:spPr>
-          <a:xfrm>
-            <a:off x="9861630" y="0"/>
-            <a:ext cx="8426370" cy="10287000"/>
-          </a:xfrm>
-          <a:prstGeom prst="rect">
-            <a:avLst/>
-          </a:prstGeom>
-          <a:solidFill>
-            <a:srgbClr val="CF3338"/>
-          </a:solidFill>
-          <a:ln>
-            <a:noFill/>
-          </a:ln>
-        </p:spPr>
-        <p:style>
-          <a:lnRef idx="2">
-            <a:schemeClr val="accent1">
-              <a:shade val="50000"/>
-            </a:schemeClr>
-          </a:lnRef>
-          <a:fillRef idx="1">
-            <a:schemeClr val="accent1"/>
-          </a:fillRef>
-          <a:effectRef idx="0">
-            <a:schemeClr val="accent1"/>
-          </a:effectRef>
-          <a:fontRef idx="minor">
-            <a:schemeClr val="lt1"/>
-          </a:fontRef>
-        </p:style>
-        <p:txBody>
-          <a:bodyPr rtlCol="0" anchor="ctr"/>
-          <a:lstStyle/>
-          <a:p>
-            <a:pPr algn="ctr"/>
-            <a:endParaRPr lang="en-US" sz="2700"/>
-          </a:p>
-        </p:txBody>
-      </p:sp>
-      <p:pic>
-        <p:nvPicPr>
-          <p:cNvPr id="2" name="Picture 1">
-            <a:extLst>
-              <a:ext uri="{FF2B5EF4-FFF2-40B4-BE49-F238E27FC236}">
-                <a16:creationId xmlns:a16="http://schemas.microsoft.com/office/drawing/2014/main" id="{2C962416-2C62-6592-096F-3F56A39891C3}"/>
-              </a:ext>
-            </a:extLst>
-          </p:cNvPr>
-          <p:cNvPicPr>
-            <a:picLocks noChangeAspect="1"/>
-          </p:cNvPicPr>
-          <p:nvPr/>
-        </p:nvPicPr>
-        <p:blipFill rotWithShape="1">
-          <a:blip r:embed="rId3">
-            <a:extLst>
-              <a:ext uri="{28A0092B-C50C-407E-A947-70E740481C1C}">
-                <a14:useLocalDpi xmlns:a14="http://schemas.microsoft.com/office/drawing/2010/main" val="0"/>
-              </a:ext>
-            </a:extLst>
-          </a:blip>
-          <a:srcRect l="69227" t="33418" r="20112" b="50548"/>
-          <a:stretch/>
-        </p:blipFill>
-        <p:spPr>
-          <a:xfrm>
-            <a:off x="15579524" y="7544693"/>
-            <a:ext cx="2708477" cy="2987579"/>
-          </a:xfrm>
-          <a:prstGeom prst="rect">
-            <a:avLst/>
-          </a:prstGeom>
-        </p:spPr>
-      </p:pic>
-      <p:sp>
-        <p:nvSpPr>
-          <p:cNvPr id="3" name="TextBox 2">
-            <a:extLst>
-              <a:ext uri="{FF2B5EF4-FFF2-40B4-BE49-F238E27FC236}">
-                <a16:creationId xmlns:a16="http://schemas.microsoft.com/office/drawing/2014/main" id="{13856ACB-80E4-14D1-6F51-6DD5B1BFA4EB}"/>
-              </a:ext>
-            </a:extLst>
-          </p:cNvPr>
-          <p:cNvSpPr txBox="1"/>
-          <p:nvPr/>
-        </p:nvSpPr>
-        <p:spPr>
-          <a:xfrm>
-            <a:off x="260431" y="329879"/>
-            <a:ext cx="8906720" cy="7430817"/>
-          </a:xfrm>
-          <a:prstGeom prst="rect">
-            <a:avLst/>
-          </a:prstGeom>
-          <a:noFill/>
-        </p:spPr>
-        <p:txBody>
-          <a:bodyPr wrap="square" rtlCol="0">
-            <a:spAutoFit/>
-          </a:bodyPr>
-          <a:lstStyle/>
-          <a:p>
-            <a:r>
-              <a:rPr lang="en-US" sz="6000" b="1" dirty="0">
-                <a:solidFill>
-                  <a:srgbClr val="CF3338"/>
-                </a:solidFill>
-                <a:latin typeface="Pragmatica" panose="020B0403040502020204" pitchFamily="34" charset="0"/>
-              </a:rPr>
-              <a:t>Creating an expense approval process</a:t>
-            </a:r>
-          </a:p>
-          <a:p>
-            <a:endParaRPr lang="en-US" sz="4200" dirty="0">
-              <a:solidFill>
-                <a:srgbClr val="CF3338"/>
-              </a:solidFill>
-              <a:latin typeface="Pragmatica" panose="020B0403040502020204" pitchFamily="34" charset="0"/>
-            </a:endParaRPr>
-          </a:p>
-          <a:p>
-            <a:pPr marL="714375" indent="-571500">
-              <a:lnSpc>
-                <a:spcPct val="115000"/>
-              </a:lnSpc>
-              <a:spcBef>
-                <a:spcPts val="1125"/>
-              </a:spcBef>
-              <a:buClr>
-                <a:srgbClr val="C00000"/>
-              </a:buClr>
-              <a:buSzPts val="2100"/>
-              <a:buFont typeface="Arial" panose="020B0604020202020204" pitchFamily="34" charset="0"/>
-              <a:buChar char="•"/>
-            </a:pPr>
-            <a:r>
-              <a:rPr lang="en-US" sz="3600" dirty="0">
-                <a:solidFill>
-                  <a:srgbClr val="C00000"/>
-                </a:solidFill>
-                <a:latin typeface="Pragmatica" panose="020B0403040502020204"/>
-                <a:sym typeface="Consolas"/>
-              </a:rPr>
-              <a:t>Create and track expense approval process using Forms, Excel and Power Automate</a:t>
-            </a:r>
-          </a:p>
-          <a:p>
-            <a:pPr marL="714375" indent="-571500">
-              <a:lnSpc>
-                <a:spcPct val="115000"/>
-              </a:lnSpc>
-              <a:spcBef>
-                <a:spcPts val="1125"/>
-              </a:spcBef>
-              <a:buClr>
-                <a:srgbClr val="C00000"/>
-              </a:buClr>
-              <a:buSzPts val="2100"/>
-              <a:buFont typeface="Arial" panose="020B0604020202020204" pitchFamily="34" charset="0"/>
-              <a:buChar char="•"/>
-            </a:pPr>
-            <a:r>
-              <a:rPr lang="en-US" sz="3600" dirty="0">
-                <a:solidFill>
-                  <a:srgbClr val="C00000"/>
-                </a:solidFill>
-                <a:latin typeface="Pragmatica" panose="020B0403040502020204"/>
-                <a:sym typeface="Consolas"/>
-              </a:rPr>
-              <a:t>File: </a:t>
-            </a:r>
-            <a:r>
-              <a:rPr lang="en-US" sz="3600" dirty="0">
-                <a:solidFill>
-                  <a:srgbClr val="C00000"/>
-                </a:solidFill>
-                <a:latin typeface="Consolas" panose="020B0609020204030204" pitchFamily="49" charset="0"/>
-                <a:sym typeface="Consolas"/>
-              </a:rPr>
-              <a:t>expense-approval.xlsx</a:t>
-            </a:r>
-          </a:p>
-          <a:p>
-            <a:pPr marL="714375" indent="-571500">
-              <a:lnSpc>
-                <a:spcPct val="115000"/>
-              </a:lnSpc>
-              <a:spcBef>
-                <a:spcPts val="1125"/>
-              </a:spcBef>
-              <a:buClr>
-                <a:srgbClr val="C00000"/>
-              </a:buClr>
-              <a:buSzPts val="2100"/>
-              <a:buFont typeface="Arial" panose="020B0604020202020204" pitchFamily="34" charset="0"/>
-              <a:buChar char="•"/>
-            </a:pPr>
-            <a:r>
-              <a:rPr lang="en-US" sz="3600" dirty="0">
-                <a:solidFill>
-                  <a:srgbClr val="CF3338"/>
-                </a:solidFill>
-                <a:latin typeface="Pragmatica" panose="020B0403040502020204"/>
-                <a:sym typeface="Consolas"/>
-              </a:rPr>
-              <a:t>Resource: https://stringfestanalytics.com/power-automate-for-excel-how-to-create-an-approval-process-with-microsoft-forms/</a:t>
-            </a:r>
-          </a:p>
-        </p:txBody>
-      </p:sp>
-    </p:spTree>
-    <p:extLst>
-      <p:ext uri="{BB962C8B-B14F-4D97-AF65-F5344CB8AC3E}">
-        <p14:creationId xmlns:p14="http://schemas.microsoft.com/office/powerpoint/2010/main" val="2378610790"/>
-      </p:ext>
-    </p:extLst>
-  </p:cSld>
-  <p:clrMapOvr>
-    <a:masterClrMapping/>
-  </p:clrMapOvr>
-</p:sld>
-</file>
-
-<file path=ppt/slides/slide21.xml><?xml version="1.0" encoding="utf-8"?>
-<p:sld xmlns:a="http://schemas.openxmlformats.org/drawingml/2006/main" xmlns:r="http://schemas.openxmlformats.org/officeDocument/2006/relationships" xmlns:p="http://schemas.openxmlformats.org/presentationml/2006/main">
-  <p:cSld>
-    <p:spTree>
-      <p:nvGrpSpPr>
-        <p:cNvPr id="1" name="">
-          <a:extLst>
-            <a:ext uri="{FF2B5EF4-FFF2-40B4-BE49-F238E27FC236}">
-              <a16:creationId xmlns:a16="http://schemas.microsoft.com/office/drawing/2014/main" id="{30B0421F-C5E1-ADD5-ECE4-6375F4060D94}"/>
-            </a:ext>
-          </a:extLst>
-        </p:cNvPr>
-        <p:cNvGrpSpPr/>
-        <p:nvPr/>
-      </p:nvGrpSpPr>
-      <p:grpSpPr>
-        <a:xfrm>
-          <a:off x="0" y="0"/>
-          <a:ext cx="0" cy="0"/>
-          <a:chOff x="0" y="0"/>
-          <a:chExt cx="0" cy="0"/>
-        </a:xfrm>
-      </p:grpSpPr>
-      <p:sp>
-        <p:nvSpPr>
-          <p:cNvPr id="4" name="Rectangle 3">
-            <a:extLst>
-              <a:ext uri="{FF2B5EF4-FFF2-40B4-BE49-F238E27FC236}">
-                <a16:creationId xmlns:a16="http://schemas.microsoft.com/office/drawing/2014/main" id="{53DC417D-3C2B-9646-8064-7207B5E8C158}"/>
-              </a:ext>
-            </a:extLst>
-          </p:cNvPr>
-          <p:cNvSpPr/>
-          <p:nvPr/>
-        </p:nvSpPr>
-        <p:spPr>
-          <a:xfrm>
-            <a:off x="9861630" y="0"/>
-            <a:ext cx="8426370" cy="10287000"/>
-          </a:xfrm>
-          <a:prstGeom prst="rect">
-            <a:avLst/>
-          </a:prstGeom>
-          <a:solidFill>
-            <a:srgbClr val="CF3338"/>
-          </a:solidFill>
-          <a:ln>
-            <a:noFill/>
-          </a:ln>
-        </p:spPr>
-        <p:style>
-          <a:lnRef idx="2">
-            <a:schemeClr val="accent1">
-              <a:shade val="50000"/>
-            </a:schemeClr>
-          </a:lnRef>
-          <a:fillRef idx="1">
-            <a:schemeClr val="accent1"/>
-          </a:fillRef>
-          <a:effectRef idx="0">
-            <a:schemeClr val="accent1"/>
-          </a:effectRef>
-          <a:fontRef idx="minor">
-            <a:schemeClr val="lt1"/>
-          </a:fontRef>
-        </p:style>
-        <p:txBody>
-          <a:bodyPr rtlCol="0" anchor="ctr"/>
-          <a:lstStyle/>
-          <a:p>
-            <a:pPr algn="ctr"/>
-            <a:endParaRPr lang="en-US" sz="2700"/>
-          </a:p>
-        </p:txBody>
-      </p:sp>
-      <p:pic>
-        <p:nvPicPr>
-          <p:cNvPr id="2" name="Picture 1">
-            <a:extLst>
-              <a:ext uri="{FF2B5EF4-FFF2-40B4-BE49-F238E27FC236}">
-                <a16:creationId xmlns:a16="http://schemas.microsoft.com/office/drawing/2014/main" id="{15E6A925-96D6-30E2-A5B5-35BD6D37A76D}"/>
-              </a:ext>
-            </a:extLst>
-          </p:cNvPr>
-          <p:cNvPicPr>
-            <a:picLocks noChangeAspect="1"/>
-          </p:cNvPicPr>
-          <p:nvPr/>
-        </p:nvPicPr>
-        <p:blipFill rotWithShape="1">
-          <a:blip r:embed="rId3">
-            <a:extLst>
-              <a:ext uri="{28A0092B-C50C-407E-A947-70E740481C1C}">
-                <a14:useLocalDpi xmlns:a14="http://schemas.microsoft.com/office/drawing/2010/main" val="0"/>
-              </a:ext>
-            </a:extLst>
-          </a:blip>
-          <a:srcRect l="69227" t="33418" r="20112" b="50548"/>
-          <a:stretch/>
-        </p:blipFill>
-        <p:spPr>
-          <a:xfrm>
-            <a:off x="15579524" y="7544693"/>
-            <a:ext cx="2708477" cy="2987579"/>
-          </a:xfrm>
-          <a:prstGeom prst="rect">
-            <a:avLst/>
-          </a:prstGeom>
-        </p:spPr>
-      </p:pic>
-      <p:sp>
-        <p:nvSpPr>
-          <p:cNvPr id="3" name="TextBox 2">
-            <a:extLst>
-              <a:ext uri="{FF2B5EF4-FFF2-40B4-BE49-F238E27FC236}">
-                <a16:creationId xmlns:a16="http://schemas.microsoft.com/office/drawing/2014/main" id="{FC39674B-DCCF-96D6-E9FB-01B7CBAB50AF}"/>
-              </a:ext>
-            </a:extLst>
-          </p:cNvPr>
-          <p:cNvSpPr txBox="1"/>
-          <p:nvPr/>
-        </p:nvSpPr>
-        <p:spPr>
-          <a:xfrm>
-            <a:off x="260431" y="329879"/>
-            <a:ext cx="8906720" cy="8846076"/>
-          </a:xfrm>
-          <a:prstGeom prst="rect">
-            <a:avLst/>
-          </a:prstGeom>
-          <a:noFill/>
-        </p:spPr>
-        <p:txBody>
-          <a:bodyPr wrap="square" rtlCol="0">
-            <a:spAutoFit/>
-          </a:bodyPr>
-          <a:lstStyle/>
-          <a:p>
-            <a:r>
-              <a:rPr lang="en-US" sz="6000" b="1" dirty="0">
-                <a:solidFill>
-                  <a:srgbClr val="CF3338"/>
-                </a:solidFill>
-                <a:latin typeface="Pragmatica" panose="020B0403040502020204" pitchFamily="34" charset="0"/>
-              </a:rPr>
-              <a:t>Retrieving data from external sources</a:t>
-            </a:r>
-          </a:p>
-          <a:p>
-            <a:endParaRPr lang="en-US" sz="4200" dirty="0">
-              <a:solidFill>
-                <a:srgbClr val="CF3338"/>
-              </a:solidFill>
-              <a:latin typeface="Pragmatica" panose="020B0403040502020204" pitchFamily="34" charset="0"/>
-            </a:endParaRPr>
-          </a:p>
-          <a:p>
-            <a:pPr marL="714375" indent="-571500">
-              <a:lnSpc>
-                <a:spcPct val="115000"/>
-              </a:lnSpc>
-              <a:spcBef>
-                <a:spcPts val="1125"/>
-              </a:spcBef>
-              <a:buClr>
-                <a:srgbClr val="C00000"/>
-              </a:buClr>
-              <a:buSzPts val="2100"/>
-              <a:buFont typeface="Arial" panose="020B0604020202020204" pitchFamily="34" charset="0"/>
-              <a:buChar char="•"/>
-            </a:pPr>
-            <a:r>
-              <a:rPr lang="en-US" sz="3600" dirty="0">
-                <a:solidFill>
-                  <a:srgbClr val="C00000"/>
-                </a:solidFill>
-                <a:latin typeface="Pragmatica" panose="020B0403040502020204"/>
-                <a:sym typeface="Consolas"/>
-              </a:rPr>
-              <a:t>How can we check and collect data from outside sources, e.g. RSS feeds?</a:t>
-            </a:r>
-          </a:p>
-          <a:p>
-            <a:pPr marL="714375" indent="-571500">
-              <a:lnSpc>
-                <a:spcPct val="115000"/>
-              </a:lnSpc>
-              <a:spcBef>
-                <a:spcPts val="1125"/>
-              </a:spcBef>
-              <a:buClr>
-                <a:srgbClr val="C00000"/>
-              </a:buClr>
-              <a:buSzPts val="2100"/>
-              <a:buFont typeface="Arial" panose="020B0604020202020204" pitchFamily="34" charset="0"/>
-              <a:buChar char="•"/>
-            </a:pPr>
-            <a:r>
-              <a:rPr lang="en-US" sz="3600" dirty="0">
-                <a:solidFill>
-                  <a:srgbClr val="C00000"/>
-                </a:solidFill>
-                <a:latin typeface="Pragmatica" panose="020B0403040502020204"/>
-                <a:sym typeface="Consolas"/>
-              </a:rPr>
-              <a:t>Power Automate vs Power Query for data collection</a:t>
-            </a:r>
-          </a:p>
-          <a:p>
-            <a:pPr marL="714375" indent="-571500">
-              <a:lnSpc>
-                <a:spcPct val="115000"/>
-              </a:lnSpc>
-              <a:spcBef>
-                <a:spcPts val="1125"/>
-              </a:spcBef>
-              <a:buClr>
-                <a:srgbClr val="C00000"/>
-              </a:buClr>
-              <a:buSzPts val="2100"/>
-              <a:buFont typeface="Arial" panose="020B0604020202020204" pitchFamily="34" charset="0"/>
-              <a:buChar char="•"/>
-            </a:pPr>
-            <a:r>
-              <a:rPr lang="en-US" sz="3600" dirty="0">
-                <a:solidFill>
-                  <a:srgbClr val="C00000"/>
-                </a:solidFill>
-                <a:latin typeface="Pragmatica" panose="020B0403040502020204"/>
-                <a:sym typeface="Consolas"/>
-              </a:rPr>
-              <a:t>Fils: </a:t>
-            </a:r>
-            <a:r>
-              <a:rPr lang="en-US" sz="3600" dirty="0">
-                <a:solidFill>
-                  <a:srgbClr val="C00000"/>
-                </a:solidFill>
-                <a:latin typeface="Consolas" panose="020B0609020204030204" pitchFamily="49" charset="0"/>
-                <a:sym typeface="Consolas"/>
-              </a:rPr>
-              <a:t>get-rss.xlsx</a:t>
-            </a:r>
-            <a:r>
-              <a:rPr lang="en-US" sz="3600" dirty="0">
-                <a:solidFill>
-                  <a:srgbClr val="C00000"/>
-                </a:solidFill>
-                <a:latin typeface="Pragmatica" panose="020B0403040502020204"/>
-                <a:sym typeface="Consolas"/>
-              </a:rPr>
-              <a:t>, </a:t>
-            </a:r>
-            <a:r>
-              <a:rPr lang="en-US" sz="3600" dirty="0">
-                <a:solidFill>
-                  <a:srgbClr val="C00000"/>
-                </a:solidFill>
-                <a:latin typeface="Consolas" panose="020B0609020204030204" pitchFamily="49" charset="0"/>
-                <a:sym typeface="Consolas"/>
-              </a:rPr>
-              <a:t>bbc-rss.txt</a:t>
-            </a:r>
-          </a:p>
-          <a:p>
-            <a:pPr marL="714375" indent="-571500">
-              <a:lnSpc>
-                <a:spcPct val="115000"/>
-              </a:lnSpc>
-              <a:spcBef>
-                <a:spcPts val="1125"/>
-              </a:spcBef>
-              <a:buClr>
-                <a:srgbClr val="C00000"/>
-              </a:buClr>
-              <a:buSzPts val="2100"/>
-              <a:buFont typeface="Arial" panose="020B0604020202020204" pitchFamily="34" charset="0"/>
-              <a:buChar char="•"/>
-            </a:pPr>
-            <a:r>
-              <a:rPr lang="en-US" sz="3600" dirty="0">
-                <a:solidFill>
                   <a:srgbClr val="CF3338"/>
                 </a:solidFill>
                 <a:latin typeface="Pragmatica" panose="020B0403040502020204"/>
@@ -9632,7 +9593,7 @@
 </p:sld>
 </file>
 
-<file path=ppt/slides/slide22.xml><?xml version="1.0" encoding="utf-8"?>
+<file path=ppt/slides/slide21.xml><?xml version="1.0" encoding="utf-8"?>
 <p:sld xmlns:a="http://schemas.openxmlformats.org/drawingml/2006/main" xmlns:r="http://schemas.openxmlformats.org/officeDocument/2006/relationships" xmlns:p="http://schemas.openxmlformats.org/presentationml/2006/main">
   <p:cSld>
     <p:spTree>
@@ -9940,7 +9901,7 @@
 </p:sld>
 </file>
 
-<file path=ppt/slides/slide23.xml><?xml version="1.0" encoding="utf-8"?>
+<file path=ppt/slides/slide22.xml><?xml version="1.0" encoding="utf-8"?>
 <p:sld xmlns:a="http://schemas.openxmlformats.org/drawingml/2006/main" xmlns:r="http://schemas.openxmlformats.org/officeDocument/2006/relationships" xmlns:p="http://schemas.openxmlformats.org/presentationml/2006/main">
   <p:cSld>
     <p:spTree>
@@ -10098,7 +10059,7 @@
 </p:sld>
 </file>
 
-<file path=ppt/slides/slide24.xml><?xml version="1.0" encoding="utf-8"?>
+<file path=ppt/slides/slide23.xml><?xml version="1.0" encoding="utf-8"?>
 <p:sld xmlns:a="http://schemas.openxmlformats.org/drawingml/2006/main" xmlns:r="http://schemas.openxmlformats.org/officeDocument/2006/relationships" xmlns:p="http://schemas.openxmlformats.org/presentationml/2006/main">
   <p:cSld>
     <p:spTree>
@@ -10228,7 +10189,7 @@
 </p:sld>
 </file>
 
-<file path=ppt/slides/slide25.xml><?xml version="1.0" encoding="utf-8"?>
+<file path=ppt/slides/slide24.xml><?xml version="1.0" encoding="utf-8"?>
 <p:sld xmlns:a="http://schemas.openxmlformats.org/drawingml/2006/main" xmlns:r="http://schemas.openxmlformats.org/officeDocument/2006/relationships" xmlns:p="http://schemas.openxmlformats.org/presentationml/2006/main">
   <p:cSld>
     <p:spTree>
@@ -10495,7 +10456,7 @@
 </p:sld>
 </file>
 
-<file path=ppt/slides/slide26.xml><?xml version="1.0" encoding="utf-8"?>
+<file path=ppt/slides/slide25.xml><?xml version="1.0" encoding="utf-8"?>
 <p:sld xmlns:a="http://schemas.openxmlformats.org/drawingml/2006/main" xmlns:r="http://schemas.openxmlformats.org/officeDocument/2006/relationships" xmlns:p="http://schemas.openxmlformats.org/presentationml/2006/main">
   <p:cSld>
     <p:spTree>
@@ -10796,7 +10757,7 @@
 </p:sld>
 </file>
 
-<file path=ppt/slides/slide27.xml><?xml version="1.0" encoding="utf-8"?>
+<file path=ppt/slides/slide26.xml><?xml version="1.0" encoding="utf-8"?>
 <p:sld xmlns:a="http://schemas.openxmlformats.org/drawingml/2006/main" xmlns:r="http://schemas.openxmlformats.org/officeDocument/2006/relationships" xmlns:p="http://schemas.openxmlformats.org/presentationml/2006/main">
   <p:cSld>
     <p:spTree>
@@ -11132,7 +11093,7 @@
 </p:sld>
 </file>
 
-<file path=ppt/slides/slide28.xml><?xml version="1.0" encoding="utf-8"?>
+<file path=ppt/slides/slide27.xml><?xml version="1.0" encoding="utf-8"?>
 <p:sld xmlns:a="http://schemas.openxmlformats.org/drawingml/2006/main" xmlns:r="http://schemas.openxmlformats.org/officeDocument/2006/relationships" xmlns:p="http://schemas.openxmlformats.org/presentationml/2006/main">
   <p:cSld>
     <p:spTree>
@@ -11482,7 +11443,7 @@
 </p:sld>
 </file>
 
-<file path=ppt/slides/slide29.xml><?xml version="1.0" encoding="utf-8"?>
+<file path=ppt/slides/slide28.xml><?xml version="1.0" encoding="utf-8"?>
 <p:sld xmlns:a="http://schemas.openxmlformats.org/drawingml/2006/main" xmlns:r="http://schemas.openxmlformats.org/officeDocument/2006/relationships" xmlns:p="http://schemas.openxmlformats.org/presentationml/2006/main">
   <p:cSld>
     <p:spTree>
@@ -11631,6 +11592,136 @@
     <p:extLst>
       <p:ext uri="{BB962C8B-B14F-4D97-AF65-F5344CB8AC3E}">
         <p14:creationId xmlns:p14="http://schemas.microsoft.com/office/powerpoint/2010/main" val="2081473834"/>
+      </p:ext>
+    </p:extLst>
+  </p:cSld>
+  <p:clrMapOvr>
+    <a:masterClrMapping/>
+  </p:clrMapOvr>
+</p:sld>
+</file>
+
+<file path=ppt/slides/slide29.xml><?xml version="1.0" encoding="utf-8"?>
+<p:sld xmlns:a="http://schemas.openxmlformats.org/drawingml/2006/main" xmlns:r="http://schemas.openxmlformats.org/officeDocument/2006/relationships" xmlns:p="http://schemas.openxmlformats.org/presentationml/2006/main">
+  <p:cSld>
+    <p:spTree>
+      <p:nvGrpSpPr>
+        <p:cNvPr id="1" name="">
+          <a:extLst>
+            <a:ext uri="{FF2B5EF4-FFF2-40B4-BE49-F238E27FC236}">
+              <a16:creationId xmlns:a16="http://schemas.microsoft.com/office/drawing/2014/main" id="{782110DC-5945-F67F-552F-6B4AD37258A7}"/>
+            </a:ext>
+          </a:extLst>
+        </p:cNvPr>
+        <p:cNvGrpSpPr/>
+        <p:nvPr/>
+      </p:nvGrpSpPr>
+      <p:grpSpPr>
+        <a:xfrm>
+          <a:off x="0" y="0"/>
+          <a:ext cx="0" cy="0"/>
+          <a:chOff x="0" y="0"/>
+          <a:chExt cx="0" cy="0"/>
+        </a:xfrm>
+      </p:grpSpPr>
+      <p:sp>
+        <p:nvSpPr>
+          <p:cNvPr id="4" name="Rectangle 3">
+            <a:extLst>
+              <a:ext uri="{FF2B5EF4-FFF2-40B4-BE49-F238E27FC236}">
+                <a16:creationId xmlns:a16="http://schemas.microsoft.com/office/drawing/2014/main" id="{B4E7494E-F506-3611-8E16-B310FC07AE4D}"/>
+              </a:ext>
+            </a:extLst>
+          </p:cNvPr>
+          <p:cNvSpPr/>
+          <p:nvPr/>
+        </p:nvSpPr>
+        <p:spPr>
+          <a:xfrm>
+            <a:off x="0" y="0"/>
+            <a:ext cx="18288000" cy="10287000"/>
+          </a:xfrm>
+          <a:prstGeom prst="rect">
+            <a:avLst/>
+          </a:prstGeom>
+          <a:solidFill>
+            <a:schemeClr val="bg1">
+              <a:lumMod val="50000"/>
+            </a:schemeClr>
+          </a:solidFill>
+          <a:ln>
+            <a:noFill/>
+          </a:ln>
+        </p:spPr>
+        <p:style>
+          <a:lnRef idx="2">
+            <a:schemeClr val="accent1">
+              <a:shade val="50000"/>
+            </a:schemeClr>
+          </a:lnRef>
+          <a:fillRef idx="1">
+            <a:schemeClr val="accent1"/>
+          </a:fillRef>
+          <a:effectRef idx="0">
+            <a:schemeClr val="accent1"/>
+          </a:effectRef>
+          <a:fontRef idx="minor">
+            <a:schemeClr val="lt1"/>
+          </a:fontRef>
+        </p:style>
+        <p:txBody>
+          <a:bodyPr rtlCol="0" anchor="ctr"/>
+          <a:lstStyle/>
+          <a:p>
+            <a:pPr algn="ctr"/>
+            <a:endParaRPr lang="en-US" sz="2700"/>
+          </a:p>
+        </p:txBody>
+      </p:sp>
+      <p:sp>
+        <p:nvSpPr>
+          <p:cNvPr id="5" name="TextBox 4">
+            <a:extLst>
+              <a:ext uri="{FF2B5EF4-FFF2-40B4-BE49-F238E27FC236}">
+                <a16:creationId xmlns:a16="http://schemas.microsoft.com/office/drawing/2014/main" id="{8ED115EA-44DB-AAF3-936A-1719A3969B08}"/>
+              </a:ext>
+            </a:extLst>
+          </p:cNvPr>
+          <p:cNvSpPr txBox="1"/>
+          <p:nvPr/>
+        </p:nvSpPr>
+        <p:spPr>
+          <a:xfrm>
+            <a:off x="781292" y="590309"/>
+            <a:ext cx="15486926" cy="3139321"/>
+          </a:xfrm>
+          <a:prstGeom prst="rect">
+            <a:avLst/>
+          </a:prstGeom>
+          <a:noFill/>
+        </p:spPr>
+        <p:txBody>
+          <a:bodyPr wrap="square" rtlCol="0">
+            <a:spAutoFit/>
+          </a:bodyPr>
+          <a:lstStyle/>
+          <a:p>
+            <a:r>
+              <a:rPr lang="en-US" sz="9900" b="1" dirty="0">
+                <a:solidFill>
+                  <a:schemeClr val="bg1"/>
+                </a:solidFill>
+                <a:latin typeface="Normafixed Tryout" panose="00000409000000000000" pitchFamily="49" charset="0"/>
+              </a:rPr>
+              <a:t>Designing simple business apps with Power Apps</a:t>
+            </a:r>
+          </a:p>
+        </p:txBody>
+      </p:sp>
+    </p:spTree>
+    <p:extLst>
+      <p:ext uri="{BB962C8B-B14F-4D97-AF65-F5344CB8AC3E}">
+        <p14:creationId xmlns:p14="http://schemas.microsoft.com/office/powerpoint/2010/main" val="1640392416"/>
       </p:ext>
     </p:extLst>
   </p:cSld>
@@ -11855,10 +11946,563 @@
   <p:cSld>
     <p:spTree>
       <p:nvGrpSpPr>
+        <p:cNvPr id="1" name=""/>
+        <p:cNvGrpSpPr/>
+        <p:nvPr/>
+      </p:nvGrpSpPr>
+      <p:grpSpPr>
+        <a:xfrm>
+          <a:off x="0" y="0"/>
+          <a:ext cx="0" cy="0"/>
+          <a:chOff x="0" y="0"/>
+          <a:chExt cx="0" cy="0"/>
+        </a:xfrm>
+      </p:grpSpPr>
+      <p:sp>
+        <p:nvSpPr>
+          <p:cNvPr id="4" name="Rectangle 3"/>
+          <p:cNvSpPr/>
+          <p:nvPr/>
+        </p:nvSpPr>
+        <p:spPr>
+          <a:xfrm>
+            <a:off x="9861630" y="0"/>
+            <a:ext cx="8426370" cy="10287000"/>
+          </a:xfrm>
+          <a:prstGeom prst="rect">
+            <a:avLst/>
+          </a:prstGeom>
+          <a:solidFill>
+            <a:srgbClr val="CF3338"/>
+          </a:solidFill>
+          <a:ln>
+            <a:noFill/>
+          </a:ln>
+        </p:spPr>
+        <p:style>
+          <a:lnRef idx="2">
+            <a:schemeClr val="accent1">
+              <a:shade val="50000"/>
+            </a:schemeClr>
+          </a:lnRef>
+          <a:fillRef idx="1">
+            <a:schemeClr val="accent1"/>
+          </a:fillRef>
+          <a:effectRef idx="0">
+            <a:schemeClr val="accent1"/>
+          </a:effectRef>
+          <a:fontRef idx="minor">
+            <a:schemeClr val="lt1"/>
+          </a:fontRef>
+        </p:style>
+        <p:txBody>
+          <a:bodyPr rtlCol="0" anchor="ctr"/>
+          <a:lstStyle/>
+          <a:p>
+            <a:pPr algn="ctr"/>
+            <a:endParaRPr lang="en-US" sz="2700"/>
+          </a:p>
+        </p:txBody>
+      </p:sp>
+      <p:pic>
+        <p:nvPicPr>
+          <p:cNvPr id="2" name="Picture 1"/>
+          <p:cNvPicPr>
+            <a:picLocks noChangeAspect="1"/>
+          </p:cNvPicPr>
+          <p:nvPr/>
+        </p:nvPicPr>
+        <p:blipFill rotWithShape="1">
+          <a:blip r:embed="rId3">
+            <a:extLst>
+              <a:ext uri="{28A0092B-C50C-407E-A947-70E740481C1C}">
+                <a14:useLocalDpi xmlns:a14="http://schemas.microsoft.com/office/drawing/2010/main" val="0"/>
+              </a:ext>
+            </a:extLst>
+          </a:blip>
+          <a:srcRect l="69227" t="33418" r="20112" b="50548"/>
+          <a:stretch/>
+        </p:blipFill>
+        <p:spPr>
+          <a:xfrm>
+            <a:off x="15579524" y="7544693"/>
+            <a:ext cx="2708477" cy="2987579"/>
+          </a:xfrm>
+          <a:prstGeom prst="rect">
+            <a:avLst/>
+          </a:prstGeom>
+        </p:spPr>
+      </p:pic>
+      <p:sp>
+        <p:nvSpPr>
+          <p:cNvPr id="3" name="TextBox 2"/>
+          <p:cNvSpPr txBox="1"/>
+          <p:nvPr/>
+        </p:nvSpPr>
+        <p:spPr>
+          <a:xfrm>
+            <a:off x="260431" y="329879"/>
+            <a:ext cx="8906720" cy="6438044"/>
+          </a:xfrm>
+          <a:prstGeom prst="rect">
+            <a:avLst/>
+          </a:prstGeom>
+          <a:noFill/>
+        </p:spPr>
+        <p:txBody>
+          <a:bodyPr wrap="square" rtlCol="0">
+            <a:spAutoFit/>
+          </a:bodyPr>
+          <a:lstStyle/>
+          <a:p>
+            <a:r>
+              <a:rPr lang="en-US" sz="6000" b="1" dirty="0">
+                <a:solidFill>
+                  <a:srgbClr val="CF3338"/>
+                </a:solidFill>
+                <a:latin typeface="Pragmatica" panose="020B0403040502020204" pitchFamily="34" charset="0"/>
+              </a:rPr>
+              <a:t>Creating a Power App from Excel</a:t>
+            </a:r>
+          </a:p>
+          <a:p>
+            <a:endParaRPr lang="en-US" sz="4200" dirty="0">
+              <a:solidFill>
+                <a:srgbClr val="CF3338"/>
+              </a:solidFill>
+              <a:latin typeface="Pragmatica" panose="020B0403040502020204" pitchFamily="34" charset="0"/>
+            </a:endParaRPr>
+          </a:p>
+          <a:p>
+            <a:pPr marL="685800" indent="-542925">
+              <a:lnSpc>
+                <a:spcPct val="115000"/>
+              </a:lnSpc>
+              <a:spcBef>
+                <a:spcPts val="1125"/>
+              </a:spcBef>
+              <a:buClr>
+                <a:srgbClr val="C00000"/>
+              </a:buClr>
+              <a:buSzPts val="2100"/>
+              <a:buFont typeface="Arial"/>
+              <a:buAutoNum type="arabicPeriod"/>
+            </a:pPr>
+            <a:r>
+              <a:rPr lang="en-US" sz="3600" dirty="0">
+                <a:solidFill>
+                  <a:srgbClr val="C00000"/>
+                </a:solidFill>
+                <a:latin typeface="Pragmatica" panose="020B0403040502020204"/>
+                <a:sym typeface="Consolas"/>
+              </a:rPr>
+              <a:t>Upload Excel table to Power Apps</a:t>
+            </a:r>
+          </a:p>
+          <a:p>
+            <a:pPr marL="685800" indent="-542925">
+              <a:lnSpc>
+                <a:spcPct val="115000"/>
+              </a:lnSpc>
+              <a:spcBef>
+                <a:spcPts val="1125"/>
+              </a:spcBef>
+              <a:buClr>
+                <a:srgbClr val="C00000"/>
+              </a:buClr>
+              <a:buSzPts val="2100"/>
+              <a:buFont typeface="Arial"/>
+              <a:buAutoNum type="arabicPeriod"/>
+            </a:pPr>
+            <a:r>
+              <a:rPr lang="en-US" sz="3600" dirty="0">
+                <a:solidFill>
+                  <a:srgbClr val="C00000"/>
+                </a:solidFill>
+                <a:latin typeface="Pragmatica" panose="020B0403040502020204"/>
+                <a:sym typeface="Consolas"/>
+              </a:rPr>
+              <a:t>Create basic three-screen app</a:t>
+            </a:r>
+          </a:p>
+          <a:p>
+            <a:pPr marL="685800" indent="-542925">
+              <a:lnSpc>
+                <a:spcPct val="115000"/>
+              </a:lnSpc>
+              <a:spcBef>
+                <a:spcPts val="1125"/>
+              </a:spcBef>
+              <a:buClr>
+                <a:srgbClr val="C00000"/>
+              </a:buClr>
+              <a:buSzPts val="2100"/>
+              <a:buFont typeface="Arial"/>
+              <a:buAutoNum type="arabicPeriod"/>
+            </a:pPr>
+            <a:r>
+              <a:rPr lang="en-US" sz="3600" dirty="0">
+                <a:solidFill>
+                  <a:srgbClr val="C00000"/>
+                </a:solidFill>
+                <a:latin typeface="Pragmatica" panose="020B0403040502020204"/>
+                <a:sym typeface="Consolas"/>
+              </a:rPr>
+              <a:t>Add and edit records</a:t>
+            </a:r>
+          </a:p>
+          <a:p>
+            <a:pPr marL="685800" indent="-542925">
+              <a:lnSpc>
+                <a:spcPct val="115000"/>
+              </a:lnSpc>
+              <a:spcBef>
+                <a:spcPts val="1125"/>
+              </a:spcBef>
+              <a:buClr>
+                <a:srgbClr val="C00000"/>
+              </a:buClr>
+              <a:buSzPts val="2100"/>
+              <a:buFont typeface="Arial"/>
+              <a:buAutoNum type="arabicPeriod"/>
+            </a:pPr>
+            <a:r>
+              <a:rPr lang="en-US" sz="3600" dirty="0">
+                <a:solidFill>
+                  <a:srgbClr val="C00000"/>
+                </a:solidFill>
+                <a:latin typeface="Pragmatica" panose="020B0403040502020204"/>
+                <a:sym typeface="Consolas"/>
+              </a:rPr>
+              <a:t>Preview app in development</a:t>
+            </a:r>
+          </a:p>
+          <a:p>
+            <a:pPr marL="142875">
+              <a:lnSpc>
+                <a:spcPct val="115000"/>
+              </a:lnSpc>
+              <a:spcBef>
+                <a:spcPts val="1125"/>
+              </a:spcBef>
+              <a:buClr>
+                <a:srgbClr val="C00000"/>
+              </a:buClr>
+              <a:buSzPts val="2100"/>
+            </a:pPr>
+            <a:r>
+              <a:rPr lang="en-US" sz="3600" dirty="0">
+                <a:solidFill>
+                  <a:srgbClr val="C00000"/>
+                </a:solidFill>
+                <a:latin typeface="Pragmatica" panose="020B0403040502020204"/>
+                <a:sym typeface="Consolas"/>
+              </a:rPr>
+              <a:t>File: </a:t>
+            </a:r>
+            <a:r>
+              <a:rPr lang="en-US" sz="3600" dirty="0">
+                <a:solidFill>
+                  <a:srgbClr val="C00000"/>
+                </a:solidFill>
+                <a:latin typeface="Consolas" panose="020B0609020204030204" pitchFamily="49" charset="0"/>
+                <a:sym typeface="Consolas"/>
+              </a:rPr>
+              <a:t>first-power-app.xlsx</a:t>
+            </a:r>
+          </a:p>
+        </p:txBody>
+      </p:sp>
+    </p:spTree>
+    <p:extLst>
+      <p:ext uri="{BB962C8B-B14F-4D97-AF65-F5344CB8AC3E}">
+        <p14:creationId xmlns:p14="http://schemas.microsoft.com/office/powerpoint/2010/main" val="3582154141"/>
+      </p:ext>
+    </p:extLst>
+  </p:cSld>
+  <p:clrMapOvr>
+    <a:masterClrMapping/>
+  </p:clrMapOvr>
+</p:sld>
+</file>
+
+<file path=ppt/slides/slide31.xml><?xml version="1.0" encoding="utf-8"?>
+<p:sld xmlns:a="http://schemas.openxmlformats.org/drawingml/2006/main" xmlns:r="http://schemas.openxmlformats.org/officeDocument/2006/relationships" xmlns:p="http://schemas.openxmlformats.org/presentationml/2006/main">
+  <p:cSld>
+    <p:spTree>
+      <p:nvGrpSpPr>
+        <p:cNvPr id="1" name=""/>
+        <p:cNvGrpSpPr/>
+        <p:nvPr/>
+      </p:nvGrpSpPr>
+      <p:grpSpPr>
+        <a:xfrm>
+          <a:off x="0" y="0"/>
+          <a:ext cx="0" cy="0"/>
+          <a:chOff x="0" y="0"/>
+          <a:chExt cx="0" cy="0"/>
+        </a:xfrm>
+      </p:grpSpPr>
+      <p:sp>
+        <p:nvSpPr>
+          <p:cNvPr id="4" name="Rectangle 3"/>
+          <p:cNvSpPr/>
+          <p:nvPr/>
+        </p:nvSpPr>
+        <p:spPr>
+          <a:xfrm>
+            <a:off x="9861630" y="0"/>
+            <a:ext cx="8426370" cy="10287000"/>
+          </a:xfrm>
+          <a:prstGeom prst="rect">
+            <a:avLst/>
+          </a:prstGeom>
+          <a:solidFill>
+            <a:srgbClr val="CF3338"/>
+          </a:solidFill>
+          <a:ln>
+            <a:noFill/>
+          </a:ln>
+        </p:spPr>
+        <p:style>
+          <a:lnRef idx="2">
+            <a:schemeClr val="accent1">
+              <a:shade val="50000"/>
+            </a:schemeClr>
+          </a:lnRef>
+          <a:fillRef idx="1">
+            <a:schemeClr val="accent1"/>
+          </a:fillRef>
+          <a:effectRef idx="0">
+            <a:schemeClr val="accent1"/>
+          </a:effectRef>
+          <a:fontRef idx="minor">
+            <a:schemeClr val="lt1"/>
+          </a:fontRef>
+        </p:style>
+        <p:txBody>
+          <a:bodyPr rtlCol="0" anchor="ctr"/>
+          <a:lstStyle/>
+          <a:p>
+            <a:pPr algn="ctr"/>
+            <a:endParaRPr lang="en-US" sz="2700"/>
+          </a:p>
+        </p:txBody>
+      </p:sp>
+      <p:pic>
+        <p:nvPicPr>
+          <p:cNvPr id="2" name="Picture 1"/>
+          <p:cNvPicPr>
+            <a:picLocks noChangeAspect="1"/>
+          </p:cNvPicPr>
+          <p:nvPr/>
+        </p:nvPicPr>
+        <p:blipFill rotWithShape="1">
+          <a:blip r:embed="rId3">
+            <a:extLst>
+              <a:ext uri="{28A0092B-C50C-407E-A947-70E740481C1C}">
+                <a14:useLocalDpi xmlns:a14="http://schemas.microsoft.com/office/drawing/2010/main" val="0"/>
+              </a:ext>
+            </a:extLst>
+          </a:blip>
+          <a:srcRect l="69227" t="33418" r="20112" b="50548"/>
+          <a:stretch/>
+        </p:blipFill>
+        <p:spPr>
+          <a:xfrm>
+            <a:off x="15579524" y="7544693"/>
+            <a:ext cx="2708477" cy="2987579"/>
+          </a:xfrm>
+          <a:prstGeom prst="rect">
+            <a:avLst/>
+          </a:prstGeom>
+        </p:spPr>
+      </p:pic>
+      <p:sp>
+        <p:nvSpPr>
+          <p:cNvPr id="3" name="TextBox 2"/>
+          <p:cNvSpPr txBox="1"/>
+          <p:nvPr/>
+        </p:nvSpPr>
+        <p:spPr>
+          <a:xfrm>
+            <a:off x="260431" y="329879"/>
+            <a:ext cx="8906720" cy="5186676"/>
+          </a:xfrm>
+          <a:prstGeom prst="rect">
+            <a:avLst/>
+          </a:prstGeom>
+          <a:noFill/>
+        </p:spPr>
+        <p:txBody>
+          <a:bodyPr wrap="square" rtlCol="0">
+            <a:spAutoFit/>
+          </a:bodyPr>
+          <a:lstStyle/>
+          <a:p>
+            <a:r>
+              <a:rPr lang="en-US" sz="6000" b="1" dirty="0">
+                <a:solidFill>
+                  <a:srgbClr val="CF3338"/>
+                </a:solidFill>
+                <a:latin typeface="Pragmatica" panose="020B0403040502020204" pitchFamily="34" charset="0"/>
+              </a:rPr>
+              <a:t>Modifying your Power App</a:t>
+            </a:r>
+          </a:p>
+          <a:p>
+            <a:endParaRPr lang="en-US" sz="4200" dirty="0">
+              <a:solidFill>
+                <a:srgbClr val="CF3338"/>
+              </a:solidFill>
+              <a:latin typeface="Pragmatica" panose="020B0403040502020204" pitchFamily="34" charset="0"/>
+            </a:endParaRPr>
+          </a:p>
+          <a:p>
+            <a:r>
+              <a:rPr lang="en-US" sz="4200" dirty="0">
+                <a:solidFill>
+                  <a:srgbClr val="CF3338"/>
+                </a:solidFill>
+                <a:latin typeface="Pragmatica" panose="020B0403040502020204" pitchFamily="34" charset="0"/>
+              </a:rPr>
+              <a:t>Continuing with our example:</a:t>
+            </a:r>
+          </a:p>
+          <a:p>
+            <a:endParaRPr lang="en-US" sz="4200" dirty="0">
+              <a:solidFill>
+                <a:srgbClr val="CF3338"/>
+              </a:solidFill>
+              <a:latin typeface="Pragmatica" panose="020B0403040502020204" pitchFamily="34" charset="0"/>
+            </a:endParaRPr>
+          </a:p>
+          <a:p>
+            <a:pPr marL="342900" marR="0" lvl="0" indent="-342900">
+              <a:lnSpc>
+                <a:spcPct val="115000"/>
+              </a:lnSpc>
+              <a:spcBef>
+                <a:spcPts val="0"/>
+              </a:spcBef>
+              <a:spcAft>
+                <a:spcPts val="0"/>
+              </a:spcAft>
+              <a:buFont typeface="+mj-lt"/>
+              <a:buAutoNum type="arabicPeriod"/>
+            </a:pPr>
+            <a:r>
+              <a:rPr lang="en-US" sz="3200" kern="100" dirty="0">
+                <a:solidFill>
+                  <a:srgbClr val="CF3338"/>
+                </a:solidFill>
+                <a:effectLst/>
+                <a:latin typeface="Pragmatica" panose="020B0403040502020204"/>
+                <a:ea typeface="Aptos" panose="020B0004020202020204" pitchFamily="34" charset="0"/>
+                <a:cs typeface="Times New Roman" panose="02020603050405020304" pitchFamily="18" charset="0"/>
+              </a:rPr>
+              <a:t>Adding required fields</a:t>
+            </a:r>
+          </a:p>
+          <a:p>
+            <a:pPr marL="342900" marR="0" lvl="0" indent="-342900">
+              <a:lnSpc>
+                <a:spcPct val="115000"/>
+              </a:lnSpc>
+              <a:spcBef>
+                <a:spcPts val="0"/>
+              </a:spcBef>
+              <a:spcAft>
+                <a:spcPts val="0"/>
+              </a:spcAft>
+              <a:buFont typeface="+mj-lt"/>
+              <a:buAutoNum type="arabicPeriod"/>
+            </a:pPr>
+            <a:r>
+              <a:rPr lang="en-US" sz="3200" kern="100" dirty="0">
+                <a:solidFill>
+                  <a:srgbClr val="CF3338"/>
+                </a:solidFill>
+                <a:latin typeface="Pragmatica" panose="020B0403040502020204"/>
+                <a:ea typeface="Aptos" panose="020B0004020202020204" pitchFamily="34" charset="0"/>
+                <a:cs typeface="Times New Roman" panose="02020603050405020304" pitchFamily="18" charset="0"/>
+              </a:rPr>
+              <a:t>Creating data validation dropdowns</a:t>
+            </a:r>
+          </a:p>
+          <a:p>
+            <a:pPr marL="342900" marR="0" lvl="0" indent="-342900">
+              <a:lnSpc>
+                <a:spcPct val="115000"/>
+              </a:lnSpc>
+              <a:spcBef>
+                <a:spcPts val="0"/>
+              </a:spcBef>
+              <a:spcAft>
+                <a:spcPts val="0"/>
+              </a:spcAft>
+              <a:buFont typeface="+mj-lt"/>
+              <a:buAutoNum type="arabicPeriod"/>
+            </a:pPr>
+            <a:r>
+              <a:rPr lang="en-US" sz="3200" kern="100" dirty="0">
+                <a:solidFill>
+                  <a:srgbClr val="CF3338"/>
+                </a:solidFill>
+                <a:effectLst/>
+                <a:latin typeface="Pragmatica" panose="020B0403040502020204"/>
+                <a:ea typeface="Aptos" panose="020B0004020202020204" pitchFamily="34" charset="0"/>
+                <a:cs typeface="Times New Roman" panose="02020603050405020304" pitchFamily="18" charset="0"/>
+              </a:rPr>
+              <a:t>Creating data validation on date ranges</a:t>
+            </a:r>
+          </a:p>
+          <a:p>
+            <a:pPr marR="0" lvl="0">
+              <a:lnSpc>
+                <a:spcPct val="115000"/>
+              </a:lnSpc>
+              <a:spcBef>
+                <a:spcPts val="0"/>
+              </a:spcBef>
+              <a:spcAft>
+                <a:spcPts val="0"/>
+              </a:spcAft>
+            </a:pPr>
+            <a:endParaRPr lang="en-US" sz="3200" kern="100" dirty="0">
+              <a:solidFill>
+                <a:srgbClr val="CF3338"/>
+              </a:solidFill>
+              <a:effectLst/>
+              <a:latin typeface="Pragmatica" panose="020B0403040502020204"/>
+              <a:ea typeface="Aptos" panose="020B0004020202020204" pitchFamily="34" charset="0"/>
+              <a:cs typeface="Times New Roman" panose="02020603050405020304" pitchFamily="18" charset="0"/>
+            </a:endParaRPr>
+          </a:p>
+        </p:txBody>
+      </p:sp>
+    </p:spTree>
+    <p:extLst>
+      <p:ext uri="{BB962C8B-B14F-4D97-AF65-F5344CB8AC3E}">
+        <p14:creationId xmlns:p14="http://schemas.microsoft.com/office/powerpoint/2010/main" val="3663175356"/>
+      </p:ext>
+    </p:extLst>
+  </p:cSld>
+  <p:clrMapOvr>
+    <a:masterClrMapping/>
+  </p:clrMapOvr>
+</p:sld>
+</file>
+
+<file path=ppt/slides/slide32.xml><?xml version="1.0" encoding="utf-8"?>
+<p:sld xmlns:a="http://schemas.openxmlformats.org/drawingml/2006/main" xmlns:r="http://schemas.openxmlformats.org/officeDocument/2006/relationships" xmlns:p="http://schemas.openxmlformats.org/presentationml/2006/main">
+  <p:cSld>
+    <p:spTree>
+      <p:nvGrpSpPr>
         <p:cNvPr id="1" name="">
           <a:extLst>
             <a:ext uri="{FF2B5EF4-FFF2-40B4-BE49-F238E27FC236}">
-              <a16:creationId xmlns:a16="http://schemas.microsoft.com/office/drawing/2014/main" id="{782110DC-5945-F67F-552F-6B4AD37258A7}"/>
+              <a16:creationId xmlns:a16="http://schemas.microsoft.com/office/drawing/2014/main" id="{FC0679BB-E487-A9E3-1278-DBD7FB7F19FE}"/>
             </a:ext>
           </a:extLst>
         </p:cNvPr>
@@ -11878,7 +12522,674 @@
           <p:cNvPr id="4" name="Rectangle 3">
             <a:extLst>
               <a:ext uri="{FF2B5EF4-FFF2-40B4-BE49-F238E27FC236}">
-                <a16:creationId xmlns:a16="http://schemas.microsoft.com/office/drawing/2014/main" id="{B4E7494E-F506-3611-8E16-B310FC07AE4D}"/>
+                <a16:creationId xmlns:a16="http://schemas.microsoft.com/office/drawing/2014/main" id="{4B8E3D40-A823-8428-6682-B724027EAF41}"/>
+              </a:ext>
+            </a:extLst>
+          </p:cNvPr>
+          <p:cNvSpPr/>
+          <p:nvPr/>
+        </p:nvSpPr>
+        <p:spPr>
+          <a:xfrm>
+            <a:off x="9861630" y="0"/>
+            <a:ext cx="8426370" cy="10287000"/>
+          </a:xfrm>
+          <a:prstGeom prst="rect">
+            <a:avLst/>
+          </a:prstGeom>
+          <a:solidFill>
+            <a:srgbClr val="CF3338"/>
+          </a:solidFill>
+          <a:ln>
+            <a:noFill/>
+          </a:ln>
+        </p:spPr>
+        <p:style>
+          <a:lnRef idx="2">
+            <a:schemeClr val="accent1">
+              <a:shade val="50000"/>
+            </a:schemeClr>
+          </a:lnRef>
+          <a:fillRef idx="1">
+            <a:schemeClr val="accent1"/>
+          </a:fillRef>
+          <a:effectRef idx="0">
+            <a:schemeClr val="accent1"/>
+          </a:effectRef>
+          <a:fontRef idx="minor">
+            <a:schemeClr val="lt1"/>
+          </a:fontRef>
+        </p:style>
+        <p:txBody>
+          <a:bodyPr rtlCol="0" anchor="ctr"/>
+          <a:lstStyle/>
+          <a:p>
+            <a:pPr algn="ctr"/>
+            <a:endParaRPr lang="en-US" sz="2700"/>
+          </a:p>
+        </p:txBody>
+      </p:sp>
+      <p:pic>
+        <p:nvPicPr>
+          <p:cNvPr id="2" name="Picture 1">
+            <a:extLst>
+              <a:ext uri="{FF2B5EF4-FFF2-40B4-BE49-F238E27FC236}">
+                <a16:creationId xmlns:a16="http://schemas.microsoft.com/office/drawing/2014/main" id="{F524E154-15C4-0B23-E9C5-29E2DD497327}"/>
+              </a:ext>
+            </a:extLst>
+          </p:cNvPr>
+          <p:cNvPicPr>
+            <a:picLocks noChangeAspect="1"/>
+          </p:cNvPicPr>
+          <p:nvPr/>
+        </p:nvPicPr>
+        <p:blipFill rotWithShape="1">
+          <a:blip r:embed="rId3">
+            <a:extLst>
+              <a:ext uri="{28A0092B-C50C-407E-A947-70E740481C1C}">
+                <a14:useLocalDpi xmlns:a14="http://schemas.microsoft.com/office/drawing/2010/main" val="0"/>
+              </a:ext>
+            </a:extLst>
+          </a:blip>
+          <a:srcRect l="69227" t="33418" r="20112" b="50548"/>
+          <a:stretch/>
+        </p:blipFill>
+        <p:spPr>
+          <a:xfrm>
+            <a:off x="15579524" y="7544693"/>
+            <a:ext cx="2708477" cy="2987579"/>
+          </a:xfrm>
+          <a:prstGeom prst="rect">
+            <a:avLst/>
+          </a:prstGeom>
+        </p:spPr>
+      </p:pic>
+      <p:sp>
+        <p:nvSpPr>
+          <p:cNvPr id="3" name="TextBox 2">
+            <a:extLst>
+              <a:ext uri="{FF2B5EF4-FFF2-40B4-BE49-F238E27FC236}">
+                <a16:creationId xmlns:a16="http://schemas.microsoft.com/office/drawing/2014/main" id="{E1343823-9545-2632-2777-4994B59C3581}"/>
+              </a:ext>
+            </a:extLst>
+          </p:cNvPr>
+          <p:cNvSpPr txBox="1"/>
+          <p:nvPr/>
+        </p:nvSpPr>
+        <p:spPr>
+          <a:xfrm>
+            <a:off x="260431" y="329879"/>
+            <a:ext cx="8906720" cy="4897366"/>
+          </a:xfrm>
+          <a:prstGeom prst="rect">
+            <a:avLst/>
+          </a:prstGeom>
+          <a:noFill/>
+        </p:spPr>
+        <p:txBody>
+          <a:bodyPr wrap="square" rtlCol="0">
+            <a:spAutoFit/>
+          </a:bodyPr>
+          <a:lstStyle/>
+          <a:p>
+            <a:r>
+              <a:rPr lang="en-US" sz="6000" b="1" dirty="0">
+                <a:solidFill>
+                  <a:srgbClr val="CF3338"/>
+                </a:solidFill>
+                <a:latin typeface="Pragmatica" panose="020B0403040502020204" pitchFamily="34" charset="0"/>
+              </a:rPr>
+              <a:t>Deploying your Power App</a:t>
+            </a:r>
+          </a:p>
+          <a:p>
+            <a:endParaRPr lang="en-US" sz="4200" dirty="0">
+              <a:solidFill>
+                <a:srgbClr val="CF3338"/>
+              </a:solidFill>
+              <a:latin typeface="Pragmatica" panose="020B0403040502020204" pitchFamily="34" charset="0"/>
+            </a:endParaRPr>
+          </a:p>
+          <a:p>
+            <a:r>
+              <a:rPr lang="en-US" sz="4200" dirty="0">
+                <a:solidFill>
+                  <a:srgbClr val="CF3338"/>
+                </a:solidFill>
+                <a:latin typeface="Pragmatica" panose="020B0403040502020204" pitchFamily="34" charset="0"/>
+              </a:rPr>
+              <a:t>Continuing with our example:</a:t>
+            </a:r>
+          </a:p>
+          <a:p>
+            <a:endParaRPr lang="en-US" sz="6000" dirty="0">
+              <a:solidFill>
+                <a:srgbClr val="CF3338"/>
+              </a:solidFill>
+              <a:latin typeface="Pragmatica" panose="020B0403040502020204" pitchFamily="34" charset="0"/>
+            </a:endParaRPr>
+          </a:p>
+          <a:p>
+            <a:pPr marL="342900" marR="0" lvl="0" indent="-342900">
+              <a:lnSpc>
+                <a:spcPct val="115000"/>
+              </a:lnSpc>
+              <a:spcBef>
+                <a:spcPts val="0"/>
+              </a:spcBef>
+              <a:spcAft>
+                <a:spcPts val="0"/>
+              </a:spcAft>
+              <a:buFont typeface="+mj-lt"/>
+              <a:buAutoNum type="arabicPeriod"/>
+            </a:pPr>
+            <a:r>
+              <a:rPr lang="en-US" sz="3200" kern="100" dirty="0">
+                <a:solidFill>
+                  <a:srgbClr val="CF3338"/>
+                </a:solidFill>
+                <a:effectLst/>
+                <a:latin typeface="Pragmatica" panose="020B0403040502020204"/>
+                <a:ea typeface="Aptos" panose="020B0004020202020204" pitchFamily="34" charset="0"/>
+                <a:cs typeface="Times New Roman" panose="02020603050405020304" pitchFamily="18" charset="0"/>
+              </a:rPr>
+              <a:t>Preparing Excel workbook for external use</a:t>
+            </a:r>
+          </a:p>
+          <a:p>
+            <a:pPr marL="342900" marR="0" lvl="0" indent="-342900">
+              <a:lnSpc>
+                <a:spcPct val="115000"/>
+              </a:lnSpc>
+              <a:spcBef>
+                <a:spcPts val="0"/>
+              </a:spcBef>
+              <a:spcAft>
+                <a:spcPts val="0"/>
+              </a:spcAft>
+              <a:buFont typeface="+mj-lt"/>
+              <a:buAutoNum type="arabicPeriod"/>
+            </a:pPr>
+            <a:r>
+              <a:rPr lang="en-US" sz="3200" kern="100" dirty="0">
+                <a:solidFill>
+                  <a:srgbClr val="CF3338"/>
+                </a:solidFill>
+                <a:latin typeface="Pragmatica" panose="020B0403040502020204"/>
+                <a:ea typeface="Aptos" panose="020B0004020202020204" pitchFamily="34" charset="0"/>
+                <a:cs typeface="Times New Roman" panose="02020603050405020304" pitchFamily="18" charset="0"/>
+              </a:rPr>
+              <a:t>Migrating our app from development to production via ZIP folder</a:t>
+            </a:r>
+            <a:endParaRPr lang="en-US" sz="4200" dirty="0">
+              <a:solidFill>
+                <a:srgbClr val="CF3338"/>
+              </a:solidFill>
+              <a:latin typeface="Pragmatica" panose="020B0403040502020204" pitchFamily="34" charset="0"/>
+            </a:endParaRPr>
+          </a:p>
+        </p:txBody>
+      </p:sp>
+    </p:spTree>
+    <p:extLst>
+      <p:ext uri="{BB962C8B-B14F-4D97-AF65-F5344CB8AC3E}">
+        <p14:creationId xmlns:p14="http://schemas.microsoft.com/office/powerpoint/2010/main" val="946079916"/>
+      </p:ext>
+    </p:extLst>
+  </p:cSld>
+  <p:clrMapOvr>
+    <a:masterClrMapping/>
+  </p:clrMapOvr>
+</p:sld>
+</file>
+
+<file path=ppt/slides/slide33.xml><?xml version="1.0" encoding="utf-8"?>
+<p:sld xmlns:a="http://schemas.openxmlformats.org/drawingml/2006/main" xmlns:r="http://schemas.openxmlformats.org/officeDocument/2006/relationships" xmlns:p="http://schemas.openxmlformats.org/presentationml/2006/main">
+  <p:cSld>
+    <p:spTree>
+      <p:nvGrpSpPr>
+        <p:cNvPr id="1" name="">
+          <a:extLst>
+            <a:ext uri="{FF2B5EF4-FFF2-40B4-BE49-F238E27FC236}">
+              <a16:creationId xmlns:a16="http://schemas.microsoft.com/office/drawing/2014/main" id="{F4C0A7D7-7C73-6748-ED7C-823D116B8853}"/>
+            </a:ext>
+          </a:extLst>
+        </p:cNvPr>
+        <p:cNvGrpSpPr/>
+        <p:nvPr/>
+      </p:nvGrpSpPr>
+      <p:grpSpPr>
+        <a:xfrm>
+          <a:off x="0" y="0"/>
+          <a:ext cx="0" cy="0"/>
+          <a:chOff x="0" y="0"/>
+          <a:chExt cx="0" cy="0"/>
+        </a:xfrm>
+      </p:grpSpPr>
+      <p:sp>
+        <p:nvSpPr>
+          <p:cNvPr id="4" name="Rectangle 3">
+            <a:extLst>
+              <a:ext uri="{FF2B5EF4-FFF2-40B4-BE49-F238E27FC236}">
+                <a16:creationId xmlns:a16="http://schemas.microsoft.com/office/drawing/2014/main" id="{9FF099B0-C241-9D8F-6F66-8DF3A6C8C78C}"/>
+              </a:ext>
+            </a:extLst>
+          </p:cNvPr>
+          <p:cNvSpPr/>
+          <p:nvPr/>
+        </p:nvSpPr>
+        <p:spPr>
+          <a:xfrm>
+            <a:off x="9861630" y="0"/>
+            <a:ext cx="8426370" cy="10287000"/>
+          </a:xfrm>
+          <a:prstGeom prst="rect">
+            <a:avLst/>
+          </a:prstGeom>
+          <a:solidFill>
+            <a:srgbClr val="CF3338"/>
+          </a:solidFill>
+          <a:ln>
+            <a:noFill/>
+          </a:ln>
+        </p:spPr>
+        <p:style>
+          <a:lnRef idx="2">
+            <a:schemeClr val="accent1">
+              <a:shade val="50000"/>
+            </a:schemeClr>
+          </a:lnRef>
+          <a:fillRef idx="1">
+            <a:schemeClr val="accent1"/>
+          </a:fillRef>
+          <a:effectRef idx="0">
+            <a:schemeClr val="accent1"/>
+          </a:effectRef>
+          <a:fontRef idx="minor">
+            <a:schemeClr val="lt1"/>
+          </a:fontRef>
+        </p:style>
+        <p:txBody>
+          <a:bodyPr rtlCol="0" anchor="ctr"/>
+          <a:lstStyle/>
+          <a:p>
+            <a:pPr algn="ctr"/>
+            <a:endParaRPr lang="en-US" sz="2700"/>
+          </a:p>
+        </p:txBody>
+      </p:sp>
+      <p:pic>
+        <p:nvPicPr>
+          <p:cNvPr id="2" name="Picture 1">
+            <a:extLst>
+              <a:ext uri="{FF2B5EF4-FFF2-40B4-BE49-F238E27FC236}">
+                <a16:creationId xmlns:a16="http://schemas.microsoft.com/office/drawing/2014/main" id="{37009866-9C2D-166E-C0AF-AFB64B0A7C55}"/>
+              </a:ext>
+            </a:extLst>
+          </p:cNvPr>
+          <p:cNvPicPr>
+            <a:picLocks noChangeAspect="1"/>
+          </p:cNvPicPr>
+          <p:nvPr/>
+        </p:nvPicPr>
+        <p:blipFill rotWithShape="1">
+          <a:blip r:embed="rId3">
+            <a:extLst>
+              <a:ext uri="{28A0092B-C50C-407E-A947-70E740481C1C}">
+                <a14:useLocalDpi xmlns:a14="http://schemas.microsoft.com/office/drawing/2010/main" val="0"/>
+              </a:ext>
+            </a:extLst>
+          </a:blip>
+          <a:srcRect l="69227" t="33418" r="20112" b="50548"/>
+          <a:stretch/>
+        </p:blipFill>
+        <p:spPr>
+          <a:xfrm>
+            <a:off x="15579524" y="7544693"/>
+            <a:ext cx="2708477" cy="2987579"/>
+          </a:xfrm>
+          <a:prstGeom prst="rect">
+            <a:avLst/>
+          </a:prstGeom>
+        </p:spPr>
+      </p:pic>
+      <p:sp>
+        <p:nvSpPr>
+          <p:cNvPr id="3" name="TextBox 2">
+            <a:extLst>
+              <a:ext uri="{FF2B5EF4-FFF2-40B4-BE49-F238E27FC236}">
+                <a16:creationId xmlns:a16="http://schemas.microsoft.com/office/drawing/2014/main" id="{66D3EED5-4019-81EE-EB75-DDA5FF2D412E}"/>
+              </a:ext>
+            </a:extLst>
+          </p:cNvPr>
+          <p:cNvSpPr txBox="1"/>
+          <p:nvPr/>
+        </p:nvSpPr>
+        <p:spPr>
+          <a:xfrm>
+            <a:off x="260431" y="329879"/>
+            <a:ext cx="8906720" cy="4528034"/>
+          </a:xfrm>
+          <a:prstGeom prst="rect">
+            <a:avLst/>
+          </a:prstGeom>
+          <a:noFill/>
+        </p:spPr>
+        <p:txBody>
+          <a:bodyPr wrap="square" rtlCol="0">
+            <a:spAutoFit/>
+          </a:bodyPr>
+          <a:lstStyle/>
+          <a:p>
+            <a:r>
+              <a:rPr lang="en-US" sz="6000" b="1" dirty="0">
+                <a:solidFill>
+                  <a:srgbClr val="CF3338"/>
+                </a:solidFill>
+                <a:latin typeface="Pragmatica" panose="020B0403040502020204" pitchFamily="34" charset="0"/>
+              </a:rPr>
+              <a:t>Creating a Power App with images</a:t>
+            </a:r>
+          </a:p>
+          <a:p>
+            <a:endParaRPr lang="en-US" sz="6000" dirty="0">
+              <a:solidFill>
+                <a:srgbClr val="CF3338"/>
+              </a:solidFill>
+              <a:latin typeface="Pragmatica" panose="020B0403040502020204" pitchFamily="34" charset="0"/>
+            </a:endParaRPr>
+          </a:p>
+          <a:p>
+            <a:pPr marL="342900" marR="0" lvl="0" indent="-342900">
+              <a:lnSpc>
+                <a:spcPct val="115000"/>
+              </a:lnSpc>
+              <a:spcBef>
+                <a:spcPts val="0"/>
+              </a:spcBef>
+              <a:spcAft>
+                <a:spcPts val="0"/>
+              </a:spcAft>
+              <a:buFont typeface="+mj-lt"/>
+              <a:buAutoNum type="arabicPeriod"/>
+            </a:pPr>
+            <a:r>
+              <a:rPr lang="en-US" sz="3200" kern="100" dirty="0">
+                <a:solidFill>
+                  <a:srgbClr val="CF3338"/>
+                </a:solidFill>
+                <a:effectLst/>
+                <a:latin typeface="Pragmatica" panose="020B0403040502020204"/>
+                <a:ea typeface="Aptos" panose="020B0004020202020204" pitchFamily="34" charset="0"/>
+                <a:cs typeface="Times New Roman" panose="02020603050405020304" pitchFamily="18" charset="0"/>
+              </a:rPr>
+              <a:t>Folder: </a:t>
+            </a:r>
+            <a:r>
+              <a:rPr lang="en-US" sz="3200" kern="100" dirty="0">
+                <a:solidFill>
+                  <a:srgbClr val="CF3338"/>
+                </a:solidFill>
+                <a:effectLst/>
+                <a:latin typeface="Consolas" panose="020B0609020204030204" pitchFamily="49" charset="0"/>
+                <a:ea typeface="Aptos" panose="020B0004020202020204" pitchFamily="34" charset="0"/>
+                <a:cs typeface="Times New Roman" panose="02020603050405020304" pitchFamily="18" charset="0"/>
+              </a:rPr>
+              <a:t>power-apps-challenge</a:t>
+            </a:r>
+          </a:p>
+          <a:p>
+            <a:pPr marL="342900" marR="0" lvl="0" indent="-342900">
+              <a:lnSpc>
+                <a:spcPct val="115000"/>
+              </a:lnSpc>
+              <a:spcBef>
+                <a:spcPts val="0"/>
+              </a:spcBef>
+              <a:spcAft>
+                <a:spcPts val="0"/>
+              </a:spcAft>
+              <a:buFont typeface="+mj-lt"/>
+              <a:buAutoNum type="arabicPeriod"/>
+            </a:pPr>
+            <a:r>
+              <a:rPr lang="en-US" sz="3200" kern="100" dirty="0">
+                <a:solidFill>
+                  <a:srgbClr val="CF3338"/>
+                </a:solidFill>
+                <a:latin typeface="Pragmatica" panose="020B0403040502020204"/>
+                <a:cs typeface="Times New Roman" panose="02020603050405020304" pitchFamily="18" charset="0"/>
+              </a:rPr>
+              <a:t>Turn this into an app with photos!</a:t>
+            </a:r>
+          </a:p>
+          <a:p>
+            <a:pPr marL="342900" marR="0" lvl="0" indent="-342900">
+              <a:lnSpc>
+                <a:spcPct val="115000"/>
+              </a:lnSpc>
+              <a:spcBef>
+                <a:spcPts val="0"/>
+              </a:spcBef>
+              <a:spcAft>
+                <a:spcPts val="0"/>
+              </a:spcAft>
+              <a:buFont typeface="+mj-lt"/>
+              <a:buAutoNum type="arabicPeriod"/>
+            </a:pPr>
+            <a:r>
+              <a:rPr lang="en-US" sz="3200" kern="100" dirty="0">
+                <a:solidFill>
+                  <a:srgbClr val="CF3338"/>
+                </a:solidFill>
+                <a:latin typeface="Pragmatica" panose="020B0403040502020204"/>
+                <a:cs typeface="Times New Roman" panose="02020603050405020304" pitchFamily="18" charset="0"/>
+              </a:rPr>
+              <a:t>Use image URLs to populate values</a:t>
+            </a:r>
+          </a:p>
+        </p:txBody>
+      </p:sp>
+    </p:spTree>
+    <p:extLst>
+      <p:ext uri="{BB962C8B-B14F-4D97-AF65-F5344CB8AC3E}">
+        <p14:creationId xmlns:p14="http://schemas.microsoft.com/office/powerpoint/2010/main" val="2789196719"/>
+      </p:ext>
+    </p:extLst>
+  </p:cSld>
+  <p:clrMapOvr>
+    <a:masterClrMapping/>
+  </p:clrMapOvr>
+</p:sld>
+</file>
+
+<file path=ppt/slides/slide34.xml><?xml version="1.0" encoding="utf-8"?>
+<p:sld xmlns:a="http://schemas.openxmlformats.org/drawingml/2006/main" xmlns:r="http://schemas.openxmlformats.org/officeDocument/2006/relationships" xmlns:p="http://schemas.openxmlformats.org/presentationml/2006/main">
+  <p:cSld>
+    <p:spTree>
+      <p:nvGrpSpPr>
+        <p:cNvPr id="1" name=""/>
+        <p:cNvGrpSpPr/>
+        <p:nvPr/>
+      </p:nvGrpSpPr>
+      <p:grpSpPr>
+        <a:xfrm>
+          <a:off x="0" y="0"/>
+          <a:ext cx="0" cy="0"/>
+          <a:chOff x="0" y="0"/>
+          <a:chExt cx="0" cy="0"/>
+        </a:xfrm>
+      </p:grpSpPr>
+      <p:pic>
+        <p:nvPicPr>
+          <p:cNvPr id="10" name="Picture 9"/>
+          <p:cNvPicPr>
+            <a:picLocks noChangeAspect="1"/>
+          </p:cNvPicPr>
+          <p:nvPr/>
+        </p:nvPicPr>
+        <p:blipFill rotWithShape="1">
+          <a:blip r:embed="rId2">
+            <a:extLst>
+              <a:ext uri="{28A0092B-C50C-407E-A947-70E740481C1C}">
+                <a14:useLocalDpi xmlns:a14="http://schemas.microsoft.com/office/drawing/2010/main" val="0"/>
+              </a:ext>
+            </a:extLst>
+          </a:blip>
+          <a:srcRect l="50728" t="56371"/>
+          <a:stretch/>
+        </p:blipFill>
+        <p:spPr>
+          <a:xfrm>
+            <a:off x="12204691" y="3316148"/>
+            <a:ext cx="6083309" cy="6970854"/>
+          </a:xfrm>
+          <a:prstGeom prst="rect">
+            <a:avLst/>
+          </a:prstGeom>
+        </p:spPr>
+      </p:pic>
+      <p:pic>
+        <p:nvPicPr>
+          <p:cNvPr id="4" name="Picture 3"/>
+          <p:cNvPicPr>
+            <a:picLocks noChangeAspect="1"/>
+          </p:cNvPicPr>
+          <p:nvPr/>
+        </p:nvPicPr>
+        <p:blipFill>
+          <a:blip r:embed="rId3">
+            <a:extLst>
+              <a:ext uri="{28A0092B-C50C-407E-A947-70E740481C1C}">
+                <a14:useLocalDpi xmlns:a14="http://schemas.microsoft.com/office/drawing/2010/main" val="0"/>
+              </a:ext>
+            </a:extLst>
+          </a:blip>
+          <a:stretch>
+            <a:fillRect/>
+          </a:stretch>
+        </p:blipFill>
+        <p:spPr>
+          <a:xfrm>
+            <a:off x="-807744" y="-3724155"/>
+            <a:ext cx="15257208" cy="11189825"/>
+          </a:xfrm>
+          <a:prstGeom prst="rect">
+            <a:avLst/>
+          </a:prstGeom>
+        </p:spPr>
+      </p:pic>
+      <p:sp>
+        <p:nvSpPr>
+          <p:cNvPr id="11" name="TextBox 10"/>
+          <p:cNvSpPr txBox="1"/>
+          <p:nvPr/>
+        </p:nvSpPr>
+        <p:spPr>
+          <a:xfrm>
+            <a:off x="486137" y="2531318"/>
+            <a:ext cx="11979797" cy="923330"/>
+          </a:xfrm>
+          <a:prstGeom prst="rect">
+            <a:avLst/>
+          </a:prstGeom>
+          <a:noFill/>
+        </p:spPr>
+        <p:txBody>
+          <a:bodyPr wrap="square" rtlCol="0">
+            <a:spAutoFit/>
+          </a:bodyPr>
+          <a:lstStyle/>
+          <a:p>
+            <a:r>
+              <a:rPr lang="en-US" sz="5400" b="1" dirty="0">
+                <a:solidFill>
+                  <a:srgbClr val="CF3338"/>
+                </a:solidFill>
+                <a:latin typeface="Pragmatica" panose="020B0403040502020204" pitchFamily="34" charset="0"/>
+              </a:rPr>
+              <a:t>Questions?</a:t>
+            </a:r>
+          </a:p>
+        </p:txBody>
+      </p:sp>
+      <p:pic>
+        <p:nvPicPr>
+          <p:cNvPr id="5" name="Picture 4">
+            <a:extLst>
+              <a:ext uri="{FF2B5EF4-FFF2-40B4-BE49-F238E27FC236}">
+                <a16:creationId xmlns:a16="http://schemas.microsoft.com/office/drawing/2014/main" id="{54A06221-5316-4BCF-9FDA-BDB95FF4A778}"/>
+              </a:ext>
+            </a:extLst>
+          </p:cNvPr>
+          <p:cNvPicPr>
+            <a:picLocks noChangeAspect="1"/>
+          </p:cNvPicPr>
+          <p:nvPr/>
+        </p:nvPicPr>
+        <p:blipFill>
+          <a:blip r:embed="rId4">
+            <a:extLst>
+              <a:ext uri="{28A0092B-C50C-407E-A947-70E740481C1C}">
+                <a14:useLocalDpi xmlns:a14="http://schemas.microsoft.com/office/drawing/2010/main" val="0"/>
+              </a:ext>
+            </a:extLst>
+          </a:blip>
+          <a:srcRect/>
+          <a:stretch/>
+        </p:blipFill>
+        <p:spPr>
+          <a:xfrm>
+            <a:off x="12204691" y="3317239"/>
+            <a:ext cx="6083309" cy="6968672"/>
+          </a:xfrm>
+          <a:prstGeom prst="rect">
+            <a:avLst/>
+          </a:prstGeom>
+        </p:spPr>
+      </p:pic>
+    </p:spTree>
+    <p:extLst>
+      <p:ext uri="{BB962C8B-B14F-4D97-AF65-F5344CB8AC3E}">
+        <p14:creationId xmlns:p14="http://schemas.microsoft.com/office/powerpoint/2010/main" val="2869336279"/>
+      </p:ext>
+    </p:extLst>
+  </p:cSld>
+  <p:clrMapOvr>
+    <a:masterClrMapping/>
+  </p:clrMapOvr>
+</p:sld>
+</file>
+
+<file path=ppt/slides/slide35.xml><?xml version="1.0" encoding="utf-8"?>
+<p:sld xmlns:a="http://schemas.openxmlformats.org/drawingml/2006/main" xmlns:r="http://schemas.openxmlformats.org/officeDocument/2006/relationships" xmlns:p="http://schemas.openxmlformats.org/presentationml/2006/main">
+  <p:cSld>
+    <p:spTree>
+      <p:nvGrpSpPr>
+        <p:cNvPr id="1" name="">
+          <a:extLst>
+            <a:ext uri="{FF2B5EF4-FFF2-40B4-BE49-F238E27FC236}">
+              <a16:creationId xmlns:a16="http://schemas.microsoft.com/office/drawing/2014/main" id="{1CF6D5DC-EA3C-E22F-A188-808D0DC3B329}"/>
+            </a:ext>
+          </a:extLst>
+        </p:cNvPr>
+        <p:cNvGrpSpPr/>
+        <p:nvPr/>
+      </p:nvGrpSpPr>
+      <p:grpSpPr>
+        <a:xfrm>
+          <a:off x="0" y="0"/>
+          <a:ext cx="0" cy="0"/>
+          <a:chOff x="0" y="0"/>
+          <a:chExt cx="0" cy="0"/>
+        </a:xfrm>
+      </p:grpSpPr>
+      <p:sp>
+        <p:nvSpPr>
+          <p:cNvPr id="4" name="Rectangle 3">
+            <a:extLst>
+              <a:ext uri="{FF2B5EF4-FFF2-40B4-BE49-F238E27FC236}">
+                <a16:creationId xmlns:a16="http://schemas.microsoft.com/office/drawing/2014/main" id="{2D3C7565-6456-54EE-AD54-0EF02726C058}"/>
               </a:ext>
             </a:extLst>
           </p:cNvPr>
@@ -11932,7 +13243,7 @@
           <p:cNvPr id="5" name="TextBox 4">
             <a:extLst>
               <a:ext uri="{FF2B5EF4-FFF2-40B4-BE49-F238E27FC236}">
-                <a16:creationId xmlns:a16="http://schemas.microsoft.com/office/drawing/2014/main" id="{8ED115EA-44DB-AAF3-936A-1719A3969B08}"/>
+                <a16:creationId xmlns:a16="http://schemas.microsoft.com/office/drawing/2014/main" id="{4EFA60D4-E05C-4B25-8420-DBDA1435F9EF}"/>
               </a:ext>
             </a:extLst>
           </p:cNvPr>
@@ -11962,7 +13273,7 @@
                 </a:solidFill>
                 <a:latin typeface="Normafixed Tryout" panose="00000409000000000000" pitchFamily="49" charset="0"/>
               </a:rPr>
-              <a:t>Designing simple business apps with Power Apps</a:t>
+              <a:t>Creating chatbots with Copilot Studio</a:t>
             </a:r>
           </a:p>
         </p:txBody>
@@ -11970,7 +13281,7 @@
     </p:spTree>
     <p:extLst>
       <p:ext uri="{BB962C8B-B14F-4D97-AF65-F5344CB8AC3E}">
-        <p14:creationId xmlns:p14="http://schemas.microsoft.com/office/powerpoint/2010/main" val="1640392416"/>
+        <p14:creationId xmlns:p14="http://schemas.microsoft.com/office/powerpoint/2010/main" val="3468094570"/>
       </p:ext>
     </p:extLst>
   </p:cSld>
@@ -11980,12 +13291,18 @@
 </p:sld>
 </file>
 
-<file path=ppt/slides/slide31.xml><?xml version="1.0" encoding="utf-8"?>
+<file path=ppt/slides/slide36.xml><?xml version="1.0" encoding="utf-8"?>
 <p:sld xmlns:a="http://schemas.openxmlformats.org/drawingml/2006/main" xmlns:r="http://schemas.openxmlformats.org/officeDocument/2006/relationships" xmlns:p="http://schemas.openxmlformats.org/presentationml/2006/main">
   <p:cSld>
     <p:spTree>
       <p:nvGrpSpPr>
-        <p:cNvPr id="1" name=""/>
+        <p:cNvPr id="1" name="">
+          <a:extLst>
+            <a:ext uri="{FF2B5EF4-FFF2-40B4-BE49-F238E27FC236}">
+              <a16:creationId xmlns:a16="http://schemas.microsoft.com/office/drawing/2014/main" id="{8D57B6D4-A9E1-18F2-6B90-35C6049AD10A}"/>
+            </a:ext>
+          </a:extLst>
+        </p:cNvPr>
         <p:cNvGrpSpPr/>
         <p:nvPr/>
       </p:nvGrpSpPr>
@@ -11999,7 +13316,13 @@
       </p:grpSpPr>
       <p:sp>
         <p:nvSpPr>
-          <p:cNvPr id="4" name="Rectangle 3"/>
+          <p:cNvPr id="4" name="Rectangle 3">
+            <a:extLst>
+              <a:ext uri="{FF2B5EF4-FFF2-40B4-BE49-F238E27FC236}">
+                <a16:creationId xmlns:a16="http://schemas.microsoft.com/office/drawing/2014/main" id="{86E0BF99-428F-FCDD-2CFB-DD415B3C63E1}"/>
+              </a:ext>
+            </a:extLst>
+          </p:cNvPr>
           <p:cNvSpPr/>
           <p:nvPr/>
         </p:nvSpPr>
@@ -12045,7 +13368,13 @@
       </p:sp>
       <p:pic>
         <p:nvPicPr>
-          <p:cNvPr id="2" name="Picture 1"/>
+          <p:cNvPr id="2" name="Picture 1">
+            <a:extLst>
+              <a:ext uri="{FF2B5EF4-FFF2-40B4-BE49-F238E27FC236}">
+                <a16:creationId xmlns:a16="http://schemas.microsoft.com/office/drawing/2014/main" id="{84C0E755-7B20-E689-DED8-011B122B9B5A}"/>
+              </a:ext>
+            </a:extLst>
+          </p:cNvPr>
           <p:cNvPicPr>
             <a:picLocks noChangeAspect="1"/>
           </p:cNvPicPr>
@@ -12074,14 +13403,20 @@
       </p:pic>
       <p:sp>
         <p:nvSpPr>
-          <p:cNvPr id="3" name="TextBox 2"/>
+          <p:cNvPr id="3" name="TextBox 2">
+            <a:extLst>
+              <a:ext uri="{FF2B5EF4-FFF2-40B4-BE49-F238E27FC236}">
+                <a16:creationId xmlns:a16="http://schemas.microsoft.com/office/drawing/2014/main" id="{45C6A793-A02D-6141-B68A-AED83B08EEA7}"/>
+              </a:ext>
+            </a:extLst>
+          </p:cNvPr>
           <p:cNvSpPr txBox="1"/>
           <p:nvPr/>
         </p:nvSpPr>
         <p:spPr>
           <a:xfrm>
             <a:off x="260431" y="329879"/>
-            <a:ext cx="8906720" cy="6438044"/>
+            <a:ext cx="8906720" cy="9480031"/>
           </a:xfrm>
           <a:prstGeom prst="rect">
             <a:avLst/>
@@ -12101,7 +13436,7 @@
                 </a:solidFill>
                 <a:latin typeface="Pragmatica" panose="020B0403040502020204" pitchFamily="34" charset="0"/>
               </a:rPr>
-              <a:t>Creating a Power App from Excel</a:t>
+              <a:t>Creating an Excel MVP chatbot</a:t>
             </a:r>
           </a:p>
           <a:p>
@@ -12135,7 +13470,7 @@
                 <a:latin typeface="Pragmatica" panose="020B0403040502020204"/>
                 <a:sym typeface="Consolas"/>
               </a:rPr>
-              <a:t>Upload Excel table to Power Apps</a:t>
+              <a:t>Create a custom Copilot agent in Copilot Studio tailored for specific Excel-related use cases</a:t>
             </a:r>
           </a:p>
           <a:p>
@@ -12161,7 +13496,7 @@
                 <a:latin typeface="Pragmatica" panose="020B0403040502020204"/>
                 <a:sym typeface="Consolas"/>
               </a:rPr>
-              <a:t>Create basic three-screen app</a:t>
+              <a:t>Add and manage trusted knowledge sources (like MVP websites) to ensure high-quality, domain-specific responses</a:t>
             </a:r>
           </a:p>
           <a:p>
@@ -12187,33 +13522,7 @@
                 <a:latin typeface="Pragmatica" panose="020B0403040502020204"/>
                 <a:sym typeface="Consolas"/>
               </a:rPr>
-              <a:t>Add and edit records</a:t>
-            </a:r>
-          </a:p>
-          <a:p>
-            <a:pPr marL="685800" indent="-542925">
-              <a:lnSpc>
-                <a:spcPct val="115000"/>
-              </a:lnSpc>
-              <a:spcBef>
-                <a:spcPts val="1125"/>
-              </a:spcBef>
-              <a:buClr>
-                <a:srgbClr val="C00000"/>
-              </a:buClr>
-              <a:buSzPts val="2100"/>
-              <a:buFont typeface="Arial"/>
-              <a:buAutoNum type="arabicPeriod"/>
-            </a:pPr>
-            <a:r>
-              <a:rPr lang="en-US" sz="3600" dirty="0">
-                <a:solidFill>
-                  <a:srgbClr val="C00000"/>
-                </a:solidFill>
-                <a:latin typeface="Pragmatica" panose="020B0403040502020204"/>
-                <a:sym typeface="Consolas"/>
-              </a:rPr>
-              <a:t>Preview app in development</a:t>
+              <a:t>Test and publish the agent with simple topics added </a:t>
             </a:r>
           </a:p>
           <a:p>
@@ -12247,7 +13556,7 @@
                 <a:latin typeface="Consolas" panose="020B0609020204030204" pitchFamily="49" charset="0"/>
                 <a:sym typeface="Consolas"/>
               </a:rPr>
-              <a:t>first-power-app.xlsx</a:t>
+              <a:t>mvp-knowledge-base-instructions.docx</a:t>
             </a:r>
           </a:p>
         </p:txBody>
@@ -12255,7 +13564,7 @@
     </p:spTree>
     <p:extLst>
       <p:ext uri="{BB962C8B-B14F-4D97-AF65-F5344CB8AC3E}">
-        <p14:creationId xmlns:p14="http://schemas.microsoft.com/office/powerpoint/2010/main" val="3582154141"/>
+        <p14:creationId xmlns:p14="http://schemas.microsoft.com/office/powerpoint/2010/main" val="471617120"/>
       </p:ext>
     </p:extLst>
   </p:cSld>
@@ -12265,12 +13574,18 @@
 </p:sld>
 </file>
 
-<file path=ppt/slides/slide32.xml><?xml version="1.0" encoding="utf-8"?>
+<file path=ppt/slides/slide37.xml><?xml version="1.0" encoding="utf-8"?>
 <p:sld xmlns:a="http://schemas.openxmlformats.org/drawingml/2006/main" xmlns:r="http://schemas.openxmlformats.org/officeDocument/2006/relationships" xmlns:p="http://schemas.openxmlformats.org/presentationml/2006/main">
   <p:cSld>
     <p:spTree>
       <p:nvGrpSpPr>
-        <p:cNvPr id="1" name=""/>
+        <p:cNvPr id="1" name="">
+          <a:extLst>
+            <a:ext uri="{FF2B5EF4-FFF2-40B4-BE49-F238E27FC236}">
+              <a16:creationId xmlns:a16="http://schemas.microsoft.com/office/drawing/2014/main" id="{2DEF16D8-236A-A1EE-2E6B-D238CF621017}"/>
+            </a:ext>
+          </a:extLst>
+        </p:cNvPr>
         <p:cNvGrpSpPr/>
         <p:nvPr/>
       </p:nvGrpSpPr>
@@ -12284,14 +13599,20 @@
       </p:grpSpPr>
       <p:sp>
         <p:nvSpPr>
-          <p:cNvPr id="4" name="Rectangle 3"/>
+          <p:cNvPr id="4" name="Rectangle 3">
+            <a:extLst>
+              <a:ext uri="{FF2B5EF4-FFF2-40B4-BE49-F238E27FC236}">
+                <a16:creationId xmlns:a16="http://schemas.microsoft.com/office/drawing/2014/main" id="{55C073BB-FF1D-1723-0D36-10C4F07885DC}"/>
+              </a:ext>
+            </a:extLst>
+          </p:cNvPr>
           <p:cNvSpPr/>
           <p:nvPr/>
         </p:nvSpPr>
         <p:spPr>
           <a:xfrm>
-            <a:off x="9861630" y="0"/>
-            <a:ext cx="8426370" cy="10287000"/>
+            <a:off x="13030200" y="0"/>
+            <a:ext cx="5257800" cy="10287000"/>
           </a:xfrm>
           <a:prstGeom prst="rect">
             <a:avLst/>
@@ -12330,7 +13651,13 @@
       </p:sp>
       <p:pic>
         <p:nvPicPr>
-          <p:cNvPr id="2" name="Picture 1"/>
+          <p:cNvPr id="2" name="Picture 1">
+            <a:extLst>
+              <a:ext uri="{FF2B5EF4-FFF2-40B4-BE49-F238E27FC236}">
+                <a16:creationId xmlns:a16="http://schemas.microsoft.com/office/drawing/2014/main" id="{019A2EA5-2289-3368-4DB5-5B75B0B27999}"/>
+              </a:ext>
+            </a:extLst>
+          </p:cNvPr>
           <p:cNvPicPr>
             <a:picLocks noChangeAspect="1"/>
           </p:cNvPicPr>
@@ -12359,14 +13686,20 @@
       </p:pic>
       <p:sp>
         <p:nvSpPr>
-          <p:cNvPr id="3" name="TextBox 2"/>
+          <p:cNvPr id="3" name="TextBox 2">
+            <a:extLst>
+              <a:ext uri="{FF2B5EF4-FFF2-40B4-BE49-F238E27FC236}">
+                <a16:creationId xmlns:a16="http://schemas.microsoft.com/office/drawing/2014/main" id="{ED4BEF65-F57B-2F9E-3433-5C9A22961B50}"/>
+              </a:ext>
+            </a:extLst>
+          </p:cNvPr>
           <p:cNvSpPr txBox="1"/>
           <p:nvPr/>
         </p:nvSpPr>
         <p:spPr>
           <a:xfrm>
-            <a:off x="260431" y="329879"/>
-            <a:ext cx="8906720" cy="5186676"/>
+            <a:off x="260430" y="329879"/>
+            <a:ext cx="11855369" cy="8845370"/>
           </a:xfrm>
           <a:prstGeom prst="rect">
             <a:avLst/>
@@ -12386,7 +13719,7 @@
                 </a:solidFill>
                 <a:latin typeface="Pragmatica" panose="020B0403040502020204" pitchFamily="34" charset="0"/>
               </a:rPr>
-              <a:t>Modifying your Power App</a:t>
+              <a:t>Exercise: Create an Excel keyboard shortcut chatbot for Teams</a:t>
             </a:r>
           </a:p>
           <a:p>
@@ -12398,132 +13731,123 @@
             </a:endParaRPr>
           </a:p>
           <a:p>
-            <a:r>
-              <a:rPr lang="en-US" sz="4200" dirty="0">
-                <a:solidFill>
-                  <a:srgbClr val="CF3338"/>
-                </a:solidFill>
-                <a:latin typeface="Pragmatica" panose="020B0403040502020204" pitchFamily="34" charset="0"/>
-              </a:rPr>
-              <a:t>Continuing with our example:</a:t>
-            </a:r>
-          </a:p>
-          <a:p>
-            <a:endParaRPr lang="en-US" sz="4200" dirty="0">
-              <a:solidFill>
-                <a:srgbClr val="CF3338"/>
-              </a:solidFill>
-              <a:latin typeface="Pragmatica" panose="020B0403040502020204" pitchFamily="34" charset="0"/>
-            </a:endParaRPr>
-          </a:p>
-          <a:p>
-            <a:pPr marL="342900" marR="0" lvl="0" indent="-342900">
+            <a:pPr marL="685800" indent="-542925">
               <a:lnSpc>
                 <a:spcPct val="115000"/>
               </a:lnSpc>
               <a:spcBef>
-                <a:spcPts val="0"/>
+                <a:spcPts val="1125"/>
               </a:spcBef>
-              <a:spcAft>
-                <a:spcPts val="0"/>
-              </a:spcAft>
-              <a:buFont typeface="+mj-lt"/>
+              <a:buClr>
+                <a:srgbClr val="C00000"/>
+              </a:buClr>
+              <a:buSzPts val="2100"/>
+              <a:buFont typeface="Arial"/>
               <a:buAutoNum type="arabicPeriod"/>
             </a:pPr>
             <a:r>
-              <a:rPr lang="en-US" sz="3200" kern="100" dirty="0">
-                <a:solidFill>
-                  <a:srgbClr val="CF3338"/>
-                </a:solidFill>
-                <a:effectLst/>
+              <a:rPr lang="en-US" sz="3600" dirty="0">
+                <a:solidFill>
+                  <a:srgbClr val="C00000"/>
+                </a:solidFill>
                 <a:latin typeface="Pragmatica" panose="020B0403040502020204"/>
-                <a:ea typeface="Aptos" panose="020B0004020202020204" pitchFamily="34" charset="0"/>
-                <a:cs typeface="Times New Roman" panose="02020603050405020304" pitchFamily="18" charset="0"/>
-              </a:rPr>
-              <a:t>Adding required fields</a:t>
-            </a:r>
-          </a:p>
-          <a:p>
-            <a:pPr marL="342900" marR="0" lvl="0" indent="-342900">
+                <a:sym typeface="Consolas"/>
+              </a:rPr>
+              <a:t>Create a chatbot that helps users find Excel keyboard shortcuts, using only the provided “Excel keyboard shortcuts” cheat sheet as its knowledge base</a:t>
+            </a:r>
+          </a:p>
+          <a:p>
+            <a:pPr marL="685800" indent="-542925">
               <a:lnSpc>
                 <a:spcPct val="115000"/>
               </a:lnSpc>
               <a:spcBef>
-                <a:spcPts val="0"/>
+                <a:spcPts val="1125"/>
               </a:spcBef>
-              <a:spcAft>
-                <a:spcPts val="0"/>
-              </a:spcAft>
-              <a:buFont typeface="+mj-lt"/>
+              <a:buClr>
+                <a:srgbClr val="C00000"/>
+              </a:buClr>
+              <a:buSzPts val="2100"/>
+              <a:buFont typeface="Arial"/>
               <a:buAutoNum type="arabicPeriod"/>
             </a:pPr>
             <a:r>
-              <a:rPr lang="en-US" sz="3200" kern="100" dirty="0">
-                <a:solidFill>
-                  <a:srgbClr val="CF3338"/>
+              <a:rPr lang="en-US" sz="3600" dirty="0">
+                <a:solidFill>
+                  <a:srgbClr val="C00000"/>
                 </a:solidFill>
                 <a:latin typeface="Pragmatica" panose="020B0403040502020204"/>
-                <a:ea typeface="Aptos" panose="020B0004020202020204" pitchFamily="34" charset="0"/>
-                <a:cs typeface="Times New Roman" panose="02020603050405020304" pitchFamily="18" charset="0"/>
-              </a:rPr>
-              <a:t>Creating data validation dropdowns</a:t>
-            </a:r>
-          </a:p>
-          <a:p>
-            <a:pPr marL="342900" marR="0" lvl="0" indent="-342900">
+                <a:sym typeface="Consolas"/>
+              </a:rPr>
+              <a:t>Edit the “goodbye” topic to replace the default response (“okay, goodbye”) with a more engaging sign-off like “Keep on excelling,” then save and test </a:t>
+            </a:r>
+          </a:p>
+          <a:p>
+            <a:pPr marL="685800" indent="-542925">
               <a:lnSpc>
                 <a:spcPct val="115000"/>
               </a:lnSpc>
               <a:spcBef>
-                <a:spcPts val="0"/>
+                <a:spcPts val="1125"/>
               </a:spcBef>
-              <a:spcAft>
-                <a:spcPts val="0"/>
-              </a:spcAft>
-              <a:buFont typeface="+mj-lt"/>
+              <a:buClr>
+                <a:srgbClr val="C00000"/>
+              </a:buClr>
+              <a:buSzPts val="2100"/>
+              <a:buFont typeface="Arial"/>
               <a:buAutoNum type="arabicPeriod"/>
             </a:pPr>
             <a:r>
-              <a:rPr lang="en-US" sz="3200" kern="100" dirty="0">
-                <a:solidFill>
-                  <a:srgbClr val="CF3338"/>
-                </a:solidFill>
-                <a:effectLst/>
+              <a:rPr lang="en-US" sz="3600" dirty="0">
+                <a:solidFill>
+                  <a:srgbClr val="C00000"/>
+                </a:solidFill>
                 <a:latin typeface="Pragmatica" panose="020B0403040502020204"/>
-                <a:ea typeface="Aptos" panose="020B0004020202020204" pitchFamily="34" charset="0"/>
-                <a:cs typeface="Times New Roman" panose="02020603050405020304" pitchFamily="18" charset="0"/>
-              </a:rPr>
-              <a:t>Creating data validation on date ranges</a:t>
-            </a:r>
-          </a:p>
-          <a:p>
-            <a:pPr marR="0" lvl="0">
+                <a:sym typeface="Consolas"/>
+              </a:rPr>
+              <a:t>Publish the chatbot and launch it in Microsoft Teams to see it running inside an external app</a:t>
+            </a:r>
+          </a:p>
+          <a:p>
+            <a:pPr marL="142875">
               <a:lnSpc>
                 <a:spcPct val="115000"/>
               </a:lnSpc>
               <a:spcBef>
-                <a:spcPts val="0"/>
+                <a:spcPts val="1125"/>
               </a:spcBef>
-              <a:spcAft>
-                <a:spcPts val="0"/>
-              </a:spcAft>
-            </a:pPr>
-            <a:endParaRPr lang="en-US" sz="3200" kern="100" dirty="0">
-              <a:solidFill>
-                <a:srgbClr val="CF3338"/>
-              </a:solidFill>
-              <a:effectLst/>
-              <a:latin typeface="Pragmatica" panose="020B0403040502020204"/>
-              <a:ea typeface="Aptos" panose="020B0004020202020204" pitchFamily="34" charset="0"/>
-              <a:cs typeface="Times New Roman" panose="02020603050405020304" pitchFamily="18" charset="0"/>
-            </a:endParaRPr>
+              <a:buClr>
+                <a:srgbClr val="C00000"/>
+              </a:buClr>
+              <a:buSzPts val="2100"/>
+            </a:pPr>
+            <a:r>
+              <a:rPr lang="en-US" sz="3600" dirty="0">
+                <a:solidFill>
+                  <a:srgbClr val="C00000"/>
+                </a:solidFill>
+                <a:latin typeface="Pragmatica" panose="020B0403040502020204"/>
+                <a:sym typeface="Consolas"/>
+              </a:rPr>
+              <a:t>Folder: </a:t>
+            </a:r>
+            <a:r>
+              <a:rPr lang="en-US" sz="3600" dirty="0">
+                <a:solidFill>
+                  <a:srgbClr val="C00000"/>
+                </a:solidFill>
+                <a:latin typeface="Consolas" panose="020B0609020204030204" pitchFamily="49" charset="0"/>
+                <a:sym typeface="Consolas"/>
+              </a:rPr>
+              <a:t>copilot-studio-exercise</a:t>
+            </a:r>
           </a:p>
         </p:txBody>
       </p:sp>
     </p:spTree>
     <p:extLst>
       <p:ext uri="{BB962C8B-B14F-4D97-AF65-F5344CB8AC3E}">
-        <p14:creationId xmlns:p14="http://schemas.microsoft.com/office/powerpoint/2010/main" val="3663175356"/>
+        <p14:creationId xmlns:p14="http://schemas.microsoft.com/office/powerpoint/2010/main" val="3626983582"/>
       </p:ext>
     </p:extLst>
   </p:cSld>
@@ -12533,7 +13857,7 @@
 </p:sld>
 </file>
 
-<file path=ppt/slides/slide33.xml><?xml version="1.0" encoding="utf-8"?>
+<file path=ppt/slides/slide38.xml><?xml version="1.0" encoding="utf-8"?>
 <p:sld xmlns:a="http://schemas.openxmlformats.org/drawingml/2006/main" xmlns:r="http://schemas.openxmlformats.org/officeDocument/2006/relationships" xmlns:p="http://schemas.openxmlformats.org/presentationml/2006/main">
   <p:cSld>
     <p:spTree>
@@ -12541,7 +13865,7 @@
         <p:cNvPr id="1" name="">
           <a:extLst>
             <a:ext uri="{FF2B5EF4-FFF2-40B4-BE49-F238E27FC236}">
-              <a16:creationId xmlns:a16="http://schemas.microsoft.com/office/drawing/2014/main" id="{FC0679BB-E487-A9E3-1278-DBD7FB7F19FE}"/>
+              <a16:creationId xmlns:a16="http://schemas.microsoft.com/office/drawing/2014/main" id="{6A8F8FFE-158A-9FDC-051A-D88206B6219A}"/>
             </a:ext>
           </a:extLst>
         </p:cNvPr>
@@ -12556,500 +13880,15 @@
           <a:chExt cx="0" cy="0"/>
         </a:xfrm>
       </p:grpSpPr>
-      <p:sp>
-        <p:nvSpPr>
-          <p:cNvPr id="4" name="Rectangle 3">
-            <a:extLst>
-              <a:ext uri="{FF2B5EF4-FFF2-40B4-BE49-F238E27FC236}">
-                <a16:creationId xmlns:a16="http://schemas.microsoft.com/office/drawing/2014/main" id="{4B8E3D40-A823-8428-6682-B724027EAF41}"/>
-              </a:ext>
-            </a:extLst>
-          </p:cNvPr>
-          <p:cNvSpPr/>
-          <p:nvPr/>
-        </p:nvSpPr>
-        <p:spPr>
-          <a:xfrm>
-            <a:off x="9861630" y="0"/>
-            <a:ext cx="8426370" cy="10287000"/>
-          </a:xfrm>
-          <a:prstGeom prst="rect">
-            <a:avLst/>
-          </a:prstGeom>
-          <a:solidFill>
-            <a:srgbClr val="CF3338"/>
-          </a:solidFill>
-          <a:ln>
-            <a:noFill/>
-          </a:ln>
-        </p:spPr>
-        <p:style>
-          <a:lnRef idx="2">
-            <a:schemeClr val="accent1">
-              <a:shade val="50000"/>
-            </a:schemeClr>
-          </a:lnRef>
-          <a:fillRef idx="1">
-            <a:schemeClr val="accent1"/>
-          </a:fillRef>
-          <a:effectRef idx="0">
-            <a:schemeClr val="accent1"/>
-          </a:effectRef>
-          <a:fontRef idx="minor">
-            <a:schemeClr val="lt1"/>
-          </a:fontRef>
-        </p:style>
-        <p:txBody>
-          <a:bodyPr rtlCol="0" anchor="ctr"/>
-          <a:lstStyle/>
-          <a:p>
-            <a:pPr algn="ctr"/>
-            <a:endParaRPr lang="en-US" sz="2700"/>
-          </a:p>
-        </p:txBody>
-      </p:sp>
       <p:pic>
         <p:nvPicPr>
-          <p:cNvPr id="2" name="Picture 1">
+          <p:cNvPr id="10" name="Picture 9">
             <a:extLst>
               <a:ext uri="{FF2B5EF4-FFF2-40B4-BE49-F238E27FC236}">
-                <a16:creationId xmlns:a16="http://schemas.microsoft.com/office/drawing/2014/main" id="{F524E154-15C4-0B23-E9C5-29E2DD497327}"/>
+                <a16:creationId xmlns:a16="http://schemas.microsoft.com/office/drawing/2014/main" id="{1A854B57-40B5-4E04-E438-9349D85A32C2}"/>
               </a:ext>
             </a:extLst>
           </p:cNvPr>
-          <p:cNvPicPr>
-            <a:picLocks noChangeAspect="1"/>
-          </p:cNvPicPr>
-          <p:nvPr/>
-        </p:nvPicPr>
-        <p:blipFill rotWithShape="1">
-          <a:blip r:embed="rId3">
-            <a:extLst>
-              <a:ext uri="{28A0092B-C50C-407E-A947-70E740481C1C}">
-                <a14:useLocalDpi xmlns:a14="http://schemas.microsoft.com/office/drawing/2010/main" val="0"/>
-              </a:ext>
-            </a:extLst>
-          </a:blip>
-          <a:srcRect l="69227" t="33418" r="20112" b="50548"/>
-          <a:stretch/>
-        </p:blipFill>
-        <p:spPr>
-          <a:xfrm>
-            <a:off x="15579524" y="7544693"/>
-            <a:ext cx="2708477" cy="2987579"/>
-          </a:xfrm>
-          <a:prstGeom prst="rect">
-            <a:avLst/>
-          </a:prstGeom>
-        </p:spPr>
-      </p:pic>
-      <p:sp>
-        <p:nvSpPr>
-          <p:cNvPr id="3" name="TextBox 2">
-            <a:extLst>
-              <a:ext uri="{FF2B5EF4-FFF2-40B4-BE49-F238E27FC236}">
-                <a16:creationId xmlns:a16="http://schemas.microsoft.com/office/drawing/2014/main" id="{E1343823-9545-2632-2777-4994B59C3581}"/>
-              </a:ext>
-            </a:extLst>
-          </p:cNvPr>
-          <p:cNvSpPr txBox="1"/>
-          <p:nvPr/>
-        </p:nvSpPr>
-        <p:spPr>
-          <a:xfrm>
-            <a:off x="260431" y="329879"/>
-            <a:ext cx="8906720" cy="4897366"/>
-          </a:xfrm>
-          <a:prstGeom prst="rect">
-            <a:avLst/>
-          </a:prstGeom>
-          <a:noFill/>
-        </p:spPr>
-        <p:txBody>
-          <a:bodyPr wrap="square" rtlCol="0">
-            <a:spAutoFit/>
-          </a:bodyPr>
-          <a:lstStyle/>
-          <a:p>
-            <a:r>
-              <a:rPr lang="en-US" sz="6000" b="1" dirty="0">
-                <a:solidFill>
-                  <a:srgbClr val="CF3338"/>
-                </a:solidFill>
-                <a:latin typeface="Pragmatica" panose="020B0403040502020204" pitchFamily="34" charset="0"/>
-              </a:rPr>
-              <a:t>Deploying your Power App</a:t>
-            </a:r>
-          </a:p>
-          <a:p>
-            <a:endParaRPr lang="en-US" sz="4200" dirty="0">
-              <a:solidFill>
-                <a:srgbClr val="CF3338"/>
-              </a:solidFill>
-              <a:latin typeface="Pragmatica" panose="020B0403040502020204" pitchFamily="34" charset="0"/>
-            </a:endParaRPr>
-          </a:p>
-          <a:p>
-            <a:r>
-              <a:rPr lang="en-US" sz="4200" dirty="0">
-                <a:solidFill>
-                  <a:srgbClr val="CF3338"/>
-                </a:solidFill>
-                <a:latin typeface="Pragmatica" panose="020B0403040502020204" pitchFamily="34" charset="0"/>
-              </a:rPr>
-              <a:t>Continuing with our example:</a:t>
-            </a:r>
-          </a:p>
-          <a:p>
-            <a:endParaRPr lang="en-US" sz="6000" dirty="0">
-              <a:solidFill>
-                <a:srgbClr val="CF3338"/>
-              </a:solidFill>
-              <a:latin typeface="Pragmatica" panose="020B0403040502020204" pitchFamily="34" charset="0"/>
-            </a:endParaRPr>
-          </a:p>
-          <a:p>
-            <a:pPr marL="342900" marR="0" lvl="0" indent="-342900">
-              <a:lnSpc>
-                <a:spcPct val="115000"/>
-              </a:lnSpc>
-              <a:spcBef>
-                <a:spcPts val="0"/>
-              </a:spcBef>
-              <a:spcAft>
-                <a:spcPts val="0"/>
-              </a:spcAft>
-              <a:buFont typeface="+mj-lt"/>
-              <a:buAutoNum type="arabicPeriod"/>
-            </a:pPr>
-            <a:r>
-              <a:rPr lang="en-US" sz="3200" kern="100" dirty="0">
-                <a:solidFill>
-                  <a:srgbClr val="CF3338"/>
-                </a:solidFill>
-                <a:effectLst/>
-                <a:latin typeface="Pragmatica" panose="020B0403040502020204"/>
-                <a:ea typeface="Aptos" panose="020B0004020202020204" pitchFamily="34" charset="0"/>
-                <a:cs typeface="Times New Roman" panose="02020603050405020304" pitchFamily="18" charset="0"/>
-              </a:rPr>
-              <a:t>Preparing Excel workbook for external use</a:t>
-            </a:r>
-          </a:p>
-          <a:p>
-            <a:pPr marL="342900" marR="0" lvl="0" indent="-342900">
-              <a:lnSpc>
-                <a:spcPct val="115000"/>
-              </a:lnSpc>
-              <a:spcBef>
-                <a:spcPts val="0"/>
-              </a:spcBef>
-              <a:spcAft>
-                <a:spcPts val="0"/>
-              </a:spcAft>
-              <a:buFont typeface="+mj-lt"/>
-              <a:buAutoNum type="arabicPeriod"/>
-            </a:pPr>
-            <a:r>
-              <a:rPr lang="en-US" sz="3200" kern="100" dirty="0">
-                <a:solidFill>
-                  <a:srgbClr val="CF3338"/>
-                </a:solidFill>
-                <a:latin typeface="Pragmatica" panose="020B0403040502020204"/>
-                <a:ea typeface="Aptos" panose="020B0004020202020204" pitchFamily="34" charset="0"/>
-                <a:cs typeface="Times New Roman" panose="02020603050405020304" pitchFamily="18" charset="0"/>
-              </a:rPr>
-              <a:t>Migrating our app from development to production via ZIP folder</a:t>
-            </a:r>
-            <a:endParaRPr lang="en-US" sz="4200" dirty="0">
-              <a:solidFill>
-                <a:srgbClr val="CF3338"/>
-              </a:solidFill>
-              <a:latin typeface="Pragmatica" panose="020B0403040502020204" pitchFamily="34" charset="0"/>
-            </a:endParaRPr>
-          </a:p>
-        </p:txBody>
-      </p:sp>
-    </p:spTree>
-    <p:extLst>
-      <p:ext uri="{BB962C8B-B14F-4D97-AF65-F5344CB8AC3E}">
-        <p14:creationId xmlns:p14="http://schemas.microsoft.com/office/powerpoint/2010/main" val="946079916"/>
-      </p:ext>
-    </p:extLst>
-  </p:cSld>
-  <p:clrMapOvr>
-    <a:masterClrMapping/>
-  </p:clrMapOvr>
-</p:sld>
-</file>
-
-<file path=ppt/slides/slide34.xml><?xml version="1.0" encoding="utf-8"?>
-<p:sld xmlns:a="http://schemas.openxmlformats.org/drawingml/2006/main" xmlns:r="http://schemas.openxmlformats.org/officeDocument/2006/relationships" xmlns:p="http://schemas.openxmlformats.org/presentationml/2006/main">
-  <p:cSld>
-    <p:spTree>
-      <p:nvGrpSpPr>
-        <p:cNvPr id="1" name="">
-          <a:extLst>
-            <a:ext uri="{FF2B5EF4-FFF2-40B4-BE49-F238E27FC236}">
-              <a16:creationId xmlns:a16="http://schemas.microsoft.com/office/drawing/2014/main" id="{F4C0A7D7-7C73-6748-ED7C-823D116B8853}"/>
-            </a:ext>
-          </a:extLst>
-        </p:cNvPr>
-        <p:cNvGrpSpPr/>
-        <p:nvPr/>
-      </p:nvGrpSpPr>
-      <p:grpSpPr>
-        <a:xfrm>
-          <a:off x="0" y="0"/>
-          <a:ext cx="0" cy="0"/>
-          <a:chOff x="0" y="0"/>
-          <a:chExt cx="0" cy="0"/>
-        </a:xfrm>
-      </p:grpSpPr>
-      <p:sp>
-        <p:nvSpPr>
-          <p:cNvPr id="4" name="Rectangle 3">
-            <a:extLst>
-              <a:ext uri="{FF2B5EF4-FFF2-40B4-BE49-F238E27FC236}">
-                <a16:creationId xmlns:a16="http://schemas.microsoft.com/office/drawing/2014/main" id="{9FF099B0-C241-9D8F-6F66-8DF3A6C8C78C}"/>
-              </a:ext>
-            </a:extLst>
-          </p:cNvPr>
-          <p:cNvSpPr/>
-          <p:nvPr/>
-        </p:nvSpPr>
-        <p:spPr>
-          <a:xfrm>
-            <a:off x="9861630" y="0"/>
-            <a:ext cx="8426370" cy="10287000"/>
-          </a:xfrm>
-          <a:prstGeom prst="rect">
-            <a:avLst/>
-          </a:prstGeom>
-          <a:solidFill>
-            <a:srgbClr val="CF3338"/>
-          </a:solidFill>
-          <a:ln>
-            <a:noFill/>
-          </a:ln>
-        </p:spPr>
-        <p:style>
-          <a:lnRef idx="2">
-            <a:schemeClr val="accent1">
-              <a:shade val="50000"/>
-            </a:schemeClr>
-          </a:lnRef>
-          <a:fillRef idx="1">
-            <a:schemeClr val="accent1"/>
-          </a:fillRef>
-          <a:effectRef idx="0">
-            <a:schemeClr val="accent1"/>
-          </a:effectRef>
-          <a:fontRef idx="minor">
-            <a:schemeClr val="lt1"/>
-          </a:fontRef>
-        </p:style>
-        <p:txBody>
-          <a:bodyPr rtlCol="0" anchor="ctr"/>
-          <a:lstStyle/>
-          <a:p>
-            <a:pPr algn="ctr"/>
-            <a:endParaRPr lang="en-US" sz="2700"/>
-          </a:p>
-        </p:txBody>
-      </p:sp>
-      <p:pic>
-        <p:nvPicPr>
-          <p:cNvPr id="2" name="Picture 1">
-            <a:extLst>
-              <a:ext uri="{FF2B5EF4-FFF2-40B4-BE49-F238E27FC236}">
-                <a16:creationId xmlns:a16="http://schemas.microsoft.com/office/drawing/2014/main" id="{37009866-9C2D-166E-C0AF-AFB64B0A7C55}"/>
-              </a:ext>
-            </a:extLst>
-          </p:cNvPr>
-          <p:cNvPicPr>
-            <a:picLocks noChangeAspect="1"/>
-          </p:cNvPicPr>
-          <p:nvPr/>
-        </p:nvPicPr>
-        <p:blipFill rotWithShape="1">
-          <a:blip r:embed="rId3">
-            <a:extLst>
-              <a:ext uri="{28A0092B-C50C-407E-A947-70E740481C1C}">
-                <a14:useLocalDpi xmlns:a14="http://schemas.microsoft.com/office/drawing/2010/main" val="0"/>
-              </a:ext>
-            </a:extLst>
-          </a:blip>
-          <a:srcRect l="69227" t="33418" r="20112" b="50548"/>
-          <a:stretch/>
-        </p:blipFill>
-        <p:spPr>
-          <a:xfrm>
-            <a:off x="15579524" y="7544693"/>
-            <a:ext cx="2708477" cy="2987579"/>
-          </a:xfrm>
-          <a:prstGeom prst="rect">
-            <a:avLst/>
-          </a:prstGeom>
-        </p:spPr>
-      </p:pic>
-      <p:sp>
-        <p:nvSpPr>
-          <p:cNvPr id="3" name="TextBox 2">
-            <a:extLst>
-              <a:ext uri="{FF2B5EF4-FFF2-40B4-BE49-F238E27FC236}">
-                <a16:creationId xmlns:a16="http://schemas.microsoft.com/office/drawing/2014/main" id="{66D3EED5-4019-81EE-EB75-DDA5FF2D412E}"/>
-              </a:ext>
-            </a:extLst>
-          </p:cNvPr>
-          <p:cNvSpPr txBox="1"/>
-          <p:nvPr/>
-        </p:nvSpPr>
-        <p:spPr>
-          <a:xfrm>
-            <a:off x="260431" y="329879"/>
-            <a:ext cx="8906720" cy="4528034"/>
-          </a:xfrm>
-          <a:prstGeom prst="rect">
-            <a:avLst/>
-          </a:prstGeom>
-          <a:noFill/>
-        </p:spPr>
-        <p:txBody>
-          <a:bodyPr wrap="square" rtlCol="0">
-            <a:spAutoFit/>
-          </a:bodyPr>
-          <a:lstStyle/>
-          <a:p>
-            <a:r>
-              <a:rPr lang="en-US" sz="6000" b="1" dirty="0">
-                <a:solidFill>
-                  <a:srgbClr val="CF3338"/>
-                </a:solidFill>
-                <a:latin typeface="Pragmatica" panose="020B0403040502020204" pitchFamily="34" charset="0"/>
-              </a:rPr>
-              <a:t>Creating a Power App with images</a:t>
-            </a:r>
-          </a:p>
-          <a:p>
-            <a:endParaRPr lang="en-US" sz="6000" dirty="0">
-              <a:solidFill>
-                <a:srgbClr val="CF3338"/>
-              </a:solidFill>
-              <a:latin typeface="Pragmatica" panose="020B0403040502020204" pitchFamily="34" charset="0"/>
-            </a:endParaRPr>
-          </a:p>
-          <a:p>
-            <a:pPr marL="342900" marR="0" lvl="0" indent="-342900">
-              <a:lnSpc>
-                <a:spcPct val="115000"/>
-              </a:lnSpc>
-              <a:spcBef>
-                <a:spcPts val="0"/>
-              </a:spcBef>
-              <a:spcAft>
-                <a:spcPts val="0"/>
-              </a:spcAft>
-              <a:buFont typeface="+mj-lt"/>
-              <a:buAutoNum type="arabicPeriod"/>
-            </a:pPr>
-            <a:r>
-              <a:rPr lang="en-US" sz="3200" kern="100" dirty="0">
-                <a:solidFill>
-                  <a:srgbClr val="CF3338"/>
-                </a:solidFill>
-                <a:effectLst/>
-                <a:latin typeface="Pragmatica" panose="020B0403040502020204"/>
-                <a:ea typeface="Aptos" panose="020B0004020202020204" pitchFamily="34" charset="0"/>
-                <a:cs typeface="Times New Roman" panose="02020603050405020304" pitchFamily="18" charset="0"/>
-              </a:rPr>
-              <a:t>File: power-apps-challenge.xlsx</a:t>
-            </a:r>
-          </a:p>
-          <a:p>
-            <a:pPr marL="342900" marR="0" lvl="0" indent="-342900">
-              <a:lnSpc>
-                <a:spcPct val="115000"/>
-              </a:lnSpc>
-              <a:spcBef>
-                <a:spcPts val="0"/>
-              </a:spcBef>
-              <a:spcAft>
-                <a:spcPts val="0"/>
-              </a:spcAft>
-              <a:buFont typeface="+mj-lt"/>
-              <a:buAutoNum type="arabicPeriod"/>
-            </a:pPr>
-            <a:r>
-              <a:rPr lang="en-US" sz="3200" kern="100" dirty="0">
-                <a:solidFill>
-                  <a:srgbClr val="CF3338"/>
-                </a:solidFill>
-                <a:latin typeface="Pragmatica" panose="020B0403040502020204"/>
-                <a:cs typeface="Times New Roman" panose="02020603050405020304" pitchFamily="18" charset="0"/>
-              </a:rPr>
-              <a:t>Turn this into an app with photos!</a:t>
-            </a:r>
-          </a:p>
-          <a:p>
-            <a:pPr marL="342900" marR="0" lvl="0" indent="-342900">
-              <a:lnSpc>
-                <a:spcPct val="115000"/>
-              </a:lnSpc>
-              <a:spcBef>
-                <a:spcPts val="0"/>
-              </a:spcBef>
-              <a:spcAft>
-                <a:spcPts val="0"/>
-              </a:spcAft>
-              <a:buFont typeface="+mj-lt"/>
-              <a:buAutoNum type="arabicPeriod"/>
-            </a:pPr>
-            <a:r>
-              <a:rPr lang="en-US" sz="3200" kern="100" dirty="0">
-                <a:solidFill>
-                  <a:srgbClr val="CF3338"/>
-                </a:solidFill>
-                <a:latin typeface="Pragmatica" panose="020B0403040502020204"/>
-                <a:cs typeface="Times New Roman" panose="02020603050405020304" pitchFamily="18" charset="0"/>
-              </a:rPr>
-              <a:t>Use image URLs to populate values</a:t>
-            </a:r>
-          </a:p>
-        </p:txBody>
-      </p:sp>
-    </p:spTree>
-    <p:extLst>
-      <p:ext uri="{BB962C8B-B14F-4D97-AF65-F5344CB8AC3E}">
-        <p14:creationId xmlns:p14="http://schemas.microsoft.com/office/powerpoint/2010/main" val="2789196719"/>
-      </p:ext>
-    </p:extLst>
-  </p:cSld>
-  <p:clrMapOvr>
-    <a:masterClrMapping/>
-  </p:clrMapOvr>
-</p:sld>
-</file>
-
-<file path=ppt/slides/slide35.xml><?xml version="1.0" encoding="utf-8"?>
-<p:sld xmlns:a="http://schemas.openxmlformats.org/drawingml/2006/main" xmlns:r="http://schemas.openxmlformats.org/officeDocument/2006/relationships" xmlns:p="http://schemas.openxmlformats.org/presentationml/2006/main">
-  <p:cSld>
-    <p:spTree>
-      <p:nvGrpSpPr>
-        <p:cNvPr id="1" name=""/>
-        <p:cNvGrpSpPr/>
-        <p:nvPr/>
-      </p:nvGrpSpPr>
-      <p:grpSpPr>
-        <a:xfrm>
-          <a:off x="0" y="0"/>
-          <a:ext cx="0" cy="0"/>
-          <a:chOff x="0" y="0"/>
-          <a:chExt cx="0" cy="0"/>
-        </a:xfrm>
-      </p:grpSpPr>
-      <p:pic>
-        <p:nvPicPr>
-          <p:cNvPr id="10" name="Picture 9"/>
           <p:cNvPicPr>
             <a:picLocks noChangeAspect="1"/>
           </p:cNvPicPr>
@@ -13078,7 +13917,13 @@
       </p:pic>
       <p:pic>
         <p:nvPicPr>
-          <p:cNvPr id="4" name="Picture 3"/>
+          <p:cNvPr id="4" name="Picture 3">
+            <a:extLst>
+              <a:ext uri="{FF2B5EF4-FFF2-40B4-BE49-F238E27FC236}">
+                <a16:creationId xmlns:a16="http://schemas.microsoft.com/office/drawing/2014/main" id="{A1F26F84-9A6D-C7B1-105C-C9F00C2A4CFF}"/>
+              </a:ext>
+            </a:extLst>
+          </p:cNvPr>
           <p:cNvPicPr>
             <a:picLocks noChangeAspect="1"/>
           </p:cNvPicPr>
@@ -13108,7 +13953,13 @@
       </p:pic>
       <p:sp>
         <p:nvSpPr>
-          <p:cNvPr id="11" name="TextBox 10"/>
+          <p:cNvPr id="11" name="TextBox 10">
+            <a:extLst>
+              <a:ext uri="{FF2B5EF4-FFF2-40B4-BE49-F238E27FC236}">
+                <a16:creationId xmlns:a16="http://schemas.microsoft.com/office/drawing/2014/main" id="{19435C5F-0C01-26A6-7F3B-19F80F4301AF}"/>
+              </a:ext>
+            </a:extLst>
+          </p:cNvPr>
           <p:cNvSpPr txBox="1"/>
           <p:nvPr/>
         </p:nvSpPr>
@@ -13145,7 +13996,7 @@
           <p:cNvPr id="5" name="Picture 4">
             <a:extLst>
               <a:ext uri="{FF2B5EF4-FFF2-40B4-BE49-F238E27FC236}">
-                <a16:creationId xmlns:a16="http://schemas.microsoft.com/office/drawing/2014/main" id="{54A06221-5316-4BCF-9FDA-BDB95FF4A778}"/>
+                <a16:creationId xmlns:a16="http://schemas.microsoft.com/office/drawing/2014/main" id="{7A25274D-8C42-1ECF-607F-63D6238B83A1}"/>
               </a:ext>
             </a:extLst>
           </p:cNvPr>
@@ -13178,7 +14029,199 @@
     </p:spTree>
     <p:extLst>
       <p:ext uri="{BB962C8B-B14F-4D97-AF65-F5344CB8AC3E}">
-        <p14:creationId xmlns:p14="http://schemas.microsoft.com/office/powerpoint/2010/main" val="2869336279"/>
+        <p14:creationId xmlns:p14="http://schemas.microsoft.com/office/powerpoint/2010/main" val="1872379824"/>
+      </p:ext>
+    </p:extLst>
+  </p:cSld>
+  <p:clrMapOvr>
+    <a:masterClrMapping/>
+  </p:clrMapOvr>
+</p:sld>
+</file>
+
+<file path=ppt/slides/slide39.xml><?xml version="1.0" encoding="utf-8"?>
+<p:sld xmlns:a="http://schemas.openxmlformats.org/drawingml/2006/main" xmlns:r="http://schemas.openxmlformats.org/officeDocument/2006/relationships" xmlns:p="http://schemas.openxmlformats.org/presentationml/2006/main">
+  <p:cSld>
+    <p:spTree>
+      <p:nvGrpSpPr>
+        <p:cNvPr id="1" name="">
+          <a:extLst>
+            <a:ext uri="{FF2B5EF4-FFF2-40B4-BE49-F238E27FC236}">
+              <a16:creationId xmlns:a16="http://schemas.microsoft.com/office/drawing/2014/main" id="{2501CF9C-FC7D-DEAE-2D87-10577021DCAD}"/>
+            </a:ext>
+          </a:extLst>
+        </p:cNvPr>
+        <p:cNvGrpSpPr/>
+        <p:nvPr/>
+      </p:nvGrpSpPr>
+      <p:grpSpPr>
+        <a:xfrm>
+          <a:off x="0" y="0"/>
+          <a:ext cx="0" cy="0"/>
+          <a:chOff x="0" y="0"/>
+          <a:chExt cx="0" cy="0"/>
+        </a:xfrm>
+      </p:grpSpPr>
+      <p:pic>
+        <p:nvPicPr>
+          <p:cNvPr id="10" name="Picture 9">
+            <a:extLst>
+              <a:ext uri="{FF2B5EF4-FFF2-40B4-BE49-F238E27FC236}">
+                <a16:creationId xmlns:a16="http://schemas.microsoft.com/office/drawing/2014/main" id="{56CBD8B9-A494-A7F7-0F64-845B951EC99F}"/>
+              </a:ext>
+            </a:extLst>
+          </p:cNvPr>
+          <p:cNvPicPr>
+            <a:picLocks noChangeAspect="1"/>
+          </p:cNvPicPr>
+          <p:nvPr/>
+        </p:nvPicPr>
+        <p:blipFill>
+          <a:blip r:embed="rId2">
+            <a:extLst>
+              <a:ext uri="{28A0092B-C50C-407E-A947-70E740481C1C}">
+                <a14:useLocalDpi xmlns:a14="http://schemas.microsoft.com/office/drawing/2010/main" val="0"/>
+              </a:ext>
+            </a:extLst>
+          </a:blip>
+          <a:srcRect/>
+          <a:stretch/>
+        </p:blipFill>
+        <p:spPr>
+          <a:xfrm>
+            <a:off x="13542796" y="4850092"/>
+            <a:ext cx="4745204" cy="5435819"/>
+          </a:xfrm>
+          <a:prstGeom prst="rect">
+            <a:avLst/>
+          </a:prstGeom>
+        </p:spPr>
+      </p:pic>
+      <p:pic>
+        <p:nvPicPr>
+          <p:cNvPr id="4" name="Picture 3">
+            <a:extLst>
+              <a:ext uri="{FF2B5EF4-FFF2-40B4-BE49-F238E27FC236}">
+                <a16:creationId xmlns:a16="http://schemas.microsoft.com/office/drawing/2014/main" id="{AC63943A-3FAF-22B6-228E-4092BA65ACAF}"/>
+              </a:ext>
+            </a:extLst>
+          </p:cNvPr>
+          <p:cNvPicPr>
+            <a:picLocks noChangeAspect="1"/>
+          </p:cNvPicPr>
+          <p:nvPr/>
+        </p:nvPicPr>
+        <p:blipFill>
+          <a:blip r:embed="rId3">
+            <a:extLst>
+              <a:ext uri="{28A0092B-C50C-407E-A947-70E740481C1C}">
+                <a14:useLocalDpi xmlns:a14="http://schemas.microsoft.com/office/drawing/2010/main" val="0"/>
+              </a:ext>
+            </a:extLst>
+          </a:blip>
+          <a:stretch>
+            <a:fillRect/>
+          </a:stretch>
+        </p:blipFill>
+        <p:spPr>
+          <a:xfrm>
+            <a:off x="-914400" y="-3440159"/>
+            <a:ext cx="15257208" cy="11189825"/>
+          </a:xfrm>
+          <a:prstGeom prst="rect">
+            <a:avLst/>
+          </a:prstGeom>
+        </p:spPr>
+      </p:pic>
+      <p:sp>
+        <p:nvSpPr>
+          <p:cNvPr id="11" name="TextBox 10">
+            <a:extLst>
+              <a:ext uri="{FF2B5EF4-FFF2-40B4-BE49-F238E27FC236}">
+                <a16:creationId xmlns:a16="http://schemas.microsoft.com/office/drawing/2014/main" id="{5DFCEBB5-9C7D-6182-700C-0428AD2DDE67}"/>
+              </a:ext>
+            </a:extLst>
+          </p:cNvPr>
+          <p:cNvSpPr txBox="1"/>
+          <p:nvPr/>
+        </p:nvSpPr>
+        <p:spPr>
+          <a:xfrm>
+            <a:off x="486137" y="2531318"/>
+            <a:ext cx="11979797" cy="923330"/>
+          </a:xfrm>
+          <a:prstGeom prst="rect">
+            <a:avLst/>
+          </a:prstGeom>
+          <a:noFill/>
+        </p:spPr>
+        <p:txBody>
+          <a:bodyPr wrap="square" rtlCol="0">
+            <a:spAutoFit/>
+          </a:bodyPr>
+          <a:lstStyle/>
+          <a:p>
+            <a:r>
+              <a:rPr lang="en-US" sz="5400" b="1" dirty="0">
+                <a:solidFill>
+                  <a:srgbClr val="CF3338"/>
+                </a:solidFill>
+                <a:latin typeface="Pragmatica" panose="020B0403040502020204" pitchFamily="34" charset="0"/>
+              </a:rPr>
+              <a:t>THANK YOU</a:t>
+            </a:r>
+          </a:p>
+        </p:txBody>
+      </p:sp>
+      <p:sp>
+        <p:nvSpPr>
+          <p:cNvPr id="2" name="AutoShape 2" descr="Home | Full Stack Modeller">
+            <a:extLst>
+              <a:ext uri="{FF2B5EF4-FFF2-40B4-BE49-F238E27FC236}">
+                <a16:creationId xmlns:a16="http://schemas.microsoft.com/office/drawing/2014/main" id="{16E5F1F1-B220-BEC5-B5EA-499D4942916C}"/>
+              </a:ext>
+            </a:extLst>
+          </p:cNvPr>
+          <p:cNvSpPr>
+            <a:spLocks noChangeAspect="1" noChangeArrowheads="1"/>
+          </p:cNvSpPr>
+          <p:nvPr/>
+        </p:nvSpPr>
+        <p:spPr bwMode="auto">
+          <a:xfrm>
+            <a:off x="8991600" y="4991100"/>
+            <a:ext cx="304800" cy="304800"/>
+          </a:xfrm>
+          <a:prstGeom prst="rect">
+            <a:avLst/>
+          </a:prstGeom>
+          <a:noFill/>
+          <a:extLst>
+            <a:ext uri="{909E8E84-426E-40DD-AFC4-6F175D3DCCD1}">
+              <a14:hiddenFill xmlns:a14="http://schemas.microsoft.com/office/drawing/2010/main">
+                <a:solidFill>
+                  <a:srgbClr val="FFFFFF"/>
+                </a:solidFill>
+              </a14:hiddenFill>
+            </a:ext>
+          </a:extLst>
+        </p:spPr>
+        <p:txBody>
+          <a:bodyPr vert="horz" wrap="square" lIns="91440" tIns="45720" rIns="91440" bIns="45720" numCol="1" anchor="t" anchorCtr="0" compatLnSpc="1">
+            <a:prstTxWarp prst="textNoShape">
+              <a:avLst/>
+            </a:prstTxWarp>
+          </a:bodyPr>
+          <a:lstStyle/>
+          <a:p>
+            <a:endParaRPr lang="en-US"/>
+          </a:p>
+        </p:txBody>
+      </p:sp>
+    </p:spTree>
+    <p:extLst>
+      <p:ext uri="{BB962C8B-B14F-4D97-AF65-F5344CB8AC3E}">
+        <p14:creationId xmlns:p14="http://schemas.microsoft.com/office/powerpoint/2010/main" val="709344641"/>
       </p:ext>
     </p:extLst>
   </p:cSld>
@@ -13611,230 +14654,6 @@
   <p:cSld>
     <p:spTree>
       <p:nvGrpSpPr>
-        <p:cNvPr id="1" name="">
-          <a:extLst>
-            <a:ext uri="{FF2B5EF4-FFF2-40B4-BE49-F238E27FC236}">
-              <a16:creationId xmlns:a16="http://schemas.microsoft.com/office/drawing/2014/main" id="{697E5B28-E999-E4C9-EE02-190DC5195B02}"/>
-            </a:ext>
-          </a:extLst>
-        </p:cNvPr>
-        <p:cNvGrpSpPr/>
-        <p:nvPr/>
-      </p:nvGrpSpPr>
-      <p:grpSpPr>
-        <a:xfrm>
-          <a:off x="0" y="0"/>
-          <a:ext cx="0" cy="0"/>
-          <a:chOff x="0" y="0"/>
-          <a:chExt cx="0" cy="0"/>
-        </a:xfrm>
-      </p:grpSpPr>
-      <p:sp>
-        <p:nvSpPr>
-          <p:cNvPr id="11" name="TextBox 10">
-            <a:extLst>
-              <a:ext uri="{FF2B5EF4-FFF2-40B4-BE49-F238E27FC236}">
-                <a16:creationId xmlns:a16="http://schemas.microsoft.com/office/drawing/2014/main" id="{E0D62066-20E6-099B-56A3-7AD6C4DD4944}"/>
-              </a:ext>
-            </a:extLst>
-          </p:cNvPr>
-          <p:cNvSpPr txBox="1"/>
-          <p:nvPr/>
-        </p:nvSpPr>
-        <p:spPr>
-          <a:xfrm>
-            <a:off x="520861" y="170082"/>
-            <a:ext cx="14642939" cy="1477328"/>
-          </a:xfrm>
-          <a:prstGeom prst="rect">
-            <a:avLst/>
-          </a:prstGeom>
-          <a:noFill/>
-        </p:spPr>
-        <p:txBody>
-          <a:bodyPr wrap="square" rtlCol="0">
-            <a:spAutoFit/>
-          </a:bodyPr>
-          <a:lstStyle/>
-          <a:p>
-            <a:r>
-              <a:rPr lang="en-US" sz="9000" dirty="0">
-                <a:latin typeface="Aliens &amp; cows" panose="00000500000000000000" pitchFamily="2" charset="0"/>
-              </a:rPr>
-              <a:t>Power Automate availability</a:t>
-            </a:r>
-          </a:p>
-        </p:txBody>
-      </p:sp>
-      <p:sp>
-        <p:nvSpPr>
-          <p:cNvPr id="3" name="TextBox 2">
-            <a:extLst>
-              <a:ext uri="{FF2B5EF4-FFF2-40B4-BE49-F238E27FC236}">
-                <a16:creationId xmlns:a16="http://schemas.microsoft.com/office/drawing/2014/main" id="{7D17241E-EF14-E952-C4E0-0D0F6D522102}"/>
-              </a:ext>
-            </a:extLst>
-          </p:cNvPr>
-          <p:cNvSpPr txBox="1"/>
-          <p:nvPr/>
-        </p:nvSpPr>
-        <p:spPr>
-          <a:xfrm>
-            <a:off x="520861" y="3191948"/>
-            <a:ext cx="14393120" cy="3323987"/>
-          </a:xfrm>
-          <a:prstGeom prst="rect">
-            <a:avLst/>
-          </a:prstGeom>
-          <a:noFill/>
-        </p:spPr>
-        <p:txBody>
-          <a:bodyPr wrap="square" rtlCol="0">
-            <a:spAutoFit/>
-          </a:bodyPr>
-          <a:lstStyle/>
-          <a:p>
-            <a:pPr marL="685800" indent="-685800">
-              <a:buClr>
-                <a:srgbClr val="CF3338"/>
-              </a:buClr>
-              <a:buFont typeface="Arial" panose="020B0604020202020204" pitchFamily="34" charset="0"/>
-              <a:buChar char="•"/>
-            </a:pPr>
-            <a:r>
-              <a:rPr lang="en-US" sz="4200" dirty="0">
-                <a:solidFill>
-                  <a:srgbClr val="707070"/>
-                </a:solidFill>
-                <a:latin typeface="Pragmatica" panose="020B0403040502020204" pitchFamily="34" charset="0"/>
-              </a:rPr>
-              <a:t>Power Apps Developer Plan: </a:t>
-            </a:r>
-            <a:r>
-              <a:rPr lang="en-US" sz="4200" dirty="0">
-                <a:solidFill>
-                  <a:srgbClr val="707070"/>
-                </a:solidFill>
-                <a:latin typeface="Pragmatica" panose="020B0403040502020204" pitchFamily="34" charset="0"/>
-                <a:hlinkClick r:id="rId2"/>
-              </a:rPr>
-              <a:t>https://www.microsoft.com/en-us/power-platform/products/power-apps/free</a:t>
-            </a:r>
-            <a:r>
-              <a:rPr lang="en-US" sz="4200" dirty="0">
-                <a:solidFill>
-                  <a:srgbClr val="707070"/>
-                </a:solidFill>
-                <a:latin typeface="Pragmatica" panose="020B0403040502020204" pitchFamily="34" charset="0"/>
-              </a:rPr>
-              <a:t> </a:t>
-            </a:r>
-          </a:p>
-          <a:p>
-            <a:pPr marL="685800" indent="-685800">
-              <a:buClr>
-                <a:srgbClr val="CF3338"/>
-              </a:buClr>
-              <a:buFont typeface="Arial" panose="020B0604020202020204" pitchFamily="34" charset="0"/>
-              <a:buChar char="•"/>
-            </a:pPr>
-            <a:r>
-              <a:rPr lang="en-US" sz="4200" dirty="0">
-                <a:solidFill>
-                  <a:srgbClr val="707070"/>
-                </a:solidFill>
-                <a:latin typeface="Pragmatica" panose="020B0403040502020204" pitchFamily="34" charset="0"/>
-              </a:rPr>
-              <a:t>Office Scripts: Please see </a:t>
-            </a:r>
-            <a:r>
-              <a:rPr lang="en-US" sz="4200" dirty="0">
-                <a:solidFill>
-                  <a:srgbClr val="707070"/>
-                </a:solidFill>
-                <a:latin typeface="Pragmatica" panose="020B0403040502020204" pitchFamily="34" charset="0"/>
-                <a:hlinkClick r:id="rId3"/>
-              </a:rPr>
-              <a:t>https://learn.microsoft.com/en-us/office/dev/scripts/testing/platform-limits?tabs=business</a:t>
-            </a:r>
-            <a:endParaRPr lang="en-US" sz="4200" dirty="0">
-              <a:solidFill>
-                <a:srgbClr val="707070"/>
-              </a:solidFill>
-              <a:latin typeface="Pragmatica" panose="020B0403040502020204" pitchFamily="34" charset="0"/>
-            </a:endParaRPr>
-          </a:p>
-          <a:p>
-            <a:pPr marL="1143000" lvl="1" indent="-685800">
-              <a:buClr>
-                <a:srgbClr val="CF3338"/>
-              </a:buClr>
-              <a:buFont typeface="Arial" panose="020B0604020202020204" pitchFamily="34" charset="0"/>
-              <a:buChar char="•"/>
-            </a:pPr>
-            <a:endParaRPr lang="en-US" sz="4200" dirty="0">
-              <a:solidFill>
-                <a:srgbClr val="707070"/>
-              </a:solidFill>
-              <a:latin typeface="Pragmatica" panose="020B0403040502020204" pitchFamily="34" charset="0"/>
-            </a:endParaRPr>
-          </a:p>
-        </p:txBody>
-      </p:sp>
-      <p:pic>
-        <p:nvPicPr>
-          <p:cNvPr id="15" name="Picture 14" descr="A close up of a sign&#10;&#10;Description automatically generated">
-            <a:extLst>
-              <a:ext uri="{FF2B5EF4-FFF2-40B4-BE49-F238E27FC236}">
-                <a16:creationId xmlns:a16="http://schemas.microsoft.com/office/drawing/2014/main" id="{9BA6E79F-3CBC-EC9B-079E-6736C36D9EF2}"/>
-              </a:ext>
-            </a:extLst>
-          </p:cNvPr>
-          <p:cNvPicPr>
-            <a:picLocks noChangeAspect="1"/>
-          </p:cNvPicPr>
-          <p:nvPr/>
-        </p:nvPicPr>
-        <p:blipFill>
-          <a:blip r:embed="rId4">
-            <a:extLst>
-              <a:ext uri="{28A0092B-C50C-407E-A947-70E740481C1C}">
-                <a14:useLocalDpi xmlns:a14="http://schemas.microsoft.com/office/drawing/2010/main" val="0"/>
-              </a:ext>
-            </a:extLst>
-          </a:blip>
-          <a:stretch>
-            <a:fillRect/>
-          </a:stretch>
-        </p:blipFill>
-        <p:spPr>
-          <a:xfrm>
-            <a:off x="16341036" y="8058429"/>
-            <a:ext cx="1942857" cy="2228571"/>
-          </a:xfrm>
-          <a:prstGeom prst="rect">
-            <a:avLst/>
-          </a:prstGeom>
-        </p:spPr>
-      </p:pic>
-    </p:spTree>
-    <p:extLst>
-      <p:ext uri="{BB962C8B-B14F-4D97-AF65-F5344CB8AC3E}">
-        <p14:creationId xmlns:p14="http://schemas.microsoft.com/office/powerpoint/2010/main" val="1950870612"/>
-      </p:ext>
-    </p:extLst>
-  </p:cSld>
-  <p:clrMapOvr>
-    <a:masterClrMapping/>
-  </p:clrMapOvr>
-</p:sld>
-</file>
-
-<file path=ppt/slides/slide8.xml><?xml version="1.0" encoding="utf-8"?>
-<p:sld xmlns:a="http://schemas.openxmlformats.org/drawingml/2006/main" xmlns:r="http://schemas.openxmlformats.org/officeDocument/2006/relationships" xmlns:p="http://schemas.openxmlformats.org/presentationml/2006/main">
-  <p:cSld>
-    <p:spTree>
-      <p:nvGrpSpPr>
         <p:cNvPr id="1" name=""/>
         <p:cNvGrpSpPr/>
         <p:nvPr/>
@@ -14063,7 +14882,7 @@
 </p:sld>
 </file>
 
-<file path=ppt/slides/slide9.xml><?xml version="1.0" encoding="utf-8"?>
+<file path=ppt/slides/slide8.xml><?xml version="1.0" encoding="utf-8"?>
 <p:sld xmlns:a="http://schemas.openxmlformats.org/drawingml/2006/main" xmlns:r="http://schemas.openxmlformats.org/officeDocument/2006/relationships" xmlns:p="http://schemas.openxmlformats.org/presentationml/2006/main">
   <p:cSld>
     <p:spTree>
@@ -14308,6 +15127,303 @@
     <p:extLst>
       <p:ext uri="{BB962C8B-B14F-4D97-AF65-F5344CB8AC3E}">
         <p14:creationId xmlns:p14="http://schemas.microsoft.com/office/powerpoint/2010/main" val="1679221718"/>
+      </p:ext>
+    </p:extLst>
+  </p:cSld>
+  <p:clrMapOvr>
+    <a:masterClrMapping/>
+  </p:clrMapOvr>
+</p:sld>
+</file>
+
+<file path=ppt/slides/slide9.xml><?xml version="1.0" encoding="utf-8"?>
+<p:sld xmlns:a="http://schemas.openxmlformats.org/drawingml/2006/main" xmlns:r="http://schemas.openxmlformats.org/officeDocument/2006/relationships" xmlns:p="http://schemas.openxmlformats.org/presentationml/2006/main">
+  <p:cSld>
+    <p:spTree>
+      <p:nvGrpSpPr>
+        <p:cNvPr id="1" name="">
+          <a:extLst>
+            <a:ext uri="{FF2B5EF4-FFF2-40B4-BE49-F238E27FC236}">
+              <a16:creationId xmlns:a16="http://schemas.microsoft.com/office/drawing/2014/main" id="{FC0679BB-E487-A9E3-1278-DBD7FB7F19FE}"/>
+            </a:ext>
+          </a:extLst>
+        </p:cNvPr>
+        <p:cNvGrpSpPr/>
+        <p:nvPr/>
+      </p:nvGrpSpPr>
+      <p:grpSpPr>
+        <a:xfrm>
+          <a:off x="0" y="0"/>
+          <a:ext cx="0" cy="0"/>
+          <a:chOff x="0" y="0"/>
+          <a:chExt cx="0" cy="0"/>
+        </a:xfrm>
+      </p:grpSpPr>
+      <p:sp>
+        <p:nvSpPr>
+          <p:cNvPr id="4" name="Rectangle 3">
+            <a:extLst>
+              <a:ext uri="{FF2B5EF4-FFF2-40B4-BE49-F238E27FC236}">
+                <a16:creationId xmlns:a16="http://schemas.microsoft.com/office/drawing/2014/main" id="{4B8E3D40-A823-8428-6682-B724027EAF41}"/>
+              </a:ext>
+            </a:extLst>
+          </p:cNvPr>
+          <p:cNvSpPr/>
+          <p:nvPr/>
+        </p:nvSpPr>
+        <p:spPr>
+          <a:xfrm>
+            <a:off x="9861630" y="0"/>
+            <a:ext cx="8426370" cy="10287000"/>
+          </a:xfrm>
+          <a:prstGeom prst="rect">
+            <a:avLst/>
+          </a:prstGeom>
+          <a:solidFill>
+            <a:srgbClr val="CF3338"/>
+          </a:solidFill>
+          <a:ln>
+            <a:noFill/>
+          </a:ln>
+        </p:spPr>
+        <p:style>
+          <a:lnRef idx="2">
+            <a:schemeClr val="accent1">
+              <a:shade val="50000"/>
+            </a:schemeClr>
+          </a:lnRef>
+          <a:fillRef idx="1">
+            <a:schemeClr val="accent1"/>
+          </a:fillRef>
+          <a:effectRef idx="0">
+            <a:schemeClr val="accent1"/>
+          </a:effectRef>
+          <a:fontRef idx="minor">
+            <a:schemeClr val="lt1"/>
+          </a:fontRef>
+        </p:style>
+        <p:txBody>
+          <a:bodyPr rtlCol="0" anchor="ctr"/>
+          <a:lstStyle/>
+          <a:p>
+            <a:pPr algn="ctr"/>
+            <a:endParaRPr lang="en-US" sz="2700"/>
+          </a:p>
+        </p:txBody>
+      </p:sp>
+      <p:pic>
+        <p:nvPicPr>
+          <p:cNvPr id="2" name="Picture 1">
+            <a:extLst>
+              <a:ext uri="{FF2B5EF4-FFF2-40B4-BE49-F238E27FC236}">
+                <a16:creationId xmlns:a16="http://schemas.microsoft.com/office/drawing/2014/main" id="{F524E154-15C4-0B23-E9C5-29E2DD497327}"/>
+              </a:ext>
+            </a:extLst>
+          </p:cNvPr>
+          <p:cNvPicPr>
+            <a:picLocks noChangeAspect="1"/>
+          </p:cNvPicPr>
+          <p:nvPr/>
+        </p:nvPicPr>
+        <p:blipFill rotWithShape="1">
+          <a:blip r:embed="rId3">
+            <a:extLst>
+              <a:ext uri="{28A0092B-C50C-407E-A947-70E740481C1C}">
+                <a14:useLocalDpi xmlns:a14="http://schemas.microsoft.com/office/drawing/2010/main" val="0"/>
+              </a:ext>
+            </a:extLst>
+          </a:blip>
+          <a:srcRect l="69227" t="33418" r="20112" b="50548"/>
+          <a:stretch/>
+        </p:blipFill>
+        <p:spPr>
+          <a:xfrm>
+            <a:off x="15579524" y="7544693"/>
+            <a:ext cx="2708477" cy="2987579"/>
+          </a:xfrm>
+          <a:prstGeom prst="rect">
+            <a:avLst/>
+          </a:prstGeom>
+        </p:spPr>
+      </p:pic>
+      <p:sp>
+        <p:nvSpPr>
+          <p:cNvPr id="3" name="TextBox 2">
+            <a:extLst>
+              <a:ext uri="{FF2B5EF4-FFF2-40B4-BE49-F238E27FC236}">
+                <a16:creationId xmlns:a16="http://schemas.microsoft.com/office/drawing/2014/main" id="{E1343823-9545-2632-2777-4994B59C3581}"/>
+              </a:ext>
+            </a:extLst>
+          </p:cNvPr>
+          <p:cNvSpPr txBox="1"/>
+          <p:nvPr/>
+        </p:nvSpPr>
+        <p:spPr>
+          <a:xfrm>
+            <a:off x="260431" y="329879"/>
+            <a:ext cx="8906720" cy="6791154"/>
+          </a:xfrm>
+          <a:prstGeom prst="rect">
+            <a:avLst/>
+          </a:prstGeom>
+          <a:noFill/>
+        </p:spPr>
+        <p:txBody>
+          <a:bodyPr wrap="square" rtlCol="0">
+            <a:spAutoFit/>
+          </a:bodyPr>
+          <a:lstStyle/>
+          <a:p>
+            <a:r>
+              <a:rPr lang="en-US" sz="6000" b="1" dirty="0">
+                <a:solidFill>
+                  <a:srgbClr val="CF3338"/>
+                </a:solidFill>
+                <a:latin typeface="Pragmatica" panose="020B0403040502020204" pitchFamily="34" charset="0"/>
+              </a:rPr>
+              <a:t>Building flows with Copilot</a:t>
+            </a:r>
+          </a:p>
+          <a:p>
+            <a:endParaRPr lang="en-US" sz="4200" dirty="0">
+              <a:solidFill>
+                <a:srgbClr val="CF3338"/>
+              </a:solidFill>
+              <a:latin typeface="Pragmatica" panose="020B0403040502020204" pitchFamily="34" charset="0"/>
+            </a:endParaRPr>
+          </a:p>
+          <a:p>
+            <a:pPr marL="342900" marR="0" lvl="0" indent="-342900">
+              <a:lnSpc>
+                <a:spcPct val="115000"/>
+              </a:lnSpc>
+              <a:spcBef>
+                <a:spcPts val="0"/>
+              </a:spcBef>
+              <a:spcAft>
+                <a:spcPts val="0"/>
+              </a:spcAft>
+              <a:buFont typeface="+mj-lt"/>
+              <a:buAutoNum type="arabicPeriod"/>
+            </a:pPr>
+            <a:r>
+              <a:rPr lang="en-US" sz="3400" kern="100" dirty="0">
+                <a:solidFill>
+                  <a:srgbClr val="CF3338"/>
+                </a:solidFill>
+                <a:effectLst/>
+                <a:latin typeface="Pragmatica" panose="020B0403040502020204"/>
+                <a:ea typeface="Aptos" panose="020B0004020202020204" pitchFamily="34" charset="0"/>
+                <a:cs typeface="Times New Roman" panose="02020603050405020304" pitchFamily="18" charset="0"/>
+              </a:rPr>
+              <a:t>Get AI assistance to build a flow</a:t>
+            </a:r>
+          </a:p>
+          <a:p>
+            <a:pPr marL="342900" marR="0" lvl="0" indent="-342900">
+              <a:lnSpc>
+                <a:spcPct val="115000"/>
+              </a:lnSpc>
+              <a:spcBef>
+                <a:spcPts val="0"/>
+              </a:spcBef>
+              <a:spcAft>
+                <a:spcPts val="0"/>
+              </a:spcAft>
+              <a:buFont typeface="+mj-lt"/>
+              <a:buAutoNum type="arabicPeriod"/>
+            </a:pPr>
+            <a:r>
+              <a:rPr lang="en-US" sz="3400" kern="100" dirty="0">
+                <a:solidFill>
+                  <a:srgbClr val="CF3338"/>
+                </a:solidFill>
+                <a:latin typeface="Pragmatica" panose="020B0403040502020204"/>
+                <a:ea typeface="Aptos" panose="020B0004020202020204" pitchFamily="34" charset="0"/>
+                <a:cs typeface="Times New Roman" panose="02020603050405020304" pitchFamily="18" charset="0"/>
+              </a:rPr>
+              <a:t>Create a monthly email/post to Teams based on data in a workbook</a:t>
+            </a:r>
+            <a:endParaRPr lang="en-US" sz="3400" kern="100" dirty="0">
+              <a:solidFill>
+                <a:srgbClr val="CF3338"/>
+              </a:solidFill>
+              <a:effectLst/>
+              <a:latin typeface="Pragmatica" panose="020B0403040502020204"/>
+              <a:ea typeface="Aptos" panose="020B0004020202020204" pitchFamily="34" charset="0"/>
+              <a:cs typeface="Times New Roman" panose="02020603050405020304" pitchFamily="18" charset="0"/>
+            </a:endParaRPr>
+          </a:p>
+          <a:p>
+            <a:pPr marL="142875">
+              <a:lnSpc>
+                <a:spcPct val="115000"/>
+              </a:lnSpc>
+              <a:spcBef>
+                <a:spcPts val="1125"/>
+              </a:spcBef>
+              <a:buClr>
+                <a:srgbClr val="C00000"/>
+              </a:buClr>
+              <a:buSzPts val="2100"/>
+            </a:pPr>
+            <a:r>
+              <a:rPr lang="en-US" sz="3400" dirty="0">
+                <a:solidFill>
+                  <a:srgbClr val="C00000"/>
+                </a:solidFill>
+                <a:latin typeface="Pragmatica" panose="020B0403040502020204"/>
+                <a:sym typeface="Consolas"/>
+              </a:rPr>
+              <a:t>File: </a:t>
+            </a:r>
+            <a:r>
+              <a:rPr lang="en-US" sz="3400" dirty="0">
+                <a:solidFill>
+                  <a:srgbClr val="C00000"/>
+                </a:solidFill>
+                <a:latin typeface="Consolas" panose="020B0609020204030204" pitchFamily="49" charset="0"/>
+                <a:sym typeface="Consolas"/>
+              </a:rPr>
+              <a:t>power-automate-copilot.xlsx</a:t>
+            </a:r>
+          </a:p>
+          <a:p>
+            <a:pPr marL="142875">
+              <a:lnSpc>
+                <a:spcPct val="115000"/>
+              </a:lnSpc>
+              <a:spcBef>
+                <a:spcPts val="1125"/>
+              </a:spcBef>
+              <a:buClr>
+                <a:srgbClr val="C00000"/>
+              </a:buClr>
+              <a:buSzPts val="2100"/>
+            </a:pPr>
+            <a:r>
+              <a:rPr lang="en-US" sz="3400" dirty="0">
+                <a:solidFill>
+                  <a:srgbClr val="C00000"/>
+                </a:solidFill>
+                <a:latin typeface="Pragmatica" panose="020B0403040502020204"/>
+                <a:sym typeface="Consolas"/>
+              </a:rPr>
+              <a:t>Resource: https://stringfestanalytics.com/power-automate-for-excel-how-to-build-flows-with-copilot/</a:t>
+            </a:r>
+            <a:endParaRPr lang="en-US" sz="3400" dirty="0">
+              <a:solidFill>
+                <a:srgbClr val="CF3338"/>
+              </a:solidFill>
+              <a:latin typeface="Pragmatica" panose="020B0403040502020204"/>
+            </a:endParaRPr>
+          </a:p>
+        </p:txBody>
+      </p:sp>
+    </p:spTree>
+    <p:extLst>
+      <p:ext uri="{BB962C8B-B14F-4D97-AF65-F5344CB8AC3E}">
+        <p14:creationId xmlns:p14="http://schemas.microsoft.com/office/powerpoint/2010/main" val="445953425"/>
       </p:ext>
     </p:extLst>
   </p:cSld>

--- a/gxls-power-platform-slides.pptx
+++ b/gxls-power-platform-slides.pptx
@@ -8,7 +8,7 @@
     <p:notesMasterId r:id="rId41"/>
   </p:notesMasterIdLst>
   <p:sldIdLst>
-    <p:sldId id="256" r:id="rId2"/>
+    <p:sldId id="444" r:id="rId2"/>
     <p:sldId id="425" r:id="rId3"/>
     <p:sldId id="426" r:id="rId4"/>
     <p:sldId id="455" r:id="rId5"/>
@@ -282,7 +282,7 @@
           <a:p>
             <a:fld id="{17A98A70-FA8C-4354-959C-C70678AC9BCF}" type="datetimeFigureOut">
               <a:rPr lang="en-US" smtClean="0"/>
-              <a:t>10/20/2025</a:t>
+              <a:t>11/11/2025</a:t>
             </a:fld>
             <a:endParaRPr lang="en-US"/>
           </a:p>
@@ -3489,7 +3489,7 @@
             <a:fld id="{1D8BD707-D9CF-40AE-B4C6-C98DA3205C09}" type="datetimeFigureOut">
               <a:rPr lang="en-US" smtClean="0"/>
               <a:pPr/>
-              <a:t>10/20/2025</a:t>
+              <a:t>11/11/2025</a:t>
             </a:fld>
             <a:endParaRPr lang="en-US"/>
           </a:p>
@@ -3654,7 +3654,7 @@
             <a:fld id="{1D8BD707-D9CF-40AE-B4C6-C98DA3205C09}" type="datetimeFigureOut">
               <a:rPr lang="en-US" smtClean="0"/>
               <a:pPr/>
-              <a:t>10/20/2025</a:t>
+              <a:t>11/11/2025</a:t>
             </a:fld>
             <a:endParaRPr lang="en-US"/>
           </a:p>
@@ -3829,7 +3829,7 @@
             <a:fld id="{1D8BD707-D9CF-40AE-B4C6-C98DA3205C09}" type="datetimeFigureOut">
               <a:rPr lang="en-US" smtClean="0"/>
               <a:pPr/>
-              <a:t>10/20/2025</a:t>
+              <a:t>11/11/2025</a:t>
             </a:fld>
             <a:endParaRPr lang="en-US"/>
           </a:p>
@@ -3994,7 +3994,7 @@
             <a:fld id="{1D8BD707-D9CF-40AE-B4C6-C98DA3205C09}" type="datetimeFigureOut">
               <a:rPr lang="en-US" smtClean="0"/>
               <a:pPr/>
-              <a:t>10/20/2025</a:t>
+              <a:t>11/11/2025</a:t>
             </a:fld>
             <a:endParaRPr lang="en-US"/>
           </a:p>
@@ -4236,7 +4236,7 @@
             <a:fld id="{1D8BD707-D9CF-40AE-B4C6-C98DA3205C09}" type="datetimeFigureOut">
               <a:rPr lang="en-US" smtClean="0"/>
               <a:pPr/>
-              <a:t>10/20/2025</a:t>
+              <a:t>11/11/2025</a:t>
             </a:fld>
             <a:endParaRPr lang="en-US"/>
           </a:p>
@@ -4518,7 +4518,7 @@
             <a:fld id="{1D8BD707-D9CF-40AE-B4C6-C98DA3205C09}" type="datetimeFigureOut">
               <a:rPr lang="en-US" smtClean="0"/>
               <a:pPr/>
-              <a:t>10/20/2025</a:t>
+              <a:t>11/11/2025</a:t>
             </a:fld>
             <a:endParaRPr lang="en-US"/>
           </a:p>
@@ -4934,7 +4934,7 @@
             <a:fld id="{1D8BD707-D9CF-40AE-B4C6-C98DA3205C09}" type="datetimeFigureOut">
               <a:rPr lang="en-US" smtClean="0"/>
               <a:pPr/>
-              <a:t>10/20/2025</a:t>
+              <a:t>11/11/2025</a:t>
             </a:fld>
             <a:endParaRPr lang="en-US"/>
           </a:p>
@@ -5048,7 +5048,7 @@
             <a:fld id="{1D8BD707-D9CF-40AE-B4C6-C98DA3205C09}" type="datetimeFigureOut">
               <a:rPr lang="en-US" smtClean="0"/>
               <a:pPr/>
-              <a:t>10/20/2025</a:t>
+              <a:t>11/11/2025</a:t>
             </a:fld>
             <a:endParaRPr lang="en-US"/>
           </a:p>
@@ -5140,7 +5140,7 @@
             <a:fld id="{1D8BD707-D9CF-40AE-B4C6-C98DA3205C09}" type="datetimeFigureOut">
               <a:rPr lang="en-US" smtClean="0"/>
               <a:pPr/>
-              <a:t>10/20/2025</a:t>
+              <a:t>11/11/2025</a:t>
             </a:fld>
             <a:endParaRPr lang="en-US"/>
           </a:p>
@@ -5412,7 +5412,7 @@
             <a:fld id="{1D8BD707-D9CF-40AE-B4C6-C98DA3205C09}" type="datetimeFigureOut">
               <a:rPr lang="en-US" smtClean="0"/>
               <a:pPr/>
-              <a:t>10/20/2025</a:t>
+              <a:t>11/11/2025</a:t>
             </a:fld>
             <a:endParaRPr lang="en-US"/>
           </a:p>
@@ -5661,7 +5661,7 @@
             <a:fld id="{1D8BD707-D9CF-40AE-B4C6-C98DA3205C09}" type="datetimeFigureOut">
               <a:rPr lang="en-US" smtClean="0"/>
               <a:pPr/>
-              <a:t>10/20/2025</a:t>
+              <a:t>11/11/2025</a:t>
             </a:fld>
             <a:endParaRPr lang="en-US"/>
           </a:p>
@@ -5874,7 +5874,7 @@
             <a:fld id="{1D8BD707-D9CF-40AE-B4C6-C98DA3205C09}" type="datetimeFigureOut">
               <a:rPr lang="en-US" smtClean="0"/>
               <a:pPr/>
-              <a:t>10/20/2025</a:t>
+              <a:t>11/11/2025</a:t>
             </a:fld>
             <a:endParaRPr lang="en-US"/>
           </a:p>
@@ -6247,57 +6247,102 @@
       </p:grpSpPr>
       <p:pic>
         <p:nvPicPr>
-          <p:cNvPr id="10" name="Picture 9"/>
+          <p:cNvPr id="5" name="Picture 4">
+            <a:extLst>
+              <a:ext uri="{FF2B5EF4-FFF2-40B4-BE49-F238E27FC236}">
+                <a16:creationId xmlns:a16="http://schemas.microsoft.com/office/drawing/2014/main" id="{58EB9D66-9CB4-B474-27D6-F594F19E2A76}"/>
+              </a:ext>
+            </a:extLst>
+          </p:cNvPr>
           <p:cNvPicPr>
             <a:picLocks noChangeAspect="1"/>
           </p:cNvPicPr>
           <p:nvPr/>
         </p:nvPicPr>
         <p:blipFill>
-          <a:blip r:embed="rId2">
-            <a:extLst>
-              <a:ext uri="{28A0092B-C50C-407E-A947-70E740481C1C}">
-                <a14:useLocalDpi xmlns:a14="http://schemas.microsoft.com/office/drawing/2010/main" val="0"/>
-              </a:ext>
-            </a:extLst>
-          </a:blip>
+          <a:blip r:embed="rId2"/>
           <a:srcRect/>
           <a:stretch/>
         </p:blipFill>
         <p:spPr>
           <a:xfrm>
-            <a:off x="13542796" y="4850092"/>
-            <a:ext cx="4745204" cy="5435819"/>
+            <a:off x="0" y="0"/>
+            <a:ext cx="18288000" cy="10287000"/>
           </a:xfrm>
           <a:prstGeom prst="rect">
             <a:avLst/>
           </a:prstGeom>
         </p:spPr>
       </p:pic>
+      <p:sp>
+        <p:nvSpPr>
+          <p:cNvPr id="2" name="Title 1">
+            <a:extLst>
+              <a:ext uri="{FF2B5EF4-FFF2-40B4-BE49-F238E27FC236}">
+                <a16:creationId xmlns:a16="http://schemas.microsoft.com/office/drawing/2014/main" id="{6F578B23-3522-A45E-113D-CFC55209E2C5}"/>
+              </a:ext>
+            </a:extLst>
+          </p:cNvPr>
+          <p:cNvSpPr>
+            <a:spLocks noGrp="1"/>
+          </p:cNvSpPr>
+          <p:nvPr>
+            <p:ph type="ctrTitle"/>
+          </p:nvPr>
+        </p:nvSpPr>
+        <p:spPr>
+          <a:xfrm>
+            <a:off x="2286000" y="2598656"/>
+            <a:ext cx="13716000" cy="3581400"/>
+          </a:xfrm>
+        </p:spPr>
+        <p:txBody>
+          <a:bodyPr>
+            <a:normAutofit fontScale="90000"/>
+          </a:bodyPr>
+          <a:lstStyle/>
+          <a:p>
+            <a:r>
+              <a:rPr lang="en-US" sz="9900" b="1" dirty="0">
+                <a:solidFill>
+                  <a:srgbClr val="241F62"/>
+                </a:solidFill>
+                <a:latin typeface="+mn-lt"/>
+              </a:rPr>
+              <a:t>Becoming a Citizen Developer with the Power Platform</a:t>
+            </a:r>
+            <a:endParaRPr lang="en-BG" sz="9900" b="1" dirty="0">
+              <a:solidFill>
+                <a:srgbClr val="241F62"/>
+              </a:solidFill>
+              <a:latin typeface="+mn-lt"/>
+            </a:endParaRPr>
+          </a:p>
+        </p:txBody>
+      </p:sp>
       <p:pic>
         <p:nvPicPr>
-          <p:cNvPr id="4" name="Picture 3"/>
+          <p:cNvPr id="7" name="Picture 6">
+            <a:extLst>
+              <a:ext uri="{FF2B5EF4-FFF2-40B4-BE49-F238E27FC236}">
+                <a16:creationId xmlns:a16="http://schemas.microsoft.com/office/drawing/2014/main" id="{CADADD3B-A58B-45A3-D5DF-D99E4EB05D2C}"/>
+              </a:ext>
+            </a:extLst>
+          </p:cNvPr>
           <p:cNvPicPr>
             <a:picLocks noChangeAspect="1"/>
           </p:cNvPicPr>
           <p:nvPr/>
         </p:nvPicPr>
         <p:blipFill>
-          <a:blip r:embed="rId3">
-            <a:extLst>
-              <a:ext uri="{28A0092B-C50C-407E-A947-70E740481C1C}">
-                <a14:useLocalDpi xmlns:a14="http://schemas.microsoft.com/office/drawing/2010/main" val="0"/>
-              </a:ext>
-            </a:extLst>
-          </a:blip>
-          <a:stretch>
-            <a:fillRect/>
-          </a:stretch>
+          <a:blip r:embed="rId3"/>
+          <a:srcRect b="22069"/>
+          <a:stretch/>
         </p:blipFill>
         <p:spPr>
           <a:xfrm>
-            <a:off x="-914400" y="-3440159"/>
-            <a:ext cx="15257208" cy="11189825"/>
+            <a:off x="8153400" y="8430867"/>
+            <a:ext cx="1981200" cy="979833"/>
           </a:xfrm>
           <a:prstGeom prst="rect">
             <a:avLst/>
@@ -6306,87 +6351,73 @@
       </p:pic>
       <p:sp>
         <p:nvSpPr>
-          <p:cNvPr id="11" name="TextBox 10"/>
-          <p:cNvSpPr txBox="1"/>
+          <p:cNvPr id="3" name="Title 1">
+            <a:extLst>
+              <a:ext uri="{FF2B5EF4-FFF2-40B4-BE49-F238E27FC236}">
+                <a16:creationId xmlns:a16="http://schemas.microsoft.com/office/drawing/2014/main" id="{51C8D1E5-24B9-FEAC-440F-B059007D73CE}"/>
+              </a:ext>
+            </a:extLst>
+          </p:cNvPr>
+          <p:cNvSpPr txBox="1">
+            <a:spLocks/>
+          </p:cNvSpPr>
           <p:nvPr/>
         </p:nvSpPr>
         <p:spPr>
           <a:xfrm>
-            <a:off x="486137" y="2531318"/>
-            <a:ext cx="11979797" cy="1754326"/>
+            <a:off x="13454742" y="548858"/>
+            <a:ext cx="4082145" cy="945771"/>
           </a:xfrm>
           <a:prstGeom prst="rect">
             <a:avLst/>
           </a:prstGeom>
-          <a:noFill/>
         </p:spPr>
         <p:txBody>
-          <a:bodyPr wrap="square" rtlCol="0">
-            <a:spAutoFit/>
+          <a:bodyPr vert="horz" lIns="137160" tIns="68580" rIns="137160" bIns="68580" rtlCol="0" anchor="ctr">
+            <a:normAutofit/>
           </a:bodyPr>
-          <a:lstStyle/>
-          <a:p>
-            <a:r>
-              <a:rPr lang="en-US" sz="5400" b="1" dirty="0">
-                <a:solidFill>
-                  <a:srgbClr val="CF3338"/>
-                </a:solidFill>
-                <a:latin typeface="Pragmatica" panose="020B0403040502020204" pitchFamily="34" charset="0"/>
-              </a:rPr>
-              <a:t>Becoming a Citizen Developer with the Power Platform</a:t>
-            </a:r>
-          </a:p>
-        </p:txBody>
-      </p:sp>
-      <p:sp>
-        <p:nvSpPr>
-          <p:cNvPr id="2" name="AutoShape 2" descr="Home | Full Stack Modeller">
-            <a:extLst>
-              <a:ext uri="{FF2B5EF4-FFF2-40B4-BE49-F238E27FC236}">
-                <a16:creationId xmlns:a16="http://schemas.microsoft.com/office/drawing/2014/main" id="{6CCAA77C-4E76-640C-066C-F3E39EE1AC92}"/>
-              </a:ext>
-            </a:extLst>
-          </p:cNvPr>
-          <p:cNvSpPr>
-            <a:spLocks noChangeAspect="1" noChangeArrowheads="1"/>
-          </p:cNvSpPr>
-          <p:nvPr/>
-        </p:nvSpPr>
-        <p:spPr bwMode="auto">
-          <a:xfrm>
-            <a:off x="8991600" y="4991100"/>
-            <a:ext cx="304800" cy="304800"/>
-          </a:xfrm>
-          <a:prstGeom prst="rect">
-            <a:avLst/>
-          </a:prstGeom>
-          <a:noFill/>
-          <a:extLst>
-            <a:ext uri="{909E8E84-426E-40DD-AFC4-6F175D3DCCD1}">
-              <a14:hiddenFill xmlns:a14="http://schemas.microsoft.com/office/drawing/2010/main">
-                <a:solidFill>
-                  <a:srgbClr val="FFFFFF"/>
-                </a:solidFill>
-              </a14:hiddenFill>
-            </a:ext>
-          </a:extLst>
-        </p:spPr>
-        <p:txBody>
-          <a:bodyPr vert="horz" wrap="square" lIns="91440" tIns="45720" rIns="91440" bIns="45720" numCol="1" anchor="t" anchorCtr="0" compatLnSpc="1">
-            <a:prstTxWarp prst="textNoShape">
-              <a:avLst/>
-            </a:prstTxWarp>
-          </a:bodyPr>
-          <a:lstStyle/>
-          <a:p>
-            <a:endParaRPr lang="en-US"/>
+          <a:lstStyle>
+            <a:lvl1pPr algn="l" defTabSz="914400" rtl="0" eaLnBrk="1" latinLnBrk="0" hangingPunct="1">
+              <a:lnSpc>
+                <a:spcPct val="90000"/>
+              </a:lnSpc>
+              <a:spcBef>
+                <a:spcPct val="0"/>
+              </a:spcBef>
+              <a:buNone/>
+              <a:defRPr sz="4800" b="1" kern="1200">
+                <a:solidFill>
+                  <a:schemeClr val="bg1"/>
+                </a:solidFill>
+                <a:latin typeface="+mn-lt"/>
+                <a:ea typeface="+mj-ea"/>
+                <a:cs typeface="+mj-cs"/>
+              </a:defRPr>
+            </a:lvl1pPr>
+          </a:lstStyle>
+          <a:p>
+            <a:r>
+              <a:rPr lang="en-GB" sz="4200" dirty="0">
+                <a:solidFill>
+                  <a:srgbClr val="241F62"/>
+                </a:solidFill>
+                <a:latin typeface="+mj-lt"/>
+              </a:rPr>
+              <a:t>George Mount</a:t>
+            </a:r>
+            <a:endParaRPr lang="en-BG" sz="4200" dirty="0">
+              <a:solidFill>
+                <a:srgbClr val="241F62"/>
+              </a:solidFill>
+              <a:latin typeface="+mj-lt"/>
+            </a:endParaRPr>
           </a:p>
         </p:txBody>
       </p:sp>
     </p:spTree>
     <p:extLst>
       <p:ext uri="{BB962C8B-B14F-4D97-AF65-F5344CB8AC3E}">
-        <p14:creationId xmlns:p14="http://schemas.microsoft.com/office/powerpoint/2010/main" val="355659117"/>
+        <p14:creationId xmlns:p14="http://schemas.microsoft.com/office/powerpoint/2010/main" val="2757564342"/>
       </p:ext>
     </p:extLst>
   </p:cSld>
